--- a/images/theory_analysis/OpenStack_Neutron/OpenStack_Network_Neutron.pptx
+++ b/images/theory_analysis/OpenStack_Neutron/OpenStack_Network_Neutron.pptx
@@ -218,7 +218,7 @@
           <a:p>
             <a:fld id="{6CD5550B-26C4-49A9-A5BA-636EF7BE6CE9}" type="datetimeFigureOut">
               <a:rPr lang="ko-KR" altLang="en-US" smtClean="0"/>
-              <a:t>2018-11-26</a:t>
+              <a:t>2018-11-28</a:t>
             </a:fld>
             <a:endParaRPr lang="ko-KR" altLang="en-US"/>
           </a:p>
@@ -832,7 +832,7 @@
           <a:p>
             <a:fld id="{FB30EDBD-1C2D-4C1E-B459-B60219FAB484}" type="datetimeFigureOut">
               <a:rPr lang="ko-KR" altLang="en-US" smtClean="0"/>
-              <a:t>2018-11-26</a:t>
+              <a:t>2018-11-28</a:t>
             </a:fld>
             <a:endParaRPr lang="ko-KR" altLang="en-US"/>
           </a:p>
@@ -995,7 +995,7 @@
           <a:p>
             <a:fld id="{FB30EDBD-1C2D-4C1E-B459-B60219FAB484}" type="datetimeFigureOut">
               <a:rPr lang="ko-KR" altLang="en-US" smtClean="0"/>
-              <a:t>2018-11-26</a:t>
+              <a:t>2018-11-28</a:t>
             </a:fld>
             <a:endParaRPr lang="ko-KR" altLang="en-US"/>
           </a:p>
@@ -1168,7 +1168,7 @@
           <a:p>
             <a:fld id="{FB30EDBD-1C2D-4C1E-B459-B60219FAB484}" type="datetimeFigureOut">
               <a:rPr lang="ko-KR" altLang="en-US" smtClean="0"/>
-              <a:t>2018-11-26</a:t>
+              <a:t>2018-11-28</a:t>
             </a:fld>
             <a:endParaRPr lang="ko-KR" altLang="en-US"/>
           </a:p>
@@ -1331,7 +1331,7 @@
           <a:p>
             <a:fld id="{FB30EDBD-1C2D-4C1E-B459-B60219FAB484}" type="datetimeFigureOut">
               <a:rPr lang="ko-KR" altLang="en-US" smtClean="0"/>
-              <a:t>2018-11-26</a:t>
+              <a:t>2018-11-28</a:t>
             </a:fld>
             <a:endParaRPr lang="ko-KR" altLang="en-US"/>
           </a:p>
@@ -1571,7 +1571,7 @@
           <a:p>
             <a:fld id="{FB30EDBD-1C2D-4C1E-B459-B60219FAB484}" type="datetimeFigureOut">
               <a:rPr lang="ko-KR" altLang="en-US" smtClean="0"/>
-              <a:t>2018-11-26</a:t>
+              <a:t>2018-11-28</a:t>
             </a:fld>
             <a:endParaRPr lang="ko-KR" altLang="en-US"/>
           </a:p>
@@ -1851,7 +1851,7 @@
           <a:p>
             <a:fld id="{FB30EDBD-1C2D-4C1E-B459-B60219FAB484}" type="datetimeFigureOut">
               <a:rPr lang="ko-KR" altLang="en-US" smtClean="0"/>
-              <a:t>2018-11-26</a:t>
+              <a:t>2018-11-28</a:t>
             </a:fld>
             <a:endParaRPr lang="ko-KR" altLang="en-US"/>
           </a:p>
@@ -2265,7 +2265,7 @@
           <a:p>
             <a:fld id="{FB30EDBD-1C2D-4C1E-B459-B60219FAB484}" type="datetimeFigureOut">
               <a:rPr lang="ko-KR" altLang="en-US" smtClean="0"/>
-              <a:t>2018-11-26</a:t>
+              <a:t>2018-11-28</a:t>
             </a:fld>
             <a:endParaRPr lang="ko-KR" altLang="en-US"/>
           </a:p>
@@ -2377,7 +2377,7 @@
           <a:p>
             <a:fld id="{FB30EDBD-1C2D-4C1E-B459-B60219FAB484}" type="datetimeFigureOut">
               <a:rPr lang="ko-KR" altLang="en-US" smtClean="0"/>
-              <a:t>2018-11-26</a:t>
+              <a:t>2018-11-28</a:t>
             </a:fld>
             <a:endParaRPr lang="ko-KR" altLang="en-US"/>
           </a:p>
@@ -2467,7 +2467,7 @@
           <a:p>
             <a:fld id="{FB30EDBD-1C2D-4C1E-B459-B60219FAB484}" type="datetimeFigureOut">
               <a:rPr lang="ko-KR" altLang="en-US" smtClean="0"/>
-              <a:t>2018-11-26</a:t>
+              <a:t>2018-11-28</a:t>
             </a:fld>
             <a:endParaRPr lang="ko-KR" altLang="en-US"/>
           </a:p>
@@ -2737,7 +2737,7 @@
           <a:p>
             <a:fld id="{FB30EDBD-1C2D-4C1E-B459-B60219FAB484}" type="datetimeFigureOut">
               <a:rPr lang="ko-KR" altLang="en-US" smtClean="0"/>
-              <a:t>2018-11-26</a:t>
+              <a:t>2018-11-28</a:t>
             </a:fld>
             <a:endParaRPr lang="ko-KR" altLang="en-US"/>
           </a:p>
@@ -2984,7 +2984,7 @@
           <a:p>
             <a:fld id="{FB30EDBD-1C2D-4C1E-B459-B60219FAB484}" type="datetimeFigureOut">
               <a:rPr lang="ko-KR" altLang="en-US" smtClean="0"/>
-              <a:t>2018-11-26</a:t>
+              <a:t>2018-11-28</a:t>
             </a:fld>
             <a:endParaRPr lang="ko-KR" altLang="en-US"/>
           </a:p>
@@ -3190,7 +3190,7 @@
           <a:p>
             <a:fld id="{FB30EDBD-1C2D-4C1E-B459-B60219FAB484}" type="datetimeFigureOut">
               <a:rPr lang="ko-KR" altLang="en-US" smtClean="0"/>
-              <a:t>2018-11-26</a:t>
+              <a:t>2018-11-28</a:t>
             </a:fld>
             <a:endParaRPr lang="ko-KR" altLang="en-US"/>
           </a:p>
@@ -3865,7 +3865,7 @@
         </p:blipFill>
         <p:spPr bwMode="auto">
           <a:xfrm>
-            <a:off x="4189284" y="3574538"/>
+            <a:off x="4189284" y="3685430"/>
             <a:ext cx="571722" cy="545273"/>
           </a:xfrm>
           <a:prstGeom prst="rect">
@@ -3892,7 +3892,7 @@
         <p:spPr>
           <a:xfrm>
             <a:off x="866061" y="3296097"/>
-            <a:ext cx="3332389" cy="551078"/>
+            <a:ext cx="3332389" cy="660274"/>
           </a:xfrm>
           <a:custGeom>
             <a:avLst/>
@@ -3968,7 +3968,7 @@
         </p:nvSpPr>
         <p:spPr>
           <a:xfrm>
-            <a:off x="3746381" y="4222610"/>
+            <a:off x="3746381" y="4333502"/>
             <a:ext cx="1457528" cy="545273"/>
           </a:xfrm>
           <a:prstGeom prst="cloud">
@@ -4012,7 +4012,7 @@
         </p:nvCxnSpPr>
         <p:spPr>
           <a:xfrm>
-            <a:off x="4475145" y="4105970"/>
+            <a:off x="4475145" y="4216862"/>
             <a:ext cx="0" cy="147816"/>
           </a:xfrm>
           <a:prstGeom prst="line">
@@ -4141,7 +4141,7 @@
         <p:spPr>
           <a:xfrm>
             <a:off x="1226101" y="2785569"/>
-            <a:ext cx="4387156" cy="689032"/>
+            <a:ext cx="4305134" cy="689032"/>
           </a:xfrm>
           <a:custGeom>
             <a:avLst/>
@@ -4248,7 +4248,7 @@
         <p:spPr>
           <a:xfrm flipH="1">
             <a:off x="4761006" y="3242288"/>
-            <a:ext cx="3289594" cy="604887"/>
+            <a:ext cx="3289594" cy="714083"/>
           </a:xfrm>
           <a:custGeom>
             <a:avLst/>
@@ -4493,7 +4493,7 @@
         </p:nvSpPr>
         <p:spPr>
           <a:xfrm>
-            <a:off x="4394453" y="3540978"/>
+            <a:off x="4394453" y="3651870"/>
             <a:ext cx="1544674" cy="307777"/>
           </a:xfrm>
           <a:prstGeom prst="rect">
@@ -4536,8 +4536,8 @@
         </p:nvSpPr>
         <p:spPr>
           <a:xfrm>
-            <a:off x="2921787" y="3540978"/>
-            <a:ext cx="1544674" cy="307777"/>
+            <a:off x="1043608" y="3651870"/>
+            <a:ext cx="3134821" cy="307777"/>
           </a:xfrm>
           <a:prstGeom prst="rect">
             <a:avLst/>
@@ -4552,12 +4552,12 @@
           <a:p>
             <a:pPr algn="ctr"/>
             <a:r>
-              <a:rPr lang="en-US" altLang="ko-KR" sz="1400" b="1" dirty="0">
+              <a:rPr lang="en-US" altLang="ko-KR" sz="1400" b="1">
                 <a:solidFill>
                   <a:srgbClr val="C00000"/>
                 </a:solidFill>
               </a:rPr>
-              <a:t>External</a:t>
+              <a:t>External / Provider Network</a:t>
             </a:r>
             <a:endParaRPr lang="ko-KR" altLang="en-US" sz="1400" b="1" dirty="0">
               <a:solidFill>
@@ -4575,7 +4575,7 @@
         </p:nvSpPr>
         <p:spPr>
           <a:xfrm>
-            <a:off x="2738269" y="2946824"/>
+            <a:off x="2655080" y="2946824"/>
             <a:ext cx="3606371" cy="523220"/>
           </a:xfrm>
           <a:prstGeom prst="rect">
@@ -4596,7 +4596,7 @@
                   <a:schemeClr val="accent1"/>
                 </a:solidFill>
               </a:rPr>
-              <a:t>Guest = Self-service </a:t>
+              <a:t>Guest / Provider, </a:t>
             </a:r>
           </a:p>
           <a:p>
@@ -4607,7 +4607,7 @@
                   <a:schemeClr val="accent1"/>
                 </a:solidFill>
               </a:rPr>
-              <a:t>Network</a:t>
+              <a:t>Self-service Network</a:t>
             </a:r>
             <a:endParaRPr lang="ko-KR" altLang="en-US" sz="1400" b="1" dirty="0">
               <a:solidFill>
@@ -5207,110 +5207,6 @@
           </p:txBody>
         </p:sp>
       </p:grpSp>
-      <p:sp>
-        <p:nvSpPr>
-          <p:cNvPr id="3" name="타원 2">
-            <a:extLst>
-              <a:ext uri="{FF2B5EF4-FFF2-40B4-BE49-F238E27FC236}">
-                <a16:creationId xmlns:a16="http://schemas.microsoft.com/office/drawing/2014/main" id="{AD537B5C-CB4A-414A-85CD-6180DA2598F7}"/>
-              </a:ext>
-            </a:extLst>
-          </p:cNvPr>
-          <p:cNvSpPr/>
-          <p:nvPr/>
-        </p:nvSpPr>
-        <p:spPr>
-          <a:xfrm>
-            <a:off x="3098308" y="3465861"/>
-            <a:ext cx="2736306" cy="457450"/>
-          </a:xfrm>
-          <a:prstGeom prst="ellipse">
-            <a:avLst/>
-          </a:prstGeom>
-          <a:noFill/>
-          <a:ln>
-            <a:solidFill>
-              <a:schemeClr val="accent4">
-                <a:lumMod val="75000"/>
-              </a:schemeClr>
-            </a:solidFill>
-            <a:prstDash val="dash"/>
-          </a:ln>
-        </p:spPr>
-        <p:style>
-          <a:lnRef idx="2">
-            <a:schemeClr val="accent1">
-              <a:shade val="50000"/>
-            </a:schemeClr>
-          </a:lnRef>
-          <a:fillRef idx="1">
-            <a:schemeClr val="accent1"/>
-          </a:fillRef>
-          <a:effectRef idx="0">
-            <a:schemeClr val="accent1"/>
-          </a:effectRef>
-          <a:fontRef idx="minor">
-            <a:schemeClr val="lt1"/>
-          </a:fontRef>
-        </p:style>
-        <p:txBody>
-          <a:bodyPr rtlCol="0" anchor="ctr"/>
-          <a:lstStyle/>
-          <a:p>
-            <a:pPr algn="ctr"/>
-            <a:endParaRPr lang="ko-KR" altLang="en-US"/>
-          </a:p>
-        </p:txBody>
-      </p:sp>
-      <p:sp>
-        <p:nvSpPr>
-          <p:cNvPr id="38" name="TextBox 37">
-            <a:extLst>
-              <a:ext uri="{FF2B5EF4-FFF2-40B4-BE49-F238E27FC236}">
-                <a16:creationId xmlns:a16="http://schemas.microsoft.com/office/drawing/2014/main" id="{18830EFF-6054-42CA-94A1-32DEED97FB6A}"/>
-              </a:ext>
-            </a:extLst>
-          </p:cNvPr>
-          <p:cNvSpPr txBox="1"/>
-          <p:nvPr/>
-        </p:nvSpPr>
-        <p:spPr>
-          <a:xfrm>
-            <a:off x="5114533" y="3848149"/>
-            <a:ext cx="1800193" cy="307777"/>
-          </a:xfrm>
-          <a:prstGeom prst="rect">
-            <a:avLst/>
-          </a:prstGeom>
-          <a:noFill/>
-        </p:spPr>
-        <p:txBody>
-          <a:bodyPr wrap="square" rtlCol="0">
-            <a:spAutoFit/>
-          </a:bodyPr>
-          <a:lstStyle/>
-          <a:p>
-            <a:pPr algn="ctr"/>
-            <a:r>
-              <a:rPr lang="en-US" altLang="ko-KR" sz="1400" b="1">
-                <a:solidFill>
-                  <a:schemeClr val="accent4">
-                    <a:lumMod val="75000"/>
-                  </a:schemeClr>
-                </a:solidFill>
-              </a:rPr>
-              <a:t>Provider Network</a:t>
-            </a:r>
-            <a:endParaRPr lang="ko-KR" altLang="en-US" sz="1400" b="1" dirty="0">
-              <a:solidFill>
-                <a:schemeClr val="accent4">
-                  <a:lumMod val="75000"/>
-                </a:schemeClr>
-              </a:solidFill>
-            </a:endParaRPr>
-          </a:p>
-        </p:txBody>
-      </p:sp>
       <p:sp>
         <p:nvSpPr>
           <p:cNvPr id="43" name="모서리가 둥근 직사각형 83">

--- a/images/theory_analysis/OpenStack_Neutron/OpenStack_Network_Neutron.pptx
+++ b/images/theory_analysis/OpenStack_Neutron/OpenStack_Network_Neutron.pptx
@@ -218,7 +218,7 @@
           <a:p>
             <a:fld id="{6CD5550B-26C4-49A9-A5BA-636EF7BE6CE9}" type="datetimeFigureOut">
               <a:rPr lang="ko-KR" altLang="en-US" smtClean="0"/>
-              <a:t>2018-11-28</a:t>
+              <a:t>2018-11-29</a:t>
             </a:fld>
             <a:endParaRPr lang="ko-KR" altLang="en-US"/>
           </a:p>
@@ -832,7 +832,7 @@
           <a:p>
             <a:fld id="{FB30EDBD-1C2D-4C1E-B459-B60219FAB484}" type="datetimeFigureOut">
               <a:rPr lang="ko-KR" altLang="en-US" smtClean="0"/>
-              <a:t>2018-11-28</a:t>
+              <a:t>2018-11-29</a:t>
             </a:fld>
             <a:endParaRPr lang="ko-KR" altLang="en-US"/>
           </a:p>
@@ -995,7 +995,7 @@
           <a:p>
             <a:fld id="{FB30EDBD-1C2D-4C1E-B459-B60219FAB484}" type="datetimeFigureOut">
               <a:rPr lang="ko-KR" altLang="en-US" smtClean="0"/>
-              <a:t>2018-11-28</a:t>
+              <a:t>2018-11-29</a:t>
             </a:fld>
             <a:endParaRPr lang="ko-KR" altLang="en-US"/>
           </a:p>
@@ -1168,7 +1168,7 @@
           <a:p>
             <a:fld id="{FB30EDBD-1C2D-4C1E-B459-B60219FAB484}" type="datetimeFigureOut">
               <a:rPr lang="ko-KR" altLang="en-US" smtClean="0"/>
-              <a:t>2018-11-28</a:t>
+              <a:t>2018-11-29</a:t>
             </a:fld>
             <a:endParaRPr lang="ko-KR" altLang="en-US"/>
           </a:p>
@@ -1331,7 +1331,7 @@
           <a:p>
             <a:fld id="{FB30EDBD-1C2D-4C1E-B459-B60219FAB484}" type="datetimeFigureOut">
               <a:rPr lang="ko-KR" altLang="en-US" smtClean="0"/>
-              <a:t>2018-11-28</a:t>
+              <a:t>2018-11-29</a:t>
             </a:fld>
             <a:endParaRPr lang="ko-KR" altLang="en-US"/>
           </a:p>
@@ -1571,7 +1571,7 @@
           <a:p>
             <a:fld id="{FB30EDBD-1C2D-4C1E-B459-B60219FAB484}" type="datetimeFigureOut">
               <a:rPr lang="ko-KR" altLang="en-US" smtClean="0"/>
-              <a:t>2018-11-28</a:t>
+              <a:t>2018-11-29</a:t>
             </a:fld>
             <a:endParaRPr lang="ko-KR" altLang="en-US"/>
           </a:p>
@@ -1851,7 +1851,7 @@
           <a:p>
             <a:fld id="{FB30EDBD-1C2D-4C1E-B459-B60219FAB484}" type="datetimeFigureOut">
               <a:rPr lang="ko-KR" altLang="en-US" smtClean="0"/>
-              <a:t>2018-11-28</a:t>
+              <a:t>2018-11-29</a:t>
             </a:fld>
             <a:endParaRPr lang="ko-KR" altLang="en-US"/>
           </a:p>
@@ -2265,7 +2265,7 @@
           <a:p>
             <a:fld id="{FB30EDBD-1C2D-4C1E-B459-B60219FAB484}" type="datetimeFigureOut">
               <a:rPr lang="ko-KR" altLang="en-US" smtClean="0"/>
-              <a:t>2018-11-28</a:t>
+              <a:t>2018-11-29</a:t>
             </a:fld>
             <a:endParaRPr lang="ko-KR" altLang="en-US"/>
           </a:p>
@@ -2377,7 +2377,7 @@
           <a:p>
             <a:fld id="{FB30EDBD-1C2D-4C1E-B459-B60219FAB484}" type="datetimeFigureOut">
               <a:rPr lang="ko-KR" altLang="en-US" smtClean="0"/>
-              <a:t>2018-11-28</a:t>
+              <a:t>2018-11-29</a:t>
             </a:fld>
             <a:endParaRPr lang="ko-KR" altLang="en-US"/>
           </a:p>
@@ -2467,7 +2467,7 @@
           <a:p>
             <a:fld id="{FB30EDBD-1C2D-4C1E-B459-B60219FAB484}" type="datetimeFigureOut">
               <a:rPr lang="ko-KR" altLang="en-US" smtClean="0"/>
-              <a:t>2018-11-28</a:t>
+              <a:t>2018-11-29</a:t>
             </a:fld>
             <a:endParaRPr lang="ko-KR" altLang="en-US"/>
           </a:p>
@@ -2737,7 +2737,7 @@
           <a:p>
             <a:fld id="{FB30EDBD-1C2D-4C1E-B459-B60219FAB484}" type="datetimeFigureOut">
               <a:rPr lang="ko-KR" altLang="en-US" smtClean="0"/>
-              <a:t>2018-11-28</a:t>
+              <a:t>2018-11-29</a:t>
             </a:fld>
             <a:endParaRPr lang="ko-KR" altLang="en-US"/>
           </a:p>
@@ -2984,7 +2984,7 @@
           <a:p>
             <a:fld id="{FB30EDBD-1C2D-4C1E-B459-B60219FAB484}" type="datetimeFigureOut">
               <a:rPr lang="ko-KR" altLang="en-US" smtClean="0"/>
-              <a:t>2018-11-28</a:t>
+              <a:t>2018-11-29</a:t>
             </a:fld>
             <a:endParaRPr lang="ko-KR" altLang="en-US"/>
           </a:p>
@@ -3190,7 +3190,7 @@
           <a:p>
             <a:fld id="{FB30EDBD-1C2D-4C1E-B459-B60219FAB484}" type="datetimeFigureOut">
               <a:rPr lang="ko-KR" altLang="en-US" smtClean="0"/>
-              <a:t>2018-11-28</a:t>
+              <a:t>2018-11-29</a:t>
             </a:fld>
             <a:endParaRPr lang="ko-KR" altLang="en-US"/>
           </a:p>
@@ -6434,19 +6434,7 @@
             </a:r>
             <a:r>
               <a:rPr lang="en-US" altLang="ko-KR" sz="3600"/>
-              <a:t>, VXLAN</a:t>
-            </a:r>
-            <a:r>
-              <a:rPr lang="en-US" altLang="ko-KR" sz="3600" dirty="0"/>
-              <a:t>, No </a:t>
-            </a:r>
-            <a:r>
-              <a:rPr lang="en-US" altLang="ko-KR" sz="3600" dirty="0" err="1"/>
-              <a:t>OVS</a:t>
-            </a:r>
-            <a:r>
-              <a:rPr lang="en-US" altLang="ko-KR" sz="3600" dirty="0"/>
-              <a:t> </a:t>
+              <a:t>, No SDN</a:t>
             </a:r>
             <a:endParaRPr lang="ko-KR" altLang="en-US" sz="3600" dirty="0"/>
           </a:p>
@@ -7441,7 +7429,7 @@
             <a:pPr algn="ctr"/>
             <a:r>
               <a:rPr lang="en-US" altLang="ko-KR" sz="1400"/>
-              <a:t>vxlan-10</a:t>
+              <a:t>eth0.10</a:t>
             </a:r>
             <a:endParaRPr lang="ko-KR" altLang="en-US" sz="1400" dirty="0"/>
           </a:p>
@@ -7616,9 +7604,9 @@
             </a:avLst>
           </a:prstGeom>
           <a:solidFill>
-            <a:schemeClr val="accent3">
-              <a:lumMod val="40000"/>
-              <a:lumOff val="60000"/>
+            <a:schemeClr val="accent4">
+              <a:lumMod val="60000"/>
+              <a:lumOff val="40000"/>
             </a:schemeClr>
           </a:solidFill>
         </p:spPr>
@@ -7777,7 +7765,7 @@
         </p:nvSpPr>
         <p:spPr>
           <a:xfrm>
-            <a:off x="7530249" y="3203705"/>
+            <a:off x="7530249" y="2974908"/>
             <a:ext cx="537624" cy="232141"/>
           </a:xfrm>
           <a:prstGeom prst="roundRect">
@@ -7829,7 +7817,7 @@
         </p:nvSpPr>
         <p:spPr>
           <a:xfrm>
-            <a:off x="7530694" y="2779715"/>
+            <a:off x="7530694" y="2550918"/>
             <a:ext cx="537624" cy="232141"/>
           </a:xfrm>
           <a:prstGeom prst="roundRect">
@@ -7881,7 +7869,7 @@
         </p:nvSpPr>
         <p:spPr>
           <a:xfrm>
-            <a:off x="7530249" y="2355726"/>
+            <a:off x="7530249" y="2126929"/>
             <a:ext cx="537624" cy="232141"/>
           </a:xfrm>
           <a:prstGeom prst="roundRect">
@@ -7933,7 +7921,7 @@
         </p:nvSpPr>
         <p:spPr>
           <a:xfrm>
-            <a:off x="8056134" y="2296491"/>
+            <a:off x="8056134" y="2067694"/>
             <a:ext cx="828092" cy="290684"/>
           </a:xfrm>
           <a:prstGeom prst="roundRect">
@@ -7986,7 +7974,7 @@
         </p:nvSpPr>
         <p:spPr>
           <a:xfrm>
-            <a:off x="8056134" y="2720319"/>
+            <a:off x="8056134" y="2491522"/>
             <a:ext cx="828092" cy="290684"/>
           </a:xfrm>
           <a:prstGeom prst="roundRect">
@@ -8039,7 +8027,112 @@
         </p:nvSpPr>
         <p:spPr>
           <a:xfrm>
-            <a:off x="8056134" y="3154220"/>
+            <a:off x="8056134" y="2925423"/>
+            <a:ext cx="828092" cy="290684"/>
+          </a:xfrm>
+          <a:prstGeom prst="roundRect">
+            <a:avLst>
+              <a:gd name="adj" fmla="val 3400"/>
+            </a:avLst>
+          </a:prstGeom>
+          <a:noFill/>
+          <a:ln>
+            <a:noFill/>
+          </a:ln>
+        </p:spPr>
+        <p:style>
+          <a:lnRef idx="2">
+            <a:schemeClr val="dk1"/>
+          </a:lnRef>
+          <a:fillRef idx="1">
+            <a:schemeClr val="lt1"/>
+          </a:fillRef>
+          <a:effectRef idx="0">
+            <a:schemeClr val="dk1"/>
+          </a:effectRef>
+          <a:fontRef idx="minor">
+            <a:schemeClr val="dk1"/>
+          </a:fontRef>
+        </p:style>
+        <p:txBody>
+          <a:bodyPr rtlCol="0" anchor="t"/>
+          <a:lstStyle/>
+          <a:p>
+            <a:r>
+              <a:rPr lang="en-US" altLang="ko-KR" sz="1400"/>
+              <a:t>VLAN</a:t>
+            </a:r>
+            <a:endParaRPr lang="ko-KR" altLang="en-US" sz="1400" dirty="0"/>
+          </a:p>
+        </p:txBody>
+      </p:sp>
+      <p:sp>
+        <p:nvSpPr>
+          <p:cNvPr id="43" name="모서리가 둥근 직사각형 50">
+            <a:extLst>
+              <a:ext uri="{FF2B5EF4-FFF2-40B4-BE49-F238E27FC236}">
+                <a16:creationId xmlns:a16="http://schemas.microsoft.com/office/drawing/2014/main" id="{ABE521BC-17F8-49E6-BE8F-D8EDD8EF847B}"/>
+              </a:ext>
+            </a:extLst>
+          </p:cNvPr>
+          <p:cNvSpPr/>
+          <p:nvPr/>
+        </p:nvSpPr>
+        <p:spPr>
+          <a:xfrm>
+            <a:off x="7530249" y="3398044"/>
+            <a:ext cx="537624" cy="232141"/>
+          </a:xfrm>
+          <a:prstGeom prst="roundRect">
+            <a:avLst>
+              <a:gd name="adj" fmla="val 3400"/>
+            </a:avLst>
+          </a:prstGeom>
+          <a:solidFill>
+            <a:schemeClr val="accent4">
+              <a:lumMod val="60000"/>
+              <a:lumOff val="40000"/>
+            </a:schemeClr>
+          </a:solidFill>
+        </p:spPr>
+        <p:style>
+          <a:lnRef idx="2">
+            <a:schemeClr val="dk1"/>
+          </a:lnRef>
+          <a:fillRef idx="1">
+            <a:schemeClr val="lt1"/>
+          </a:fillRef>
+          <a:effectRef idx="0">
+            <a:schemeClr val="dk1"/>
+          </a:effectRef>
+          <a:fontRef idx="minor">
+            <a:schemeClr val="dk1"/>
+          </a:fontRef>
+        </p:style>
+        <p:txBody>
+          <a:bodyPr rtlCol="0" anchor="t"/>
+          <a:lstStyle/>
+          <a:p>
+            <a:pPr algn="ctr"/>
+            <a:endParaRPr lang="ko-KR" altLang="en-US" sz="1400" dirty="0"/>
+          </a:p>
+        </p:txBody>
+      </p:sp>
+      <p:sp>
+        <p:nvSpPr>
+          <p:cNvPr id="45" name="모서리가 둥근 직사각형 16">
+            <a:extLst>
+              <a:ext uri="{FF2B5EF4-FFF2-40B4-BE49-F238E27FC236}">
+                <a16:creationId xmlns:a16="http://schemas.microsoft.com/office/drawing/2014/main" id="{559D6274-036B-40B6-ADE5-5584F936548B}"/>
+              </a:ext>
+            </a:extLst>
+          </p:cNvPr>
+          <p:cNvSpPr/>
+          <p:nvPr/>
+        </p:nvSpPr>
+        <p:spPr>
+          <a:xfrm>
+            <a:off x="8056134" y="3348559"/>
             <a:ext cx="828092" cy="290684"/>
           </a:xfrm>
           <a:prstGeom prst="roundRect">
@@ -8132,23 +8225,11 @@
           <a:p>
             <a:r>
               <a:rPr lang="en-US" altLang="ko-KR" sz="3600" dirty="0"/>
-              <a:t>Network Node, </a:t>
-            </a:r>
-            <a:r>
-              <a:rPr lang="en-US" altLang="ko-KR" sz="3600" dirty="0" err="1"/>
-              <a:t>VXLAN</a:t>
-            </a:r>
-            <a:r>
-              <a:rPr lang="en-US" altLang="ko-KR" sz="3600" dirty="0"/>
-              <a:t>, No </a:t>
-            </a:r>
-            <a:r>
-              <a:rPr lang="en-US" altLang="ko-KR" sz="3600" dirty="0" err="1"/>
-              <a:t>OVS</a:t>
-            </a:r>
-            <a:r>
-              <a:rPr lang="en-US" altLang="ko-KR" sz="3600" dirty="0"/>
-              <a:t> </a:t>
+              <a:t>Network Node</a:t>
+            </a:r>
+            <a:r>
+              <a:rPr lang="en-US" altLang="ko-KR" sz="3600"/>
+              <a:t>, No SDN</a:t>
             </a:r>
             <a:endParaRPr lang="ko-KR" altLang="en-US" sz="3600" dirty="0"/>
           </a:p>
@@ -8476,7 +8557,7 @@
             <a:pPr algn="ctr"/>
             <a:r>
               <a:rPr lang="en-US" altLang="ko-KR" sz="1400"/>
-              <a:t>vxlan-10</a:t>
+              <a:t>eth0.10</a:t>
             </a:r>
             <a:endParaRPr lang="ko-KR" altLang="en-US" sz="1400" dirty="0"/>
           </a:p>
@@ -8662,9 +8743,9 @@
             </a:avLst>
           </a:prstGeom>
           <a:solidFill>
-            <a:schemeClr val="accent3">
-              <a:lumMod val="40000"/>
-              <a:lumOff val="60000"/>
+            <a:schemeClr val="accent4">
+              <a:lumMod val="60000"/>
+              <a:lumOff val="40000"/>
             </a:schemeClr>
           </a:solidFill>
         </p:spPr>
@@ -10349,7 +10430,7 @@
         </p:nvSpPr>
         <p:spPr>
           <a:xfrm>
-            <a:off x="7674265" y="3203705"/>
+            <a:off x="7674265" y="2974908"/>
             <a:ext cx="537624" cy="232141"/>
           </a:xfrm>
           <a:prstGeom prst="roundRect">
@@ -10401,7 +10482,7 @@
         </p:nvSpPr>
         <p:spPr>
           <a:xfrm>
-            <a:off x="7674710" y="2779715"/>
+            <a:off x="7674710" y="2550918"/>
             <a:ext cx="537624" cy="232141"/>
           </a:xfrm>
           <a:prstGeom prst="roundRect">
@@ -10453,7 +10534,7 @@
         </p:nvSpPr>
         <p:spPr>
           <a:xfrm>
-            <a:off x="7674265" y="2355726"/>
+            <a:off x="7674265" y="2126929"/>
             <a:ext cx="537624" cy="232141"/>
           </a:xfrm>
           <a:prstGeom prst="roundRect">
@@ -10505,7 +10586,7 @@
         </p:nvSpPr>
         <p:spPr>
           <a:xfrm>
-            <a:off x="8200150" y="2296491"/>
+            <a:off x="8200150" y="2067694"/>
             <a:ext cx="828092" cy="290684"/>
           </a:xfrm>
           <a:prstGeom prst="roundRect">
@@ -10558,7 +10639,7 @@
         </p:nvSpPr>
         <p:spPr>
           <a:xfrm>
-            <a:off x="8200150" y="2720319"/>
+            <a:off x="8200150" y="2491522"/>
             <a:ext cx="828092" cy="290684"/>
           </a:xfrm>
           <a:prstGeom prst="roundRect">
@@ -10611,7 +10692,112 @@
         </p:nvSpPr>
         <p:spPr>
           <a:xfrm>
-            <a:off x="8200150" y="3154220"/>
+            <a:off x="8200150" y="2925423"/>
+            <a:ext cx="828092" cy="290684"/>
+          </a:xfrm>
+          <a:prstGeom prst="roundRect">
+            <a:avLst>
+              <a:gd name="adj" fmla="val 3400"/>
+            </a:avLst>
+          </a:prstGeom>
+          <a:noFill/>
+          <a:ln>
+            <a:noFill/>
+          </a:ln>
+        </p:spPr>
+        <p:style>
+          <a:lnRef idx="2">
+            <a:schemeClr val="dk1"/>
+          </a:lnRef>
+          <a:fillRef idx="1">
+            <a:schemeClr val="lt1"/>
+          </a:fillRef>
+          <a:effectRef idx="0">
+            <a:schemeClr val="dk1"/>
+          </a:effectRef>
+          <a:fontRef idx="minor">
+            <a:schemeClr val="dk1"/>
+          </a:fontRef>
+        </p:style>
+        <p:txBody>
+          <a:bodyPr rtlCol="0" anchor="t"/>
+          <a:lstStyle/>
+          <a:p>
+            <a:r>
+              <a:rPr lang="en-US" altLang="ko-KR" sz="1400"/>
+              <a:t>VLAN</a:t>
+            </a:r>
+            <a:endParaRPr lang="ko-KR" altLang="en-US" sz="1400" dirty="0"/>
+          </a:p>
+        </p:txBody>
+      </p:sp>
+      <p:sp>
+        <p:nvSpPr>
+          <p:cNvPr id="57" name="모서리가 둥근 직사각형 50">
+            <a:extLst>
+              <a:ext uri="{FF2B5EF4-FFF2-40B4-BE49-F238E27FC236}">
+                <a16:creationId xmlns:a16="http://schemas.microsoft.com/office/drawing/2014/main" id="{7DC4A83B-092A-4922-8CBF-8683629D4FFA}"/>
+              </a:ext>
+            </a:extLst>
+          </p:cNvPr>
+          <p:cNvSpPr/>
+          <p:nvPr/>
+        </p:nvSpPr>
+        <p:spPr>
+          <a:xfrm>
+            <a:off x="7674265" y="3398044"/>
+            <a:ext cx="537624" cy="232141"/>
+          </a:xfrm>
+          <a:prstGeom prst="roundRect">
+            <a:avLst>
+              <a:gd name="adj" fmla="val 3400"/>
+            </a:avLst>
+          </a:prstGeom>
+          <a:solidFill>
+            <a:schemeClr val="accent4">
+              <a:lumMod val="60000"/>
+              <a:lumOff val="40000"/>
+            </a:schemeClr>
+          </a:solidFill>
+        </p:spPr>
+        <p:style>
+          <a:lnRef idx="2">
+            <a:schemeClr val="dk1"/>
+          </a:lnRef>
+          <a:fillRef idx="1">
+            <a:schemeClr val="lt1"/>
+          </a:fillRef>
+          <a:effectRef idx="0">
+            <a:schemeClr val="dk1"/>
+          </a:effectRef>
+          <a:fontRef idx="minor">
+            <a:schemeClr val="dk1"/>
+          </a:fontRef>
+        </p:style>
+        <p:txBody>
+          <a:bodyPr rtlCol="0" anchor="t"/>
+          <a:lstStyle/>
+          <a:p>
+            <a:pPr algn="ctr"/>
+            <a:endParaRPr lang="ko-KR" altLang="en-US" sz="1400" dirty="0"/>
+          </a:p>
+        </p:txBody>
+      </p:sp>
+      <p:sp>
+        <p:nvSpPr>
+          <p:cNvPr id="59" name="모서리가 둥근 직사각형 16">
+            <a:extLst>
+              <a:ext uri="{FF2B5EF4-FFF2-40B4-BE49-F238E27FC236}">
+                <a16:creationId xmlns:a16="http://schemas.microsoft.com/office/drawing/2014/main" id="{512C7F87-D031-4B23-A21B-B1219CC3C847}"/>
+              </a:ext>
+            </a:extLst>
+          </p:cNvPr>
+          <p:cNvSpPr/>
+          <p:nvPr/>
+        </p:nvSpPr>
+        <p:spPr>
+          <a:xfrm>
+            <a:off x="8200150" y="3348559"/>
             <a:ext cx="828092" cy="290684"/>
           </a:xfrm>
           <a:prstGeom prst="roundRect">

--- a/images/theory_analysis/OpenStack_Neutron/OpenStack_Network_Neutron.pptx
+++ b/images/theory_analysis/OpenStack_Neutron/OpenStack_Network_Neutron.pptx
@@ -6541,7 +6541,7 @@
         <p:spPr>
           <a:xfrm>
             <a:off x="3059832" y="1659277"/>
-            <a:ext cx="1296144" cy="722732"/>
+            <a:ext cx="2736304" cy="722732"/>
           </a:xfrm>
           <a:prstGeom prst="roundRect">
             <a:avLst>
@@ -6582,13 +6582,13 @@
       </p:sp>
       <p:sp>
         <p:nvSpPr>
-          <p:cNvPr id="10" name="모서리가 둥근 직사각형 9"/>
+          <p:cNvPr id="11" name="모서리가 둥근 직사각형 10"/>
           <p:cNvSpPr/>
           <p:nvPr/>
         </p:nvSpPr>
         <p:spPr>
           <a:xfrm>
-            <a:off x="4499992" y="1659277"/>
+            <a:off x="5940152" y="1659277"/>
             <a:ext cx="1296144" cy="722732"/>
           </a:xfrm>
           <a:prstGeom prst="roundRect">
@@ -6617,11 +6617,11 @@
           <a:p>
             <a:pPr algn="ctr"/>
             <a:r>
-              <a:rPr lang="en-US" altLang="ko-KR" sz="1400" b="1" dirty="0" err="1"/>
+              <a:rPr lang="en-US" altLang="ko-KR" sz="1400" b="1" err="1"/>
               <a:t>VM</a:t>
             </a:r>
             <a:r>
-              <a:rPr lang="en-US" altLang="ko-KR" sz="1400" b="1" dirty="0"/>
+              <a:rPr lang="en-US" altLang="ko-KR" sz="1400" b="1"/>
               <a:t> C</a:t>
             </a:r>
             <a:endParaRPr lang="ko-KR" altLang="en-US" sz="1400" b="1" dirty="0"/>
@@ -6630,14 +6630,14 @@
       </p:sp>
       <p:sp>
         <p:nvSpPr>
-          <p:cNvPr id="11" name="모서리가 둥근 직사각형 10"/>
+          <p:cNvPr id="12" name="모서리가 둥근 직사각형 11"/>
           <p:cNvSpPr/>
           <p:nvPr/>
         </p:nvSpPr>
         <p:spPr>
           <a:xfrm>
-            <a:off x="5940152" y="1659277"/>
-            <a:ext cx="1296144" cy="722732"/>
+            <a:off x="1943708" y="2091325"/>
+            <a:ext cx="648072" cy="290684"/>
           </a:xfrm>
           <a:prstGeom prst="roundRect">
             <a:avLst>
@@ -6665,26 +6665,22 @@
           <a:p>
             <a:pPr algn="ctr"/>
             <a:r>
-              <a:rPr lang="en-US" altLang="ko-KR" sz="1400" b="1" dirty="0" err="1"/>
-              <a:t>VM</a:t>
-            </a:r>
-            <a:r>
-              <a:rPr lang="en-US" altLang="ko-KR" sz="1400" b="1" dirty="0"/>
-              <a:t> D</a:t>
-            </a:r>
-            <a:endParaRPr lang="ko-KR" altLang="en-US" sz="1400" b="1" dirty="0"/>
-          </a:p>
-        </p:txBody>
-      </p:sp>
-      <p:sp>
-        <p:nvSpPr>
-          <p:cNvPr id="12" name="모서리가 둥근 직사각형 11"/>
+              <a:rPr lang="en-US" altLang="ko-KR" sz="1400" dirty="0" err="1"/>
+              <a:t>eth0</a:t>
+            </a:r>
+            <a:endParaRPr lang="ko-KR" altLang="en-US" sz="1400" dirty="0"/>
+          </a:p>
+        </p:txBody>
+      </p:sp>
+      <p:sp>
+        <p:nvSpPr>
+          <p:cNvPr id="13" name="모서리가 둥근 직사각형 12"/>
           <p:cNvSpPr/>
           <p:nvPr/>
         </p:nvSpPr>
         <p:spPr>
           <a:xfrm>
-            <a:off x="1943708" y="2091325"/>
+            <a:off x="3383868" y="2091325"/>
             <a:ext cx="648072" cy="290684"/>
           </a:xfrm>
           <a:prstGeom prst="roundRect">
@@ -6722,13 +6718,13 @@
       </p:sp>
       <p:sp>
         <p:nvSpPr>
-          <p:cNvPr id="13" name="모서리가 둥근 직사각형 12"/>
+          <p:cNvPr id="14" name="모서리가 둥근 직사각형 13"/>
           <p:cNvSpPr/>
           <p:nvPr/>
         </p:nvSpPr>
         <p:spPr>
           <a:xfrm>
-            <a:off x="3383868" y="2091325"/>
+            <a:off x="4824028" y="2091325"/>
             <a:ext cx="648072" cy="290684"/>
           </a:xfrm>
           <a:prstGeom prst="roundRect">
@@ -6757,52 +6753,8 @@
           <a:p>
             <a:pPr algn="ctr"/>
             <a:r>
-              <a:rPr lang="en-US" altLang="ko-KR" sz="1400" dirty="0" err="1"/>
-              <a:t>eth0</a:t>
-            </a:r>
-            <a:endParaRPr lang="ko-KR" altLang="en-US" sz="1400" dirty="0"/>
-          </a:p>
-        </p:txBody>
-      </p:sp>
-      <p:sp>
-        <p:nvSpPr>
-          <p:cNvPr id="14" name="모서리가 둥근 직사각형 13"/>
-          <p:cNvSpPr/>
-          <p:nvPr/>
-        </p:nvSpPr>
-        <p:spPr>
-          <a:xfrm>
-            <a:off x="4824028" y="2091325"/>
-            <a:ext cx="648072" cy="290684"/>
-          </a:xfrm>
-          <a:prstGeom prst="roundRect">
-            <a:avLst>
-              <a:gd name="adj" fmla="val 3400"/>
-            </a:avLst>
-          </a:prstGeom>
-        </p:spPr>
-        <p:style>
-          <a:lnRef idx="2">
-            <a:schemeClr val="dk1"/>
-          </a:lnRef>
-          <a:fillRef idx="1">
-            <a:schemeClr val="lt1"/>
-          </a:fillRef>
-          <a:effectRef idx="0">
-            <a:schemeClr val="dk1"/>
-          </a:effectRef>
-          <a:fontRef idx="minor">
-            <a:schemeClr val="dk1"/>
-          </a:fontRef>
-        </p:style>
-        <p:txBody>
-          <a:bodyPr rtlCol="0" anchor="t"/>
-          <a:lstStyle/>
-          <a:p>
-            <a:pPr algn="ctr"/>
-            <a:r>
-              <a:rPr lang="en-US" altLang="ko-KR" sz="1400" dirty="0" err="1"/>
-              <a:t>eth0</a:t>
+              <a:rPr lang="en-US" altLang="ko-KR" sz="1400"/>
+              <a:t>eth1</a:t>
             </a:r>
             <a:endParaRPr lang="ko-KR" altLang="en-US" sz="1400" dirty="0"/>
           </a:p>

--- a/images/theory_analysis/OpenStack_Neutron/OpenStack_Network_Neutron.pptx
+++ b/images/theory_analysis/OpenStack_Neutron/OpenStack_Network_Neutron.pptx
@@ -4450,8 +4450,8 @@
         </p:nvSpPr>
         <p:spPr>
           <a:xfrm>
-            <a:off x="5006521" y="699542"/>
-            <a:ext cx="1544674" cy="307777"/>
+            <a:off x="3422345" y="699542"/>
+            <a:ext cx="2301783" cy="307777"/>
           </a:xfrm>
           <a:prstGeom prst="rect">
             <a:avLst/>
@@ -4466,14 +4466,14 @@
           <a:p>
             <a:pPr algn="ctr"/>
             <a:r>
-              <a:rPr lang="en-US" altLang="ko-KR" sz="1400" b="1" dirty="0">
+              <a:rPr lang="en-US" altLang="ko-KR" sz="1400" b="1">
                 <a:solidFill>
                   <a:schemeClr val="accent6">
                     <a:lumMod val="75000"/>
                   </a:schemeClr>
                 </a:solidFill>
               </a:rPr>
-              <a:t>Management</a:t>
+              <a:t>Management Network</a:t>
             </a:r>
             <a:endParaRPr lang="ko-KR" altLang="en-US" sz="1400" b="1" dirty="0">
               <a:solidFill>
@@ -4493,7 +4493,7 @@
         </p:nvSpPr>
         <p:spPr>
           <a:xfrm>
-            <a:off x="4394453" y="3651870"/>
+            <a:off x="5580112" y="3651870"/>
             <a:ext cx="1544674" cy="307777"/>
           </a:xfrm>
           <a:prstGeom prst="rect">
@@ -4509,14 +4509,14 @@
           <a:p>
             <a:pPr algn="ctr"/>
             <a:r>
-              <a:rPr lang="en-US" altLang="ko-KR" sz="1400" b="1" dirty="0">
+              <a:rPr lang="en-US" altLang="ko-KR" sz="1400" b="1">
                 <a:solidFill>
                   <a:schemeClr val="accent3">
                     <a:lumMod val="75000"/>
                   </a:schemeClr>
                 </a:solidFill>
               </a:rPr>
-              <a:t>API</a:t>
+              <a:t>API Network</a:t>
             </a:r>
             <a:endParaRPr lang="ko-KR" altLang="en-US" sz="1400" b="1" dirty="0">
               <a:solidFill>
@@ -6448,8 +6448,8 @@
         </p:nvSpPr>
         <p:spPr>
           <a:xfrm>
-            <a:off x="1475656" y="1275606"/>
-            <a:ext cx="5904656" cy="3168352"/>
+            <a:off x="1781032" y="1275606"/>
+            <a:ext cx="5895565" cy="3168352"/>
           </a:xfrm>
           <a:prstGeom prst="roundRect">
             <a:avLst>
@@ -6492,8 +6492,8 @@
         </p:nvSpPr>
         <p:spPr>
           <a:xfrm>
-            <a:off x="1619672" y="1659277"/>
-            <a:ext cx="1296144" cy="722732"/>
+            <a:off x="1915958" y="1659277"/>
+            <a:ext cx="1296143" cy="722732"/>
           </a:xfrm>
           <a:prstGeom prst="roundRect">
             <a:avLst>
@@ -6540,7 +6540,7 @@
         </p:nvSpPr>
         <p:spPr>
           <a:xfrm>
-            <a:off x="3059832" y="1659277"/>
+            <a:off x="3356118" y="1659277"/>
             <a:ext cx="2736304" cy="722732"/>
           </a:xfrm>
           <a:prstGeom prst="roundRect">
@@ -6588,7 +6588,7 @@
         </p:nvSpPr>
         <p:spPr>
           <a:xfrm>
-            <a:off x="5940152" y="1659277"/>
+            <a:off x="6236438" y="1659277"/>
             <a:ext cx="1296144" cy="722732"/>
           </a:xfrm>
           <a:prstGeom prst="roundRect">
@@ -6636,7 +6636,7 @@
         </p:nvSpPr>
         <p:spPr>
           <a:xfrm>
-            <a:off x="1943708" y="2091325"/>
+            <a:off x="2239994" y="2091325"/>
             <a:ext cx="648072" cy="290684"/>
           </a:xfrm>
           <a:prstGeom prst="roundRect">
@@ -6665,7 +6665,7 @@
           <a:p>
             <a:pPr algn="ctr"/>
             <a:r>
-              <a:rPr lang="en-US" altLang="ko-KR" sz="1400" dirty="0" err="1"/>
+              <a:rPr lang="en-US" altLang="ko-KR" sz="1400"/>
               <a:t>eth0</a:t>
             </a:r>
             <a:endParaRPr lang="ko-KR" altLang="en-US" sz="1400" dirty="0"/>
@@ -6680,7 +6680,7 @@
         </p:nvSpPr>
         <p:spPr>
           <a:xfrm>
-            <a:off x="3383868" y="2091325"/>
+            <a:off x="3680154" y="2091325"/>
             <a:ext cx="648072" cy="290684"/>
           </a:xfrm>
           <a:prstGeom prst="roundRect">
@@ -6724,7 +6724,7 @@
         </p:nvSpPr>
         <p:spPr>
           <a:xfrm>
-            <a:off x="4824028" y="2091325"/>
+            <a:off x="5120314" y="2091325"/>
             <a:ext cx="648072" cy="290684"/>
           </a:xfrm>
           <a:prstGeom prst="roundRect">
@@ -6768,7 +6768,7 @@
         </p:nvSpPr>
         <p:spPr>
           <a:xfrm>
-            <a:off x="6264188" y="2091325"/>
+            <a:off x="6560474" y="2091325"/>
             <a:ext cx="648072" cy="290684"/>
           </a:xfrm>
           <a:prstGeom prst="roundRect">
@@ -6812,7 +6812,7 @@
         </p:nvSpPr>
         <p:spPr>
           <a:xfrm>
-            <a:off x="2370882" y="3145162"/>
+            <a:off x="2667168" y="3145162"/>
             <a:ext cx="1224136" cy="290684"/>
           </a:xfrm>
           <a:prstGeom prst="roundRect">
@@ -6847,7 +6847,7 @@
           <a:p>
             <a:pPr algn="ctr"/>
             <a:r>
-              <a:rPr lang="en-US" altLang="ko-KR" sz="1400" dirty="0" err="1"/>
+              <a:rPr lang="en-US" altLang="ko-KR" sz="1400"/>
               <a:t>brq01</a:t>
             </a:r>
             <a:endParaRPr lang="ko-KR" altLang="en-US" sz="1400" dirty="0"/>
@@ -6862,7 +6862,7 @@
         </p:nvSpPr>
         <p:spPr>
           <a:xfrm>
-            <a:off x="1943708" y="2582239"/>
+            <a:off x="2239994" y="2582239"/>
             <a:ext cx="648072" cy="290684"/>
           </a:xfrm>
           <a:prstGeom prst="roundRect">
@@ -6912,7 +6912,7 @@
         </p:nvSpPr>
         <p:spPr>
           <a:xfrm>
-            <a:off x="3383868" y="2582239"/>
+            <a:off x="3680154" y="2582239"/>
             <a:ext cx="648072" cy="290684"/>
           </a:xfrm>
           <a:prstGeom prst="roundRect">
@@ -6947,7 +6947,7 @@
           <a:p>
             <a:pPr algn="ctr"/>
             <a:r>
-              <a:rPr lang="en-US" altLang="ko-KR" sz="1400" dirty="0" err="1"/>
+              <a:rPr lang="en-US" altLang="ko-KR" sz="1400"/>
               <a:t>tap02</a:t>
             </a:r>
             <a:endParaRPr lang="ko-KR" altLang="en-US" sz="1400" dirty="0"/>
@@ -6962,7 +6962,7 @@
         </p:nvSpPr>
         <p:spPr>
           <a:xfrm>
-            <a:off x="4824028" y="2582239"/>
+            <a:off x="5120314" y="2582239"/>
             <a:ext cx="648072" cy="290684"/>
           </a:xfrm>
           <a:prstGeom prst="roundRect">
@@ -6997,7 +6997,7 @@
           <a:p>
             <a:pPr algn="ctr"/>
             <a:r>
-              <a:rPr lang="en-US" altLang="ko-KR" sz="1400" dirty="0" err="1"/>
+              <a:rPr lang="en-US" altLang="ko-KR" sz="1400"/>
               <a:t>tap03</a:t>
             </a:r>
             <a:endParaRPr lang="ko-KR" altLang="en-US" sz="1400" dirty="0"/>
@@ -7012,7 +7012,7 @@
         </p:nvSpPr>
         <p:spPr>
           <a:xfrm>
-            <a:off x="6264188" y="2582239"/>
+            <a:off x="6560474" y="2582239"/>
             <a:ext cx="648072" cy="290684"/>
           </a:xfrm>
           <a:prstGeom prst="roundRect">
@@ -7047,7 +7047,7 @@
           <a:p>
             <a:pPr algn="ctr"/>
             <a:r>
-              <a:rPr lang="en-US" altLang="ko-KR" sz="1400" dirty="0" err="1"/>
+              <a:rPr lang="en-US" altLang="ko-KR" sz="1400"/>
               <a:t>tap04</a:t>
             </a:r>
             <a:endParaRPr lang="ko-KR" altLang="en-US" sz="1400" dirty="0"/>
@@ -7062,7 +7062,7 @@
         </p:nvSpPr>
         <p:spPr>
           <a:xfrm>
-            <a:off x="5245472" y="3145162"/>
+            <a:off x="5541758" y="3145162"/>
             <a:ext cx="1224136" cy="290684"/>
           </a:xfrm>
           <a:prstGeom prst="roundRect">
@@ -7097,7 +7097,7 @@
           <a:p>
             <a:pPr algn="ctr"/>
             <a:r>
-              <a:rPr lang="en-US" altLang="ko-KR" sz="1400" dirty="0" err="1"/>
+              <a:rPr lang="en-US" altLang="ko-KR" sz="1400"/>
               <a:t>brq02</a:t>
             </a:r>
             <a:endParaRPr lang="ko-KR" altLang="en-US" sz="1400" dirty="0"/>
@@ -7112,7 +7112,7 @@
         </p:nvSpPr>
         <p:spPr>
           <a:xfrm>
-            <a:off x="3815916" y="4153274"/>
+            <a:off x="4112202" y="4153274"/>
             <a:ext cx="1224136" cy="290684"/>
           </a:xfrm>
           <a:prstGeom prst="roundRect">
@@ -7141,7 +7141,7 @@
           <a:p>
             <a:pPr algn="ctr"/>
             <a:r>
-              <a:rPr lang="en-US" altLang="ko-KR" sz="1400" dirty="0" err="1"/>
+              <a:rPr lang="en-US" altLang="ko-KR" sz="1400"/>
               <a:t>eth0</a:t>
             </a:r>
             <a:endParaRPr lang="ko-KR" altLang="en-US" sz="1400" dirty="0"/>
@@ -7159,7 +7159,7 @@
         </p:nvCxnSpPr>
         <p:spPr>
           <a:xfrm>
-            <a:off x="2267744" y="2382009"/>
+            <a:off x="2564030" y="2382009"/>
             <a:ext cx="0" cy="200230"/>
           </a:xfrm>
           <a:prstGeom prst="line">
@@ -7197,7 +7197,7 @@
         </p:nvCxnSpPr>
         <p:spPr>
           <a:xfrm>
-            <a:off x="3707904" y="2382009"/>
+            <a:off x="4004190" y="2382009"/>
             <a:ext cx="0" cy="200230"/>
           </a:xfrm>
           <a:prstGeom prst="line">
@@ -7235,7 +7235,7 @@
         </p:nvCxnSpPr>
         <p:spPr>
           <a:xfrm>
-            <a:off x="5148064" y="2382009"/>
+            <a:off x="5444350" y="2382009"/>
             <a:ext cx="0" cy="200230"/>
           </a:xfrm>
           <a:prstGeom prst="line">
@@ -7273,7 +7273,7 @@
         </p:nvCxnSpPr>
         <p:spPr>
           <a:xfrm>
-            <a:off x="6588224" y="2382009"/>
+            <a:off x="6884510" y="2382009"/>
             <a:ext cx="0" cy="200230"/>
           </a:xfrm>
           <a:prstGeom prst="line">
@@ -7310,7 +7310,7 @@
         </p:nvCxnSpPr>
         <p:spPr>
           <a:xfrm>
-            <a:off x="2267744" y="2872923"/>
+            <a:off x="2564030" y="2872923"/>
             <a:ext cx="715206" cy="272239"/>
           </a:xfrm>
           <a:prstGeom prst="line">
@@ -7345,7 +7345,7 @@
         </p:nvSpPr>
         <p:spPr>
           <a:xfrm>
-            <a:off x="2370882" y="3637508"/>
+            <a:off x="2667168" y="3637508"/>
             <a:ext cx="1224136" cy="290684"/>
           </a:xfrm>
           <a:prstGeom prst="roundRect">
@@ -7398,7 +7398,7 @@
         </p:nvCxnSpPr>
         <p:spPr>
           <a:xfrm flipH="1">
-            <a:off x="2982950" y="2872923"/>
+            <a:off x="3279236" y="2872923"/>
             <a:ext cx="724954" cy="272239"/>
           </a:xfrm>
           <a:prstGeom prst="line">
@@ -7436,7 +7436,7 @@
         </p:nvCxnSpPr>
         <p:spPr>
           <a:xfrm>
-            <a:off x="5148064" y="2872923"/>
+            <a:off x="5444350" y="2872923"/>
             <a:ext cx="709476" cy="272239"/>
           </a:xfrm>
           <a:prstGeom prst="line">
@@ -7474,7 +7474,7 @@
         </p:nvCxnSpPr>
         <p:spPr>
           <a:xfrm flipH="1">
-            <a:off x="5857540" y="2872923"/>
+            <a:off x="6153826" y="2872923"/>
             <a:ext cx="730684" cy="272239"/>
           </a:xfrm>
           <a:prstGeom prst="line">
@@ -7512,7 +7512,7 @@
         </p:nvCxnSpPr>
         <p:spPr>
           <a:xfrm>
-            <a:off x="2982950" y="3435846"/>
+            <a:off x="3279236" y="3435846"/>
             <a:ext cx="0" cy="201662"/>
           </a:xfrm>
           <a:prstGeom prst="line">
@@ -7547,7 +7547,7 @@
         </p:nvSpPr>
         <p:spPr>
           <a:xfrm>
-            <a:off x="5245472" y="3637508"/>
+            <a:off x="5541758" y="3637508"/>
             <a:ext cx="1224136" cy="290684"/>
           </a:xfrm>
           <a:prstGeom prst="roundRect">
@@ -7600,7 +7600,7 @@
         </p:nvCxnSpPr>
         <p:spPr>
           <a:xfrm>
-            <a:off x="5857540" y="3435846"/>
+            <a:off x="6153826" y="3435846"/>
             <a:ext cx="0" cy="201662"/>
           </a:xfrm>
           <a:prstGeom prst="line">
@@ -7638,7 +7638,7 @@
         </p:nvCxnSpPr>
         <p:spPr>
           <a:xfrm>
-            <a:off x="2982950" y="3928192"/>
+            <a:off x="3279236" y="3928192"/>
             <a:ext cx="1445034" cy="225082"/>
           </a:xfrm>
           <a:prstGeom prst="line">
@@ -7676,7 +7676,7 @@
         </p:nvCxnSpPr>
         <p:spPr>
           <a:xfrm flipH="1">
-            <a:off x="4427984" y="3928192"/>
+            <a:off x="4724270" y="3928192"/>
             <a:ext cx="1429556" cy="225082"/>
           </a:xfrm>
           <a:prstGeom prst="line">
@@ -7717,7 +7717,7 @@
         </p:nvSpPr>
         <p:spPr>
           <a:xfrm>
-            <a:off x="7530249" y="2974908"/>
+            <a:off x="7826535" y="2974908"/>
             <a:ext cx="537624" cy="232141"/>
           </a:xfrm>
           <a:prstGeom prst="roundRect">
@@ -7769,7 +7769,7 @@
         </p:nvSpPr>
         <p:spPr>
           <a:xfrm>
-            <a:off x="7530694" y="2550918"/>
+            <a:off x="7826980" y="2550918"/>
             <a:ext cx="537624" cy="232141"/>
           </a:xfrm>
           <a:prstGeom prst="roundRect">
@@ -7821,7 +7821,7 @@
         </p:nvSpPr>
         <p:spPr>
           <a:xfrm>
-            <a:off x="7530249" y="2126929"/>
+            <a:off x="7826535" y="2126929"/>
             <a:ext cx="537624" cy="232141"/>
           </a:xfrm>
           <a:prstGeom prst="roundRect">
@@ -7873,7 +7873,7 @@
         </p:nvSpPr>
         <p:spPr>
           <a:xfrm>
-            <a:off x="8056134" y="2067694"/>
+            <a:off x="8352420" y="2067694"/>
             <a:ext cx="828092" cy="290684"/>
           </a:xfrm>
           <a:prstGeom prst="roundRect">
@@ -7926,7 +7926,7 @@
         </p:nvSpPr>
         <p:spPr>
           <a:xfrm>
-            <a:off x="8056134" y="2491522"/>
+            <a:off x="8352420" y="2491522"/>
             <a:ext cx="828092" cy="290684"/>
           </a:xfrm>
           <a:prstGeom prst="roundRect">
@@ -7979,7 +7979,7 @@
         </p:nvSpPr>
         <p:spPr>
           <a:xfrm>
-            <a:off x="8056134" y="2925423"/>
+            <a:off x="8352420" y="2925423"/>
             <a:ext cx="828092" cy="290684"/>
           </a:xfrm>
           <a:prstGeom prst="roundRect">
@@ -8032,7 +8032,7 @@
         </p:nvSpPr>
         <p:spPr>
           <a:xfrm>
-            <a:off x="7530249" y="3398044"/>
+            <a:off x="7826535" y="3398044"/>
             <a:ext cx="537624" cy="232141"/>
           </a:xfrm>
           <a:prstGeom prst="roundRect">
@@ -8084,7 +8084,7 @@
         </p:nvSpPr>
         <p:spPr>
           <a:xfrm>
-            <a:off x="8056134" y="3348559"/>
+            <a:off x="8352420" y="3348559"/>
             <a:ext cx="828092" cy="290684"/>
           </a:xfrm>
           <a:prstGeom prst="roundRect">
@@ -8255,7 +8255,7 @@
         </p:nvSpPr>
         <p:spPr>
           <a:xfrm>
-            <a:off x="3275856" y="4589677"/>
+            <a:off x="4337360" y="4585322"/>
             <a:ext cx="1224136" cy="290684"/>
           </a:xfrm>
           <a:prstGeom prst="roundRect">
@@ -8284,8 +8284,8 @@
           <a:p>
             <a:pPr algn="ctr"/>
             <a:r>
-              <a:rPr lang="en-US" altLang="ko-KR" sz="1400" dirty="0" err="1"/>
-              <a:t>eth0</a:t>
+              <a:rPr lang="en-US" altLang="ko-KR" sz="1400"/>
+              <a:t>eth1</a:t>
             </a:r>
             <a:endParaRPr lang="ko-KR" altLang="en-US" sz="1400" dirty="0"/>
           </a:p>
@@ -8527,14 +8527,14 @@
           <p:cNvCxnSpPr>
             <a:cxnSpLocks/>
             <a:stCxn id="33" idx="2"/>
-            <a:endCxn id="18" idx="0"/>
+            <a:endCxn id="60" idx="0"/>
           </p:cNvCxnSpPr>
           <p:nvPr/>
         </p:nvCxnSpPr>
         <p:spPr>
           <a:xfrm>
             <a:off x="1007604" y="4227934"/>
-            <a:ext cx="2880320" cy="361743"/>
+            <a:ext cx="1224136" cy="357388"/>
           </a:xfrm>
           <a:prstGeom prst="line">
             <a:avLst/>
@@ -8803,7 +8803,7 @@
         <p:spPr>
           <a:xfrm>
             <a:off x="3887924" y="4227934"/>
-            <a:ext cx="0" cy="361743"/>
+            <a:ext cx="1061504" cy="357388"/>
           </a:xfrm>
           <a:prstGeom prst="line">
             <a:avLst/>
@@ -8847,8 +8847,8 @@
         </p:nvCxnSpPr>
         <p:spPr>
           <a:xfrm flipH="1">
-            <a:off x="3887924" y="4227934"/>
-            <a:ext cx="2093106" cy="361743"/>
+            <a:off x="4949428" y="4227934"/>
+            <a:ext cx="1031602" cy="357388"/>
           </a:xfrm>
           <a:prstGeom prst="line">
             <a:avLst/>
@@ -10783,6 +10783,56 @@
             <a:r>
               <a:rPr lang="en-US" altLang="ko-KR" sz="1400"/>
               <a:t>VXLAN</a:t>
+            </a:r>
+            <a:endParaRPr lang="ko-KR" altLang="en-US" sz="1400" dirty="0"/>
+          </a:p>
+        </p:txBody>
+      </p:sp>
+      <p:sp>
+        <p:nvSpPr>
+          <p:cNvPr id="60" name="모서리가 둥근 직사각형 21">
+            <a:extLst>
+              <a:ext uri="{FF2B5EF4-FFF2-40B4-BE49-F238E27FC236}">
+                <a16:creationId xmlns:a16="http://schemas.microsoft.com/office/drawing/2014/main" id="{92810D52-6E2C-48B6-95FA-87E7C9E4C479}"/>
+              </a:ext>
+            </a:extLst>
+          </p:cNvPr>
+          <p:cNvSpPr/>
+          <p:nvPr/>
+        </p:nvSpPr>
+        <p:spPr>
+          <a:xfrm>
+            <a:off x="1619672" y="4585322"/>
+            <a:ext cx="1224136" cy="290684"/>
+          </a:xfrm>
+          <a:prstGeom prst="roundRect">
+            <a:avLst>
+              <a:gd name="adj" fmla="val 3400"/>
+            </a:avLst>
+          </a:prstGeom>
+        </p:spPr>
+        <p:style>
+          <a:lnRef idx="2">
+            <a:schemeClr val="dk1"/>
+          </a:lnRef>
+          <a:fillRef idx="1">
+            <a:schemeClr val="lt1"/>
+          </a:fillRef>
+          <a:effectRef idx="0">
+            <a:schemeClr val="dk1"/>
+          </a:effectRef>
+          <a:fontRef idx="minor">
+            <a:schemeClr val="dk1"/>
+          </a:fontRef>
+        </p:style>
+        <p:txBody>
+          <a:bodyPr rtlCol="0" anchor="t"/>
+          <a:lstStyle/>
+          <a:p>
+            <a:pPr algn="ctr"/>
+            <a:r>
+              <a:rPr lang="en-US" altLang="ko-KR" sz="1400"/>
+              <a:t>eth0</a:t>
             </a:r>
             <a:endParaRPr lang="ko-KR" altLang="en-US" sz="1400" dirty="0"/>
           </a:p>

--- a/images/theory_analysis/OpenStack_Neutron/OpenStack_Network_Neutron.pptx
+++ b/images/theory_analysis/OpenStack_Neutron/OpenStack_Network_Neutron.pptx
@@ -218,7 +218,7 @@
           <a:p>
             <a:fld id="{6CD5550B-26C4-49A9-A5BA-636EF7BE6CE9}" type="datetimeFigureOut">
               <a:rPr lang="ko-KR" altLang="en-US" smtClean="0"/>
-              <a:t>2018-11-29</a:t>
+              <a:t>2019-07-09</a:t>
             </a:fld>
             <a:endParaRPr lang="ko-KR" altLang="en-US"/>
           </a:p>
@@ -832,7 +832,7 @@
           <a:p>
             <a:fld id="{FB30EDBD-1C2D-4C1E-B459-B60219FAB484}" type="datetimeFigureOut">
               <a:rPr lang="ko-KR" altLang="en-US" smtClean="0"/>
-              <a:t>2018-11-29</a:t>
+              <a:t>2019-07-09</a:t>
             </a:fld>
             <a:endParaRPr lang="ko-KR" altLang="en-US"/>
           </a:p>
@@ -995,7 +995,7 @@
           <a:p>
             <a:fld id="{FB30EDBD-1C2D-4C1E-B459-B60219FAB484}" type="datetimeFigureOut">
               <a:rPr lang="ko-KR" altLang="en-US" smtClean="0"/>
-              <a:t>2018-11-29</a:t>
+              <a:t>2019-07-09</a:t>
             </a:fld>
             <a:endParaRPr lang="ko-KR" altLang="en-US"/>
           </a:p>
@@ -1168,7 +1168,7 @@
           <a:p>
             <a:fld id="{FB30EDBD-1C2D-4C1E-B459-B60219FAB484}" type="datetimeFigureOut">
               <a:rPr lang="ko-KR" altLang="en-US" smtClean="0"/>
-              <a:t>2018-11-29</a:t>
+              <a:t>2019-07-09</a:t>
             </a:fld>
             <a:endParaRPr lang="ko-KR" altLang="en-US"/>
           </a:p>
@@ -1331,7 +1331,7 @@
           <a:p>
             <a:fld id="{FB30EDBD-1C2D-4C1E-B459-B60219FAB484}" type="datetimeFigureOut">
               <a:rPr lang="ko-KR" altLang="en-US" smtClean="0"/>
-              <a:t>2018-11-29</a:t>
+              <a:t>2019-07-09</a:t>
             </a:fld>
             <a:endParaRPr lang="ko-KR" altLang="en-US"/>
           </a:p>
@@ -1571,7 +1571,7 @@
           <a:p>
             <a:fld id="{FB30EDBD-1C2D-4C1E-B459-B60219FAB484}" type="datetimeFigureOut">
               <a:rPr lang="ko-KR" altLang="en-US" smtClean="0"/>
-              <a:t>2018-11-29</a:t>
+              <a:t>2019-07-09</a:t>
             </a:fld>
             <a:endParaRPr lang="ko-KR" altLang="en-US"/>
           </a:p>
@@ -1851,7 +1851,7 @@
           <a:p>
             <a:fld id="{FB30EDBD-1C2D-4C1E-B459-B60219FAB484}" type="datetimeFigureOut">
               <a:rPr lang="ko-KR" altLang="en-US" smtClean="0"/>
-              <a:t>2018-11-29</a:t>
+              <a:t>2019-07-09</a:t>
             </a:fld>
             <a:endParaRPr lang="ko-KR" altLang="en-US"/>
           </a:p>
@@ -2265,7 +2265,7 @@
           <a:p>
             <a:fld id="{FB30EDBD-1C2D-4C1E-B459-B60219FAB484}" type="datetimeFigureOut">
               <a:rPr lang="ko-KR" altLang="en-US" smtClean="0"/>
-              <a:t>2018-11-29</a:t>
+              <a:t>2019-07-09</a:t>
             </a:fld>
             <a:endParaRPr lang="ko-KR" altLang="en-US"/>
           </a:p>
@@ -2377,7 +2377,7 @@
           <a:p>
             <a:fld id="{FB30EDBD-1C2D-4C1E-B459-B60219FAB484}" type="datetimeFigureOut">
               <a:rPr lang="ko-KR" altLang="en-US" smtClean="0"/>
-              <a:t>2018-11-29</a:t>
+              <a:t>2019-07-09</a:t>
             </a:fld>
             <a:endParaRPr lang="ko-KR" altLang="en-US"/>
           </a:p>
@@ -2467,7 +2467,7 @@
           <a:p>
             <a:fld id="{FB30EDBD-1C2D-4C1E-B459-B60219FAB484}" type="datetimeFigureOut">
               <a:rPr lang="ko-KR" altLang="en-US" smtClean="0"/>
-              <a:t>2018-11-29</a:t>
+              <a:t>2019-07-09</a:t>
             </a:fld>
             <a:endParaRPr lang="ko-KR" altLang="en-US"/>
           </a:p>
@@ -2737,7 +2737,7 @@
           <a:p>
             <a:fld id="{FB30EDBD-1C2D-4C1E-B459-B60219FAB484}" type="datetimeFigureOut">
               <a:rPr lang="ko-KR" altLang="en-US" smtClean="0"/>
-              <a:t>2018-11-29</a:t>
+              <a:t>2019-07-09</a:t>
             </a:fld>
             <a:endParaRPr lang="ko-KR" altLang="en-US"/>
           </a:p>
@@ -2984,7 +2984,7 @@
           <a:p>
             <a:fld id="{FB30EDBD-1C2D-4C1E-B459-B60219FAB484}" type="datetimeFigureOut">
               <a:rPr lang="ko-KR" altLang="en-US" smtClean="0"/>
-              <a:t>2018-11-29</a:t>
+              <a:t>2019-07-09</a:t>
             </a:fld>
             <a:endParaRPr lang="ko-KR" altLang="en-US"/>
           </a:p>
@@ -3190,7 +3190,7 @@
           <a:p>
             <a:fld id="{FB30EDBD-1C2D-4C1E-B459-B60219FAB484}" type="datetimeFigureOut">
               <a:rPr lang="ko-KR" altLang="en-US" smtClean="0"/>
-              <a:t>2018-11-29</a:t>
+              <a:t>2019-07-09</a:t>
             </a:fld>
             <a:endParaRPr lang="ko-KR" altLang="en-US"/>
           </a:p>
@@ -8665,8 +8665,8 @@
           <a:p>
             <a:pPr algn="ctr"/>
             <a:r>
-              <a:rPr lang="en-US" altLang="ko-KR" sz="1400" dirty="0" err="1"/>
-              <a:t>brq02</a:t>
+              <a:rPr lang="en-US" altLang="ko-KR" sz="1400"/>
+              <a:t>brq03</a:t>
             </a:r>
             <a:endParaRPr lang="ko-KR" altLang="en-US" sz="1400" dirty="0"/>
           </a:p>

--- a/images/theory_analysis/OpenStack_Neutron/OpenStack_Network_Neutron.pptx
+++ b/images/theory_analysis/OpenStack_Neutron/OpenStack_Network_Neutron.pptx
@@ -218,7 +218,7 @@
           <a:p>
             <a:fld id="{6CD5550B-26C4-49A9-A5BA-636EF7BE6CE9}" type="datetimeFigureOut">
               <a:rPr lang="ko-KR" altLang="en-US" smtClean="0"/>
-              <a:t>2019-07-09</a:t>
+              <a:t>2020-01-13</a:t>
             </a:fld>
             <a:endParaRPr lang="ko-KR" altLang="en-US"/>
           </a:p>
@@ -832,7 +832,7 @@
           <a:p>
             <a:fld id="{FB30EDBD-1C2D-4C1E-B459-B60219FAB484}" type="datetimeFigureOut">
               <a:rPr lang="ko-KR" altLang="en-US" smtClean="0"/>
-              <a:t>2019-07-09</a:t>
+              <a:t>2020-01-13</a:t>
             </a:fld>
             <a:endParaRPr lang="ko-KR" altLang="en-US"/>
           </a:p>
@@ -995,7 +995,7 @@
           <a:p>
             <a:fld id="{FB30EDBD-1C2D-4C1E-B459-B60219FAB484}" type="datetimeFigureOut">
               <a:rPr lang="ko-KR" altLang="en-US" smtClean="0"/>
-              <a:t>2019-07-09</a:t>
+              <a:t>2020-01-13</a:t>
             </a:fld>
             <a:endParaRPr lang="ko-KR" altLang="en-US"/>
           </a:p>
@@ -1168,7 +1168,7 @@
           <a:p>
             <a:fld id="{FB30EDBD-1C2D-4C1E-B459-B60219FAB484}" type="datetimeFigureOut">
               <a:rPr lang="ko-KR" altLang="en-US" smtClean="0"/>
-              <a:t>2019-07-09</a:t>
+              <a:t>2020-01-13</a:t>
             </a:fld>
             <a:endParaRPr lang="ko-KR" altLang="en-US"/>
           </a:p>
@@ -1331,7 +1331,7 @@
           <a:p>
             <a:fld id="{FB30EDBD-1C2D-4C1E-B459-B60219FAB484}" type="datetimeFigureOut">
               <a:rPr lang="ko-KR" altLang="en-US" smtClean="0"/>
-              <a:t>2019-07-09</a:t>
+              <a:t>2020-01-13</a:t>
             </a:fld>
             <a:endParaRPr lang="ko-KR" altLang="en-US"/>
           </a:p>
@@ -1571,7 +1571,7 @@
           <a:p>
             <a:fld id="{FB30EDBD-1C2D-4C1E-B459-B60219FAB484}" type="datetimeFigureOut">
               <a:rPr lang="ko-KR" altLang="en-US" smtClean="0"/>
-              <a:t>2019-07-09</a:t>
+              <a:t>2020-01-13</a:t>
             </a:fld>
             <a:endParaRPr lang="ko-KR" altLang="en-US"/>
           </a:p>
@@ -1851,7 +1851,7 @@
           <a:p>
             <a:fld id="{FB30EDBD-1C2D-4C1E-B459-B60219FAB484}" type="datetimeFigureOut">
               <a:rPr lang="ko-KR" altLang="en-US" smtClean="0"/>
-              <a:t>2019-07-09</a:t>
+              <a:t>2020-01-13</a:t>
             </a:fld>
             <a:endParaRPr lang="ko-KR" altLang="en-US"/>
           </a:p>
@@ -2265,7 +2265,7 @@
           <a:p>
             <a:fld id="{FB30EDBD-1C2D-4C1E-B459-B60219FAB484}" type="datetimeFigureOut">
               <a:rPr lang="ko-KR" altLang="en-US" smtClean="0"/>
-              <a:t>2019-07-09</a:t>
+              <a:t>2020-01-13</a:t>
             </a:fld>
             <a:endParaRPr lang="ko-KR" altLang="en-US"/>
           </a:p>
@@ -2377,7 +2377,7 @@
           <a:p>
             <a:fld id="{FB30EDBD-1C2D-4C1E-B459-B60219FAB484}" type="datetimeFigureOut">
               <a:rPr lang="ko-KR" altLang="en-US" smtClean="0"/>
-              <a:t>2019-07-09</a:t>
+              <a:t>2020-01-13</a:t>
             </a:fld>
             <a:endParaRPr lang="ko-KR" altLang="en-US"/>
           </a:p>
@@ -2467,7 +2467,7 @@
           <a:p>
             <a:fld id="{FB30EDBD-1C2D-4C1E-B459-B60219FAB484}" type="datetimeFigureOut">
               <a:rPr lang="ko-KR" altLang="en-US" smtClean="0"/>
-              <a:t>2019-07-09</a:t>
+              <a:t>2020-01-13</a:t>
             </a:fld>
             <a:endParaRPr lang="ko-KR" altLang="en-US"/>
           </a:p>
@@ -2737,7 +2737,7 @@
           <a:p>
             <a:fld id="{FB30EDBD-1C2D-4C1E-B459-B60219FAB484}" type="datetimeFigureOut">
               <a:rPr lang="ko-KR" altLang="en-US" smtClean="0"/>
-              <a:t>2019-07-09</a:t>
+              <a:t>2020-01-13</a:t>
             </a:fld>
             <a:endParaRPr lang="ko-KR" altLang="en-US"/>
           </a:p>
@@ -2984,7 +2984,7 @@
           <a:p>
             <a:fld id="{FB30EDBD-1C2D-4C1E-B459-B60219FAB484}" type="datetimeFigureOut">
               <a:rPr lang="ko-KR" altLang="en-US" smtClean="0"/>
-              <a:t>2019-07-09</a:t>
+              <a:t>2020-01-13</a:t>
             </a:fld>
             <a:endParaRPr lang="ko-KR" altLang="en-US"/>
           </a:p>
@@ -3190,7 +3190,7 @@
           <a:p>
             <a:fld id="{FB30EDBD-1C2D-4C1E-B459-B60219FAB484}" type="datetimeFigureOut">
               <a:rPr lang="ko-KR" altLang="en-US" smtClean="0"/>
-              <a:t>2019-07-09</a:t>
+              <a:t>2020-01-13</a:t>
             </a:fld>
             <a:endParaRPr lang="ko-KR" altLang="en-US"/>
           </a:p>
@@ -6434,7 +6434,7 @@
             </a:r>
             <a:r>
               <a:rPr lang="en-US" altLang="ko-KR" sz="3600"/>
-              <a:t>, No SDN</a:t>
+              <a:t>, No OVS</a:t>
             </a:r>
             <a:endParaRPr lang="ko-KR" altLang="en-US" sz="3600" dirty="0"/>
           </a:p>
@@ -8181,7 +8181,7 @@
             </a:r>
             <a:r>
               <a:rPr lang="en-US" altLang="ko-KR" sz="3600"/>
-              <a:t>, No SDN</a:t>
+              <a:t>, No OVS</a:t>
             </a:r>
             <a:endParaRPr lang="ko-KR" altLang="en-US" sz="3600" dirty="0"/>
           </a:p>

--- a/images/theory_analysis/OpenStack_Neutron/OpenStack_Network_Neutron.pptx
+++ b/images/theory_analysis/OpenStack_Neutron/OpenStack_Network_Neutron.pptx
@@ -5,15 +5,17 @@
     <p:sldMasterId id="2147483648" r:id="rId1"/>
   </p:sldMasterIdLst>
   <p:notesMasterIdLst>
-    <p:notesMasterId r:id="rId8"/>
+    <p:notesMasterId r:id="rId10"/>
   </p:notesMasterIdLst>
   <p:sldIdLst>
     <p:sldId id="372" r:id="rId2"/>
     <p:sldId id="377" r:id="rId3"/>
     <p:sldId id="375" r:id="rId4"/>
     <p:sldId id="374" r:id="rId5"/>
-    <p:sldId id="376" r:id="rId6"/>
-    <p:sldId id="373" r:id="rId7"/>
+    <p:sldId id="378" r:id="rId6"/>
+    <p:sldId id="379" r:id="rId7"/>
+    <p:sldId id="376" r:id="rId8"/>
+    <p:sldId id="373" r:id="rId9"/>
   </p:sldIdLst>
   <p:sldSz cx="9144000" cy="5143500" type="screen16x9"/>
   <p:notesSz cx="6858000" cy="9144000"/>
@@ -6448,8 +6450,8 @@
         </p:nvSpPr>
         <p:spPr>
           <a:xfrm>
-            <a:off x="1781032" y="1275606"/>
-            <a:ext cx="5895565" cy="3168352"/>
+            <a:off x="1115616" y="1059582"/>
+            <a:ext cx="5895565" cy="3384376"/>
           </a:xfrm>
           <a:prstGeom prst="roundRect">
             <a:avLst>
@@ -6492,7 +6494,7 @@
         </p:nvSpPr>
         <p:spPr>
           <a:xfrm>
-            <a:off x="1915958" y="1659277"/>
+            <a:off x="1250542" y="1443253"/>
             <a:ext cx="1296143" cy="722732"/>
           </a:xfrm>
           <a:prstGeom prst="roundRect">
@@ -6540,7 +6542,7 @@
         </p:nvSpPr>
         <p:spPr>
           <a:xfrm>
-            <a:off x="3356118" y="1659277"/>
+            <a:off x="2690702" y="1443253"/>
             <a:ext cx="2736304" cy="722732"/>
           </a:xfrm>
           <a:prstGeom prst="roundRect">
@@ -6588,7 +6590,7 @@
         </p:nvSpPr>
         <p:spPr>
           <a:xfrm>
-            <a:off x="6236438" y="1659277"/>
+            <a:off x="5571022" y="1443253"/>
             <a:ext cx="1296144" cy="722732"/>
           </a:xfrm>
           <a:prstGeom prst="roundRect">
@@ -6636,7 +6638,7 @@
         </p:nvSpPr>
         <p:spPr>
           <a:xfrm>
-            <a:off x="2239994" y="2091325"/>
+            <a:off x="1574578" y="1875301"/>
             <a:ext cx="648072" cy="290684"/>
           </a:xfrm>
           <a:prstGeom prst="roundRect">
@@ -6680,7 +6682,7 @@
         </p:nvSpPr>
         <p:spPr>
           <a:xfrm>
-            <a:off x="3680154" y="2091325"/>
+            <a:off x="3014738" y="1875301"/>
             <a:ext cx="648072" cy="290684"/>
           </a:xfrm>
           <a:prstGeom prst="roundRect">
@@ -6724,7 +6726,7 @@
         </p:nvSpPr>
         <p:spPr>
           <a:xfrm>
-            <a:off x="5120314" y="2091325"/>
+            <a:off x="4454898" y="1875301"/>
             <a:ext cx="648072" cy="290684"/>
           </a:xfrm>
           <a:prstGeom prst="roundRect">
@@ -6768,7 +6770,7 @@
         </p:nvSpPr>
         <p:spPr>
           <a:xfrm>
-            <a:off x="6560474" y="2091325"/>
+            <a:off x="5895058" y="1875301"/>
             <a:ext cx="648072" cy="290684"/>
           </a:xfrm>
           <a:prstGeom prst="roundRect">
@@ -6812,8 +6814,8 @@
         </p:nvSpPr>
         <p:spPr>
           <a:xfrm>
-            <a:off x="2667168" y="3145162"/>
-            <a:ext cx="1224136" cy="290684"/>
+            <a:off x="2001752" y="2857129"/>
+            <a:ext cx="1224136" cy="609971"/>
           </a:xfrm>
           <a:prstGeom prst="roundRect">
             <a:avLst>
@@ -6842,13 +6844,13 @@
           </a:fontRef>
         </p:style>
         <p:txBody>
-          <a:bodyPr rtlCol="0" anchor="t"/>
+          <a:bodyPr rtlCol="0" anchor="b"/>
           <a:lstStyle/>
           <a:p>
             <a:pPr algn="ctr"/>
             <a:r>
               <a:rPr lang="en-US" altLang="ko-KR" sz="1400"/>
-              <a:t>brq01</a:t>
+              <a:t>brq1</a:t>
             </a:r>
             <a:endParaRPr lang="ko-KR" altLang="en-US" sz="1400" dirty="0"/>
           </a:p>
@@ -6862,7 +6864,7 @@
         </p:nvSpPr>
         <p:spPr>
           <a:xfrm>
-            <a:off x="2239994" y="2582239"/>
+            <a:off x="1574578" y="2366215"/>
             <a:ext cx="648072" cy="290684"/>
           </a:xfrm>
           <a:prstGeom prst="roundRect">
@@ -6898,7 +6900,7 @@
             <a:pPr algn="ctr"/>
             <a:r>
               <a:rPr lang="en-US" altLang="ko-KR" sz="1400"/>
-              <a:t>tap01</a:t>
+              <a:t>tap1</a:t>
             </a:r>
             <a:endParaRPr lang="ko-KR" altLang="en-US" sz="1400" dirty="0"/>
           </a:p>
@@ -6912,7 +6914,7 @@
         </p:nvSpPr>
         <p:spPr>
           <a:xfrm>
-            <a:off x="3680154" y="2582239"/>
+            <a:off x="3014738" y="2366215"/>
             <a:ext cx="648072" cy="290684"/>
           </a:xfrm>
           <a:prstGeom prst="roundRect">
@@ -6948,7 +6950,7 @@
             <a:pPr algn="ctr"/>
             <a:r>
               <a:rPr lang="en-US" altLang="ko-KR" sz="1400"/>
-              <a:t>tap02</a:t>
+              <a:t>tap2</a:t>
             </a:r>
             <a:endParaRPr lang="ko-KR" altLang="en-US" sz="1400" dirty="0"/>
           </a:p>
@@ -6962,7 +6964,7 @@
         </p:nvSpPr>
         <p:spPr>
           <a:xfrm>
-            <a:off x="5120314" y="2582239"/>
+            <a:off x="4454898" y="2366215"/>
             <a:ext cx="648072" cy="290684"/>
           </a:xfrm>
           <a:prstGeom prst="roundRect">
@@ -6998,7 +7000,7 @@
             <a:pPr algn="ctr"/>
             <a:r>
               <a:rPr lang="en-US" altLang="ko-KR" sz="1400"/>
-              <a:t>tap03</a:t>
+              <a:t>tap3</a:t>
             </a:r>
             <a:endParaRPr lang="ko-KR" altLang="en-US" sz="1400" dirty="0"/>
           </a:p>
@@ -7012,7 +7014,7 @@
         </p:nvSpPr>
         <p:spPr>
           <a:xfrm>
-            <a:off x="6560474" y="2582239"/>
+            <a:off x="5895058" y="2366215"/>
             <a:ext cx="648072" cy="290684"/>
           </a:xfrm>
           <a:prstGeom prst="roundRect">
@@ -7048,57 +7050,7 @@
             <a:pPr algn="ctr"/>
             <a:r>
               <a:rPr lang="en-US" altLang="ko-KR" sz="1400"/>
-              <a:t>tap04</a:t>
-            </a:r>
-            <a:endParaRPr lang="ko-KR" altLang="en-US" sz="1400" dirty="0"/>
-          </a:p>
-        </p:txBody>
-      </p:sp>
-      <p:sp>
-        <p:nvSpPr>
-          <p:cNvPr id="21" name="모서리가 둥근 직사각형 20"/>
-          <p:cNvSpPr/>
-          <p:nvPr/>
-        </p:nvSpPr>
-        <p:spPr>
-          <a:xfrm>
-            <a:off x="5541758" y="3145162"/>
-            <a:ext cx="1224136" cy="290684"/>
-          </a:xfrm>
-          <a:prstGeom prst="roundRect">
-            <a:avLst>
-              <a:gd name="adj" fmla="val 3400"/>
-            </a:avLst>
-          </a:prstGeom>
-          <a:solidFill>
-            <a:schemeClr val="accent2">
-              <a:lumMod val="40000"/>
-              <a:lumOff val="60000"/>
-            </a:schemeClr>
-          </a:solidFill>
-        </p:spPr>
-        <p:style>
-          <a:lnRef idx="2">
-            <a:schemeClr val="dk1"/>
-          </a:lnRef>
-          <a:fillRef idx="1">
-            <a:schemeClr val="lt1"/>
-          </a:fillRef>
-          <a:effectRef idx="0">
-            <a:schemeClr val="dk1"/>
-          </a:effectRef>
-          <a:fontRef idx="minor">
-            <a:schemeClr val="dk1"/>
-          </a:fontRef>
-        </p:style>
-        <p:txBody>
-          <a:bodyPr rtlCol="0" anchor="t"/>
-          <a:lstStyle/>
-          <a:p>
-            <a:pPr algn="ctr"/>
-            <a:r>
-              <a:rPr lang="en-US" altLang="ko-KR" sz="1400"/>
-              <a:t>brq02</a:t>
+              <a:t>tap4</a:t>
             </a:r>
             <a:endParaRPr lang="ko-KR" altLang="en-US" sz="1400" dirty="0"/>
           </a:p>
@@ -7112,7 +7064,7 @@
         </p:nvSpPr>
         <p:spPr>
           <a:xfrm>
-            <a:off x="4112202" y="4153274"/>
+            <a:off x="3446786" y="4153274"/>
             <a:ext cx="1224136" cy="290684"/>
           </a:xfrm>
           <a:prstGeom prst="roundRect">
@@ -7159,7 +7111,7 @@
         </p:nvCxnSpPr>
         <p:spPr>
           <a:xfrm>
-            <a:off x="2564030" y="2382009"/>
+            <a:off x="1898614" y="2165985"/>
             <a:ext cx="0" cy="200230"/>
           </a:xfrm>
           <a:prstGeom prst="line">
@@ -7197,7 +7149,7 @@
         </p:nvCxnSpPr>
         <p:spPr>
           <a:xfrm>
-            <a:off x="4004190" y="2382009"/>
+            <a:off x="3338774" y="2165985"/>
             <a:ext cx="0" cy="200230"/>
           </a:xfrm>
           <a:prstGeom prst="line">
@@ -7235,7 +7187,7 @@
         </p:nvCxnSpPr>
         <p:spPr>
           <a:xfrm>
-            <a:off x="5444350" y="2382009"/>
+            <a:off x="4778934" y="2165985"/>
             <a:ext cx="0" cy="200230"/>
           </a:xfrm>
           <a:prstGeom prst="line">
@@ -7273,7 +7225,7 @@
         </p:nvCxnSpPr>
         <p:spPr>
           <a:xfrm>
-            <a:off x="6884510" y="2382009"/>
+            <a:off x="6219094" y="2165985"/>
             <a:ext cx="0" cy="200230"/>
           </a:xfrm>
           <a:prstGeom prst="line">
@@ -7304,14 +7256,16 @@
         <p:nvCxnSpPr>
           <p:cNvPr id="34" name="직선 연결선 33"/>
           <p:cNvCxnSpPr>
+            <a:cxnSpLocks/>
             <a:stCxn id="17" idx="2"/>
+            <a:endCxn id="16" idx="0"/>
           </p:cNvCxnSpPr>
           <p:nvPr/>
         </p:nvCxnSpPr>
         <p:spPr>
           <a:xfrm>
-            <a:off x="2564030" y="2872923"/>
-            <a:ext cx="715206" cy="272239"/>
+            <a:off x="1898614" y="2656899"/>
+            <a:ext cx="715206" cy="200230"/>
           </a:xfrm>
           <a:prstGeom prst="line">
             <a:avLst/>
@@ -7345,7 +7299,7 @@
         </p:nvSpPr>
         <p:spPr>
           <a:xfrm>
-            <a:off x="2667168" y="3637508"/>
+            <a:off x="2001752" y="3637508"/>
             <a:ext cx="1224136" cy="290684"/>
           </a:xfrm>
           <a:prstGeom prst="roundRect">
@@ -7391,6 +7345,7 @@
         <p:nvCxnSpPr>
           <p:cNvPr id="38" name="직선 연결선 37"/>
           <p:cNvCxnSpPr>
+            <a:cxnSpLocks/>
             <a:stCxn id="18" idx="2"/>
             <a:endCxn id="16" idx="0"/>
           </p:cNvCxnSpPr>
@@ -7398,8 +7353,8 @@
         </p:nvCxnSpPr>
         <p:spPr>
           <a:xfrm flipH="1">
-            <a:off x="3279236" y="2872923"/>
-            <a:ext cx="724954" cy="272239"/>
+            <a:off x="2613820" y="2656899"/>
+            <a:ext cx="724954" cy="200230"/>
           </a:xfrm>
           <a:prstGeom prst="line">
             <a:avLst/>
@@ -7427,17 +7382,18 @@
       </p:cxnSp>
       <p:cxnSp>
         <p:nvCxnSpPr>
-          <p:cNvPr id="41" name="직선 연결선 40"/>
+          <p:cNvPr id="47" name="직선 연결선 46"/>
           <p:cNvCxnSpPr>
-            <a:stCxn id="19" idx="2"/>
-            <a:endCxn id="21" idx="0"/>
+            <a:cxnSpLocks/>
+            <a:stCxn id="16" idx="2"/>
+            <a:endCxn id="37" idx="0"/>
           </p:cNvCxnSpPr>
           <p:nvPr/>
         </p:nvCxnSpPr>
         <p:spPr>
           <a:xfrm>
-            <a:off x="5444350" y="2872923"/>
-            <a:ext cx="709476" cy="272239"/>
+            <a:off x="2613820" y="3467100"/>
+            <a:ext cx="0" cy="170408"/>
           </a:xfrm>
           <a:prstGeom prst="line">
             <a:avLst/>
@@ -7463,82 +7419,6 @@
           </a:fontRef>
         </p:style>
       </p:cxnSp>
-      <p:cxnSp>
-        <p:nvCxnSpPr>
-          <p:cNvPr id="44" name="직선 연결선 43"/>
-          <p:cNvCxnSpPr>
-            <a:stCxn id="20" idx="2"/>
-            <a:endCxn id="21" idx="0"/>
-          </p:cNvCxnSpPr>
-          <p:nvPr/>
-        </p:nvCxnSpPr>
-        <p:spPr>
-          <a:xfrm flipH="1">
-            <a:off x="6153826" y="2872923"/>
-            <a:ext cx="730684" cy="272239"/>
-          </a:xfrm>
-          <a:prstGeom prst="line">
-            <a:avLst/>
-          </a:prstGeom>
-          <a:ln w="28575">
-            <a:solidFill>
-              <a:schemeClr val="tx1"/>
-            </a:solidFill>
-          </a:ln>
-        </p:spPr>
-        <p:style>
-          <a:lnRef idx="1">
-            <a:schemeClr val="accent1"/>
-          </a:lnRef>
-          <a:fillRef idx="0">
-            <a:schemeClr val="accent1"/>
-          </a:fillRef>
-          <a:effectRef idx="0">
-            <a:schemeClr val="accent1"/>
-          </a:effectRef>
-          <a:fontRef idx="minor">
-            <a:schemeClr val="tx1"/>
-          </a:fontRef>
-        </p:style>
-      </p:cxnSp>
-      <p:cxnSp>
-        <p:nvCxnSpPr>
-          <p:cNvPr id="47" name="직선 연결선 46"/>
-          <p:cNvCxnSpPr>
-            <a:stCxn id="16" idx="2"/>
-            <a:endCxn id="37" idx="0"/>
-          </p:cNvCxnSpPr>
-          <p:nvPr/>
-        </p:nvCxnSpPr>
-        <p:spPr>
-          <a:xfrm>
-            <a:off x="3279236" y="3435846"/>
-            <a:ext cx="0" cy="201662"/>
-          </a:xfrm>
-          <a:prstGeom prst="line">
-            <a:avLst/>
-          </a:prstGeom>
-          <a:ln w="28575">
-            <a:solidFill>
-              <a:schemeClr val="tx1"/>
-            </a:solidFill>
-          </a:ln>
-        </p:spPr>
-        <p:style>
-          <a:lnRef idx="1">
-            <a:schemeClr val="accent1"/>
-          </a:lnRef>
-          <a:fillRef idx="0">
-            <a:schemeClr val="accent1"/>
-          </a:fillRef>
-          <a:effectRef idx="0">
-            <a:schemeClr val="accent1"/>
-          </a:effectRef>
-          <a:fontRef idx="minor">
-            <a:schemeClr val="tx1"/>
-          </a:fontRef>
-        </p:style>
-      </p:cxnSp>
       <p:sp>
         <p:nvSpPr>
           <p:cNvPr id="51" name="모서리가 둥근 직사각형 50"/>
@@ -7547,7 +7427,7 @@
         </p:nvSpPr>
         <p:spPr>
           <a:xfrm>
-            <a:off x="5541758" y="3637508"/>
+            <a:off x="4876342" y="3637508"/>
             <a:ext cx="1224136" cy="290684"/>
           </a:xfrm>
           <a:prstGeom prst="roundRect">
@@ -7593,15 +7473,16 @@
         <p:nvCxnSpPr>
           <p:cNvPr id="52" name="직선 연결선 51"/>
           <p:cNvCxnSpPr>
-            <a:stCxn id="21" idx="2"/>
+            <a:cxnSpLocks/>
+            <a:stCxn id="62" idx="2"/>
             <a:endCxn id="51" idx="0"/>
           </p:cNvCxnSpPr>
           <p:nvPr/>
         </p:nvCxnSpPr>
         <p:spPr>
-          <a:xfrm>
-            <a:off x="6153826" y="3435846"/>
-            <a:ext cx="0" cy="201662"/>
+          <a:xfrm flipH="1">
+            <a:off x="5488410" y="3467100"/>
+            <a:ext cx="2349" cy="170408"/>
           </a:xfrm>
           <a:prstGeom prst="line">
             <a:avLst/>
@@ -7638,7 +7519,7 @@
         </p:nvCxnSpPr>
         <p:spPr>
           <a:xfrm>
-            <a:off x="3279236" y="3928192"/>
+            <a:off x="2613820" y="3928192"/>
             <a:ext cx="1445034" cy="225082"/>
           </a:xfrm>
           <a:prstGeom prst="line">
@@ -7676,7 +7557,7 @@
         </p:nvCxnSpPr>
         <p:spPr>
           <a:xfrm flipH="1">
-            <a:off x="4724270" y="3928192"/>
+            <a:off x="4058854" y="3928192"/>
             <a:ext cx="1429556" cy="225082"/>
           </a:xfrm>
           <a:prstGeom prst="line">
@@ -7717,7 +7598,7 @@
         </p:nvSpPr>
         <p:spPr>
           <a:xfrm>
-            <a:off x="7826535" y="2974908"/>
+            <a:off x="7161119" y="2987535"/>
             <a:ext cx="537624" cy="232141"/>
           </a:xfrm>
           <a:prstGeom prst="roundRect">
@@ -7769,7 +7650,7 @@
         </p:nvSpPr>
         <p:spPr>
           <a:xfrm>
-            <a:off x="7826980" y="2550918"/>
+            <a:off x="7161564" y="2563545"/>
             <a:ext cx="537624" cy="232141"/>
           </a:xfrm>
           <a:prstGeom prst="roundRect">
@@ -7821,7 +7702,7 @@
         </p:nvSpPr>
         <p:spPr>
           <a:xfrm>
-            <a:off x="7826535" y="2126929"/>
+            <a:off x="7161119" y="2139556"/>
             <a:ext cx="537624" cy="232141"/>
           </a:xfrm>
           <a:prstGeom prst="roundRect">
@@ -7873,7 +7754,7 @@
         </p:nvSpPr>
         <p:spPr>
           <a:xfrm>
-            <a:off x="8352420" y="2067694"/>
+            <a:off x="7687004" y="2080321"/>
             <a:ext cx="828092" cy="290684"/>
           </a:xfrm>
           <a:prstGeom prst="roundRect">
@@ -7926,7 +7807,7 @@
         </p:nvSpPr>
         <p:spPr>
           <a:xfrm>
-            <a:off x="8352420" y="2491522"/>
+            <a:off x="7687004" y="2504149"/>
             <a:ext cx="828092" cy="290684"/>
           </a:xfrm>
           <a:prstGeom prst="roundRect">
@@ -7979,7 +7860,7 @@
         </p:nvSpPr>
         <p:spPr>
           <a:xfrm>
-            <a:off x="8352420" y="2925423"/>
+            <a:off x="7687004" y="2938050"/>
             <a:ext cx="828092" cy="290684"/>
           </a:xfrm>
           <a:prstGeom prst="roundRect">
@@ -8032,7 +7913,7 @@
         </p:nvSpPr>
         <p:spPr>
           <a:xfrm>
-            <a:off x="7826535" y="3398044"/>
+            <a:off x="7161119" y="3410671"/>
             <a:ext cx="537624" cy="232141"/>
           </a:xfrm>
           <a:prstGeom prst="roundRect">
@@ -8084,7 +7965,7 @@
         </p:nvSpPr>
         <p:spPr>
           <a:xfrm>
-            <a:off x="8352420" y="3348559"/>
+            <a:off x="7687004" y="3361186"/>
             <a:ext cx="828092" cy="290684"/>
           </a:xfrm>
           <a:prstGeom prst="roundRect">
@@ -8123,6 +8004,248 @@
           </a:p>
         </p:txBody>
       </p:sp>
+      <p:sp>
+        <p:nvSpPr>
+          <p:cNvPr id="50" name="타원 49">
+            <a:extLst>
+              <a:ext uri="{FF2B5EF4-FFF2-40B4-BE49-F238E27FC236}">
+                <a16:creationId xmlns:a16="http://schemas.microsoft.com/office/drawing/2014/main" id="{54B08D17-56D7-4815-9940-0DF7ABCF1A69}"/>
+              </a:ext>
+            </a:extLst>
+          </p:cNvPr>
+          <p:cNvSpPr/>
+          <p:nvPr/>
+        </p:nvSpPr>
+        <p:spPr>
+          <a:xfrm>
+            <a:off x="2035430" y="2898989"/>
+            <a:ext cx="1156780" cy="290684"/>
+          </a:xfrm>
+          <a:prstGeom prst="ellipse">
+            <a:avLst/>
+          </a:prstGeom>
+        </p:spPr>
+        <p:style>
+          <a:lnRef idx="2">
+            <a:schemeClr val="dk1"/>
+          </a:lnRef>
+          <a:fillRef idx="1">
+            <a:schemeClr val="lt1"/>
+          </a:fillRef>
+          <a:effectRef idx="0">
+            <a:schemeClr val="dk1"/>
+          </a:effectRef>
+          <a:fontRef idx="minor">
+            <a:schemeClr val="dk1"/>
+          </a:fontRef>
+        </p:style>
+        <p:txBody>
+          <a:bodyPr rtlCol="0" anchor="ctr"/>
+          <a:lstStyle/>
+          <a:p>
+            <a:pPr algn="ctr"/>
+            <a:r>
+              <a:rPr lang="en-US" altLang="ko-KR" sz="1400"/>
+              <a:t>iptables</a:t>
+            </a:r>
+            <a:endParaRPr lang="ko-KR" altLang="en-US" sz="1400"/>
+          </a:p>
+        </p:txBody>
+      </p:sp>
+      <p:sp>
+        <p:nvSpPr>
+          <p:cNvPr id="62" name="모서리가 둥근 직사각형 15">
+            <a:extLst>
+              <a:ext uri="{FF2B5EF4-FFF2-40B4-BE49-F238E27FC236}">
+                <a16:creationId xmlns:a16="http://schemas.microsoft.com/office/drawing/2014/main" id="{8D2A8DAF-3DA1-4DB4-8E20-BBAB238C774F}"/>
+              </a:ext>
+            </a:extLst>
+          </p:cNvPr>
+          <p:cNvSpPr/>
+          <p:nvPr/>
+        </p:nvSpPr>
+        <p:spPr>
+          <a:xfrm>
+            <a:off x="4878691" y="2857129"/>
+            <a:ext cx="1224136" cy="609971"/>
+          </a:xfrm>
+          <a:prstGeom prst="roundRect">
+            <a:avLst>
+              <a:gd name="adj" fmla="val 3400"/>
+            </a:avLst>
+          </a:prstGeom>
+          <a:solidFill>
+            <a:schemeClr val="accent2">
+              <a:lumMod val="40000"/>
+              <a:lumOff val="60000"/>
+            </a:schemeClr>
+          </a:solidFill>
+        </p:spPr>
+        <p:style>
+          <a:lnRef idx="2">
+            <a:schemeClr val="dk1"/>
+          </a:lnRef>
+          <a:fillRef idx="1">
+            <a:schemeClr val="lt1"/>
+          </a:fillRef>
+          <a:effectRef idx="0">
+            <a:schemeClr val="dk1"/>
+          </a:effectRef>
+          <a:fontRef idx="minor">
+            <a:schemeClr val="dk1"/>
+          </a:fontRef>
+        </p:style>
+        <p:txBody>
+          <a:bodyPr rtlCol="0" anchor="b"/>
+          <a:lstStyle/>
+          <a:p>
+            <a:pPr algn="ctr"/>
+            <a:r>
+              <a:rPr lang="en-US" altLang="ko-KR" sz="1400"/>
+              <a:t>brq2</a:t>
+            </a:r>
+            <a:endParaRPr lang="ko-KR" altLang="en-US" sz="1400" dirty="0"/>
+          </a:p>
+        </p:txBody>
+      </p:sp>
+      <p:sp>
+        <p:nvSpPr>
+          <p:cNvPr id="63" name="타원 62">
+            <a:extLst>
+              <a:ext uri="{FF2B5EF4-FFF2-40B4-BE49-F238E27FC236}">
+                <a16:creationId xmlns:a16="http://schemas.microsoft.com/office/drawing/2014/main" id="{987226C9-347E-465D-9F87-E5B3D5056699}"/>
+              </a:ext>
+            </a:extLst>
+          </p:cNvPr>
+          <p:cNvSpPr/>
+          <p:nvPr/>
+        </p:nvSpPr>
+        <p:spPr>
+          <a:xfrm>
+            <a:off x="4912369" y="2898989"/>
+            <a:ext cx="1156780" cy="290684"/>
+          </a:xfrm>
+          <a:prstGeom prst="ellipse">
+            <a:avLst/>
+          </a:prstGeom>
+        </p:spPr>
+        <p:style>
+          <a:lnRef idx="2">
+            <a:schemeClr val="dk1"/>
+          </a:lnRef>
+          <a:fillRef idx="1">
+            <a:schemeClr val="lt1"/>
+          </a:fillRef>
+          <a:effectRef idx="0">
+            <a:schemeClr val="dk1"/>
+          </a:effectRef>
+          <a:fontRef idx="minor">
+            <a:schemeClr val="dk1"/>
+          </a:fontRef>
+        </p:style>
+        <p:txBody>
+          <a:bodyPr rtlCol="0" anchor="ctr"/>
+          <a:lstStyle/>
+          <a:p>
+            <a:pPr algn="ctr"/>
+            <a:r>
+              <a:rPr lang="en-US" altLang="ko-KR" sz="1400"/>
+              <a:t>iptables</a:t>
+            </a:r>
+            <a:endParaRPr lang="ko-KR" altLang="en-US" sz="1400"/>
+          </a:p>
+        </p:txBody>
+      </p:sp>
+      <p:cxnSp>
+        <p:nvCxnSpPr>
+          <p:cNvPr id="69" name="직선 연결선 68">
+            <a:extLst>
+              <a:ext uri="{FF2B5EF4-FFF2-40B4-BE49-F238E27FC236}">
+                <a16:creationId xmlns:a16="http://schemas.microsoft.com/office/drawing/2014/main" id="{C973A5B2-67BF-433A-9B36-F01513086AF6}"/>
+              </a:ext>
+            </a:extLst>
+          </p:cNvPr>
+          <p:cNvCxnSpPr>
+            <a:cxnSpLocks/>
+            <a:stCxn id="19" idx="2"/>
+            <a:endCxn id="62" idx="0"/>
+          </p:cNvCxnSpPr>
+          <p:nvPr/>
+        </p:nvCxnSpPr>
+        <p:spPr>
+          <a:xfrm>
+            <a:off x="4778934" y="2656899"/>
+            <a:ext cx="711825" cy="200230"/>
+          </a:xfrm>
+          <a:prstGeom prst="line">
+            <a:avLst/>
+          </a:prstGeom>
+          <a:ln w="28575">
+            <a:solidFill>
+              <a:schemeClr val="tx1"/>
+            </a:solidFill>
+          </a:ln>
+        </p:spPr>
+        <p:style>
+          <a:lnRef idx="1">
+            <a:schemeClr val="accent1"/>
+          </a:lnRef>
+          <a:fillRef idx="0">
+            <a:schemeClr val="accent1"/>
+          </a:fillRef>
+          <a:effectRef idx="0">
+            <a:schemeClr val="accent1"/>
+          </a:effectRef>
+          <a:fontRef idx="minor">
+            <a:schemeClr val="tx1"/>
+          </a:fontRef>
+        </p:style>
+      </p:cxnSp>
+      <p:cxnSp>
+        <p:nvCxnSpPr>
+          <p:cNvPr id="72" name="직선 연결선 71">
+            <a:extLst>
+              <a:ext uri="{FF2B5EF4-FFF2-40B4-BE49-F238E27FC236}">
+                <a16:creationId xmlns:a16="http://schemas.microsoft.com/office/drawing/2014/main" id="{A7C8EFD2-3440-443F-A439-A8F1B0C136F0}"/>
+              </a:ext>
+            </a:extLst>
+          </p:cNvPr>
+          <p:cNvCxnSpPr>
+            <a:cxnSpLocks/>
+            <a:stCxn id="20" idx="2"/>
+            <a:endCxn id="62" idx="0"/>
+          </p:cNvCxnSpPr>
+          <p:nvPr/>
+        </p:nvCxnSpPr>
+        <p:spPr>
+          <a:xfrm flipH="1">
+            <a:off x="5490759" y="2656899"/>
+            <a:ext cx="728335" cy="200230"/>
+          </a:xfrm>
+          <a:prstGeom prst="line">
+            <a:avLst/>
+          </a:prstGeom>
+          <a:ln w="28575">
+            <a:solidFill>
+              <a:schemeClr val="tx1"/>
+            </a:solidFill>
+          </a:ln>
+        </p:spPr>
+        <p:style>
+          <a:lnRef idx="1">
+            <a:schemeClr val="accent1"/>
+          </a:lnRef>
+          <a:fillRef idx="0">
+            <a:schemeClr val="accent1"/>
+          </a:fillRef>
+          <a:effectRef idx="0">
+            <a:schemeClr val="accent1"/>
+          </a:effectRef>
+          <a:fontRef idx="minor">
+            <a:schemeClr val="tx1"/>
+          </a:fontRef>
+        </p:style>
+      </p:cxnSp>
     </p:spTree>
     <p:extLst>
       <p:ext uri="{BB962C8B-B14F-4D97-AF65-F5344CB8AC3E}">
@@ -8340,8 +8463,8 @@
           <a:p>
             <a:pPr algn="ctr"/>
             <a:r>
-              <a:rPr lang="en-US" altLang="ko-KR" sz="1400" dirty="0" err="1"/>
-              <a:t>brq01</a:t>
+              <a:rPr lang="en-US" altLang="ko-KR" sz="1400"/>
+              <a:t>brq1</a:t>
             </a:r>
             <a:endParaRPr lang="ko-KR" altLang="en-US" sz="1400" dirty="0"/>
           </a:p>
@@ -8397,7 +8520,7 @@
             <a:pPr algn="ctr"/>
             <a:r>
               <a:rPr lang="en-US" altLang="ko-KR" sz="1400"/>
-              <a:t>tap01</a:t>
+              <a:t>tap1</a:t>
             </a:r>
             <a:endParaRPr lang="ko-KR" altLang="en-US" sz="1400" dirty="0"/>
           </a:p>
@@ -8452,8 +8575,8 @@
           <a:p>
             <a:pPr algn="ctr"/>
             <a:r>
-              <a:rPr lang="en-US" altLang="ko-KR" sz="1400" dirty="0" err="1"/>
-              <a:t>brq02</a:t>
+              <a:rPr lang="en-US" altLang="ko-KR" sz="1400"/>
+              <a:t>brq2</a:t>
             </a:r>
             <a:endParaRPr lang="ko-KR" altLang="en-US" sz="1400" dirty="0"/>
           </a:p>
@@ -8610,7 +8733,7 @@
             <a:pPr algn="ctr"/>
             <a:r>
               <a:rPr lang="en-US" altLang="ko-KR" sz="1400"/>
-              <a:t>tap02</a:t>
+              <a:t>tap2</a:t>
             </a:r>
             <a:endParaRPr lang="ko-KR" altLang="en-US" sz="1400" dirty="0"/>
           </a:p>
@@ -8666,7 +8789,7 @@
             <a:pPr algn="ctr"/>
             <a:r>
               <a:rPr lang="en-US" altLang="ko-KR" sz="1400"/>
-              <a:t>brq03</a:t>
+              <a:t>brq3</a:t>
             </a:r>
             <a:endParaRPr lang="ko-KR" altLang="en-US" sz="1400" dirty="0"/>
           </a:p>
@@ -8778,7 +8901,7 @@
             <a:pPr algn="ctr"/>
             <a:r>
               <a:rPr lang="en-US" altLang="ko-KR" sz="1400"/>
-              <a:t>tap03</a:t>
+              <a:t>tap3</a:t>
             </a:r>
             <a:endParaRPr lang="ko-KR" altLang="en-US" sz="1400" dirty="0"/>
           </a:p>
@@ -8924,7 +9047,7 @@
             <a:pPr algn="ctr"/>
             <a:r>
               <a:rPr lang="en-US" altLang="ko-KR" sz="1400"/>
-              <a:t>tap04</a:t>
+              <a:t>tap4</a:t>
             </a:r>
             <a:endParaRPr lang="ko-KR" altLang="en-US" sz="1400" dirty="0"/>
           </a:p>
@@ -8980,7 +9103,7 @@
             <a:pPr algn="ctr"/>
             <a:r>
               <a:rPr lang="en-US" altLang="ko-KR" sz="1400"/>
-              <a:t>tap05</a:t>
+              <a:t>tap5</a:t>
             </a:r>
             <a:endParaRPr lang="ko-KR" altLang="en-US" sz="1400" dirty="0"/>
           </a:p>
@@ -9185,60 +9308,7 @@
             <a:pPr algn="ctr"/>
             <a:r>
               <a:rPr lang="en-US" altLang="ko-KR" sz="1400"/>
-              <a:t>qg-01</a:t>
-            </a:r>
-            <a:endParaRPr lang="ko-KR" altLang="en-US" sz="1400" dirty="0"/>
-          </a:p>
-        </p:txBody>
-      </p:sp>
-      <p:sp>
-        <p:nvSpPr>
-          <p:cNvPr id="64" name="모서리가 둥근 직사각형 16">
-            <a:extLst>
-              <a:ext uri="{FF2B5EF4-FFF2-40B4-BE49-F238E27FC236}">
-                <a16:creationId xmlns:a16="http://schemas.microsoft.com/office/drawing/2014/main" id="{62DA1D6C-A1AF-4E1A-A6CE-1C68BF1A7EBB}"/>
-              </a:ext>
-            </a:extLst>
-          </p:cNvPr>
-          <p:cNvSpPr/>
-          <p:nvPr/>
-        </p:nvSpPr>
-        <p:spPr>
-          <a:xfrm>
-            <a:off x="529804" y="2091218"/>
-            <a:ext cx="1089868" cy="290684"/>
-          </a:xfrm>
-          <a:prstGeom prst="roundRect">
-            <a:avLst>
-              <a:gd name="adj" fmla="val 3400"/>
-            </a:avLst>
-          </a:prstGeom>
-          <a:ln>
-            <a:noFill/>
-          </a:ln>
-        </p:spPr>
-        <p:style>
-          <a:lnRef idx="2">
-            <a:schemeClr val="dk1"/>
-          </a:lnRef>
-          <a:fillRef idx="1">
-            <a:schemeClr val="lt1"/>
-          </a:fillRef>
-          <a:effectRef idx="0">
-            <a:schemeClr val="dk1"/>
-          </a:effectRef>
-          <a:fontRef idx="minor">
-            <a:schemeClr val="dk1"/>
-          </a:fontRef>
-        </p:style>
-        <p:txBody>
-          <a:bodyPr rtlCol="0" anchor="t"/>
-          <a:lstStyle/>
-          <a:p>
-            <a:pPr algn="ctr"/>
-            <a:r>
-              <a:rPr lang="en-US" altLang="ko-KR" sz="1400"/>
-              <a:t>iptables</a:t>
+              <a:t>qg1</a:t>
             </a:r>
             <a:endParaRPr lang="ko-KR" altLang="en-US" sz="1400" dirty="0"/>
           </a:p>
@@ -9294,7 +9364,7 @@
             <a:pPr algn="ctr"/>
             <a:r>
               <a:rPr lang="en-US" altLang="ko-KR" sz="1400"/>
-              <a:t>qr-01</a:t>
+              <a:t>qr1</a:t>
             </a:r>
             <a:endParaRPr lang="ko-KR" altLang="en-US" sz="1400" dirty="0"/>
           </a:p>
@@ -9350,7 +9420,7 @@
             <a:pPr algn="ctr"/>
             <a:r>
               <a:rPr lang="en-US" altLang="ko-KR" sz="1400"/>
-              <a:t>qr-02</a:t>
+              <a:t>qr2</a:t>
             </a:r>
             <a:endParaRPr lang="ko-KR" altLang="en-US" sz="1400" dirty="0"/>
           </a:p>
@@ -9592,15 +9662,15 @@
           </p:cNvPr>
           <p:cNvCxnSpPr>
             <a:cxnSpLocks/>
-            <a:stCxn id="64" idx="2"/>
+            <a:stCxn id="61" idx="4"/>
             <a:endCxn id="62" idx="0"/>
           </p:cNvCxnSpPr>
           <p:nvPr/>
         </p:nvCxnSpPr>
         <p:spPr>
           <a:xfrm flipH="1">
-            <a:off x="1007604" y="2381902"/>
-            <a:ext cx="67134" cy="331212"/>
+            <a:off x="1007604" y="2382777"/>
+            <a:ext cx="66836" cy="330337"/>
           </a:xfrm>
           <a:prstGeom prst="line">
             <a:avLst/>
@@ -9609,8 +9679,8 @@
             <a:solidFill>
               <a:schemeClr val="tx1"/>
             </a:solidFill>
-            <a:headEnd type="arrow" w="med" len="med"/>
-            <a:tailEnd type="arrow" w="med" len="med"/>
+            <a:headEnd type="none" w="med" len="med"/>
+            <a:tailEnd type="none" w="med" len="med"/>
           </a:ln>
         </p:spPr>
         <p:style>
@@ -9932,7 +10002,7 @@
             <a:pPr algn="ctr"/>
             <a:r>
               <a:rPr lang="en-US" altLang="ko-KR" sz="1400"/>
-              <a:t>ns-01</a:t>
+              <a:t>ns1</a:t>
             </a:r>
             <a:endParaRPr lang="ko-KR" altLang="en-US" sz="1400" dirty="0"/>
           </a:p>
@@ -10033,7 +10103,7 @@
             <a:pPr algn="ctr"/>
             <a:r>
               <a:rPr lang="en-US" altLang="ko-KR" sz="1400"/>
-              <a:t>ns-02</a:t>
+              <a:t>ns2</a:t>
             </a:r>
             <a:endParaRPr lang="ko-KR" altLang="en-US" sz="1400" dirty="0"/>
           </a:p>
@@ -10191,15 +10261,15 @@
           </p:cNvPr>
           <p:cNvCxnSpPr>
             <a:cxnSpLocks/>
-            <a:stCxn id="64" idx="2"/>
-            <a:endCxn id="68" idx="1"/>
+            <a:stCxn id="61" idx="6"/>
+            <a:endCxn id="68" idx="0"/>
           </p:cNvCxnSpPr>
           <p:nvPr/>
         </p:nvCxnSpPr>
         <p:spPr>
           <a:xfrm>
-            <a:off x="1074738" y="2381902"/>
-            <a:ext cx="688950" cy="233977"/>
+            <a:off x="1652830" y="2237435"/>
+            <a:ext cx="434894" cy="233102"/>
           </a:xfrm>
           <a:prstGeom prst="line">
             <a:avLst/>
@@ -10208,8 +10278,8 @@
             <a:solidFill>
               <a:schemeClr val="tx1"/>
             </a:solidFill>
-            <a:headEnd type="arrow" w="med" len="med"/>
-            <a:tailEnd type="arrow" w="med" len="med"/>
+            <a:headEnd type="none" w="med" len="med"/>
+            <a:tailEnd type="none" w="med" len="med"/>
           </a:ln>
         </p:spPr>
         <p:style>
@@ -10238,15 +10308,15 @@
           </p:cNvPr>
           <p:cNvCxnSpPr>
             <a:cxnSpLocks/>
-            <a:stCxn id="64" idx="0"/>
+            <a:stCxn id="61" idx="0"/>
             <a:endCxn id="67" idx="1"/>
           </p:cNvCxnSpPr>
           <p:nvPr/>
         </p:nvCxnSpPr>
         <p:spPr>
           <a:xfrm flipV="1">
-            <a:off x="1074738" y="1852996"/>
-            <a:ext cx="688950" cy="238222"/>
+            <a:off x="1074440" y="1852996"/>
+            <a:ext cx="689248" cy="239097"/>
           </a:xfrm>
           <a:prstGeom prst="line">
             <a:avLst/>
@@ -10255,8 +10325,8 @@
             <a:solidFill>
               <a:schemeClr val="tx1"/>
             </a:solidFill>
-            <a:headEnd type="arrow" w="med" len="med"/>
-            <a:tailEnd type="arrow" w="med" len="med"/>
+            <a:headEnd type="none" w="med" len="med"/>
+            <a:tailEnd type="none" w="med" len="med"/>
           </a:ln>
         </p:spPr>
         <p:style>
@@ -10835,6 +10905,54 @@
               <a:t>eth0</a:t>
             </a:r>
             <a:endParaRPr lang="ko-KR" altLang="en-US" sz="1400" dirty="0"/>
+          </a:p>
+        </p:txBody>
+      </p:sp>
+      <p:sp>
+        <p:nvSpPr>
+          <p:cNvPr id="61" name="타원 60">
+            <a:extLst>
+              <a:ext uri="{FF2B5EF4-FFF2-40B4-BE49-F238E27FC236}">
+                <a16:creationId xmlns:a16="http://schemas.microsoft.com/office/drawing/2014/main" id="{01F1451F-88F0-4B44-B553-84789AF580CE}"/>
+              </a:ext>
+            </a:extLst>
+          </p:cNvPr>
+          <p:cNvSpPr/>
+          <p:nvPr/>
+        </p:nvSpPr>
+        <p:spPr>
+          <a:xfrm>
+            <a:off x="496050" y="2092093"/>
+            <a:ext cx="1156780" cy="290684"/>
+          </a:xfrm>
+          <a:prstGeom prst="ellipse">
+            <a:avLst/>
+          </a:prstGeom>
+        </p:spPr>
+        <p:style>
+          <a:lnRef idx="2">
+            <a:schemeClr val="dk1"/>
+          </a:lnRef>
+          <a:fillRef idx="1">
+            <a:schemeClr val="lt1"/>
+          </a:fillRef>
+          <a:effectRef idx="0">
+            <a:schemeClr val="dk1"/>
+          </a:effectRef>
+          <a:fontRef idx="minor">
+            <a:schemeClr val="dk1"/>
+          </a:fontRef>
+        </p:style>
+        <p:txBody>
+          <a:bodyPr rtlCol="0" anchor="ctr"/>
+          <a:lstStyle/>
+          <a:p>
+            <a:pPr algn="ctr"/>
+            <a:r>
+              <a:rPr lang="en-US" altLang="ko-KR" sz="1400"/>
+              <a:t>iptables</a:t>
+            </a:r>
+            <a:endParaRPr lang="ko-KR" altLang="en-US" sz="1400"/>
           </a:p>
         </p:txBody>
       </p:sp>
@@ -10870,6 +10988,6650 @@
       </p:grpSpPr>
       <p:sp>
         <p:nvSpPr>
+          <p:cNvPr id="2" name="제목 1"/>
+          <p:cNvSpPr>
+            <a:spLocks noGrp="1"/>
+          </p:cNvSpPr>
+          <p:nvPr>
+            <p:ph type="title"/>
+          </p:nvPr>
+        </p:nvSpPr>
+        <p:spPr>
+          <a:xfrm>
+            <a:off x="457200" y="-596602"/>
+            <a:ext cx="8229600" cy="720080"/>
+          </a:xfrm>
+        </p:spPr>
+        <p:txBody>
+          <a:bodyPr>
+            <a:normAutofit/>
+          </a:bodyPr>
+          <a:lstStyle/>
+          <a:p>
+            <a:r>
+              <a:rPr lang="en-US" altLang="ko-KR" sz="3600" dirty="0"/>
+              <a:t>Compute Node</a:t>
+            </a:r>
+            <a:r>
+              <a:rPr lang="en-US" altLang="ko-KR" sz="3600"/>
+              <a:t>, With OVS</a:t>
+            </a:r>
+            <a:endParaRPr lang="ko-KR" altLang="en-US" sz="3600" dirty="0"/>
+          </a:p>
+        </p:txBody>
+      </p:sp>
+      <p:sp>
+        <p:nvSpPr>
+          <p:cNvPr id="4" name="모서리가 둥근 직사각형 3"/>
+          <p:cNvSpPr/>
+          <p:nvPr/>
+        </p:nvSpPr>
+        <p:spPr>
+          <a:xfrm>
+            <a:off x="1115616" y="214161"/>
+            <a:ext cx="5895565" cy="4803998"/>
+          </a:xfrm>
+          <a:prstGeom prst="roundRect">
+            <a:avLst>
+              <a:gd name="adj" fmla="val 3400"/>
+            </a:avLst>
+          </a:prstGeom>
+        </p:spPr>
+        <p:style>
+          <a:lnRef idx="2">
+            <a:schemeClr val="dk1"/>
+          </a:lnRef>
+          <a:fillRef idx="1">
+            <a:schemeClr val="lt1"/>
+          </a:fillRef>
+          <a:effectRef idx="0">
+            <a:schemeClr val="dk1"/>
+          </a:effectRef>
+          <a:fontRef idx="minor">
+            <a:schemeClr val="dk1"/>
+          </a:fontRef>
+        </p:style>
+        <p:txBody>
+          <a:bodyPr rtlCol="0" anchor="t"/>
+          <a:lstStyle/>
+          <a:p>
+            <a:pPr algn="ctr"/>
+            <a:r>
+              <a:rPr lang="en-US" altLang="ko-KR" sz="1400" b="1" dirty="0"/>
+              <a:t>Compute Node</a:t>
+            </a:r>
+            <a:endParaRPr lang="ko-KR" altLang="en-US" sz="1400" b="1" dirty="0"/>
+          </a:p>
+        </p:txBody>
+      </p:sp>
+      <p:sp>
+        <p:nvSpPr>
+          <p:cNvPr id="7" name="모서리가 둥근 직사각형 6"/>
+          <p:cNvSpPr/>
+          <p:nvPr/>
+        </p:nvSpPr>
+        <p:spPr>
+          <a:xfrm>
+            <a:off x="1250542" y="597832"/>
+            <a:ext cx="1296143" cy="722732"/>
+          </a:xfrm>
+          <a:prstGeom prst="roundRect">
+            <a:avLst>
+              <a:gd name="adj" fmla="val 3400"/>
+            </a:avLst>
+          </a:prstGeom>
+        </p:spPr>
+        <p:style>
+          <a:lnRef idx="2">
+            <a:schemeClr val="dk1"/>
+          </a:lnRef>
+          <a:fillRef idx="1">
+            <a:schemeClr val="lt1"/>
+          </a:fillRef>
+          <a:effectRef idx="0">
+            <a:schemeClr val="dk1"/>
+          </a:effectRef>
+          <a:fontRef idx="minor">
+            <a:schemeClr val="dk1"/>
+          </a:fontRef>
+        </p:style>
+        <p:txBody>
+          <a:bodyPr rtlCol="0" anchor="t"/>
+          <a:lstStyle/>
+          <a:p>
+            <a:pPr algn="ctr"/>
+            <a:r>
+              <a:rPr lang="en-US" altLang="ko-KR" sz="1400" b="1" dirty="0" err="1"/>
+              <a:t>VM</a:t>
+            </a:r>
+            <a:r>
+              <a:rPr lang="en-US" altLang="ko-KR" sz="1400" b="1" dirty="0"/>
+              <a:t> A</a:t>
+            </a:r>
+            <a:endParaRPr lang="ko-KR" altLang="en-US" sz="1400" b="1" dirty="0"/>
+          </a:p>
+        </p:txBody>
+      </p:sp>
+      <p:sp>
+        <p:nvSpPr>
+          <p:cNvPr id="9" name="모서리가 둥근 직사각형 8"/>
+          <p:cNvSpPr/>
+          <p:nvPr/>
+        </p:nvSpPr>
+        <p:spPr>
+          <a:xfrm>
+            <a:off x="2690702" y="597832"/>
+            <a:ext cx="2736304" cy="722732"/>
+          </a:xfrm>
+          <a:prstGeom prst="roundRect">
+            <a:avLst>
+              <a:gd name="adj" fmla="val 3400"/>
+            </a:avLst>
+          </a:prstGeom>
+        </p:spPr>
+        <p:style>
+          <a:lnRef idx="2">
+            <a:schemeClr val="dk1"/>
+          </a:lnRef>
+          <a:fillRef idx="1">
+            <a:schemeClr val="lt1"/>
+          </a:fillRef>
+          <a:effectRef idx="0">
+            <a:schemeClr val="dk1"/>
+          </a:effectRef>
+          <a:fontRef idx="minor">
+            <a:schemeClr val="dk1"/>
+          </a:fontRef>
+        </p:style>
+        <p:txBody>
+          <a:bodyPr rtlCol="0" anchor="t"/>
+          <a:lstStyle/>
+          <a:p>
+            <a:pPr algn="ctr"/>
+            <a:r>
+              <a:rPr lang="en-US" altLang="ko-KR" sz="1400" b="1" dirty="0" err="1"/>
+              <a:t>VM</a:t>
+            </a:r>
+            <a:r>
+              <a:rPr lang="en-US" altLang="ko-KR" sz="1400" b="1" dirty="0"/>
+              <a:t> B</a:t>
+            </a:r>
+            <a:endParaRPr lang="ko-KR" altLang="en-US" sz="1400" b="1" dirty="0"/>
+          </a:p>
+        </p:txBody>
+      </p:sp>
+      <p:sp>
+        <p:nvSpPr>
+          <p:cNvPr id="11" name="모서리가 둥근 직사각형 10"/>
+          <p:cNvSpPr/>
+          <p:nvPr/>
+        </p:nvSpPr>
+        <p:spPr>
+          <a:xfrm>
+            <a:off x="5571022" y="597832"/>
+            <a:ext cx="1296144" cy="722732"/>
+          </a:xfrm>
+          <a:prstGeom prst="roundRect">
+            <a:avLst>
+              <a:gd name="adj" fmla="val 3400"/>
+            </a:avLst>
+          </a:prstGeom>
+        </p:spPr>
+        <p:style>
+          <a:lnRef idx="2">
+            <a:schemeClr val="dk1"/>
+          </a:lnRef>
+          <a:fillRef idx="1">
+            <a:schemeClr val="lt1"/>
+          </a:fillRef>
+          <a:effectRef idx="0">
+            <a:schemeClr val="dk1"/>
+          </a:effectRef>
+          <a:fontRef idx="minor">
+            <a:schemeClr val="dk1"/>
+          </a:fontRef>
+        </p:style>
+        <p:txBody>
+          <a:bodyPr rtlCol="0" anchor="t"/>
+          <a:lstStyle/>
+          <a:p>
+            <a:pPr algn="ctr"/>
+            <a:r>
+              <a:rPr lang="en-US" altLang="ko-KR" sz="1400" b="1" err="1"/>
+              <a:t>VM</a:t>
+            </a:r>
+            <a:r>
+              <a:rPr lang="en-US" altLang="ko-KR" sz="1400" b="1"/>
+              <a:t> C</a:t>
+            </a:r>
+            <a:endParaRPr lang="ko-KR" altLang="en-US" sz="1400" b="1" dirty="0"/>
+          </a:p>
+        </p:txBody>
+      </p:sp>
+      <p:sp>
+        <p:nvSpPr>
+          <p:cNvPr id="12" name="모서리가 둥근 직사각형 11"/>
+          <p:cNvSpPr/>
+          <p:nvPr/>
+        </p:nvSpPr>
+        <p:spPr>
+          <a:xfrm>
+            <a:off x="1574578" y="1029880"/>
+            <a:ext cx="648072" cy="290684"/>
+          </a:xfrm>
+          <a:prstGeom prst="roundRect">
+            <a:avLst>
+              <a:gd name="adj" fmla="val 3400"/>
+            </a:avLst>
+          </a:prstGeom>
+        </p:spPr>
+        <p:style>
+          <a:lnRef idx="2">
+            <a:schemeClr val="dk1"/>
+          </a:lnRef>
+          <a:fillRef idx="1">
+            <a:schemeClr val="lt1"/>
+          </a:fillRef>
+          <a:effectRef idx="0">
+            <a:schemeClr val="dk1"/>
+          </a:effectRef>
+          <a:fontRef idx="minor">
+            <a:schemeClr val="dk1"/>
+          </a:fontRef>
+        </p:style>
+        <p:txBody>
+          <a:bodyPr rtlCol="0" anchor="t"/>
+          <a:lstStyle/>
+          <a:p>
+            <a:pPr algn="ctr"/>
+            <a:r>
+              <a:rPr lang="en-US" altLang="ko-KR" sz="1400"/>
+              <a:t>eth0</a:t>
+            </a:r>
+            <a:endParaRPr lang="ko-KR" altLang="en-US" sz="1400" dirty="0"/>
+          </a:p>
+        </p:txBody>
+      </p:sp>
+      <p:sp>
+        <p:nvSpPr>
+          <p:cNvPr id="13" name="모서리가 둥근 직사각형 12"/>
+          <p:cNvSpPr/>
+          <p:nvPr/>
+        </p:nvSpPr>
+        <p:spPr>
+          <a:xfrm>
+            <a:off x="3014738" y="1029880"/>
+            <a:ext cx="648072" cy="290684"/>
+          </a:xfrm>
+          <a:prstGeom prst="roundRect">
+            <a:avLst>
+              <a:gd name="adj" fmla="val 3400"/>
+            </a:avLst>
+          </a:prstGeom>
+        </p:spPr>
+        <p:style>
+          <a:lnRef idx="2">
+            <a:schemeClr val="dk1"/>
+          </a:lnRef>
+          <a:fillRef idx="1">
+            <a:schemeClr val="lt1"/>
+          </a:fillRef>
+          <a:effectRef idx="0">
+            <a:schemeClr val="dk1"/>
+          </a:effectRef>
+          <a:fontRef idx="minor">
+            <a:schemeClr val="dk1"/>
+          </a:fontRef>
+        </p:style>
+        <p:txBody>
+          <a:bodyPr rtlCol="0" anchor="t"/>
+          <a:lstStyle/>
+          <a:p>
+            <a:pPr algn="ctr"/>
+            <a:r>
+              <a:rPr lang="en-US" altLang="ko-KR" sz="1400" dirty="0" err="1"/>
+              <a:t>eth0</a:t>
+            </a:r>
+            <a:endParaRPr lang="ko-KR" altLang="en-US" sz="1400" dirty="0"/>
+          </a:p>
+        </p:txBody>
+      </p:sp>
+      <p:sp>
+        <p:nvSpPr>
+          <p:cNvPr id="14" name="모서리가 둥근 직사각형 13"/>
+          <p:cNvSpPr/>
+          <p:nvPr/>
+        </p:nvSpPr>
+        <p:spPr>
+          <a:xfrm>
+            <a:off x="4454898" y="1029880"/>
+            <a:ext cx="648072" cy="290684"/>
+          </a:xfrm>
+          <a:prstGeom prst="roundRect">
+            <a:avLst>
+              <a:gd name="adj" fmla="val 3400"/>
+            </a:avLst>
+          </a:prstGeom>
+        </p:spPr>
+        <p:style>
+          <a:lnRef idx="2">
+            <a:schemeClr val="dk1"/>
+          </a:lnRef>
+          <a:fillRef idx="1">
+            <a:schemeClr val="lt1"/>
+          </a:fillRef>
+          <a:effectRef idx="0">
+            <a:schemeClr val="dk1"/>
+          </a:effectRef>
+          <a:fontRef idx="minor">
+            <a:schemeClr val="dk1"/>
+          </a:fontRef>
+        </p:style>
+        <p:txBody>
+          <a:bodyPr rtlCol="0" anchor="t"/>
+          <a:lstStyle/>
+          <a:p>
+            <a:pPr algn="ctr"/>
+            <a:r>
+              <a:rPr lang="en-US" altLang="ko-KR" sz="1400"/>
+              <a:t>eth1</a:t>
+            </a:r>
+            <a:endParaRPr lang="ko-KR" altLang="en-US" sz="1400" dirty="0"/>
+          </a:p>
+        </p:txBody>
+      </p:sp>
+      <p:sp>
+        <p:nvSpPr>
+          <p:cNvPr id="15" name="모서리가 둥근 직사각형 14"/>
+          <p:cNvSpPr/>
+          <p:nvPr/>
+        </p:nvSpPr>
+        <p:spPr>
+          <a:xfrm>
+            <a:off x="5895058" y="1029880"/>
+            <a:ext cx="648072" cy="290684"/>
+          </a:xfrm>
+          <a:prstGeom prst="roundRect">
+            <a:avLst>
+              <a:gd name="adj" fmla="val 3400"/>
+            </a:avLst>
+          </a:prstGeom>
+        </p:spPr>
+        <p:style>
+          <a:lnRef idx="2">
+            <a:schemeClr val="dk1"/>
+          </a:lnRef>
+          <a:fillRef idx="1">
+            <a:schemeClr val="lt1"/>
+          </a:fillRef>
+          <a:effectRef idx="0">
+            <a:schemeClr val="dk1"/>
+          </a:effectRef>
+          <a:fontRef idx="minor">
+            <a:schemeClr val="dk1"/>
+          </a:fontRef>
+        </p:style>
+        <p:txBody>
+          <a:bodyPr rtlCol="0" anchor="t"/>
+          <a:lstStyle/>
+          <a:p>
+            <a:pPr algn="ctr"/>
+            <a:r>
+              <a:rPr lang="en-US" altLang="ko-KR" sz="1400" dirty="0" err="1"/>
+              <a:t>eth0</a:t>
+            </a:r>
+            <a:endParaRPr lang="ko-KR" altLang="en-US" sz="1400" dirty="0"/>
+          </a:p>
+        </p:txBody>
+      </p:sp>
+      <p:sp>
+        <p:nvSpPr>
+          <p:cNvPr id="17" name="모서리가 둥근 직사각형 16"/>
+          <p:cNvSpPr/>
+          <p:nvPr/>
+        </p:nvSpPr>
+        <p:spPr>
+          <a:xfrm>
+            <a:off x="1574578" y="1412785"/>
+            <a:ext cx="648072" cy="290684"/>
+          </a:xfrm>
+          <a:prstGeom prst="roundRect">
+            <a:avLst>
+              <a:gd name="adj" fmla="val 3400"/>
+            </a:avLst>
+          </a:prstGeom>
+          <a:solidFill>
+            <a:schemeClr val="accent5">
+              <a:lumMod val="40000"/>
+              <a:lumOff val="60000"/>
+            </a:schemeClr>
+          </a:solidFill>
+        </p:spPr>
+        <p:style>
+          <a:lnRef idx="2">
+            <a:schemeClr val="dk1"/>
+          </a:lnRef>
+          <a:fillRef idx="1">
+            <a:schemeClr val="lt1"/>
+          </a:fillRef>
+          <a:effectRef idx="0">
+            <a:schemeClr val="dk1"/>
+          </a:effectRef>
+          <a:fontRef idx="minor">
+            <a:schemeClr val="dk1"/>
+          </a:fontRef>
+        </p:style>
+        <p:txBody>
+          <a:bodyPr rtlCol="0" anchor="t"/>
+          <a:lstStyle/>
+          <a:p>
+            <a:pPr algn="ctr"/>
+            <a:r>
+              <a:rPr lang="en-US" altLang="ko-KR" sz="1400"/>
+              <a:t>tap1</a:t>
+            </a:r>
+            <a:endParaRPr lang="ko-KR" altLang="en-US" sz="1400" dirty="0"/>
+          </a:p>
+        </p:txBody>
+      </p:sp>
+      <p:sp>
+        <p:nvSpPr>
+          <p:cNvPr id="18" name="모서리가 둥근 직사각형 17"/>
+          <p:cNvSpPr/>
+          <p:nvPr/>
+        </p:nvSpPr>
+        <p:spPr>
+          <a:xfrm>
+            <a:off x="3014738" y="1412785"/>
+            <a:ext cx="648072" cy="290684"/>
+          </a:xfrm>
+          <a:prstGeom prst="roundRect">
+            <a:avLst>
+              <a:gd name="adj" fmla="val 3400"/>
+            </a:avLst>
+          </a:prstGeom>
+          <a:solidFill>
+            <a:schemeClr val="accent5">
+              <a:lumMod val="40000"/>
+              <a:lumOff val="60000"/>
+            </a:schemeClr>
+          </a:solidFill>
+        </p:spPr>
+        <p:style>
+          <a:lnRef idx="2">
+            <a:schemeClr val="dk1"/>
+          </a:lnRef>
+          <a:fillRef idx="1">
+            <a:schemeClr val="lt1"/>
+          </a:fillRef>
+          <a:effectRef idx="0">
+            <a:schemeClr val="dk1"/>
+          </a:effectRef>
+          <a:fontRef idx="minor">
+            <a:schemeClr val="dk1"/>
+          </a:fontRef>
+        </p:style>
+        <p:txBody>
+          <a:bodyPr rtlCol="0" anchor="t"/>
+          <a:lstStyle/>
+          <a:p>
+            <a:pPr algn="ctr"/>
+            <a:r>
+              <a:rPr lang="en-US" altLang="ko-KR" sz="1400"/>
+              <a:t>tap2</a:t>
+            </a:r>
+            <a:endParaRPr lang="ko-KR" altLang="en-US" sz="1400" dirty="0"/>
+          </a:p>
+        </p:txBody>
+      </p:sp>
+      <p:sp>
+        <p:nvSpPr>
+          <p:cNvPr id="19" name="모서리가 둥근 직사각형 18"/>
+          <p:cNvSpPr/>
+          <p:nvPr/>
+        </p:nvSpPr>
+        <p:spPr>
+          <a:xfrm>
+            <a:off x="4454898" y="1412785"/>
+            <a:ext cx="648072" cy="290684"/>
+          </a:xfrm>
+          <a:prstGeom prst="roundRect">
+            <a:avLst>
+              <a:gd name="adj" fmla="val 3400"/>
+            </a:avLst>
+          </a:prstGeom>
+          <a:solidFill>
+            <a:schemeClr val="accent5">
+              <a:lumMod val="40000"/>
+              <a:lumOff val="60000"/>
+            </a:schemeClr>
+          </a:solidFill>
+        </p:spPr>
+        <p:style>
+          <a:lnRef idx="2">
+            <a:schemeClr val="dk1"/>
+          </a:lnRef>
+          <a:fillRef idx="1">
+            <a:schemeClr val="lt1"/>
+          </a:fillRef>
+          <a:effectRef idx="0">
+            <a:schemeClr val="dk1"/>
+          </a:effectRef>
+          <a:fontRef idx="minor">
+            <a:schemeClr val="dk1"/>
+          </a:fontRef>
+        </p:style>
+        <p:txBody>
+          <a:bodyPr rtlCol="0" anchor="t"/>
+          <a:lstStyle/>
+          <a:p>
+            <a:pPr algn="ctr"/>
+            <a:r>
+              <a:rPr lang="en-US" altLang="ko-KR" sz="1400"/>
+              <a:t>tap3</a:t>
+            </a:r>
+            <a:endParaRPr lang="ko-KR" altLang="en-US" sz="1400" dirty="0"/>
+          </a:p>
+        </p:txBody>
+      </p:sp>
+      <p:sp>
+        <p:nvSpPr>
+          <p:cNvPr id="20" name="모서리가 둥근 직사각형 19"/>
+          <p:cNvSpPr/>
+          <p:nvPr/>
+        </p:nvSpPr>
+        <p:spPr>
+          <a:xfrm>
+            <a:off x="5895058" y="1412785"/>
+            <a:ext cx="648072" cy="290684"/>
+          </a:xfrm>
+          <a:prstGeom prst="roundRect">
+            <a:avLst>
+              <a:gd name="adj" fmla="val 3400"/>
+            </a:avLst>
+          </a:prstGeom>
+          <a:solidFill>
+            <a:schemeClr val="accent5">
+              <a:lumMod val="40000"/>
+              <a:lumOff val="60000"/>
+            </a:schemeClr>
+          </a:solidFill>
+        </p:spPr>
+        <p:style>
+          <a:lnRef idx="2">
+            <a:schemeClr val="dk1"/>
+          </a:lnRef>
+          <a:fillRef idx="1">
+            <a:schemeClr val="lt1"/>
+          </a:fillRef>
+          <a:effectRef idx="0">
+            <a:schemeClr val="dk1"/>
+          </a:effectRef>
+          <a:fontRef idx="minor">
+            <a:schemeClr val="dk1"/>
+          </a:fontRef>
+        </p:style>
+        <p:txBody>
+          <a:bodyPr rtlCol="0" anchor="t"/>
+          <a:lstStyle/>
+          <a:p>
+            <a:pPr algn="ctr"/>
+            <a:r>
+              <a:rPr lang="en-US" altLang="ko-KR" sz="1400"/>
+              <a:t>tap4</a:t>
+            </a:r>
+            <a:endParaRPr lang="ko-KR" altLang="en-US" sz="1400" dirty="0"/>
+          </a:p>
+        </p:txBody>
+      </p:sp>
+      <p:cxnSp>
+        <p:nvCxnSpPr>
+          <p:cNvPr id="24" name="직선 연결선 23"/>
+          <p:cNvCxnSpPr>
+            <a:stCxn id="12" idx="2"/>
+            <a:endCxn id="17" idx="0"/>
+          </p:cNvCxnSpPr>
+          <p:nvPr/>
+        </p:nvCxnSpPr>
+        <p:spPr>
+          <a:xfrm>
+            <a:off x="1898614" y="1320564"/>
+            <a:ext cx="0" cy="92221"/>
+          </a:xfrm>
+          <a:prstGeom prst="line">
+            <a:avLst/>
+          </a:prstGeom>
+          <a:ln w="28575">
+            <a:solidFill>
+              <a:schemeClr val="tx1"/>
+            </a:solidFill>
+          </a:ln>
+        </p:spPr>
+        <p:style>
+          <a:lnRef idx="1">
+            <a:schemeClr val="accent1"/>
+          </a:lnRef>
+          <a:fillRef idx="0">
+            <a:schemeClr val="accent1"/>
+          </a:fillRef>
+          <a:effectRef idx="0">
+            <a:schemeClr val="accent1"/>
+          </a:effectRef>
+          <a:fontRef idx="minor">
+            <a:schemeClr val="tx1"/>
+          </a:fontRef>
+        </p:style>
+      </p:cxnSp>
+      <p:cxnSp>
+        <p:nvCxnSpPr>
+          <p:cNvPr id="25" name="직선 연결선 24"/>
+          <p:cNvCxnSpPr>
+            <a:stCxn id="13" idx="2"/>
+            <a:endCxn id="18" idx="0"/>
+          </p:cNvCxnSpPr>
+          <p:nvPr/>
+        </p:nvCxnSpPr>
+        <p:spPr>
+          <a:xfrm>
+            <a:off x="3338774" y="1320564"/>
+            <a:ext cx="0" cy="92221"/>
+          </a:xfrm>
+          <a:prstGeom prst="line">
+            <a:avLst/>
+          </a:prstGeom>
+          <a:ln w="28575">
+            <a:solidFill>
+              <a:schemeClr val="tx1"/>
+            </a:solidFill>
+          </a:ln>
+        </p:spPr>
+        <p:style>
+          <a:lnRef idx="1">
+            <a:schemeClr val="accent1"/>
+          </a:lnRef>
+          <a:fillRef idx="0">
+            <a:schemeClr val="accent1"/>
+          </a:fillRef>
+          <a:effectRef idx="0">
+            <a:schemeClr val="accent1"/>
+          </a:effectRef>
+          <a:fontRef idx="minor">
+            <a:schemeClr val="tx1"/>
+          </a:fontRef>
+        </p:style>
+      </p:cxnSp>
+      <p:cxnSp>
+        <p:nvCxnSpPr>
+          <p:cNvPr id="28" name="직선 연결선 27"/>
+          <p:cNvCxnSpPr>
+            <a:stCxn id="14" idx="2"/>
+            <a:endCxn id="19" idx="0"/>
+          </p:cNvCxnSpPr>
+          <p:nvPr/>
+        </p:nvCxnSpPr>
+        <p:spPr>
+          <a:xfrm>
+            <a:off x="4778934" y="1320564"/>
+            <a:ext cx="0" cy="92221"/>
+          </a:xfrm>
+          <a:prstGeom prst="line">
+            <a:avLst/>
+          </a:prstGeom>
+          <a:ln w="28575">
+            <a:solidFill>
+              <a:schemeClr val="tx1"/>
+            </a:solidFill>
+          </a:ln>
+        </p:spPr>
+        <p:style>
+          <a:lnRef idx="1">
+            <a:schemeClr val="accent1"/>
+          </a:lnRef>
+          <a:fillRef idx="0">
+            <a:schemeClr val="accent1"/>
+          </a:fillRef>
+          <a:effectRef idx="0">
+            <a:schemeClr val="accent1"/>
+          </a:effectRef>
+          <a:fontRef idx="minor">
+            <a:schemeClr val="tx1"/>
+          </a:fontRef>
+        </p:style>
+      </p:cxnSp>
+      <p:cxnSp>
+        <p:nvCxnSpPr>
+          <p:cNvPr id="31" name="직선 연결선 30"/>
+          <p:cNvCxnSpPr>
+            <a:stCxn id="15" idx="2"/>
+            <a:endCxn id="20" idx="0"/>
+          </p:cNvCxnSpPr>
+          <p:nvPr/>
+        </p:nvCxnSpPr>
+        <p:spPr>
+          <a:xfrm>
+            <a:off x="6219094" y="1320564"/>
+            <a:ext cx="0" cy="92221"/>
+          </a:xfrm>
+          <a:prstGeom prst="line">
+            <a:avLst/>
+          </a:prstGeom>
+          <a:ln w="28575">
+            <a:solidFill>
+              <a:schemeClr val="tx1"/>
+            </a:solidFill>
+          </a:ln>
+        </p:spPr>
+        <p:style>
+          <a:lnRef idx="1">
+            <a:schemeClr val="accent1"/>
+          </a:lnRef>
+          <a:fillRef idx="0">
+            <a:schemeClr val="accent1"/>
+          </a:fillRef>
+          <a:effectRef idx="0">
+            <a:schemeClr val="accent1"/>
+          </a:effectRef>
+          <a:fontRef idx="minor">
+            <a:schemeClr val="tx1"/>
+          </a:fontRef>
+        </p:style>
+      </p:cxnSp>
+      <p:sp>
+        <p:nvSpPr>
+          <p:cNvPr id="33" name="모서리가 둥근 직사각형 50">
+            <a:extLst>
+              <a:ext uri="{FF2B5EF4-FFF2-40B4-BE49-F238E27FC236}">
+                <a16:creationId xmlns:a16="http://schemas.microsoft.com/office/drawing/2014/main" id="{2C34BD8D-B8AC-4D53-A7C4-26095FE88EB2}"/>
+              </a:ext>
+            </a:extLst>
+          </p:cNvPr>
+          <p:cNvSpPr/>
+          <p:nvPr/>
+        </p:nvSpPr>
+        <p:spPr>
+          <a:xfrm>
+            <a:off x="7161119" y="3338663"/>
+            <a:ext cx="537624" cy="232141"/>
+          </a:xfrm>
+          <a:prstGeom prst="roundRect">
+            <a:avLst>
+              <a:gd name="adj" fmla="val 3400"/>
+            </a:avLst>
+          </a:prstGeom>
+          <a:solidFill>
+            <a:schemeClr val="accent3">
+              <a:lumMod val="40000"/>
+              <a:lumOff val="60000"/>
+            </a:schemeClr>
+          </a:solidFill>
+        </p:spPr>
+        <p:style>
+          <a:lnRef idx="2">
+            <a:schemeClr val="dk1"/>
+          </a:lnRef>
+          <a:fillRef idx="1">
+            <a:schemeClr val="lt1"/>
+          </a:fillRef>
+          <a:effectRef idx="0">
+            <a:schemeClr val="dk1"/>
+          </a:effectRef>
+          <a:fontRef idx="minor">
+            <a:schemeClr val="dk1"/>
+          </a:fontRef>
+        </p:style>
+        <p:txBody>
+          <a:bodyPr rtlCol="0" anchor="t"/>
+          <a:lstStyle/>
+          <a:p>
+            <a:pPr algn="ctr"/>
+            <a:endParaRPr lang="ko-KR" altLang="en-US" sz="1400" dirty="0"/>
+          </a:p>
+        </p:txBody>
+      </p:sp>
+      <p:sp>
+        <p:nvSpPr>
+          <p:cNvPr id="35" name="모서리가 둥근 직사각형 50">
+            <a:extLst>
+              <a:ext uri="{FF2B5EF4-FFF2-40B4-BE49-F238E27FC236}">
+                <a16:creationId xmlns:a16="http://schemas.microsoft.com/office/drawing/2014/main" id="{CE3A2EC8-56A4-4792-A541-B45B905DF54E}"/>
+              </a:ext>
+            </a:extLst>
+          </p:cNvPr>
+          <p:cNvSpPr/>
+          <p:nvPr/>
+        </p:nvSpPr>
+        <p:spPr>
+          <a:xfrm>
+            <a:off x="7161564" y="2512902"/>
+            <a:ext cx="537624" cy="232141"/>
+          </a:xfrm>
+          <a:prstGeom prst="roundRect">
+            <a:avLst>
+              <a:gd name="adj" fmla="val 3400"/>
+            </a:avLst>
+          </a:prstGeom>
+          <a:solidFill>
+            <a:schemeClr val="accent2">
+              <a:lumMod val="40000"/>
+              <a:lumOff val="60000"/>
+            </a:schemeClr>
+          </a:solidFill>
+        </p:spPr>
+        <p:style>
+          <a:lnRef idx="2">
+            <a:schemeClr val="dk1"/>
+          </a:lnRef>
+          <a:fillRef idx="1">
+            <a:schemeClr val="lt1"/>
+          </a:fillRef>
+          <a:effectRef idx="0">
+            <a:schemeClr val="dk1"/>
+          </a:effectRef>
+          <a:fontRef idx="minor">
+            <a:schemeClr val="dk1"/>
+          </a:fontRef>
+        </p:style>
+        <p:txBody>
+          <a:bodyPr rtlCol="0" anchor="t"/>
+          <a:lstStyle/>
+          <a:p>
+            <a:pPr algn="ctr"/>
+            <a:endParaRPr lang="ko-KR" altLang="en-US" sz="1400" dirty="0"/>
+          </a:p>
+        </p:txBody>
+      </p:sp>
+      <p:sp>
+        <p:nvSpPr>
+          <p:cNvPr id="36" name="모서리가 둥근 직사각형 50">
+            <a:extLst>
+              <a:ext uri="{FF2B5EF4-FFF2-40B4-BE49-F238E27FC236}">
+                <a16:creationId xmlns:a16="http://schemas.microsoft.com/office/drawing/2014/main" id="{F824A24B-7393-4C9D-952F-FDFE2692B458}"/>
+              </a:ext>
+            </a:extLst>
+          </p:cNvPr>
+          <p:cNvSpPr/>
+          <p:nvPr/>
+        </p:nvSpPr>
+        <p:spPr>
+          <a:xfrm>
+            <a:off x="7161119" y="2088913"/>
+            <a:ext cx="537624" cy="232141"/>
+          </a:xfrm>
+          <a:prstGeom prst="roundRect">
+            <a:avLst>
+              <a:gd name="adj" fmla="val 3400"/>
+            </a:avLst>
+          </a:prstGeom>
+          <a:solidFill>
+            <a:schemeClr val="tx2">
+              <a:lumMod val="40000"/>
+              <a:lumOff val="60000"/>
+            </a:schemeClr>
+          </a:solidFill>
+        </p:spPr>
+        <p:style>
+          <a:lnRef idx="2">
+            <a:schemeClr val="dk1"/>
+          </a:lnRef>
+          <a:fillRef idx="1">
+            <a:schemeClr val="lt1"/>
+          </a:fillRef>
+          <a:effectRef idx="0">
+            <a:schemeClr val="dk1"/>
+          </a:effectRef>
+          <a:fontRef idx="minor">
+            <a:schemeClr val="dk1"/>
+          </a:fontRef>
+        </p:style>
+        <p:txBody>
+          <a:bodyPr rtlCol="0" anchor="t"/>
+          <a:lstStyle/>
+          <a:p>
+            <a:pPr algn="ctr"/>
+            <a:endParaRPr lang="ko-KR" altLang="en-US" sz="1400" dirty="0"/>
+          </a:p>
+        </p:txBody>
+      </p:sp>
+      <p:sp>
+        <p:nvSpPr>
+          <p:cNvPr id="39" name="모서리가 둥근 직사각형 16">
+            <a:extLst>
+              <a:ext uri="{FF2B5EF4-FFF2-40B4-BE49-F238E27FC236}">
+                <a16:creationId xmlns:a16="http://schemas.microsoft.com/office/drawing/2014/main" id="{919C546F-6535-4B96-AD27-5603CB9B99A9}"/>
+              </a:ext>
+            </a:extLst>
+          </p:cNvPr>
+          <p:cNvSpPr/>
+          <p:nvPr/>
+        </p:nvSpPr>
+        <p:spPr>
+          <a:xfrm>
+            <a:off x="7687004" y="2029678"/>
+            <a:ext cx="828092" cy="290684"/>
+          </a:xfrm>
+          <a:prstGeom prst="roundRect">
+            <a:avLst>
+              <a:gd name="adj" fmla="val 3400"/>
+            </a:avLst>
+          </a:prstGeom>
+          <a:noFill/>
+          <a:ln>
+            <a:noFill/>
+          </a:ln>
+        </p:spPr>
+        <p:style>
+          <a:lnRef idx="2">
+            <a:schemeClr val="dk1"/>
+          </a:lnRef>
+          <a:fillRef idx="1">
+            <a:schemeClr val="lt1"/>
+          </a:fillRef>
+          <a:effectRef idx="0">
+            <a:schemeClr val="dk1"/>
+          </a:effectRef>
+          <a:fontRef idx="minor">
+            <a:schemeClr val="dk1"/>
+          </a:fontRef>
+        </p:style>
+        <p:txBody>
+          <a:bodyPr rtlCol="0" anchor="t"/>
+          <a:lstStyle/>
+          <a:p>
+            <a:r>
+              <a:rPr lang="en-US" altLang="ko-KR" sz="1400"/>
+              <a:t>VETH</a:t>
+            </a:r>
+            <a:endParaRPr lang="ko-KR" altLang="en-US" sz="1400" dirty="0"/>
+          </a:p>
+        </p:txBody>
+      </p:sp>
+      <p:sp>
+        <p:nvSpPr>
+          <p:cNvPr id="40" name="모서리가 둥근 직사각형 16">
+            <a:extLst>
+              <a:ext uri="{FF2B5EF4-FFF2-40B4-BE49-F238E27FC236}">
+                <a16:creationId xmlns:a16="http://schemas.microsoft.com/office/drawing/2014/main" id="{6F1550A1-1DCC-4373-BB97-861E9E4A2C82}"/>
+              </a:ext>
+            </a:extLst>
+          </p:cNvPr>
+          <p:cNvSpPr/>
+          <p:nvPr/>
+        </p:nvSpPr>
+        <p:spPr>
+          <a:xfrm>
+            <a:off x="7687004" y="2453506"/>
+            <a:ext cx="828092" cy="290684"/>
+          </a:xfrm>
+          <a:prstGeom prst="roundRect">
+            <a:avLst>
+              <a:gd name="adj" fmla="val 3400"/>
+            </a:avLst>
+          </a:prstGeom>
+          <a:noFill/>
+          <a:ln>
+            <a:noFill/>
+          </a:ln>
+        </p:spPr>
+        <p:style>
+          <a:lnRef idx="2">
+            <a:schemeClr val="dk1"/>
+          </a:lnRef>
+          <a:fillRef idx="1">
+            <a:schemeClr val="lt1"/>
+          </a:fillRef>
+          <a:effectRef idx="0">
+            <a:schemeClr val="dk1"/>
+          </a:effectRef>
+          <a:fontRef idx="minor">
+            <a:schemeClr val="dk1"/>
+          </a:fontRef>
+        </p:style>
+        <p:txBody>
+          <a:bodyPr rtlCol="0" anchor="t"/>
+          <a:lstStyle/>
+          <a:p>
+            <a:r>
+              <a:rPr lang="en-US" altLang="ko-KR" sz="1400"/>
+              <a:t>Bridge</a:t>
+            </a:r>
+            <a:endParaRPr lang="ko-KR" altLang="en-US" sz="1400" dirty="0"/>
+          </a:p>
+        </p:txBody>
+      </p:sp>
+      <p:sp>
+        <p:nvSpPr>
+          <p:cNvPr id="42" name="모서리가 둥근 직사각형 16">
+            <a:extLst>
+              <a:ext uri="{FF2B5EF4-FFF2-40B4-BE49-F238E27FC236}">
+                <a16:creationId xmlns:a16="http://schemas.microsoft.com/office/drawing/2014/main" id="{C8E6EEDD-B230-43F4-A0F1-CD024C5EEA90}"/>
+              </a:ext>
+            </a:extLst>
+          </p:cNvPr>
+          <p:cNvSpPr/>
+          <p:nvPr/>
+        </p:nvSpPr>
+        <p:spPr>
+          <a:xfrm>
+            <a:off x="7687004" y="3289178"/>
+            <a:ext cx="1456996" cy="290684"/>
+          </a:xfrm>
+          <a:prstGeom prst="roundRect">
+            <a:avLst>
+              <a:gd name="adj" fmla="val 3400"/>
+            </a:avLst>
+          </a:prstGeom>
+          <a:noFill/>
+          <a:ln>
+            <a:noFill/>
+          </a:ln>
+        </p:spPr>
+        <p:style>
+          <a:lnRef idx="2">
+            <a:schemeClr val="dk1"/>
+          </a:lnRef>
+          <a:fillRef idx="1">
+            <a:schemeClr val="lt1"/>
+          </a:fillRef>
+          <a:effectRef idx="0">
+            <a:schemeClr val="dk1"/>
+          </a:effectRef>
+          <a:fontRef idx="minor">
+            <a:schemeClr val="dk1"/>
+          </a:fontRef>
+        </p:style>
+        <p:txBody>
+          <a:bodyPr rtlCol="0" anchor="t"/>
+          <a:lstStyle/>
+          <a:p>
+            <a:r>
+              <a:rPr lang="en-US" altLang="ko-KR" sz="1400"/>
+              <a:t>OVS </a:t>
+            </a:r>
+          </a:p>
+          <a:p>
+            <a:r>
+              <a:rPr lang="en-US" altLang="ko-KR" sz="1400"/>
+              <a:t>Patch Port</a:t>
+            </a:r>
+            <a:endParaRPr lang="ko-KR" altLang="en-US" sz="1400" dirty="0"/>
+          </a:p>
+        </p:txBody>
+      </p:sp>
+      <p:sp>
+        <p:nvSpPr>
+          <p:cNvPr id="59" name="모서리가 둥근 직사각형 50">
+            <a:extLst>
+              <a:ext uri="{FF2B5EF4-FFF2-40B4-BE49-F238E27FC236}">
+                <a16:creationId xmlns:a16="http://schemas.microsoft.com/office/drawing/2014/main" id="{654F8CC7-152B-44E4-80DF-3FCBBE6B6F90}"/>
+              </a:ext>
+            </a:extLst>
+          </p:cNvPr>
+          <p:cNvSpPr/>
+          <p:nvPr/>
+        </p:nvSpPr>
+        <p:spPr>
+          <a:xfrm>
+            <a:off x="7161564" y="2926209"/>
+            <a:ext cx="537624" cy="232141"/>
+          </a:xfrm>
+          <a:prstGeom prst="roundRect">
+            <a:avLst>
+              <a:gd name="adj" fmla="val 3400"/>
+            </a:avLst>
+          </a:prstGeom>
+          <a:solidFill>
+            <a:schemeClr val="accent6">
+              <a:lumMod val="40000"/>
+              <a:lumOff val="60000"/>
+            </a:schemeClr>
+          </a:solidFill>
+        </p:spPr>
+        <p:style>
+          <a:lnRef idx="2">
+            <a:schemeClr val="dk1"/>
+          </a:lnRef>
+          <a:fillRef idx="1">
+            <a:schemeClr val="lt1"/>
+          </a:fillRef>
+          <a:effectRef idx="0">
+            <a:schemeClr val="dk1"/>
+          </a:effectRef>
+          <a:fontRef idx="minor">
+            <a:schemeClr val="dk1"/>
+          </a:fontRef>
+        </p:style>
+        <p:txBody>
+          <a:bodyPr rtlCol="0" anchor="t"/>
+          <a:lstStyle/>
+          <a:p>
+            <a:pPr algn="ctr"/>
+            <a:endParaRPr lang="ko-KR" altLang="en-US" sz="1400" dirty="0"/>
+          </a:p>
+        </p:txBody>
+      </p:sp>
+      <p:sp>
+        <p:nvSpPr>
+          <p:cNvPr id="60" name="모서리가 둥근 직사각형 16">
+            <a:extLst>
+              <a:ext uri="{FF2B5EF4-FFF2-40B4-BE49-F238E27FC236}">
+                <a16:creationId xmlns:a16="http://schemas.microsoft.com/office/drawing/2014/main" id="{9008FED1-1B8E-43D7-B502-B01916840D1E}"/>
+              </a:ext>
+            </a:extLst>
+          </p:cNvPr>
+          <p:cNvSpPr/>
+          <p:nvPr/>
+        </p:nvSpPr>
+        <p:spPr>
+          <a:xfrm>
+            <a:off x="7687004" y="2866813"/>
+            <a:ext cx="828092" cy="290684"/>
+          </a:xfrm>
+          <a:prstGeom prst="roundRect">
+            <a:avLst>
+              <a:gd name="adj" fmla="val 3400"/>
+            </a:avLst>
+          </a:prstGeom>
+          <a:noFill/>
+          <a:ln>
+            <a:noFill/>
+          </a:ln>
+        </p:spPr>
+        <p:style>
+          <a:lnRef idx="2">
+            <a:schemeClr val="dk1"/>
+          </a:lnRef>
+          <a:fillRef idx="1">
+            <a:schemeClr val="lt1"/>
+          </a:fillRef>
+          <a:effectRef idx="0">
+            <a:schemeClr val="dk1"/>
+          </a:effectRef>
+          <a:fontRef idx="minor">
+            <a:schemeClr val="dk1"/>
+          </a:fontRef>
+        </p:style>
+        <p:txBody>
+          <a:bodyPr rtlCol="0" anchor="t"/>
+          <a:lstStyle/>
+          <a:p>
+            <a:r>
+              <a:rPr lang="en-US" altLang="ko-KR" sz="1400"/>
+              <a:t>OVS</a:t>
+            </a:r>
+            <a:endParaRPr lang="ko-KR" altLang="en-US" sz="1400" dirty="0"/>
+          </a:p>
+        </p:txBody>
+      </p:sp>
+      <p:grpSp>
+        <p:nvGrpSpPr>
+          <p:cNvPr id="5" name="그룹 4">
+            <a:extLst>
+              <a:ext uri="{FF2B5EF4-FFF2-40B4-BE49-F238E27FC236}">
+                <a16:creationId xmlns:a16="http://schemas.microsoft.com/office/drawing/2014/main" id="{ABD0A337-C858-4DA6-A24D-129EE2690471}"/>
+              </a:ext>
+            </a:extLst>
+          </p:cNvPr>
+          <p:cNvGrpSpPr/>
+          <p:nvPr/>
+        </p:nvGrpSpPr>
+        <p:grpSpPr>
+          <a:xfrm>
+            <a:off x="1250542" y="1796089"/>
+            <a:ext cx="1296143" cy="650725"/>
+            <a:chOff x="2001752" y="2857129"/>
+            <a:chExt cx="1224136" cy="578717"/>
+          </a:xfrm>
+        </p:grpSpPr>
+        <p:sp>
+          <p:nvSpPr>
+            <p:cNvPr id="61" name="모서리가 둥근 직사각형 15">
+              <a:extLst>
+                <a:ext uri="{FF2B5EF4-FFF2-40B4-BE49-F238E27FC236}">
+                  <a16:creationId xmlns:a16="http://schemas.microsoft.com/office/drawing/2014/main" id="{29EEC0CE-B88C-4938-9A61-4E5F0F3775C0}"/>
+                </a:ext>
+              </a:extLst>
+            </p:cNvPr>
+            <p:cNvSpPr/>
+            <p:nvPr/>
+          </p:nvSpPr>
+          <p:spPr>
+            <a:xfrm>
+              <a:off x="2001752" y="2857129"/>
+              <a:ext cx="1224136" cy="578717"/>
+            </a:xfrm>
+            <a:prstGeom prst="roundRect">
+              <a:avLst>
+                <a:gd name="adj" fmla="val 3400"/>
+              </a:avLst>
+            </a:prstGeom>
+            <a:solidFill>
+              <a:schemeClr val="accent2">
+                <a:lumMod val="40000"/>
+                <a:lumOff val="60000"/>
+              </a:schemeClr>
+            </a:solidFill>
+          </p:spPr>
+          <p:style>
+            <a:lnRef idx="2">
+              <a:schemeClr val="dk1"/>
+            </a:lnRef>
+            <a:fillRef idx="1">
+              <a:schemeClr val="lt1"/>
+            </a:fillRef>
+            <a:effectRef idx="0">
+              <a:schemeClr val="dk1"/>
+            </a:effectRef>
+            <a:fontRef idx="minor">
+              <a:schemeClr val="dk1"/>
+            </a:fontRef>
+          </p:style>
+          <p:txBody>
+            <a:bodyPr rtlCol="0" anchor="b"/>
+            <a:lstStyle/>
+            <a:p>
+              <a:pPr algn="ctr"/>
+              <a:r>
+                <a:rPr lang="en-US" altLang="ko-KR" sz="1400"/>
+                <a:t>qbr1</a:t>
+              </a:r>
+              <a:endParaRPr lang="ko-KR" altLang="en-US" sz="1400" dirty="0"/>
+            </a:p>
+          </p:txBody>
+        </p:sp>
+        <p:sp>
+          <p:nvSpPr>
+            <p:cNvPr id="62" name="타원 61">
+              <a:extLst>
+                <a:ext uri="{FF2B5EF4-FFF2-40B4-BE49-F238E27FC236}">
+                  <a16:creationId xmlns:a16="http://schemas.microsoft.com/office/drawing/2014/main" id="{3B354426-8A83-42BC-A7D6-F92A12C995BC}"/>
+                </a:ext>
+              </a:extLst>
+            </p:cNvPr>
+            <p:cNvSpPr/>
+            <p:nvPr/>
+          </p:nvSpPr>
+          <p:spPr>
+            <a:xfrm>
+              <a:off x="2035430" y="2898989"/>
+              <a:ext cx="1156780" cy="290684"/>
+            </a:xfrm>
+            <a:prstGeom prst="ellipse">
+              <a:avLst/>
+            </a:prstGeom>
+          </p:spPr>
+          <p:style>
+            <a:lnRef idx="2">
+              <a:schemeClr val="dk1"/>
+            </a:lnRef>
+            <a:fillRef idx="1">
+              <a:schemeClr val="lt1"/>
+            </a:fillRef>
+            <a:effectRef idx="0">
+              <a:schemeClr val="dk1"/>
+            </a:effectRef>
+            <a:fontRef idx="minor">
+              <a:schemeClr val="dk1"/>
+            </a:fontRef>
+          </p:style>
+          <p:txBody>
+            <a:bodyPr rtlCol="0" anchor="ctr"/>
+            <a:lstStyle/>
+            <a:p>
+              <a:pPr algn="ctr"/>
+              <a:r>
+                <a:rPr lang="en-US" altLang="ko-KR" sz="1400"/>
+                <a:t>iptables</a:t>
+              </a:r>
+              <a:endParaRPr lang="ko-KR" altLang="en-US" sz="1400"/>
+            </a:p>
+          </p:txBody>
+        </p:sp>
+      </p:grpSp>
+      <p:grpSp>
+        <p:nvGrpSpPr>
+          <p:cNvPr id="63" name="그룹 62">
+            <a:extLst>
+              <a:ext uri="{FF2B5EF4-FFF2-40B4-BE49-F238E27FC236}">
+                <a16:creationId xmlns:a16="http://schemas.microsoft.com/office/drawing/2014/main" id="{5D91F4FC-91F7-4BFB-ACB7-741E50EE3EBC}"/>
+              </a:ext>
+            </a:extLst>
+          </p:cNvPr>
+          <p:cNvGrpSpPr/>
+          <p:nvPr/>
+        </p:nvGrpSpPr>
+        <p:grpSpPr>
+          <a:xfrm>
+            <a:off x="2690702" y="1796089"/>
+            <a:ext cx="1296143" cy="650725"/>
+            <a:chOff x="2001752" y="2857129"/>
+            <a:chExt cx="1224136" cy="578717"/>
+          </a:xfrm>
+        </p:grpSpPr>
+        <p:sp>
+          <p:nvSpPr>
+            <p:cNvPr id="64" name="모서리가 둥근 직사각형 15">
+              <a:extLst>
+                <a:ext uri="{FF2B5EF4-FFF2-40B4-BE49-F238E27FC236}">
+                  <a16:creationId xmlns:a16="http://schemas.microsoft.com/office/drawing/2014/main" id="{977DF695-88D2-4993-B3AF-70E00DB21276}"/>
+                </a:ext>
+              </a:extLst>
+            </p:cNvPr>
+            <p:cNvSpPr/>
+            <p:nvPr/>
+          </p:nvSpPr>
+          <p:spPr>
+            <a:xfrm>
+              <a:off x="2001752" y="2857129"/>
+              <a:ext cx="1224136" cy="578717"/>
+            </a:xfrm>
+            <a:prstGeom prst="roundRect">
+              <a:avLst>
+                <a:gd name="adj" fmla="val 3400"/>
+              </a:avLst>
+            </a:prstGeom>
+            <a:solidFill>
+              <a:schemeClr val="accent2">
+                <a:lumMod val="40000"/>
+                <a:lumOff val="60000"/>
+              </a:schemeClr>
+            </a:solidFill>
+          </p:spPr>
+          <p:style>
+            <a:lnRef idx="2">
+              <a:schemeClr val="dk1"/>
+            </a:lnRef>
+            <a:fillRef idx="1">
+              <a:schemeClr val="lt1"/>
+            </a:fillRef>
+            <a:effectRef idx="0">
+              <a:schemeClr val="dk1"/>
+            </a:effectRef>
+            <a:fontRef idx="minor">
+              <a:schemeClr val="dk1"/>
+            </a:fontRef>
+          </p:style>
+          <p:txBody>
+            <a:bodyPr rtlCol="0" anchor="b"/>
+            <a:lstStyle/>
+            <a:p>
+              <a:pPr algn="ctr"/>
+              <a:r>
+                <a:rPr lang="en-US" altLang="ko-KR" sz="1400"/>
+                <a:t>qbr2</a:t>
+              </a:r>
+              <a:endParaRPr lang="ko-KR" altLang="en-US" sz="1400" dirty="0"/>
+            </a:p>
+          </p:txBody>
+        </p:sp>
+        <p:sp>
+          <p:nvSpPr>
+            <p:cNvPr id="65" name="타원 64">
+              <a:extLst>
+                <a:ext uri="{FF2B5EF4-FFF2-40B4-BE49-F238E27FC236}">
+                  <a16:creationId xmlns:a16="http://schemas.microsoft.com/office/drawing/2014/main" id="{D4256751-3ABB-4143-8E3F-0986532DE52E}"/>
+                </a:ext>
+              </a:extLst>
+            </p:cNvPr>
+            <p:cNvSpPr/>
+            <p:nvPr/>
+          </p:nvSpPr>
+          <p:spPr>
+            <a:xfrm>
+              <a:off x="2035430" y="2898989"/>
+              <a:ext cx="1156780" cy="290684"/>
+            </a:xfrm>
+            <a:prstGeom prst="ellipse">
+              <a:avLst/>
+            </a:prstGeom>
+          </p:spPr>
+          <p:style>
+            <a:lnRef idx="2">
+              <a:schemeClr val="dk1"/>
+            </a:lnRef>
+            <a:fillRef idx="1">
+              <a:schemeClr val="lt1"/>
+            </a:fillRef>
+            <a:effectRef idx="0">
+              <a:schemeClr val="dk1"/>
+            </a:effectRef>
+            <a:fontRef idx="minor">
+              <a:schemeClr val="dk1"/>
+            </a:fontRef>
+          </p:style>
+          <p:txBody>
+            <a:bodyPr rtlCol="0" anchor="ctr"/>
+            <a:lstStyle/>
+            <a:p>
+              <a:pPr algn="ctr"/>
+              <a:r>
+                <a:rPr lang="en-US" altLang="ko-KR" sz="1400"/>
+                <a:t>iptables</a:t>
+              </a:r>
+              <a:endParaRPr lang="ko-KR" altLang="en-US" sz="1400"/>
+            </a:p>
+          </p:txBody>
+        </p:sp>
+      </p:grpSp>
+      <p:grpSp>
+        <p:nvGrpSpPr>
+          <p:cNvPr id="66" name="그룹 65">
+            <a:extLst>
+              <a:ext uri="{FF2B5EF4-FFF2-40B4-BE49-F238E27FC236}">
+                <a16:creationId xmlns:a16="http://schemas.microsoft.com/office/drawing/2014/main" id="{9256A5B8-4707-4FFA-BEF0-DE676FA0BA68}"/>
+              </a:ext>
+            </a:extLst>
+          </p:cNvPr>
+          <p:cNvGrpSpPr/>
+          <p:nvPr/>
+        </p:nvGrpSpPr>
+        <p:grpSpPr>
+          <a:xfrm>
+            <a:off x="4130861" y="1799112"/>
+            <a:ext cx="1296143" cy="650725"/>
+            <a:chOff x="2001752" y="2857129"/>
+            <a:chExt cx="1224136" cy="578717"/>
+          </a:xfrm>
+        </p:grpSpPr>
+        <p:sp>
+          <p:nvSpPr>
+            <p:cNvPr id="67" name="모서리가 둥근 직사각형 15">
+              <a:extLst>
+                <a:ext uri="{FF2B5EF4-FFF2-40B4-BE49-F238E27FC236}">
+                  <a16:creationId xmlns:a16="http://schemas.microsoft.com/office/drawing/2014/main" id="{2D29E843-4E2D-40A6-8DE6-B4DEDDA33E9C}"/>
+                </a:ext>
+              </a:extLst>
+            </p:cNvPr>
+            <p:cNvSpPr/>
+            <p:nvPr/>
+          </p:nvSpPr>
+          <p:spPr>
+            <a:xfrm>
+              <a:off x="2001752" y="2857129"/>
+              <a:ext cx="1224136" cy="578717"/>
+            </a:xfrm>
+            <a:prstGeom prst="roundRect">
+              <a:avLst>
+                <a:gd name="adj" fmla="val 3400"/>
+              </a:avLst>
+            </a:prstGeom>
+            <a:solidFill>
+              <a:schemeClr val="accent2">
+                <a:lumMod val="40000"/>
+                <a:lumOff val="60000"/>
+              </a:schemeClr>
+            </a:solidFill>
+          </p:spPr>
+          <p:style>
+            <a:lnRef idx="2">
+              <a:schemeClr val="dk1"/>
+            </a:lnRef>
+            <a:fillRef idx="1">
+              <a:schemeClr val="lt1"/>
+            </a:fillRef>
+            <a:effectRef idx="0">
+              <a:schemeClr val="dk1"/>
+            </a:effectRef>
+            <a:fontRef idx="minor">
+              <a:schemeClr val="dk1"/>
+            </a:fontRef>
+          </p:style>
+          <p:txBody>
+            <a:bodyPr rtlCol="0" anchor="b"/>
+            <a:lstStyle/>
+            <a:p>
+              <a:pPr algn="ctr"/>
+              <a:r>
+                <a:rPr lang="en-US" altLang="ko-KR" sz="1400"/>
+                <a:t>qbr3</a:t>
+              </a:r>
+              <a:endParaRPr lang="ko-KR" altLang="en-US" sz="1400" dirty="0"/>
+            </a:p>
+          </p:txBody>
+        </p:sp>
+        <p:sp>
+          <p:nvSpPr>
+            <p:cNvPr id="68" name="타원 67">
+              <a:extLst>
+                <a:ext uri="{FF2B5EF4-FFF2-40B4-BE49-F238E27FC236}">
+                  <a16:creationId xmlns:a16="http://schemas.microsoft.com/office/drawing/2014/main" id="{3A8CC273-AB83-4B34-ABC2-417815494201}"/>
+                </a:ext>
+              </a:extLst>
+            </p:cNvPr>
+            <p:cNvSpPr/>
+            <p:nvPr/>
+          </p:nvSpPr>
+          <p:spPr>
+            <a:xfrm>
+              <a:off x="2035430" y="2898989"/>
+              <a:ext cx="1156780" cy="290684"/>
+            </a:xfrm>
+            <a:prstGeom prst="ellipse">
+              <a:avLst/>
+            </a:prstGeom>
+          </p:spPr>
+          <p:style>
+            <a:lnRef idx="2">
+              <a:schemeClr val="dk1"/>
+            </a:lnRef>
+            <a:fillRef idx="1">
+              <a:schemeClr val="lt1"/>
+            </a:fillRef>
+            <a:effectRef idx="0">
+              <a:schemeClr val="dk1"/>
+            </a:effectRef>
+            <a:fontRef idx="minor">
+              <a:schemeClr val="dk1"/>
+            </a:fontRef>
+          </p:style>
+          <p:txBody>
+            <a:bodyPr rtlCol="0" anchor="ctr"/>
+            <a:lstStyle/>
+            <a:p>
+              <a:pPr algn="ctr"/>
+              <a:r>
+                <a:rPr lang="en-US" altLang="ko-KR" sz="1400"/>
+                <a:t>iptables</a:t>
+              </a:r>
+              <a:endParaRPr lang="ko-KR" altLang="en-US" sz="1400"/>
+            </a:p>
+          </p:txBody>
+        </p:sp>
+      </p:grpSp>
+      <p:grpSp>
+        <p:nvGrpSpPr>
+          <p:cNvPr id="69" name="그룹 68">
+            <a:extLst>
+              <a:ext uri="{FF2B5EF4-FFF2-40B4-BE49-F238E27FC236}">
+                <a16:creationId xmlns:a16="http://schemas.microsoft.com/office/drawing/2014/main" id="{F05F5555-3B20-43E8-B99B-B04ECB181E4D}"/>
+              </a:ext>
+            </a:extLst>
+          </p:cNvPr>
+          <p:cNvGrpSpPr/>
+          <p:nvPr/>
+        </p:nvGrpSpPr>
+        <p:grpSpPr>
+          <a:xfrm>
+            <a:off x="5571022" y="1796089"/>
+            <a:ext cx="1296143" cy="650725"/>
+            <a:chOff x="2001752" y="2857129"/>
+            <a:chExt cx="1224136" cy="578717"/>
+          </a:xfrm>
+        </p:grpSpPr>
+        <p:sp>
+          <p:nvSpPr>
+            <p:cNvPr id="70" name="모서리가 둥근 직사각형 15">
+              <a:extLst>
+                <a:ext uri="{FF2B5EF4-FFF2-40B4-BE49-F238E27FC236}">
+                  <a16:creationId xmlns:a16="http://schemas.microsoft.com/office/drawing/2014/main" id="{873A60D9-505D-4BD3-A05A-6554B401DD62}"/>
+                </a:ext>
+              </a:extLst>
+            </p:cNvPr>
+            <p:cNvSpPr/>
+            <p:nvPr/>
+          </p:nvSpPr>
+          <p:spPr>
+            <a:xfrm>
+              <a:off x="2001752" y="2857129"/>
+              <a:ext cx="1224136" cy="578717"/>
+            </a:xfrm>
+            <a:prstGeom prst="roundRect">
+              <a:avLst>
+                <a:gd name="adj" fmla="val 3400"/>
+              </a:avLst>
+            </a:prstGeom>
+            <a:solidFill>
+              <a:schemeClr val="accent2">
+                <a:lumMod val="40000"/>
+                <a:lumOff val="60000"/>
+              </a:schemeClr>
+            </a:solidFill>
+          </p:spPr>
+          <p:style>
+            <a:lnRef idx="2">
+              <a:schemeClr val="dk1"/>
+            </a:lnRef>
+            <a:fillRef idx="1">
+              <a:schemeClr val="lt1"/>
+            </a:fillRef>
+            <a:effectRef idx="0">
+              <a:schemeClr val="dk1"/>
+            </a:effectRef>
+            <a:fontRef idx="minor">
+              <a:schemeClr val="dk1"/>
+            </a:fontRef>
+          </p:style>
+          <p:txBody>
+            <a:bodyPr rtlCol="0" anchor="b"/>
+            <a:lstStyle/>
+            <a:p>
+              <a:pPr algn="ctr"/>
+              <a:r>
+                <a:rPr lang="en-US" altLang="ko-KR" sz="1400"/>
+                <a:t>qbr4</a:t>
+              </a:r>
+              <a:endParaRPr lang="ko-KR" altLang="en-US" sz="1400" dirty="0"/>
+            </a:p>
+          </p:txBody>
+        </p:sp>
+        <p:sp>
+          <p:nvSpPr>
+            <p:cNvPr id="71" name="타원 70">
+              <a:extLst>
+                <a:ext uri="{FF2B5EF4-FFF2-40B4-BE49-F238E27FC236}">
+                  <a16:creationId xmlns:a16="http://schemas.microsoft.com/office/drawing/2014/main" id="{DC8F46BC-231D-4CB7-B16F-ED2A86DB3FF6}"/>
+                </a:ext>
+              </a:extLst>
+            </p:cNvPr>
+            <p:cNvSpPr/>
+            <p:nvPr/>
+          </p:nvSpPr>
+          <p:spPr>
+            <a:xfrm>
+              <a:off x="2035430" y="2898989"/>
+              <a:ext cx="1156780" cy="290684"/>
+            </a:xfrm>
+            <a:prstGeom prst="ellipse">
+              <a:avLst/>
+            </a:prstGeom>
+          </p:spPr>
+          <p:style>
+            <a:lnRef idx="2">
+              <a:schemeClr val="dk1"/>
+            </a:lnRef>
+            <a:fillRef idx="1">
+              <a:schemeClr val="lt1"/>
+            </a:fillRef>
+            <a:effectRef idx="0">
+              <a:schemeClr val="dk1"/>
+            </a:effectRef>
+            <a:fontRef idx="minor">
+              <a:schemeClr val="dk1"/>
+            </a:fontRef>
+          </p:style>
+          <p:txBody>
+            <a:bodyPr rtlCol="0" anchor="ctr"/>
+            <a:lstStyle/>
+            <a:p>
+              <a:pPr algn="ctr"/>
+              <a:r>
+                <a:rPr lang="en-US" altLang="ko-KR" sz="1400"/>
+                <a:t>iptables</a:t>
+              </a:r>
+              <a:endParaRPr lang="ko-KR" altLang="en-US" sz="1400"/>
+            </a:p>
+          </p:txBody>
+        </p:sp>
+      </p:grpSp>
+      <p:cxnSp>
+        <p:nvCxnSpPr>
+          <p:cNvPr id="72" name="직선 연결선 71">
+            <a:extLst>
+              <a:ext uri="{FF2B5EF4-FFF2-40B4-BE49-F238E27FC236}">
+                <a16:creationId xmlns:a16="http://schemas.microsoft.com/office/drawing/2014/main" id="{9EFFFB00-B7FC-4335-8D9D-1F6047F8FF6E}"/>
+              </a:ext>
+            </a:extLst>
+          </p:cNvPr>
+          <p:cNvCxnSpPr>
+            <a:cxnSpLocks/>
+            <a:stCxn id="17" idx="2"/>
+            <a:endCxn id="61" idx="0"/>
+          </p:cNvCxnSpPr>
+          <p:nvPr/>
+        </p:nvCxnSpPr>
+        <p:spPr>
+          <a:xfrm>
+            <a:off x="1898614" y="1703469"/>
+            <a:ext cx="0" cy="92620"/>
+          </a:xfrm>
+          <a:prstGeom prst="line">
+            <a:avLst/>
+          </a:prstGeom>
+          <a:ln w="28575">
+            <a:solidFill>
+              <a:schemeClr val="tx1"/>
+            </a:solidFill>
+          </a:ln>
+        </p:spPr>
+        <p:style>
+          <a:lnRef idx="1">
+            <a:schemeClr val="accent1"/>
+          </a:lnRef>
+          <a:fillRef idx="0">
+            <a:schemeClr val="accent1"/>
+          </a:fillRef>
+          <a:effectRef idx="0">
+            <a:schemeClr val="accent1"/>
+          </a:effectRef>
+          <a:fontRef idx="minor">
+            <a:schemeClr val="tx1"/>
+          </a:fontRef>
+        </p:style>
+      </p:cxnSp>
+      <p:cxnSp>
+        <p:nvCxnSpPr>
+          <p:cNvPr id="73" name="직선 연결선 72">
+            <a:extLst>
+              <a:ext uri="{FF2B5EF4-FFF2-40B4-BE49-F238E27FC236}">
+                <a16:creationId xmlns:a16="http://schemas.microsoft.com/office/drawing/2014/main" id="{FD398EC2-C501-4806-B81F-3D3DFB1115C8}"/>
+              </a:ext>
+            </a:extLst>
+          </p:cNvPr>
+          <p:cNvCxnSpPr>
+            <a:cxnSpLocks/>
+            <a:stCxn id="18" idx="2"/>
+            <a:endCxn id="64" idx="0"/>
+          </p:cNvCxnSpPr>
+          <p:nvPr/>
+        </p:nvCxnSpPr>
+        <p:spPr>
+          <a:xfrm>
+            <a:off x="3338774" y="1703469"/>
+            <a:ext cx="0" cy="92620"/>
+          </a:xfrm>
+          <a:prstGeom prst="line">
+            <a:avLst/>
+          </a:prstGeom>
+          <a:ln w="28575">
+            <a:solidFill>
+              <a:schemeClr val="tx1"/>
+            </a:solidFill>
+          </a:ln>
+        </p:spPr>
+        <p:style>
+          <a:lnRef idx="1">
+            <a:schemeClr val="accent1"/>
+          </a:lnRef>
+          <a:fillRef idx="0">
+            <a:schemeClr val="accent1"/>
+          </a:fillRef>
+          <a:effectRef idx="0">
+            <a:schemeClr val="accent1"/>
+          </a:effectRef>
+          <a:fontRef idx="minor">
+            <a:schemeClr val="tx1"/>
+          </a:fontRef>
+        </p:style>
+      </p:cxnSp>
+      <p:cxnSp>
+        <p:nvCxnSpPr>
+          <p:cNvPr id="74" name="직선 연결선 73">
+            <a:extLst>
+              <a:ext uri="{FF2B5EF4-FFF2-40B4-BE49-F238E27FC236}">
+                <a16:creationId xmlns:a16="http://schemas.microsoft.com/office/drawing/2014/main" id="{F0CFD468-7F53-4FD8-B6D7-BD01FD5ABA61}"/>
+              </a:ext>
+            </a:extLst>
+          </p:cNvPr>
+          <p:cNvCxnSpPr>
+            <a:cxnSpLocks/>
+            <a:stCxn id="19" idx="2"/>
+            <a:endCxn id="67" idx="0"/>
+          </p:cNvCxnSpPr>
+          <p:nvPr/>
+        </p:nvCxnSpPr>
+        <p:spPr>
+          <a:xfrm flipH="1">
+            <a:off x="4778933" y="1703469"/>
+            <a:ext cx="1" cy="95643"/>
+          </a:xfrm>
+          <a:prstGeom prst="line">
+            <a:avLst/>
+          </a:prstGeom>
+          <a:ln w="28575">
+            <a:solidFill>
+              <a:schemeClr val="tx1"/>
+            </a:solidFill>
+          </a:ln>
+        </p:spPr>
+        <p:style>
+          <a:lnRef idx="1">
+            <a:schemeClr val="accent1"/>
+          </a:lnRef>
+          <a:fillRef idx="0">
+            <a:schemeClr val="accent1"/>
+          </a:fillRef>
+          <a:effectRef idx="0">
+            <a:schemeClr val="accent1"/>
+          </a:effectRef>
+          <a:fontRef idx="minor">
+            <a:schemeClr val="tx1"/>
+          </a:fontRef>
+        </p:style>
+      </p:cxnSp>
+      <p:cxnSp>
+        <p:nvCxnSpPr>
+          <p:cNvPr id="75" name="직선 연결선 74">
+            <a:extLst>
+              <a:ext uri="{FF2B5EF4-FFF2-40B4-BE49-F238E27FC236}">
+                <a16:creationId xmlns:a16="http://schemas.microsoft.com/office/drawing/2014/main" id="{C85BE0E9-A084-4A24-9D10-C3C9FA17AAF0}"/>
+              </a:ext>
+            </a:extLst>
+          </p:cNvPr>
+          <p:cNvCxnSpPr>
+            <a:cxnSpLocks/>
+            <a:stCxn id="20" idx="2"/>
+            <a:endCxn id="70" idx="0"/>
+          </p:cNvCxnSpPr>
+          <p:nvPr/>
+        </p:nvCxnSpPr>
+        <p:spPr>
+          <a:xfrm>
+            <a:off x="6219094" y="1703469"/>
+            <a:ext cx="0" cy="92620"/>
+          </a:xfrm>
+          <a:prstGeom prst="line">
+            <a:avLst/>
+          </a:prstGeom>
+          <a:ln w="28575">
+            <a:solidFill>
+              <a:schemeClr val="tx1"/>
+            </a:solidFill>
+          </a:ln>
+        </p:spPr>
+        <p:style>
+          <a:lnRef idx="1">
+            <a:schemeClr val="accent1"/>
+          </a:lnRef>
+          <a:fillRef idx="0">
+            <a:schemeClr val="accent1"/>
+          </a:fillRef>
+          <a:effectRef idx="0">
+            <a:schemeClr val="accent1"/>
+          </a:effectRef>
+          <a:fontRef idx="minor">
+            <a:schemeClr val="tx1"/>
+          </a:fontRef>
+        </p:style>
+      </p:cxnSp>
+      <p:sp>
+        <p:nvSpPr>
+          <p:cNvPr id="79" name="모서리가 둥근 직사각형 11">
+            <a:extLst>
+              <a:ext uri="{FF2B5EF4-FFF2-40B4-BE49-F238E27FC236}">
+                <a16:creationId xmlns:a16="http://schemas.microsoft.com/office/drawing/2014/main" id="{732DB483-10A5-494B-9172-0744E8462019}"/>
+              </a:ext>
+            </a:extLst>
+          </p:cNvPr>
+          <p:cNvSpPr/>
+          <p:nvPr/>
+        </p:nvSpPr>
+        <p:spPr>
+          <a:xfrm>
+            <a:off x="1574578" y="2537085"/>
+            <a:ext cx="648072" cy="290684"/>
+          </a:xfrm>
+          <a:prstGeom prst="roundRect">
+            <a:avLst>
+              <a:gd name="adj" fmla="val 3400"/>
+            </a:avLst>
+          </a:prstGeom>
+          <a:solidFill>
+            <a:schemeClr val="tx2">
+              <a:lumMod val="40000"/>
+              <a:lumOff val="60000"/>
+            </a:schemeClr>
+          </a:solidFill>
+        </p:spPr>
+        <p:style>
+          <a:lnRef idx="2">
+            <a:schemeClr val="dk1"/>
+          </a:lnRef>
+          <a:fillRef idx="1">
+            <a:schemeClr val="lt1"/>
+          </a:fillRef>
+          <a:effectRef idx="0">
+            <a:schemeClr val="dk1"/>
+          </a:effectRef>
+          <a:fontRef idx="minor">
+            <a:schemeClr val="dk1"/>
+          </a:fontRef>
+        </p:style>
+        <p:txBody>
+          <a:bodyPr rtlCol="0" anchor="t"/>
+          <a:lstStyle/>
+          <a:p>
+            <a:pPr algn="ctr"/>
+            <a:r>
+              <a:rPr lang="en-US" altLang="ko-KR" sz="1400"/>
+              <a:t>qvb1</a:t>
+            </a:r>
+            <a:endParaRPr lang="ko-KR" altLang="en-US" sz="1400" dirty="0"/>
+          </a:p>
+        </p:txBody>
+      </p:sp>
+      <p:sp>
+        <p:nvSpPr>
+          <p:cNvPr id="80" name="모서리가 둥근 직사각형 16">
+            <a:extLst>
+              <a:ext uri="{FF2B5EF4-FFF2-40B4-BE49-F238E27FC236}">
+                <a16:creationId xmlns:a16="http://schemas.microsoft.com/office/drawing/2014/main" id="{A0E70338-DE41-4AA9-B2D8-961008CC3CB9}"/>
+              </a:ext>
+            </a:extLst>
+          </p:cNvPr>
+          <p:cNvSpPr/>
+          <p:nvPr/>
+        </p:nvSpPr>
+        <p:spPr>
+          <a:xfrm>
+            <a:off x="1574578" y="2940193"/>
+            <a:ext cx="648072" cy="290684"/>
+          </a:xfrm>
+          <a:prstGeom prst="roundRect">
+            <a:avLst>
+              <a:gd name="adj" fmla="val 3400"/>
+            </a:avLst>
+          </a:prstGeom>
+          <a:solidFill>
+            <a:schemeClr val="tx2">
+              <a:lumMod val="40000"/>
+              <a:lumOff val="60000"/>
+            </a:schemeClr>
+          </a:solidFill>
+        </p:spPr>
+        <p:style>
+          <a:lnRef idx="2">
+            <a:schemeClr val="dk1"/>
+          </a:lnRef>
+          <a:fillRef idx="1">
+            <a:schemeClr val="lt1"/>
+          </a:fillRef>
+          <a:effectRef idx="0">
+            <a:schemeClr val="dk1"/>
+          </a:effectRef>
+          <a:fontRef idx="minor">
+            <a:schemeClr val="dk1"/>
+          </a:fontRef>
+        </p:style>
+        <p:txBody>
+          <a:bodyPr rtlCol="0" anchor="t"/>
+          <a:lstStyle/>
+          <a:p>
+            <a:pPr algn="ctr"/>
+            <a:r>
+              <a:rPr lang="en-US" altLang="ko-KR" sz="1400"/>
+              <a:t>qvo1</a:t>
+            </a:r>
+            <a:endParaRPr lang="ko-KR" altLang="en-US" sz="1400" dirty="0"/>
+          </a:p>
+        </p:txBody>
+      </p:sp>
+      <p:sp>
+        <p:nvSpPr>
+          <p:cNvPr id="82" name="모서리가 둥근 직사각형 50">
+            <a:extLst>
+              <a:ext uri="{FF2B5EF4-FFF2-40B4-BE49-F238E27FC236}">
+                <a16:creationId xmlns:a16="http://schemas.microsoft.com/office/drawing/2014/main" id="{CC858A7D-B41F-4A5E-8894-4B1AD74B38B6}"/>
+              </a:ext>
+            </a:extLst>
+          </p:cNvPr>
+          <p:cNvSpPr/>
+          <p:nvPr/>
+        </p:nvSpPr>
+        <p:spPr>
+          <a:xfrm>
+            <a:off x="7161119" y="1682078"/>
+            <a:ext cx="537624" cy="232141"/>
+          </a:xfrm>
+          <a:prstGeom prst="roundRect">
+            <a:avLst>
+              <a:gd name="adj" fmla="val 3400"/>
+            </a:avLst>
+          </a:prstGeom>
+          <a:solidFill>
+            <a:schemeClr val="accent5">
+              <a:lumMod val="40000"/>
+              <a:lumOff val="60000"/>
+            </a:schemeClr>
+          </a:solidFill>
+        </p:spPr>
+        <p:style>
+          <a:lnRef idx="2">
+            <a:schemeClr val="dk1"/>
+          </a:lnRef>
+          <a:fillRef idx="1">
+            <a:schemeClr val="lt1"/>
+          </a:fillRef>
+          <a:effectRef idx="0">
+            <a:schemeClr val="dk1"/>
+          </a:effectRef>
+          <a:fontRef idx="minor">
+            <a:schemeClr val="dk1"/>
+          </a:fontRef>
+        </p:style>
+        <p:txBody>
+          <a:bodyPr rtlCol="0" anchor="t"/>
+          <a:lstStyle/>
+          <a:p>
+            <a:pPr algn="ctr"/>
+            <a:endParaRPr lang="ko-KR" altLang="en-US" sz="1400" dirty="0"/>
+          </a:p>
+        </p:txBody>
+      </p:sp>
+      <p:sp>
+        <p:nvSpPr>
+          <p:cNvPr id="83" name="모서리가 둥근 직사각형 16">
+            <a:extLst>
+              <a:ext uri="{FF2B5EF4-FFF2-40B4-BE49-F238E27FC236}">
+                <a16:creationId xmlns:a16="http://schemas.microsoft.com/office/drawing/2014/main" id="{7E08E115-4081-4127-865A-C3E2C1B2AA26}"/>
+              </a:ext>
+            </a:extLst>
+          </p:cNvPr>
+          <p:cNvSpPr/>
+          <p:nvPr/>
+        </p:nvSpPr>
+        <p:spPr>
+          <a:xfrm>
+            <a:off x="7687004" y="1622843"/>
+            <a:ext cx="828092" cy="290684"/>
+          </a:xfrm>
+          <a:prstGeom prst="roundRect">
+            <a:avLst>
+              <a:gd name="adj" fmla="val 3400"/>
+            </a:avLst>
+          </a:prstGeom>
+          <a:noFill/>
+          <a:ln>
+            <a:noFill/>
+          </a:ln>
+        </p:spPr>
+        <p:style>
+          <a:lnRef idx="2">
+            <a:schemeClr val="dk1"/>
+          </a:lnRef>
+          <a:fillRef idx="1">
+            <a:schemeClr val="lt1"/>
+          </a:fillRef>
+          <a:effectRef idx="0">
+            <a:schemeClr val="dk1"/>
+          </a:effectRef>
+          <a:fontRef idx="minor">
+            <a:schemeClr val="dk1"/>
+          </a:fontRef>
+        </p:style>
+        <p:txBody>
+          <a:bodyPr rtlCol="0" anchor="t"/>
+          <a:lstStyle/>
+          <a:p>
+            <a:r>
+              <a:rPr lang="en-US" altLang="ko-KR" sz="1400"/>
+              <a:t>TAP</a:t>
+            </a:r>
+            <a:endParaRPr lang="ko-KR" altLang="en-US" sz="1400" dirty="0"/>
+          </a:p>
+        </p:txBody>
+      </p:sp>
+      <p:cxnSp>
+        <p:nvCxnSpPr>
+          <p:cNvPr id="84" name="직선 연결선 83">
+            <a:extLst>
+              <a:ext uri="{FF2B5EF4-FFF2-40B4-BE49-F238E27FC236}">
+                <a16:creationId xmlns:a16="http://schemas.microsoft.com/office/drawing/2014/main" id="{2340DAEC-3439-4615-A713-AD154B537E92}"/>
+              </a:ext>
+            </a:extLst>
+          </p:cNvPr>
+          <p:cNvCxnSpPr>
+            <a:cxnSpLocks/>
+            <a:stCxn id="61" idx="2"/>
+            <a:endCxn id="79" idx="0"/>
+          </p:cNvCxnSpPr>
+          <p:nvPr/>
+        </p:nvCxnSpPr>
+        <p:spPr>
+          <a:xfrm>
+            <a:off x="1898614" y="2446814"/>
+            <a:ext cx="0" cy="90271"/>
+          </a:xfrm>
+          <a:prstGeom prst="line">
+            <a:avLst/>
+          </a:prstGeom>
+          <a:ln w="28575">
+            <a:solidFill>
+              <a:schemeClr val="tx1"/>
+            </a:solidFill>
+          </a:ln>
+        </p:spPr>
+        <p:style>
+          <a:lnRef idx="1">
+            <a:schemeClr val="accent1"/>
+          </a:lnRef>
+          <a:fillRef idx="0">
+            <a:schemeClr val="accent1"/>
+          </a:fillRef>
+          <a:effectRef idx="0">
+            <a:schemeClr val="accent1"/>
+          </a:effectRef>
+          <a:fontRef idx="minor">
+            <a:schemeClr val="tx1"/>
+          </a:fontRef>
+        </p:style>
+      </p:cxnSp>
+      <p:cxnSp>
+        <p:nvCxnSpPr>
+          <p:cNvPr id="88" name="직선 연결선 87">
+            <a:extLst>
+              <a:ext uri="{FF2B5EF4-FFF2-40B4-BE49-F238E27FC236}">
+                <a16:creationId xmlns:a16="http://schemas.microsoft.com/office/drawing/2014/main" id="{584F8F8A-1D95-43E9-BE30-8C18896C8263}"/>
+              </a:ext>
+            </a:extLst>
+          </p:cNvPr>
+          <p:cNvCxnSpPr>
+            <a:cxnSpLocks/>
+            <a:stCxn id="79" idx="2"/>
+            <a:endCxn id="80" idx="0"/>
+          </p:cNvCxnSpPr>
+          <p:nvPr/>
+        </p:nvCxnSpPr>
+        <p:spPr>
+          <a:xfrm>
+            <a:off x="1898614" y="2827769"/>
+            <a:ext cx="0" cy="112424"/>
+          </a:xfrm>
+          <a:prstGeom prst="line">
+            <a:avLst/>
+          </a:prstGeom>
+          <a:ln w="28575">
+            <a:solidFill>
+              <a:schemeClr val="tx1"/>
+            </a:solidFill>
+          </a:ln>
+        </p:spPr>
+        <p:style>
+          <a:lnRef idx="1">
+            <a:schemeClr val="accent1"/>
+          </a:lnRef>
+          <a:fillRef idx="0">
+            <a:schemeClr val="accent1"/>
+          </a:fillRef>
+          <a:effectRef idx="0">
+            <a:schemeClr val="accent1"/>
+          </a:effectRef>
+          <a:fontRef idx="minor">
+            <a:schemeClr val="tx1"/>
+          </a:fontRef>
+        </p:style>
+      </p:cxnSp>
+      <p:sp>
+        <p:nvSpPr>
+          <p:cNvPr id="95" name="모서리가 둥근 직사각형 11">
+            <a:extLst>
+              <a:ext uri="{FF2B5EF4-FFF2-40B4-BE49-F238E27FC236}">
+                <a16:creationId xmlns:a16="http://schemas.microsoft.com/office/drawing/2014/main" id="{07C8C7C4-5C0D-448C-9008-7727420E482E}"/>
+              </a:ext>
+            </a:extLst>
+          </p:cNvPr>
+          <p:cNvSpPr/>
+          <p:nvPr/>
+        </p:nvSpPr>
+        <p:spPr>
+          <a:xfrm>
+            <a:off x="3014738" y="2537085"/>
+            <a:ext cx="648072" cy="290684"/>
+          </a:xfrm>
+          <a:prstGeom prst="roundRect">
+            <a:avLst>
+              <a:gd name="adj" fmla="val 3400"/>
+            </a:avLst>
+          </a:prstGeom>
+          <a:solidFill>
+            <a:schemeClr val="tx2">
+              <a:lumMod val="40000"/>
+              <a:lumOff val="60000"/>
+            </a:schemeClr>
+          </a:solidFill>
+        </p:spPr>
+        <p:style>
+          <a:lnRef idx="2">
+            <a:schemeClr val="dk1"/>
+          </a:lnRef>
+          <a:fillRef idx="1">
+            <a:schemeClr val="lt1"/>
+          </a:fillRef>
+          <a:effectRef idx="0">
+            <a:schemeClr val="dk1"/>
+          </a:effectRef>
+          <a:fontRef idx="minor">
+            <a:schemeClr val="dk1"/>
+          </a:fontRef>
+        </p:style>
+        <p:txBody>
+          <a:bodyPr rtlCol="0" anchor="t"/>
+          <a:lstStyle/>
+          <a:p>
+            <a:pPr algn="ctr"/>
+            <a:r>
+              <a:rPr lang="en-US" altLang="ko-KR" sz="1400"/>
+              <a:t>qvb2</a:t>
+            </a:r>
+            <a:endParaRPr lang="ko-KR" altLang="en-US" sz="1400" dirty="0"/>
+          </a:p>
+        </p:txBody>
+      </p:sp>
+      <p:sp>
+        <p:nvSpPr>
+          <p:cNvPr id="96" name="모서리가 둥근 직사각형 16">
+            <a:extLst>
+              <a:ext uri="{FF2B5EF4-FFF2-40B4-BE49-F238E27FC236}">
+                <a16:creationId xmlns:a16="http://schemas.microsoft.com/office/drawing/2014/main" id="{3CBE418B-5F14-4ECF-8D22-63EC1009F518}"/>
+              </a:ext>
+            </a:extLst>
+          </p:cNvPr>
+          <p:cNvSpPr/>
+          <p:nvPr/>
+        </p:nvSpPr>
+        <p:spPr>
+          <a:xfrm>
+            <a:off x="3014738" y="2940193"/>
+            <a:ext cx="648072" cy="290684"/>
+          </a:xfrm>
+          <a:prstGeom prst="roundRect">
+            <a:avLst>
+              <a:gd name="adj" fmla="val 3400"/>
+            </a:avLst>
+          </a:prstGeom>
+          <a:solidFill>
+            <a:schemeClr val="tx2">
+              <a:lumMod val="40000"/>
+              <a:lumOff val="60000"/>
+            </a:schemeClr>
+          </a:solidFill>
+        </p:spPr>
+        <p:style>
+          <a:lnRef idx="2">
+            <a:schemeClr val="dk1"/>
+          </a:lnRef>
+          <a:fillRef idx="1">
+            <a:schemeClr val="lt1"/>
+          </a:fillRef>
+          <a:effectRef idx="0">
+            <a:schemeClr val="dk1"/>
+          </a:effectRef>
+          <a:fontRef idx="minor">
+            <a:schemeClr val="dk1"/>
+          </a:fontRef>
+        </p:style>
+        <p:txBody>
+          <a:bodyPr rtlCol="0" anchor="t"/>
+          <a:lstStyle/>
+          <a:p>
+            <a:pPr algn="ctr"/>
+            <a:r>
+              <a:rPr lang="en-US" altLang="ko-KR" sz="1400"/>
+              <a:t>qvo2</a:t>
+            </a:r>
+            <a:endParaRPr lang="ko-KR" altLang="en-US" sz="1400" dirty="0"/>
+          </a:p>
+        </p:txBody>
+      </p:sp>
+      <p:cxnSp>
+        <p:nvCxnSpPr>
+          <p:cNvPr id="97" name="직선 연결선 96">
+            <a:extLst>
+              <a:ext uri="{FF2B5EF4-FFF2-40B4-BE49-F238E27FC236}">
+                <a16:creationId xmlns:a16="http://schemas.microsoft.com/office/drawing/2014/main" id="{F12CB205-617A-4FC2-BCDB-4A2A3FB38021}"/>
+              </a:ext>
+            </a:extLst>
+          </p:cNvPr>
+          <p:cNvCxnSpPr>
+            <a:cxnSpLocks/>
+            <a:stCxn id="95" idx="2"/>
+            <a:endCxn id="96" idx="0"/>
+          </p:cNvCxnSpPr>
+          <p:nvPr/>
+        </p:nvCxnSpPr>
+        <p:spPr>
+          <a:xfrm>
+            <a:off x="3338774" y="2827769"/>
+            <a:ext cx="0" cy="112424"/>
+          </a:xfrm>
+          <a:prstGeom prst="line">
+            <a:avLst/>
+          </a:prstGeom>
+          <a:ln w="28575">
+            <a:solidFill>
+              <a:schemeClr val="tx1"/>
+            </a:solidFill>
+          </a:ln>
+        </p:spPr>
+        <p:style>
+          <a:lnRef idx="1">
+            <a:schemeClr val="accent1"/>
+          </a:lnRef>
+          <a:fillRef idx="0">
+            <a:schemeClr val="accent1"/>
+          </a:fillRef>
+          <a:effectRef idx="0">
+            <a:schemeClr val="accent1"/>
+          </a:effectRef>
+          <a:fontRef idx="minor">
+            <a:schemeClr val="tx1"/>
+          </a:fontRef>
+        </p:style>
+      </p:cxnSp>
+      <p:cxnSp>
+        <p:nvCxnSpPr>
+          <p:cNvPr id="100" name="직선 연결선 99">
+            <a:extLst>
+              <a:ext uri="{FF2B5EF4-FFF2-40B4-BE49-F238E27FC236}">
+                <a16:creationId xmlns:a16="http://schemas.microsoft.com/office/drawing/2014/main" id="{34E3CAE3-59AB-446E-A412-88459CAEFE78}"/>
+              </a:ext>
+            </a:extLst>
+          </p:cNvPr>
+          <p:cNvCxnSpPr>
+            <a:cxnSpLocks/>
+            <a:stCxn id="64" idx="2"/>
+            <a:endCxn id="95" idx="0"/>
+          </p:cNvCxnSpPr>
+          <p:nvPr/>
+        </p:nvCxnSpPr>
+        <p:spPr>
+          <a:xfrm>
+            <a:off x="3338774" y="2446814"/>
+            <a:ext cx="0" cy="90271"/>
+          </a:xfrm>
+          <a:prstGeom prst="line">
+            <a:avLst/>
+          </a:prstGeom>
+          <a:ln w="28575">
+            <a:solidFill>
+              <a:schemeClr val="tx1"/>
+            </a:solidFill>
+          </a:ln>
+        </p:spPr>
+        <p:style>
+          <a:lnRef idx="1">
+            <a:schemeClr val="accent1"/>
+          </a:lnRef>
+          <a:fillRef idx="0">
+            <a:schemeClr val="accent1"/>
+          </a:fillRef>
+          <a:effectRef idx="0">
+            <a:schemeClr val="accent1"/>
+          </a:effectRef>
+          <a:fontRef idx="minor">
+            <a:schemeClr val="tx1"/>
+          </a:fontRef>
+        </p:style>
+      </p:cxnSp>
+      <p:sp>
+        <p:nvSpPr>
+          <p:cNvPr id="107" name="모서리가 둥근 직사각형 11">
+            <a:extLst>
+              <a:ext uri="{FF2B5EF4-FFF2-40B4-BE49-F238E27FC236}">
+                <a16:creationId xmlns:a16="http://schemas.microsoft.com/office/drawing/2014/main" id="{DBA04292-0878-4C21-AC90-9C49DF385828}"/>
+              </a:ext>
+            </a:extLst>
+          </p:cNvPr>
+          <p:cNvSpPr/>
+          <p:nvPr/>
+        </p:nvSpPr>
+        <p:spPr>
+          <a:xfrm>
+            <a:off x="4454897" y="2537085"/>
+            <a:ext cx="648072" cy="290684"/>
+          </a:xfrm>
+          <a:prstGeom prst="roundRect">
+            <a:avLst>
+              <a:gd name="adj" fmla="val 3400"/>
+            </a:avLst>
+          </a:prstGeom>
+          <a:solidFill>
+            <a:schemeClr val="tx2">
+              <a:lumMod val="40000"/>
+              <a:lumOff val="60000"/>
+            </a:schemeClr>
+          </a:solidFill>
+        </p:spPr>
+        <p:style>
+          <a:lnRef idx="2">
+            <a:schemeClr val="dk1"/>
+          </a:lnRef>
+          <a:fillRef idx="1">
+            <a:schemeClr val="lt1"/>
+          </a:fillRef>
+          <a:effectRef idx="0">
+            <a:schemeClr val="dk1"/>
+          </a:effectRef>
+          <a:fontRef idx="minor">
+            <a:schemeClr val="dk1"/>
+          </a:fontRef>
+        </p:style>
+        <p:txBody>
+          <a:bodyPr rtlCol="0" anchor="t"/>
+          <a:lstStyle/>
+          <a:p>
+            <a:pPr algn="ctr"/>
+            <a:r>
+              <a:rPr lang="en-US" altLang="ko-KR" sz="1400"/>
+              <a:t>qvb3</a:t>
+            </a:r>
+            <a:endParaRPr lang="ko-KR" altLang="en-US" sz="1400" dirty="0"/>
+          </a:p>
+        </p:txBody>
+      </p:sp>
+      <p:sp>
+        <p:nvSpPr>
+          <p:cNvPr id="108" name="모서리가 둥근 직사각형 16">
+            <a:extLst>
+              <a:ext uri="{FF2B5EF4-FFF2-40B4-BE49-F238E27FC236}">
+                <a16:creationId xmlns:a16="http://schemas.microsoft.com/office/drawing/2014/main" id="{94ACFFC6-C452-4907-8802-93A70758EC6E}"/>
+              </a:ext>
+            </a:extLst>
+          </p:cNvPr>
+          <p:cNvSpPr/>
+          <p:nvPr/>
+        </p:nvSpPr>
+        <p:spPr>
+          <a:xfrm>
+            <a:off x="4454897" y="2940193"/>
+            <a:ext cx="648072" cy="290684"/>
+          </a:xfrm>
+          <a:prstGeom prst="roundRect">
+            <a:avLst>
+              <a:gd name="adj" fmla="val 3400"/>
+            </a:avLst>
+          </a:prstGeom>
+          <a:solidFill>
+            <a:schemeClr val="tx2">
+              <a:lumMod val="40000"/>
+              <a:lumOff val="60000"/>
+            </a:schemeClr>
+          </a:solidFill>
+        </p:spPr>
+        <p:style>
+          <a:lnRef idx="2">
+            <a:schemeClr val="dk1"/>
+          </a:lnRef>
+          <a:fillRef idx="1">
+            <a:schemeClr val="lt1"/>
+          </a:fillRef>
+          <a:effectRef idx="0">
+            <a:schemeClr val="dk1"/>
+          </a:effectRef>
+          <a:fontRef idx="minor">
+            <a:schemeClr val="dk1"/>
+          </a:fontRef>
+        </p:style>
+        <p:txBody>
+          <a:bodyPr rtlCol="0" anchor="t"/>
+          <a:lstStyle/>
+          <a:p>
+            <a:pPr algn="ctr"/>
+            <a:r>
+              <a:rPr lang="en-US" altLang="ko-KR" sz="1400"/>
+              <a:t>qvo3</a:t>
+            </a:r>
+            <a:endParaRPr lang="ko-KR" altLang="en-US" sz="1400" dirty="0"/>
+          </a:p>
+        </p:txBody>
+      </p:sp>
+      <p:sp>
+        <p:nvSpPr>
+          <p:cNvPr id="109" name="모서리가 둥근 직사각형 11">
+            <a:extLst>
+              <a:ext uri="{FF2B5EF4-FFF2-40B4-BE49-F238E27FC236}">
+                <a16:creationId xmlns:a16="http://schemas.microsoft.com/office/drawing/2014/main" id="{59D5DA21-3CD8-4353-A92C-92D792BC746B}"/>
+              </a:ext>
+            </a:extLst>
+          </p:cNvPr>
+          <p:cNvSpPr/>
+          <p:nvPr/>
+        </p:nvSpPr>
+        <p:spPr>
+          <a:xfrm>
+            <a:off x="5895058" y="2537085"/>
+            <a:ext cx="648072" cy="290684"/>
+          </a:xfrm>
+          <a:prstGeom prst="roundRect">
+            <a:avLst>
+              <a:gd name="adj" fmla="val 3400"/>
+            </a:avLst>
+          </a:prstGeom>
+          <a:solidFill>
+            <a:schemeClr val="tx2">
+              <a:lumMod val="40000"/>
+              <a:lumOff val="60000"/>
+            </a:schemeClr>
+          </a:solidFill>
+        </p:spPr>
+        <p:style>
+          <a:lnRef idx="2">
+            <a:schemeClr val="dk1"/>
+          </a:lnRef>
+          <a:fillRef idx="1">
+            <a:schemeClr val="lt1"/>
+          </a:fillRef>
+          <a:effectRef idx="0">
+            <a:schemeClr val="dk1"/>
+          </a:effectRef>
+          <a:fontRef idx="minor">
+            <a:schemeClr val="dk1"/>
+          </a:fontRef>
+        </p:style>
+        <p:txBody>
+          <a:bodyPr rtlCol="0" anchor="t"/>
+          <a:lstStyle/>
+          <a:p>
+            <a:pPr algn="ctr"/>
+            <a:r>
+              <a:rPr lang="en-US" altLang="ko-KR" sz="1400"/>
+              <a:t>qvb4</a:t>
+            </a:r>
+            <a:endParaRPr lang="ko-KR" altLang="en-US" sz="1400" dirty="0"/>
+          </a:p>
+        </p:txBody>
+      </p:sp>
+      <p:sp>
+        <p:nvSpPr>
+          <p:cNvPr id="110" name="모서리가 둥근 직사각형 16">
+            <a:extLst>
+              <a:ext uri="{FF2B5EF4-FFF2-40B4-BE49-F238E27FC236}">
+                <a16:creationId xmlns:a16="http://schemas.microsoft.com/office/drawing/2014/main" id="{17DD48E6-2A40-4F06-9DFE-8E550E37C3EC}"/>
+              </a:ext>
+            </a:extLst>
+          </p:cNvPr>
+          <p:cNvSpPr/>
+          <p:nvPr/>
+        </p:nvSpPr>
+        <p:spPr>
+          <a:xfrm>
+            <a:off x="5895058" y="2940193"/>
+            <a:ext cx="648072" cy="290684"/>
+          </a:xfrm>
+          <a:prstGeom prst="roundRect">
+            <a:avLst>
+              <a:gd name="adj" fmla="val 3400"/>
+            </a:avLst>
+          </a:prstGeom>
+          <a:solidFill>
+            <a:schemeClr val="tx2">
+              <a:lumMod val="40000"/>
+              <a:lumOff val="60000"/>
+            </a:schemeClr>
+          </a:solidFill>
+        </p:spPr>
+        <p:style>
+          <a:lnRef idx="2">
+            <a:schemeClr val="dk1"/>
+          </a:lnRef>
+          <a:fillRef idx="1">
+            <a:schemeClr val="lt1"/>
+          </a:fillRef>
+          <a:effectRef idx="0">
+            <a:schemeClr val="dk1"/>
+          </a:effectRef>
+          <a:fontRef idx="minor">
+            <a:schemeClr val="dk1"/>
+          </a:fontRef>
+        </p:style>
+        <p:txBody>
+          <a:bodyPr rtlCol="0" anchor="t"/>
+          <a:lstStyle/>
+          <a:p>
+            <a:pPr algn="ctr"/>
+            <a:r>
+              <a:rPr lang="en-US" altLang="ko-KR" sz="1400"/>
+              <a:t>qvo4</a:t>
+            </a:r>
+            <a:endParaRPr lang="ko-KR" altLang="en-US" sz="1400" dirty="0"/>
+          </a:p>
+        </p:txBody>
+      </p:sp>
+      <p:cxnSp>
+        <p:nvCxnSpPr>
+          <p:cNvPr id="111" name="직선 연결선 110">
+            <a:extLst>
+              <a:ext uri="{FF2B5EF4-FFF2-40B4-BE49-F238E27FC236}">
+                <a16:creationId xmlns:a16="http://schemas.microsoft.com/office/drawing/2014/main" id="{6E533BD3-A83E-496B-AD3B-4E23D2D32F0A}"/>
+              </a:ext>
+            </a:extLst>
+          </p:cNvPr>
+          <p:cNvCxnSpPr>
+            <a:cxnSpLocks/>
+            <a:stCxn id="67" idx="2"/>
+            <a:endCxn id="107" idx="0"/>
+          </p:cNvCxnSpPr>
+          <p:nvPr/>
+        </p:nvCxnSpPr>
+        <p:spPr>
+          <a:xfrm>
+            <a:off x="4778933" y="2449837"/>
+            <a:ext cx="0" cy="87248"/>
+          </a:xfrm>
+          <a:prstGeom prst="line">
+            <a:avLst/>
+          </a:prstGeom>
+          <a:ln w="28575">
+            <a:solidFill>
+              <a:schemeClr val="tx1"/>
+            </a:solidFill>
+          </a:ln>
+        </p:spPr>
+        <p:style>
+          <a:lnRef idx="1">
+            <a:schemeClr val="accent1"/>
+          </a:lnRef>
+          <a:fillRef idx="0">
+            <a:schemeClr val="accent1"/>
+          </a:fillRef>
+          <a:effectRef idx="0">
+            <a:schemeClr val="accent1"/>
+          </a:effectRef>
+          <a:fontRef idx="minor">
+            <a:schemeClr val="tx1"/>
+          </a:fontRef>
+        </p:style>
+      </p:cxnSp>
+      <p:cxnSp>
+        <p:nvCxnSpPr>
+          <p:cNvPr id="114" name="직선 연결선 113">
+            <a:extLst>
+              <a:ext uri="{FF2B5EF4-FFF2-40B4-BE49-F238E27FC236}">
+                <a16:creationId xmlns:a16="http://schemas.microsoft.com/office/drawing/2014/main" id="{E7309177-6DC9-4961-9503-DE775A03C425}"/>
+              </a:ext>
+            </a:extLst>
+          </p:cNvPr>
+          <p:cNvCxnSpPr>
+            <a:cxnSpLocks/>
+            <a:stCxn id="107" idx="2"/>
+            <a:endCxn id="108" idx="0"/>
+          </p:cNvCxnSpPr>
+          <p:nvPr/>
+        </p:nvCxnSpPr>
+        <p:spPr>
+          <a:xfrm>
+            <a:off x="4778933" y="2827769"/>
+            <a:ext cx="0" cy="112424"/>
+          </a:xfrm>
+          <a:prstGeom prst="line">
+            <a:avLst/>
+          </a:prstGeom>
+          <a:ln w="28575">
+            <a:solidFill>
+              <a:schemeClr val="tx1"/>
+            </a:solidFill>
+          </a:ln>
+        </p:spPr>
+        <p:style>
+          <a:lnRef idx="1">
+            <a:schemeClr val="accent1"/>
+          </a:lnRef>
+          <a:fillRef idx="0">
+            <a:schemeClr val="accent1"/>
+          </a:fillRef>
+          <a:effectRef idx="0">
+            <a:schemeClr val="accent1"/>
+          </a:effectRef>
+          <a:fontRef idx="minor">
+            <a:schemeClr val="tx1"/>
+          </a:fontRef>
+        </p:style>
+      </p:cxnSp>
+      <p:cxnSp>
+        <p:nvCxnSpPr>
+          <p:cNvPr id="117" name="직선 연결선 116">
+            <a:extLst>
+              <a:ext uri="{FF2B5EF4-FFF2-40B4-BE49-F238E27FC236}">
+                <a16:creationId xmlns:a16="http://schemas.microsoft.com/office/drawing/2014/main" id="{A14606F6-E313-4CDD-8D1E-015A832D9FDB}"/>
+              </a:ext>
+            </a:extLst>
+          </p:cNvPr>
+          <p:cNvCxnSpPr>
+            <a:cxnSpLocks/>
+            <a:stCxn id="70" idx="2"/>
+            <a:endCxn id="109" idx="0"/>
+          </p:cNvCxnSpPr>
+          <p:nvPr/>
+        </p:nvCxnSpPr>
+        <p:spPr>
+          <a:xfrm>
+            <a:off x="6219094" y="2446814"/>
+            <a:ext cx="0" cy="90271"/>
+          </a:xfrm>
+          <a:prstGeom prst="line">
+            <a:avLst/>
+          </a:prstGeom>
+          <a:ln w="28575">
+            <a:solidFill>
+              <a:schemeClr val="tx1"/>
+            </a:solidFill>
+          </a:ln>
+        </p:spPr>
+        <p:style>
+          <a:lnRef idx="1">
+            <a:schemeClr val="accent1"/>
+          </a:lnRef>
+          <a:fillRef idx="0">
+            <a:schemeClr val="accent1"/>
+          </a:fillRef>
+          <a:effectRef idx="0">
+            <a:schemeClr val="accent1"/>
+          </a:effectRef>
+          <a:fontRef idx="minor">
+            <a:schemeClr val="tx1"/>
+          </a:fontRef>
+        </p:style>
+      </p:cxnSp>
+      <p:cxnSp>
+        <p:nvCxnSpPr>
+          <p:cNvPr id="120" name="직선 연결선 119">
+            <a:extLst>
+              <a:ext uri="{FF2B5EF4-FFF2-40B4-BE49-F238E27FC236}">
+                <a16:creationId xmlns:a16="http://schemas.microsoft.com/office/drawing/2014/main" id="{4621B5D1-7BEC-4066-84FD-19BFFAED200B}"/>
+              </a:ext>
+            </a:extLst>
+          </p:cNvPr>
+          <p:cNvCxnSpPr>
+            <a:cxnSpLocks/>
+            <a:stCxn id="109" idx="2"/>
+            <a:endCxn id="110" idx="0"/>
+          </p:cNvCxnSpPr>
+          <p:nvPr/>
+        </p:nvCxnSpPr>
+        <p:spPr>
+          <a:xfrm>
+            <a:off x="6219094" y="2827769"/>
+            <a:ext cx="0" cy="112424"/>
+          </a:xfrm>
+          <a:prstGeom prst="line">
+            <a:avLst/>
+          </a:prstGeom>
+          <a:ln w="28575">
+            <a:solidFill>
+              <a:schemeClr val="tx1"/>
+            </a:solidFill>
+          </a:ln>
+        </p:spPr>
+        <p:style>
+          <a:lnRef idx="1">
+            <a:schemeClr val="accent1"/>
+          </a:lnRef>
+          <a:fillRef idx="0">
+            <a:schemeClr val="accent1"/>
+          </a:fillRef>
+          <a:effectRef idx="0">
+            <a:schemeClr val="accent1"/>
+          </a:effectRef>
+          <a:fontRef idx="minor">
+            <a:schemeClr val="tx1"/>
+          </a:fontRef>
+        </p:style>
+      </p:cxnSp>
+      <p:sp>
+        <p:nvSpPr>
+          <p:cNvPr id="124" name="모서리가 둥근 직사각형 15">
+            <a:extLst>
+              <a:ext uri="{FF2B5EF4-FFF2-40B4-BE49-F238E27FC236}">
+                <a16:creationId xmlns:a16="http://schemas.microsoft.com/office/drawing/2014/main" id="{7816E1E7-1D45-465D-AFC3-3045980E9F2E}"/>
+              </a:ext>
+            </a:extLst>
+          </p:cNvPr>
+          <p:cNvSpPr/>
+          <p:nvPr/>
+        </p:nvSpPr>
+        <p:spPr>
+          <a:xfrm>
+            <a:off x="2546685" y="3382514"/>
+            <a:ext cx="3024338" cy="290685"/>
+          </a:xfrm>
+          <a:prstGeom prst="roundRect">
+            <a:avLst>
+              <a:gd name="adj" fmla="val 3400"/>
+            </a:avLst>
+          </a:prstGeom>
+          <a:solidFill>
+            <a:schemeClr val="accent6">
+              <a:lumMod val="40000"/>
+              <a:lumOff val="60000"/>
+            </a:schemeClr>
+          </a:solidFill>
+        </p:spPr>
+        <p:style>
+          <a:lnRef idx="2">
+            <a:schemeClr val="dk1"/>
+          </a:lnRef>
+          <a:fillRef idx="1">
+            <a:schemeClr val="lt1"/>
+          </a:fillRef>
+          <a:effectRef idx="0">
+            <a:schemeClr val="dk1"/>
+          </a:effectRef>
+          <a:fontRef idx="minor">
+            <a:schemeClr val="dk1"/>
+          </a:fontRef>
+        </p:style>
+        <p:txBody>
+          <a:bodyPr rtlCol="0" anchor="ctr"/>
+          <a:lstStyle/>
+          <a:p>
+            <a:pPr algn="ctr"/>
+            <a:r>
+              <a:rPr lang="en-US" altLang="ko-KR" sz="1400"/>
+              <a:t>br-int</a:t>
+            </a:r>
+            <a:endParaRPr lang="ko-KR" altLang="en-US" sz="1400" dirty="0"/>
+          </a:p>
+        </p:txBody>
+      </p:sp>
+      <p:cxnSp>
+        <p:nvCxnSpPr>
+          <p:cNvPr id="126" name="직선 연결선 125">
+            <a:extLst>
+              <a:ext uri="{FF2B5EF4-FFF2-40B4-BE49-F238E27FC236}">
+                <a16:creationId xmlns:a16="http://schemas.microsoft.com/office/drawing/2014/main" id="{1B080853-7961-4C01-9BFF-102C28B768FD}"/>
+              </a:ext>
+            </a:extLst>
+          </p:cNvPr>
+          <p:cNvCxnSpPr>
+            <a:cxnSpLocks/>
+            <a:stCxn id="96" idx="2"/>
+            <a:endCxn id="124" idx="0"/>
+          </p:cNvCxnSpPr>
+          <p:nvPr/>
+        </p:nvCxnSpPr>
+        <p:spPr>
+          <a:xfrm>
+            <a:off x="3338774" y="3230877"/>
+            <a:ext cx="720080" cy="151637"/>
+          </a:xfrm>
+          <a:prstGeom prst="line">
+            <a:avLst/>
+          </a:prstGeom>
+          <a:ln w="28575">
+            <a:solidFill>
+              <a:schemeClr val="tx1"/>
+            </a:solidFill>
+          </a:ln>
+        </p:spPr>
+        <p:style>
+          <a:lnRef idx="1">
+            <a:schemeClr val="accent1"/>
+          </a:lnRef>
+          <a:fillRef idx="0">
+            <a:schemeClr val="accent1"/>
+          </a:fillRef>
+          <a:effectRef idx="0">
+            <a:schemeClr val="accent1"/>
+          </a:effectRef>
+          <a:fontRef idx="minor">
+            <a:schemeClr val="tx1"/>
+          </a:fontRef>
+        </p:style>
+      </p:cxnSp>
+      <p:cxnSp>
+        <p:nvCxnSpPr>
+          <p:cNvPr id="129" name="직선 연결선 128">
+            <a:extLst>
+              <a:ext uri="{FF2B5EF4-FFF2-40B4-BE49-F238E27FC236}">
+                <a16:creationId xmlns:a16="http://schemas.microsoft.com/office/drawing/2014/main" id="{1A367FB8-DC2F-4F0C-8D10-6471B5313331}"/>
+              </a:ext>
+            </a:extLst>
+          </p:cNvPr>
+          <p:cNvCxnSpPr>
+            <a:cxnSpLocks/>
+            <a:stCxn id="80" idx="2"/>
+            <a:endCxn id="124" idx="0"/>
+          </p:cNvCxnSpPr>
+          <p:nvPr/>
+        </p:nvCxnSpPr>
+        <p:spPr>
+          <a:xfrm>
+            <a:off x="1898614" y="3230877"/>
+            <a:ext cx="2160240" cy="151637"/>
+          </a:xfrm>
+          <a:prstGeom prst="line">
+            <a:avLst/>
+          </a:prstGeom>
+          <a:ln w="28575">
+            <a:solidFill>
+              <a:schemeClr val="tx1"/>
+            </a:solidFill>
+          </a:ln>
+        </p:spPr>
+        <p:style>
+          <a:lnRef idx="1">
+            <a:schemeClr val="accent1"/>
+          </a:lnRef>
+          <a:fillRef idx="0">
+            <a:schemeClr val="accent1"/>
+          </a:fillRef>
+          <a:effectRef idx="0">
+            <a:schemeClr val="accent1"/>
+          </a:effectRef>
+          <a:fontRef idx="minor">
+            <a:schemeClr val="tx1"/>
+          </a:fontRef>
+        </p:style>
+      </p:cxnSp>
+      <p:cxnSp>
+        <p:nvCxnSpPr>
+          <p:cNvPr id="132" name="직선 연결선 131">
+            <a:extLst>
+              <a:ext uri="{FF2B5EF4-FFF2-40B4-BE49-F238E27FC236}">
+                <a16:creationId xmlns:a16="http://schemas.microsoft.com/office/drawing/2014/main" id="{DF3BAB6E-0DC8-43C0-9098-A67D2DFC1356}"/>
+              </a:ext>
+            </a:extLst>
+          </p:cNvPr>
+          <p:cNvCxnSpPr>
+            <a:cxnSpLocks/>
+            <a:stCxn id="108" idx="2"/>
+            <a:endCxn id="124" idx="0"/>
+          </p:cNvCxnSpPr>
+          <p:nvPr/>
+        </p:nvCxnSpPr>
+        <p:spPr>
+          <a:xfrm flipH="1">
+            <a:off x="4058854" y="3230877"/>
+            <a:ext cx="720079" cy="151637"/>
+          </a:xfrm>
+          <a:prstGeom prst="line">
+            <a:avLst/>
+          </a:prstGeom>
+          <a:ln w="28575">
+            <a:solidFill>
+              <a:schemeClr val="tx1"/>
+            </a:solidFill>
+          </a:ln>
+        </p:spPr>
+        <p:style>
+          <a:lnRef idx="1">
+            <a:schemeClr val="accent1"/>
+          </a:lnRef>
+          <a:fillRef idx="0">
+            <a:schemeClr val="accent1"/>
+          </a:fillRef>
+          <a:effectRef idx="0">
+            <a:schemeClr val="accent1"/>
+          </a:effectRef>
+          <a:fontRef idx="minor">
+            <a:schemeClr val="tx1"/>
+          </a:fontRef>
+        </p:style>
+      </p:cxnSp>
+      <p:cxnSp>
+        <p:nvCxnSpPr>
+          <p:cNvPr id="135" name="직선 연결선 134">
+            <a:extLst>
+              <a:ext uri="{FF2B5EF4-FFF2-40B4-BE49-F238E27FC236}">
+                <a16:creationId xmlns:a16="http://schemas.microsoft.com/office/drawing/2014/main" id="{B28B5E11-9677-4B0E-8992-235D3FF260A8}"/>
+              </a:ext>
+            </a:extLst>
+          </p:cNvPr>
+          <p:cNvCxnSpPr>
+            <a:cxnSpLocks/>
+            <a:stCxn id="110" idx="2"/>
+            <a:endCxn id="124" idx="0"/>
+          </p:cNvCxnSpPr>
+          <p:nvPr/>
+        </p:nvCxnSpPr>
+        <p:spPr>
+          <a:xfrm flipH="1">
+            <a:off x="4058854" y="3230877"/>
+            <a:ext cx="2160240" cy="151637"/>
+          </a:xfrm>
+          <a:prstGeom prst="line">
+            <a:avLst/>
+          </a:prstGeom>
+          <a:ln w="28575">
+            <a:solidFill>
+              <a:schemeClr val="tx1"/>
+            </a:solidFill>
+          </a:ln>
+        </p:spPr>
+        <p:style>
+          <a:lnRef idx="1">
+            <a:schemeClr val="accent1"/>
+          </a:lnRef>
+          <a:fillRef idx="0">
+            <a:schemeClr val="accent1"/>
+          </a:fillRef>
+          <a:effectRef idx="0">
+            <a:schemeClr val="accent1"/>
+          </a:effectRef>
+          <a:fontRef idx="minor">
+            <a:schemeClr val="tx1"/>
+          </a:fontRef>
+        </p:style>
+      </p:cxnSp>
+      <p:sp>
+        <p:nvSpPr>
+          <p:cNvPr id="141" name="모서리가 둥근 직사각형 21">
+            <a:extLst>
+              <a:ext uri="{FF2B5EF4-FFF2-40B4-BE49-F238E27FC236}">
+                <a16:creationId xmlns:a16="http://schemas.microsoft.com/office/drawing/2014/main" id="{6D2447EC-D431-44D0-A7FB-1D24B526DE40}"/>
+              </a:ext>
+            </a:extLst>
+          </p:cNvPr>
+          <p:cNvSpPr/>
+          <p:nvPr/>
+        </p:nvSpPr>
+        <p:spPr>
+          <a:xfrm>
+            <a:off x="3446786" y="4729338"/>
+            <a:ext cx="1224136" cy="290684"/>
+          </a:xfrm>
+          <a:prstGeom prst="roundRect">
+            <a:avLst>
+              <a:gd name="adj" fmla="val 3400"/>
+            </a:avLst>
+          </a:prstGeom>
+        </p:spPr>
+        <p:style>
+          <a:lnRef idx="2">
+            <a:schemeClr val="dk1"/>
+          </a:lnRef>
+          <a:fillRef idx="1">
+            <a:schemeClr val="lt1"/>
+          </a:fillRef>
+          <a:effectRef idx="0">
+            <a:schemeClr val="dk1"/>
+          </a:effectRef>
+          <a:fontRef idx="minor">
+            <a:schemeClr val="dk1"/>
+          </a:fontRef>
+        </p:style>
+        <p:txBody>
+          <a:bodyPr rtlCol="0" anchor="t"/>
+          <a:lstStyle/>
+          <a:p>
+            <a:pPr algn="ctr"/>
+            <a:r>
+              <a:rPr lang="en-US" altLang="ko-KR" sz="1400"/>
+              <a:t>eth0</a:t>
+            </a:r>
+            <a:endParaRPr lang="ko-KR" altLang="en-US" sz="1400" dirty="0"/>
+          </a:p>
+        </p:txBody>
+      </p:sp>
+      <p:sp>
+        <p:nvSpPr>
+          <p:cNvPr id="150" name="모서리가 둥근 직사각형 15">
+            <a:extLst>
+              <a:ext uri="{FF2B5EF4-FFF2-40B4-BE49-F238E27FC236}">
+                <a16:creationId xmlns:a16="http://schemas.microsoft.com/office/drawing/2014/main" id="{8A2074E0-1525-493E-BAD2-C382B131E172}"/>
+              </a:ext>
+            </a:extLst>
+          </p:cNvPr>
+          <p:cNvSpPr/>
+          <p:nvPr/>
+        </p:nvSpPr>
+        <p:spPr>
+          <a:xfrm>
+            <a:off x="1921865" y="4387972"/>
+            <a:ext cx="1440160" cy="290685"/>
+          </a:xfrm>
+          <a:prstGeom prst="roundRect">
+            <a:avLst>
+              <a:gd name="adj" fmla="val 3400"/>
+            </a:avLst>
+          </a:prstGeom>
+          <a:solidFill>
+            <a:schemeClr val="accent6">
+              <a:lumMod val="40000"/>
+              <a:lumOff val="60000"/>
+            </a:schemeClr>
+          </a:solidFill>
+        </p:spPr>
+        <p:style>
+          <a:lnRef idx="2">
+            <a:schemeClr val="dk1"/>
+          </a:lnRef>
+          <a:fillRef idx="1">
+            <a:schemeClr val="lt1"/>
+          </a:fillRef>
+          <a:effectRef idx="0">
+            <a:schemeClr val="dk1"/>
+          </a:effectRef>
+          <a:fontRef idx="minor">
+            <a:schemeClr val="dk1"/>
+          </a:fontRef>
+        </p:style>
+        <p:txBody>
+          <a:bodyPr rtlCol="0" anchor="ctr"/>
+          <a:lstStyle/>
+          <a:p>
+            <a:pPr algn="ctr"/>
+            <a:r>
+              <a:rPr lang="en-US" altLang="ko-KR" sz="1400"/>
+              <a:t>br-tun</a:t>
+            </a:r>
+            <a:endParaRPr lang="ko-KR" altLang="en-US" sz="1400" dirty="0"/>
+          </a:p>
+        </p:txBody>
+      </p:sp>
+      <p:sp>
+        <p:nvSpPr>
+          <p:cNvPr id="152" name="모서리가 둥근 직사각형 50">
+            <a:extLst>
+              <a:ext uri="{FF2B5EF4-FFF2-40B4-BE49-F238E27FC236}">
+                <a16:creationId xmlns:a16="http://schemas.microsoft.com/office/drawing/2014/main" id="{BC0296CD-C775-4545-8622-E241E1EFBA10}"/>
+              </a:ext>
+            </a:extLst>
+          </p:cNvPr>
+          <p:cNvSpPr/>
+          <p:nvPr/>
+        </p:nvSpPr>
+        <p:spPr>
+          <a:xfrm>
+            <a:off x="2546685" y="3675513"/>
+            <a:ext cx="1440160" cy="290684"/>
+          </a:xfrm>
+          <a:prstGeom prst="roundRect">
+            <a:avLst>
+              <a:gd name="adj" fmla="val 3400"/>
+            </a:avLst>
+          </a:prstGeom>
+          <a:solidFill>
+            <a:schemeClr val="accent3">
+              <a:lumMod val="40000"/>
+              <a:lumOff val="60000"/>
+            </a:schemeClr>
+          </a:solidFill>
+        </p:spPr>
+        <p:style>
+          <a:lnRef idx="2">
+            <a:schemeClr val="dk1"/>
+          </a:lnRef>
+          <a:fillRef idx="1">
+            <a:schemeClr val="lt1"/>
+          </a:fillRef>
+          <a:effectRef idx="0">
+            <a:schemeClr val="dk1"/>
+          </a:effectRef>
+          <a:fontRef idx="minor">
+            <a:schemeClr val="dk1"/>
+          </a:fontRef>
+        </p:style>
+        <p:txBody>
+          <a:bodyPr rtlCol="0" anchor="t"/>
+          <a:lstStyle/>
+          <a:p>
+            <a:pPr algn="ctr"/>
+            <a:r>
+              <a:rPr lang="en-US" altLang="ko-KR" sz="1400"/>
+              <a:t>patch-tun</a:t>
+            </a:r>
+            <a:endParaRPr lang="ko-KR" altLang="en-US" sz="1400" dirty="0"/>
+          </a:p>
+        </p:txBody>
+      </p:sp>
+      <p:sp>
+        <p:nvSpPr>
+          <p:cNvPr id="157" name="모서리가 둥근 직사각형 50">
+            <a:extLst>
+              <a:ext uri="{FF2B5EF4-FFF2-40B4-BE49-F238E27FC236}">
+                <a16:creationId xmlns:a16="http://schemas.microsoft.com/office/drawing/2014/main" id="{A5D4E2DE-7FC6-4FCE-A28B-1289F0CEFDCD}"/>
+              </a:ext>
+            </a:extLst>
+          </p:cNvPr>
+          <p:cNvSpPr/>
+          <p:nvPr/>
+        </p:nvSpPr>
+        <p:spPr>
+          <a:xfrm>
+            <a:off x="4130862" y="3675513"/>
+            <a:ext cx="1440160" cy="290684"/>
+          </a:xfrm>
+          <a:prstGeom prst="roundRect">
+            <a:avLst>
+              <a:gd name="adj" fmla="val 3400"/>
+            </a:avLst>
+          </a:prstGeom>
+          <a:solidFill>
+            <a:schemeClr val="accent3">
+              <a:lumMod val="40000"/>
+              <a:lumOff val="60000"/>
+            </a:schemeClr>
+          </a:solidFill>
+        </p:spPr>
+        <p:style>
+          <a:lnRef idx="2">
+            <a:schemeClr val="dk1"/>
+          </a:lnRef>
+          <a:fillRef idx="1">
+            <a:schemeClr val="lt1"/>
+          </a:fillRef>
+          <a:effectRef idx="0">
+            <a:schemeClr val="dk1"/>
+          </a:effectRef>
+          <a:fontRef idx="minor">
+            <a:schemeClr val="dk1"/>
+          </a:fontRef>
+        </p:style>
+        <p:txBody>
+          <a:bodyPr rtlCol="0" anchor="t"/>
+          <a:lstStyle/>
+          <a:p>
+            <a:pPr algn="ctr"/>
+            <a:r>
+              <a:rPr lang="en-US" altLang="ko-KR" sz="1400"/>
+              <a:t>int-br-vlan</a:t>
+            </a:r>
+            <a:endParaRPr lang="ko-KR" altLang="en-US" sz="1400" dirty="0"/>
+          </a:p>
+        </p:txBody>
+      </p:sp>
+      <p:sp>
+        <p:nvSpPr>
+          <p:cNvPr id="162" name="모서리가 둥근 직사각형 50">
+            <a:extLst>
+              <a:ext uri="{FF2B5EF4-FFF2-40B4-BE49-F238E27FC236}">
+                <a16:creationId xmlns:a16="http://schemas.microsoft.com/office/drawing/2014/main" id="{11F49E43-B671-4104-B93D-C13EEE1728F4}"/>
+              </a:ext>
+            </a:extLst>
+          </p:cNvPr>
+          <p:cNvSpPr/>
+          <p:nvPr/>
+        </p:nvSpPr>
+        <p:spPr>
+          <a:xfrm>
+            <a:off x="1921865" y="4101266"/>
+            <a:ext cx="1440160" cy="290684"/>
+          </a:xfrm>
+          <a:prstGeom prst="roundRect">
+            <a:avLst>
+              <a:gd name="adj" fmla="val 3400"/>
+            </a:avLst>
+          </a:prstGeom>
+          <a:solidFill>
+            <a:schemeClr val="accent3">
+              <a:lumMod val="40000"/>
+              <a:lumOff val="60000"/>
+            </a:schemeClr>
+          </a:solidFill>
+        </p:spPr>
+        <p:style>
+          <a:lnRef idx="2">
+            <a:schemeClr val="dk1"/>
+          </a:lnRef>
+          <a:fillRef idx="1">
+            <a:schemeClr val="lt1"/>
+          </a:fillRef>
+          <a:effectRef idx="0">
+            <a:schemeClr val="dk1"/>
+          </a:effectRef>
+          <a:fontRef idx="minor">
+            <a:schemeClr val="dk1"/>
+          </a:fontRef>
+        </p:style>
+        <p:txBody>
+          <a:bodyPr rtlCol="0" anchor="t"/>
+          <a:lstStyle/>
+          <a:p>
+            <a:pPr algn="ctr"/>
+            <a:r>
+              <a:rPr lang="en-US" altLang="ko-KR" sz="1400"/>
+              <a:t>patch-int</a:t>
+            </a:r>
+            <a:endParaRPr lang="ko-KR" altLang="en-US" sz="1400" dirty="0"/>
+          </a:p>
+        </p:txBody>
+      </p:sp>
+      <p:sp>
+        <p:nvSpPr>
+          <p:cNvPr id="163" name="모서리가 둥근 직사각형 15">
+            <a:extLst>
+              <a:ext uri="{FF2B5EF4-FFF2-40B4-BE49-F238E27FC236}">
+                <a16:creationId xmlns:a16="http://schemas.microsoft.com/office/drawing/2014/main" id="{609733C1-F3A9-4B04-A865-CA01F43DCE12}"/>
+              </a:ext>
+            </a:extLst>
+          </p:cNvPr>
+          <p:cNvSpPr/>
+          <p:nvPr/>
+        </p:nvSpPr>
+        <p:spPr>
+          <a:xfrm>
+            <a:off x="4755683" y="4387972"/>
+            <a:ext cx="1440160" cy="290685"/>
+          </a:xfrm>
+          <a:prstGeom prst="roundRect">
+            <a:avLst>
+              <a:gd name="adj" fmla="val 3400"/>
+            </a:avLst>
+          </a:prstGeom>
+          <a:solidFill>
+            <a:schemeClr val="accent6">
+              <a:lumMod val="40000"/>
+              <a:lumOff val="60000"/>
+            </a:schemeClr>
+          </a:solidFill>
+        </p:spPr>
+        <p:style>
+          <a:lnRef idx="2">
+            <a:schemeClr val="dk1"/>
+          </a:lnRef>
+          <a:fillRef idx="1">
+            <a:schemeClr val="lt1"/>
+          </a:fillRef>
+          <a:effectRef idx="0">
+            <a:schemeClr val="dk1"/>
+          </a:effectRef>
+          <a:fontRef idx="minor">
+            <a:schemeClr val="dk1"/>
+          </a:fontRef>
+        </p:style>
+        <p:txBody>
+          <a:bodyPr rtlCol="0" anchor="ctr"/>
+          <a:lstStyle/>
+          <a:p>
+            <a:pPr algn="ctr"/>
+            <a:r>
+              <a:rPr lang="en-US" altLang="ko-KR" sz="1400"/>
+              <a:t>br-vlan</a:t>
+            </a:r>
+            <a:endParaRPr lang="ko-KR" altLang="en-US" sz="1400" dirty="0"/>
+          </a:p>
+        </p:txBody>
+      </p:sp>
+      <p:sp>
+        <p:nvSpPr>
+          <p:cNvPr id="164" name="모서리가 둥근 직사각형 50">
+            <a:extLst>
+              <a:ext uri="{FF2B5EF4-FFF2-40B4-BE49-F238E27FC236}">
+                <a16:creationId xmlns:a16="http://schemas.microsoft.com/office/drawing/2014/main" id="{A4EF512F-E6F0-40D8-BCE4-50071A5E5D27}"/>
+              </a:ext>
+            </a:extLst>
+          </p:cNvPr>
+          <p:cNvSpPr/>
+          <p:nvPr/>
+        </p:nvSpPr>
+        <p:spPr>
+          <a:xfrm>
+            <a:off x="4755683" y="4101266"/>
+            <a:ext cx="1440160" cy="290684"/>
+          </a:xfrm>
+          <a:prstGeom prst="roundRect">
+            <a:avLst>
+              <a:gd name="adj" fmla="val 3400"/>
+            </a:avLst>
+          </a:prstGeom>
+          <a:solidFill>
+            <a:schemeClr val="accent3">
+              <a:lumMod val="40000"/>
+              <a:lumOff val="60000"/>
+            </a:schemeClr>
+          </a:solidFill>
+        </p:spPr>
+        <p:style>
+          <a:lnRef idx="2">
+            <a:schemeClr val="dk1"/>
+          </a:lnRef>
+          <a:fillRef idx="1">
+            <a:schemeClr val="lt1"/>
+          </a:fillRef>
+          <a:effectRef idx="0">
+            <a:schemeClr val="dk1"/>
+          </a:effectRef>
+          <a:fontRef idx="minor">
+            <a:schemeClr val="dk1"/>
+          </a:fontRef>
+        </p:style>
+        <p:txBody>
+          <a:bodyPr rtlCol="0" anchor="t"/>
+          <a:lstStyle/>
+          <a:p>
+            <a:pPr algn="ctr"/>
+            <a:r>
+              <a:rPr lang="en-US" altLang="ko-KR" sz="1400"/>
+              <a:t>phy-br-vlan</a:t>
+            </a:r>
+            <a:endParaRPr lang="ko-KR" altLang="en-US" sz="1400" dirty="0"/>
+          </a:p>
+        </p:txBody>
+      </p:sp>
+      <p:cxnSp>
+        <p:nvCxnSpPr>
+          <p:cNvPr id="165" name="직선 연결선 164">
+            <a:extLst>
+              <a:ext uri="{FF2B5EF4-FFF2-40B4-BE49-F238E27FC236}">
+                <a16:creationId xmlns:a16="http://schemas.microsoft.com/office/drawing/2014/main" id="{38BDE30C-9AF0-4578-BBDD-F09EE4821619}"/>
+              </a:ext>
+            </a:extLst>
+          </p:cNvPr>
+          <p:cNvCxnSpPr>
+            <a:cxnSpLocks/>
+            <a:stCxn id="162" idx="0"/>
+            <a:endCxn id="152" idx="2"/>
+          </p:cNvCxnSpPr>
+          <p:nvPr/>
+        </p:nvCxnSpPr>
+        <p:spPr>
+          <a:xfrm flipV="1">
+            <a:off x="2641945" y="3966197"/>
+            <a:ext cx="624820" cy="135069"/>
+          </a:xfrm>
+          <a:prstGeom prst="line">
+            <a:avLst/>
+          </a:prstGeom>
+          <a:ln w="28575">
+            <a:solidFill>
+              <a:schemeClr val="tx1"/>
+            </a:solidFill>
+          </a:ln>
+        </p:spPr>
+        <p:style>
+          <a:lnRef idx="1">
+            <a:schemeClr val="accent1"/>
+          </a:lnRef>
+          <a:fillRef idx="0">
+            <a:schemeClr val="accent1"/>
+          </a:fillRef>
+          <a:effectRef idx="0">
+            <a:schemeClr val="accent1"/>
+          </a:effectRef>
+          <a:fontRef idx="minor">
+            <a:schemeClr val="tx1"/>
+          </a:fontRef>
+        </p:style>
+      </p:cxnSp>
+      <p:cxnSp>
+        <p:nvCxnSpPr>
+          <p:cNvPr id="168" name="직선 연결선 167">
+            <a:extLst>
+              <a:ext uri="{FF2B5EF4-FFF2-40B4-BE49-F238E27FC236}">
+                <a16:creationId xmlns:a16="http://schemas.microsoft.com/office/drawing/2014/main" id="{AB8C7313-2DBA-49F7-A734-7852BA92E931}"/>
+              </a:ext>
+            </a:extLst>
+          </p:cNvPr>
+          <p:cNvCxnSpPr>
+            <a:cxnSpLocks/>
+            <a:stCxn id="164" idx="0"/>
+            <a:endCxn id="157" idx="2"/>
+          </p:cNvCxnSpPr>
+          <p:nvPr/>
+        </p:nvCxnSpPr>
+        <p:spPr>
+          <a:xfrm flipH="1" flipV="1">
+            <a:off x="4850942" y="3966197"/>
+            <a:ext cx="624821" cy="135069"/>
+          </a:xfrm>
+          <a:prstGeom prst="line">
+            <a:avLst/>
+          </a:prstGeom>
+          <a:ln w="28575">
+            <a:solidFill>
+              <a:schemeClr val="tx1"/>
+            </a:solidFill>
+          </a:ln>
+        </p:spPr>
+        <p:style>
+          <a:lnRef idx="1">
+            <a:schemeClr val="accent1"/>
+          </a:lnRef>
+          <a:fillRef idx="0">
+            <a:schemeClr val="accent1"/>
+          </a:fillRef>
+          <a:effectRef idx="0">
+            <a:schemeClr val="accent1"/>
+          </a:effectRef>
+          <a:fontRef idx="minor">
+            <a:schemeClr val="tx1"/>
+          </a:fontRef>
+        </p:style>
+      </p:cxnSp>
+      <p:cxnSp>
+        <p:nvCxnSpPr>
+          <p:cNvPr id="171" name="직선 연결선 170">
+            <a:extLst>
+              <a:ext uri="{FF2B5EF4-FFF2-40B4-BE49-F238E27FC236}">
+                <a16:creationId xmlns:a16="http://schemas.microsoft.com/office/drawing/2014/main" id="{7E7D8551-83CE-4F9A-9851-AC855A91B9BF}"/>
+              </a:ext>
+            </a:extLst>
+          </p:cNvPr>
+          <p:cNvCxnSpPr>
+            <a:cxnSpLocks/>
+            <a:stCxn id="150" idx="2"/>
+            <a:endCxn id="141" idx="1"/>
+          </p:cNvCxnSpPr>
+          <p:nvPr/>
+        </p:nvCxnSpPr>
+        <p:spPr>
+          <a:xfrm>
+            <a:off x="2641945" y="4678657"/>
+            <a:ext cx="804841" cy="196023"/>
+          </a:xfrm>
+          <a:prstGeom prst="line">
+            <a:avLst/>
+          </a:prstGeom>
+          <a:ln w="28575">
+            <a:solidFill>
+              <a:schemeClr val="tx1"/>
+            </a:solidFill>
+          </a:ln>
+        </p:spPr>
+        <p:style>
+          <a:lnRef idx="1">
+            <a:schemeClr val="accent1"/>
+          </a:lnRef>
+          <a:fillRef idx="0">
+            <a:schemeClr val="accent1"/>
+          </a:fillRef>
+          <a:effectRef idx="0">
+            <a:schemeClr val="accent1"/>
+          </a:effectRef>
+          <a:fontRef idx="minor">
+            <a:schemeClr val="tx1"/>
+          </a:fontRef>
+        </p:style>
+      </p:cxnSp>
+      <p:cxnSp>
+        <p:nvCxnSpPr>
+          <p:cNvPr id="175" name="직선 연결선 174">
+            <a:extLst>
+              <a:ext uri="{FF2B5EF4-FFF2-40B4-BE49-F238E27FC236}">
+                <a16:creationId xmlns:a16="http://schemas.microsoft.com/office/drawing/2014/main" id="{C951E350-DFFB-4DF0-8027-A6AA8F647F16}"/>
+              </a:ext>
+            </a:extLst>
+          </p:cNvPr>
+          <p:cNvCxnSpPr>
+            <a:cxnSpLocks/>
+            <a:stCxn id="163" idx="2"/>
+            <a:endCxn id="141" idx="3"/>
+          </p:cNvCxnSpPr>
+          <p:nvPr/>
+        </p:nvCxnSpPr>
+        <p:spPr>
+          <a:xfrm flipH="1">
+            <a:off x="4670922" y="4678657"/>
+            <a:ext cx="804841" cy="196023"/>
+          </a:xfrm>
+          <a:prstGeom prst="line">
+            <a:avLst/>
+          </a:prstGeom>
+          <a:ln w="28575">
+            <a:solidFill>
+              <a:schemeClr val="tx1"/>
+            </a:solidFill>
+          </a:ln>
+        </p:spPr>
+        <p:style>
+          <a:lnRef idx="1">
+            <a:schemeClr val="accent1"/>
+          </a:lnRef>
+          <a:fillRef idx="0">
+            <a:schemeClr val="accent1"/>
+          </a:fillRef>
+          <a:effectRef idx="0">
+            <a:schemeClr val="accent1"/>
+          </a:effectRef>
+          <a:fontRef idx="minor">
+            <a:schemeClr val="tx1"/>
+          </a:fontRef>
+        </p:style>
+      </p:cxnSp>
+    </p:spTree>
+    <p:extLst>
+      <p:ext uri="{BB962C8B-B14F-4D97-AF65-F5344CB8AC3E}">
+        <p14:creationId xmlns:p14="http://schemas.microsoft.com/office/powerpoint/2010/main" val="4284460944"/>
+      </p:ext>
+    </p:extLst>
+  </p:cSld>
+  <p:clrMapOvr>
+    <a:masterClrMapping/>
+  </p:clrMapOvr>
+</p:sld>
+</file>
+
+<file path=ppt/slides/slide6.xml><?xml version="1.0" encoding="utf-8"?>
+<p:sld xmlns:a="http://schemas.openxmlformats.org/drawingml/2006/main" xmlns:r="http://schemas.openxmlformats.org/officeDocument/2006/relationships" xmlns:p="http://schemas.openxmlformats.org/presentationml/2006/main">
+  <p:cSld>
+    <p:spTree>
+      <p:nvGrpSpPr>
+        <p:cNvPr id="1" name=""/>
+        <p:cNvGrpSpPr/>
+        <p:nvPr/>
+      </p:nvGrpSpPr>
+      <p:grpSpPr>
+        <a:xfrm>
+          <a:off x="0" y="0"/>
+          <a:ext cx="0" cy="0"/>
+          <a:chOff x="0" y="0"/>
+          <a:chExt cx="0" cy="0"/>
+        </a:xfrm>
+      </p:grpSpPr>
+      <p:sp>
+        <p:nvSpPr>
+          <p:cNvPr id="2" name="제목 1"/>
+          <p:cNvSpPr>
+            <a:spLocks noGrp="1"/>
+          </p:cNvSpPr>
+          <p:nvPr>
+            <p:ph type="title"/>
+          </p:nvPr>
+        </p:nvSpPr>
+        <p:spPr>
+          <a:xfrm>
+            <a:off x="457200" y="-20538"/>
+            <a:ext cx="8229600" cy="720080"/>
+          </a:xfrm>
+        </p:spPr>
+        <p:txBody>
+          <a:bodyPr>
+            <a:normAutofit/>
+          </a:bodyPr>
+          <a:lstStyle/>
+          <a:p>
+            <a:r>
+              <a:rPr lang="en-US" altLang="ko-KR" sz="3600" dirty="0"/>
+              <a:t>Network Node</a:t>
+            </a:r>
+            <a:r>
+              <a:rPr lang="en-US" altLang="ko-KR" sz="3600"/>
+              <a:t>, With OVS</a:t>
+            </a:r>
+            <a:endParaRPr lang="ko-KR" altLang="en-US" sz="3600" dirty="0"/>
+          </a:p>
+        </p:txBody>
+      </p:sp>
+      <p:sp>
+        <p:nvSpPr>
+          <p:cNvPr id="3" name="모서리가 둥근 직사각형 3">
+            <a:extLst>
+              <a:ext uri="{FF2B5EF4-FFF2-40B4-BE49-F238E27FC236}">
+                <a16:creationId xmlns:a16="http://schemas.microsoft.com/office/drawing/2014/main" id="{A23BAC36-3C4C-46DB-8DCA-81EACBEFE739}"/>
+              </a:ext>
+            </a:extLst>
+          </p:cNvPr>
+          <p:cNvSpPr/>
+          <p:nvPr/>
+        </p:nvSpPr>
+        <p:spPr>
+          <a:xfrm>
+            <a:off x="251520" y="665513"/>
+            <a:ext cx="7272808" cy="4299942"/>
+          </a:xfrm>
+          <a:prstGeom prst="roundRect">
+            <a:avLst>
+              <a:gd name="adj" fmla="val 3400"/>
+            </a:avLst>
+          </a:prstGeom>
+        </p:spPr>
+        <p:style>
+          <a:lnRef idx="2">
+            <a:schemeClr val="dk1"/>
+          </a:lnRef>
+          <a:fillRef idx="1">
+            <a:schemeClr val="lt1"/>
+          </a:fillRef>
+          <a:effectRef idx="0">
+            <a:schemeClr val="dk1"/>
+          </a:effectRef>
+          <a:fontRef idx="minor">
+            <a:schemeClr val="dk1"/>
+          </a:fontRef>
+        </p:style>
+        <p:txBody>
+          <a:bodyPr rtlCol="0" anchor="t"/>
+          <a:lstStyle/>
+          <a:p>
+            <a:pPr algn="ctr"/>
+            <a:r>
+              <a:rPr lang="en-US" altLang="ko-KR" sz="1400" b="1"/>
+              <a:t>Network </a:t>
+            </a:r>
+            <a:r>
+              <a:rPr lang="en-US" altLang="ko-KR" sz="1400" b="1" dirty="0"/>
+              <a:t>Node</a:t>
+            </a:r>
+            <a:endParaRPr lang="ko-KR" altLang="en-US" sz="1400" b="1" dirty="0"/>
+          </a:p>
+        </p:txBody>
+      </p:sp>
+      <p:sp>
+        <p:nvSpPr>
+          <p:cNvPr id="18" name="모서리가 둥근 직사각형 21">
+            <a:extLst>
+              <a:ext uri="{FF2B5EF4-FFF2-40B4-BE49-F238E27FC236}">
+                <a16:creationId xmlns:a16="http://schemas.microsoft.com/office/drawing/2014/main" id="{AA4E49A8-55AA-456A-99BD-7E4094016B21}"/>
+              </a:ext>
+            </a:extLst>
+          </p:cNvPr>
+          <p:cNvSpPr/>
+          <p:nvPr/>
+        </p:nvSpPr>
+        <p:spPr>
+          <a:xfrm>
+            <a:off x="4189100" y="4672052"/>
+            <a:ext cx="1224136" cy="290684"/>
+          </a:xfrm>
+          <a:prstGeom prst="roundRect">
+            <a:avLst>
+              <a:gd name="adj" fmla="val 3400"/>
+            </a:avLst>
+          </a:prstGeom>
+        </p:spPr>
+        <p:style>
+          <a:lnRef idx="2">
+            <a:schemeClr val="dk1"/>
+          </a:lnRef>
+          <a:fillRef idx="1">
+            <a:schemeClr val="lt1"/>
+          </a:fillRef>
+          <a:effectRef idx="0">
+            <a:schemeClr val="dk1"/>
+          </a:effectRef>
+          <a:fontRef idx="minor">
+            <a:schemeClr val="dk1"/>
+          </a:fontRef>
+        </p:style>
+        <p:txBody>
+          <a:bodyPr rtlCol="0" anchor="t"/>
+          <a:lstStyle/>
+          <a:p>
+            <a:pPr algn="ctr"/>
+            <a:r>
+              <a:rPr lang="en-US" altLang="ko-KR" sz="1400"/>
+              <a:t>eth1</a:t>
+            </a:r>
+            <a:endParaRPr lang="ko-KR" altLang="en-US" sz="1400" dirty="0"/>
+          </a:p>
+        </p:txBody>
+      </p:sp>
+      <p:sp>
+        <p:nvSpPr>
+          <p:cNvPr id="34" name="모서리가 둥근 직사각형 16">
+            <a:extLst>
+              <a:ext uri="{FF2B5EF4-FFF2-40B4-BE49-F238E27FC236}">
+                <a16:creationId xmlns:a16="http://schemas.microsoft.com/office/drawing/2014/main" id="{F8F5C29F-DF97-4B14-A16C-3345E0B2C0D8}"/>
+              </a:ext>
+            </a:extLst>
+          </p:cNvPr>
+          <p:cNvSpPr/>
+          <p:nvPr/>
+        </p:nvSpPr>
+        <p:spPr>
+          <a:xfrm>
+            <a:off x="683568" y="2730507"/>
+            <a:ext cx="648072" cy="290684"/>
+          </a:xfrm>
+          <a:prstGeom prst="roundRect">
+            <a:avLst>
+              <a:gd name="adj" fmla="val 3400"/>
+            </a:avLst>
+          </a:prstGeom>
+          <a:solidFill>
+            <a:schemeClr val="tx2">
+              <a:lumMod val="40000"/>
+              <a:lumOff val="60000"/>
+            </a:schemeClr>
+          </a:solidFill>
+        </p:spPr>
+        <p:style>
+          <a:lnRef idx="2">
+            <a:schemeClr val="dk1"/>
+          </a:lnRef>
+          <a:fillRef idx="1">
+            <a:schemeClr val="lt1"/>
+          </a:fillRef>
+          <a:effectRef idx="0">
+            <a:schemeClr val="dk1"/>
+          </a:effectRef>
+          <a:fontRef idx="minor">
+            <a:schemeClr val="dk1"/>
+          </a:fontRef>
+        </p:style>
+        <p:txBody>
+          <a:bodyPr rtlCol="0" anchor="t"/>
+          <a:lstStyle/>
+          <a:p>
+            <a:pPr algn="ctr"/>
+            <a:r>
+              <a:rPr lang="en-US" altLang="ko-KR" sz="1400"/>
+              <a:t>tap1</a:t>
+            </a:r>
+            <a:endParaRPr lang="ko-KR" altLang="en-US" sz="1400" dirty="0"/>
+          </a:p>
+        </p:txBody>
+      </p:sp>
+      <p:sp>
+        <p:nvSpPr>
+          <p:cNvPr id="41" name="모서리가 둥근 직사각형 16">
+            <a:extLst>
+              <a:ext uri="{FF2B5EF4-FFF2-40B4-BE49-F238E27FC236}">
+                <a16:creationId xmlns:a16="http://schemas.microsoft.com/office/drawing/2014/main" id="{399FE24C-C5B4-4E31-BEF5-5A04AEEBDF36}"/>
+              </a:ext>
+            </a:extLst>
+          </p:cNvPr>
+          <p:cNvSpPr/>
+          <p:nvPr/>
+        </p:nvSpPr>
+        <p:spPr>
+          <a:xfrm>
+            <a:off x="2771801" y="2736506"/>
+            <a:ext cx="648072" cy="290684"/>
+          </a:xfrm>
+          <a:prstGeom prst="roundRect">
+            <a:avLst>
+              <a:gd name="adj" fmla="val 3400"/>
+            </a:avLst>
+          </a:prstGeom>
+          <a:solidFill>
+            <a:schemeClr val="tx2">
+              <a:lumMod val="40000"/>
+              <a:lumOff val="60000"/>
+            </a:schemeClr>
+          </a:solidFill>
+        </p:spPr>
+        <p:style>
+          <a:lnRef idx="2">
+            <a:schemeClr val="dk1"/>
+          </a:lnRef>
+          <a:fillRef idx="1">
+            <a:schemeClr val="lt1"/>
+          </a:fillRef>
+          <a:effectRef idx="0">
+            <a:schemeClr val="dk1"/>
+          </a:effectRef>
+          <a:fontRef idx="minor">
+            <a:schemeClr val="dk1"/>
+          </a:fontRef>
+        </p:style>
+        <p:txBody>
+          <a:bodyPr rtlCol="0" anchor="t"/>
+          <a:lstStyle/>
+          <a:p>
+            <a:pPr algn="ctr"/>
+            <a:r>
+              <a:rPr lang="en-US" altLang="ko-KR" sz="1400"/>
+              <a:t>tap2</a:t>
+            </a:r>
+            <a:endParaRPr lang="ko-KR" altLang="en-US" sz="1400" dirty="0"/>
+          </a:p>
+        </p:txBody>
+      </p:sp>
+      <p:sp>
+        <p:nvSpPr>
+          <p:cNvPr id="45" name="모서리가 둥근 직사각형 16">
+            <a:extLst>
+              <a:ext uri="{FF2B5EF4-FFF2-40B4-BE49-F238E27FC236}">
+                <a16:creationId xmlns:a16="http://schemas.microsoft.com/office/drawing/2014/main" id="{4E681E6C-6ABF-460F-8C26-8FD90695A486}"/>
+              </a:ext>
+            </a:extLst>
+          </p:cNvPr>
+          <p:cNvSpPr/>
+          <p:nvPr/>
+        </p:nvSpPr>
+        <p:spPr>
+          <a:xfrm>
+            <a:off x="3995936" y="2736506"/>
+            <a:ext cx="648072" cy="290684"/>
+          </a:xfrm>
+          <a:prstGeom prst="roundRect">
+            <a:avLst>
+              <a:gd name="adj" fmla="val 3400"/>
+            </a:avLst>
+          </a:prstGeom>
+          <a:solidFill>
+            <a:schemeClr val="tx2">
+              <a:lumMod val="40000"/>
+              <a:lumOff val="60000"/>
+            </a:schemeClr>
+          </a:solidFill>
+        </p:spPr>
+        <p:style>
+          <a:lnRef idx="2">
+            <a:schemeClr val="dk1"/>
+          </a:lnRef>
+          <a:fillRef idx="1">
+            <a:schemeClr val="lt1"/>
+          </a:fillRef>
+          <a:effectRef idx="0">
+            <a:schemeClr val="dk1"/>
+          </a:effectRef>
+          <a:fontRef idx="minor">
+            <a:schemeClr val="dk1"/>
+          </a:fontRef>
+        </p:style>
+        <p:txBody>
+          <a:bodyPr rtlCol="0" anchor="t"/>
+          <a:lstStyle/>
+          <a:p>
+            <a:pPr algn="ctr"/>
+            <a:r>
+              <a:rPr lang="en-US" altLang="ko-KR" sz="1400"/>
+              <a:t>tap3</a:t>
+            </a:r>
+            <a:endParaRPr lang="ko-KR" altLang="en-US" sz="1400" dirty="0"/>
+          </a:p>
+        </p:txBody>
+      </p:sp>
+      <p:sp>
+        <p:nvSpPr>
+          <p:cNvPr id="52" name="모서리가 둥근 직사각형 16">
+            <a:extLst>
+              <a:ext uri="{FF2B5EF4-FFF2-40B4-BE49-F238E27FC236}">
+                <a16:creationId xmlns:a16="http://schemas.microsoft.com/office/drawing/2014/main" id="{746BE3C4-6E04-46A1-B534-4ABB1EE85EDC}"/>
+              </a:ext>
+            </a:extLst>
+          </p:cNvPr>
+          <p:cNvSpPr/>
+          <p:nvPr/>
+        </p:nvSpPr>
+        <p:spPr>
+          <a:xfrm>
+            <a:off x="5044927" y="2731067"/>
+            <a:ext cx="648072" cy="290684"/>
+          </a:xfrm>
+          <a:prstGeom prst="roundRect">
+            <a:avLst>
+              <a:gd name="adj" fmla="val 3400"/>
+            </a:avLst>
+          </a:prstGeom>
+          <a:solidFill>
+            <a:schemeClr val="tx2">
+              <a:lumMod val="40000"/>
+              <a:lumOff val="60000"/>
+            </a:schemeClr>
+          </a:solidFill>
+        </p:spPr>
+        <p:style>
+          <a:lnRef idx="2">
+            <a:schemeClr val="dk1"/>
+          </a:lnRef>
+          <a:fillRef idx="1">
+            <a:schemeClr val="lt1"/>
+          </a:fillRef>
+          <a:effectRef idx="0">
+            <a:schemeClr val="dk1"/>
+          </a:effectRef>
+          <a:fontRef idx="minor">
+            <a:schemeClr val="dk1"/>
+          </a:fontRef>
+        </p:style>
+        <p:txBody>
+          <a:bodyPr rtlCol="0" anchor="t"/>
+          <a:lstStyle/>
+          <a:p>
+            <a:pPr algn="ctr"/>
+            <a:r>
+              <a:rPr lang="en-US" altLang="ko-KR" sz="1400"/>
+              <a:t>tap4</a:t>
+            </a:r>
+            <a:endParaRPr lang="ko-KR" altLang="en-US" sz="1400" dirty="0"/>
+          </a:p>
+        </p:txBody>
+      </p:sp>
+      <p:sp>
+        <p:nvSpPr>
+          <p:cNvPr id="53" name="모서리가 둥근 직사각형 16">
+            <a:extLst>
+              <a:ext uri="{FF2B5EF4-FFF2-40B4-BE49-F238E27FC236}">
+                <a16:creationId xmlns:a16="http://schemas.microsoft.com/office/drawing/2014/main" id="{F38844AD-825E-4431-B9B3-15582F628EC9}"/>
+              </a:ext>
+            </a:extLst>
+          </p:cNvPr>
+          <p:cNvSpPr/>
+          <p:nvPr/>
+        </p:nvSpPr>
+        <p:spPr>
+          <a:xfrm>
+            <a:off x="6269062" y="2736506"/>
+            <a:ext cx="648072" cy="290684"/>
+          </a:xfrm>
+          <a:prstGeom prst="roundRect">
+            <a:avLst>
+              <a:gd name="adj" fmla="val 3400"/>
+            </a:avLst>
+          </a:prstGeom>
+          <a:solidFill>
+            <a:schemeClr val="tx2">
+              <a:lumMod val="40000"/>
+              <a:lumOff val="60000"/>
+            </a:schemeClr>
+          </a:solidFill>
+        </p:spPr>
+        <p:style>
+          <a:lnRef idx="2">
+            <a:schemeClr val="dk1"/>
+          </a:lnRef>
+          <a:fillRef idx="1">
+            <a:schemeClr val="lt1"/>
+          </a:fillRef>
+          <a:effectRef idx="0">
+            <a:schemeClr val="dk1"/>
+          </a:effectRef>
+          <a:fontRef idx="minor">
+            <a:schemeClr val="dk1"/>
+          </a:fontRef>
+        </p:style>
+        <p:txBody>
+          <a:bodyPr rtlCol="0" anchor="t"/>
+          <a:lstStyle/>
+          <a:p>
+            <a:pPr algn="ctr"/>
+            <a:r>
+              <a:rPr lang="en-US" altLang="ko-KR" sz="1400"/>
+              <a:t>tap5</a:t>
+            </a:r>
+            <a:endParaRPr lang="ko-KR" altLang="en-US" sz="1400" dirty="0"/>
+          </a:p>
+        </p:txBody>
+      </p:sp>
+      <p:sp>
+        <p:nvSpPr>
+          <p:cNvPr id="54" name="사각형: 둥근 모서리 53">
+            <a:extLst>
+              <a:ext uri="{FF2B5EF4-FFF2-40B4-BE49-F238E27FC236}">
+                <a16:creationId xmlns:a16="http://schemas.microsoft.com/office/drawing/2014/main" id="{E4DAA928-114C-45A3-BCCD-E81A32A2E182}"/>
+              </a:ext>
+            </a:extLst>
+          </p:cNvPr>
+          <p:cNvSpPr/>
+          <p:nvPr/>
+        </p:nvSpPr>
+        <p:spPr>
+          <a:xfrm>
+            <a:off x="395536" y="843559"/>
+            <a:ext cx="2160240" cy="1800200"/>
+          </a:xfrm>
+          <a:prstGeom prst="roundRect">
+            <a:avLst>
+              <a:gd name="adj" fmla="val 7073"/>
+            </a:avLst>
+          </a:prstGeom>
+          <a:ln>
+            <a:prstDash val="dash"/>
+          </a:ln>
+        </p:spPr>
+        <p:style>
+          <a:lnRef idx="2">
+            <a:schemeClr val="dk1"/>
+          </a:lnRef>
+          <a:fillRef idx="1">
+            <a:schemeClr val="lt1"/>
+          </a:fillRef>
+          <a:effectRef idx="0">
+            <a:schemeClr val="dk1"/>
+          </a:effectRef>
+          <a:fontRef idx="minor">
+            <a:schemeClr val="dk1"/>
+          </a:fontRef>
+        </p:style>
+        <p:txBody>
+          <a:bodyPr rtlCol="0" anchor="t"/>
+          <a:lstStyle/>
+          <a:p>
+            <a:pPr algn="ctr"/>
+            <a:r>
+              <a:rPr lang="en-US" altLang="ko-KR" sz="1400"/>
+              <a:t>Router A </a:t>
+            </a:r>
+          </a:p>
+          <a:p>
+            <a:pPr algn="ctr"/>
+            <a:r>
+              <a:rPr lang="en-US" altLang="ko-KR" sz="1400"/>
+              <a:t>Net Namespace</a:t>
+            </a:r>
+            <a:endParaRPr lang="ko-KR" altLang="en-US" sz="1400"/>
+          </a:p>
+        </p:txBody>
+      </p:sp>
+      <p:cxnSp>
+        <p:nvCxnSpPr>
+          <p:cNvPr id="55" name="직선 연결선 54">
+            <a:extLst>
+              <a:ext uri="{FF2B5EF4-FFF2-40B4-BE49-F238E27FC236}">
+                <a16:creationId xmlns:a16="http://schemas.microsoft.com/office/drawing/2014/main" id="{6E3CB981-1347-4F93-842E-234E9A18F4F5}"/>
+              </a:ext>
+            </a:extLst>
+          </p:cNvPr>
+          <p:cNvCxnSpPr>
+            <a:cxnSpLocks/>
+            <a:stCxn id="34" idx="2"/>
+            <a:endCxn id="56" idx="0"/>
+          </p:cNvCxnSpPr>
+          <p:nvPr/>
+        </p:nvCxnSpPr>
+        <p:spPr>
+          <a:xfrm>
+            <a:off x="1007604" y="3021191"/>
+            <a:ext cx="2802999" cy="177170"/>
+          </a:xfrm>
+          <a:prstGeom prst="line">
+            <a:avLst/>
+          </a:prstGeom>
+          <a:ln w="28575">
+            <a:solidFill>
+              <a:schemeClr val="tx1"/>
+            </a:solidFill>
+          </a:ln>
+        </p:spPr>
+        <p:style>
+          <a:lnRef idx="1">
+            <a:schemeClr val="accent1"/>
+          </a:lnRef>
+          <a:fillRef idx="0">
+            <a:schemeClr val="accent1"/>
+          </a:fillRef>
+          <a:effectRef idx="0">
+            <a:schemeClr val="accent1"/>
+          </a:effectRef>
+          <a:fontRef idx="minor">
+            <a:schemeClr val="tx1"/>
+          </a:fontRef>
+        </p:style>
+      </p:cxnSp>
+      <p:cxnSp>
+        <p:nvCxnSpPr>
+          <p:cNvPr id="58" name="직선 연결선 57">
+            <a:extLst>
+              <a:ext uri="{FF2B5EF4-FFF2-40B4-BE49-F238E27FC236}">
+                <a16:creationId xmlns:a16="http://schemas.microsoft.com/office/drawing/2014/main" id="{CBBEB152-7CF5-48D3-87CB-48A402098C3A}"/>
+              </a:ext>
+            </a:extLst>
+          </p:cNvPr>
+          <p:cNvCxnSpPr>
+            <a:cxnSpLocks/>
+            <a:stCxn id="62" idx="2"/>
+            <a:endCxn id="34" idx="0"/>
+          </p:cNvCxnSpPr>
+          <p:nvPr/>
+        </p:nvCxnSpPr>
+        <p:spPr>
+          <a:xfrm>
+            <a:off x="1007604" y="2542553"/>
+            <a:ext cx="0" cy="187954"/>
+          </a:xfrm>
+          <a:prstGeom prst="line">
+            <a:avLst/>
+          </a:prstGeom>
+          <a:ln w="28575">
+            <a:solidFill>
+              <a:schemeClr val="tx1"/>
+            </a:solidFill>
+          </a:ln>
+        </p:spPr>
+        <p:style>
+          <a:lnRef idx="1">
+            <a:schemeClr val="accent1"/>
+          </a:lnRef>
+          <a:fillRef idx="0">
+            <a:schemeClr val="accent1"/>
+          </a:fillRef>
+          <a:effectRef idx="0">
+            <a:schemeClr val="accent1"/>
+          </a:effectRef>
+          <a:fontRef idx="minor">
+            <a:schemeClr val="tx1"/>
+          </a:fontRef>
+        </p:style>
+      </p:cxnSp>
+      <p:sp>
+        <p:nvSpPr>
+          <p:cNvPr id="62" name="모서리가 둥근 직사각형 16">
+            <a:extLst>
+              <a:ext uri="{FF2B5EF4-FFF2-40B4-BE49-F238E27FC236}">
+                <a16:creationId xmlns:a16="http://schemas.microsoft.com/office/drawing/2014/main" id="{61B43E21-8FA6-4C29-9C25-C9EEE872B90F}"/>
+              </a:ext>
+            </a:extLst>
+          </p:cNvPr>
+          <p:cNvSpPr/>
+          <p:nvPr/>
+        </p:nvSpPr>
+        <p:spPr>
+          <a:xfrm>
+            <a:off x="683568" y="2251869"/>
+            <a:ext cx="648072" cy="290684"/>
+          </a:xfrm>
+          <a:prstGeom prst="roundRect">
+            <a:avLst>
+              <a:gd name="adj" fmla="val 3400"/>
+            </a:avLst>
+          </a:prstGeom>
+          <a:solidFill>
+            <a:schemeClr val="tx2">
+              <a:lumMod val="40000"/>
+              <a:lumOff val="60000"/>
+            </a:schemeClr>
+          </a:solidFill>
+        </p:spPr>
+        <p:style>
+          <a:lnRef idx="2">
+            <a:schemeClr val="dk1"/>
+          </a:lnRef>
+          <a:fillRef idx="1">
+            <a:schemeClr val="lt1"/>
+          </a:fillRef>
+          <a:effectRef idx="0">
+            <a:schemeClr val="dk1"/>
+          </a:effectRef>
+          <a:fontRef idx="minor">
+            <a:schemeClr val="dk1"/>
+          </a:fontRef>
+        </p:style>
+        <p:txBody>
+          <a:bodyPr rtlCol="0" anchor="t"/>
+          <a:lstStyle/>
+          <a:p>
+            <a:pPr algn="ctr"/>
+            <a:r>
+              <a:rPr lang="en-US" altLang="ko-KR" sz="1400"/>
+              <a:t>qg1</a:t>
+            </a:r>
+            <a:endParaRPr lang="ko-KR" altLang="en-US" sz="1400" dirty="0"/>
+          </a:p>
+        </p:txBody>
+      </p:sp>
+      <p:sp>
+        <p:nvSpPr>
+          <p:cNvPr id="67" name="모서리가 둥근 직사각형 16">
+            <a:extLst>
+              <a:ext uri="{FF2B5EF4-FFF2-40B4-BE49-F238E27FC236}">
+                <a16:creationId xmlns:a16="http://schemas.microsoft.com/office/drawing/2014/main" id="{3346BD14-6B8A-4C83-9830-3296C7D793D5}"/>
+              </a:ext>
+            </a:extLst>
+          </p:cNvPr>
+          <p:cNvSpPr/>
+          <p:nvPr/>
+        </p:nvSpPr>
+        <p:spPr>
+          <a:xfrm>
+            <a:off x="1763688" y="1491630"/>
+            <a:ext cx="648072" cy="290684"/>
+          </a:xfrm>
+          <a:prstGeom prst="roundRect">
+            <a:avLst>
+              <a:gd name="adj" fmla="val 3400"/>
+            </a:avLst>
+          </a:prstGeom>
+          <a:solidFill>
+            <a:schemeClr val="tx2">
+              <a:lumMod val="40000"/>
+              <a:lumOff val="60000"/>
+            </a:schemeClr>
+          </a:solidFill>
+        </p:spPr>
+        <p:style>
+          <a:lnRef idx="2">
+            <a:schemeClr val="dk1"/>
+          </a:lnRef>
+          <a:fillRef idx="1">
+            <a:schemeClr val="lt1"/>
+          </a:fillRef>
+          <a:effectRef idx="0">
+            <a:schemeClr val="dk1"/>
+          </a:effectRef>
+          <a:fontRef idx="minor">
+            <a:schemeClr val="dk1"/>
+          </a:fontRef>
+        </p:style>
+        <p:txBody>
+          <a:bodyPr rtlCol="0" anchor="t"/>
+          <a:lstStyle/>
+          <a:p>
+            <a:pPr algn="ctr"/>
+            <a:r>
+              <a:rPr lang="en-US" altLang="ko-KR" sz="1400"/>
+              <a:t>qr1</a:t>
+            </a:r>
+            <a:endParaRPr lang="ko-KR" altLang="en-US" sz="1400" dirty="0"/>
+          </a:p>
+        </p:txBody>
+      </p:sp>
+      <p:sp>
+        <p:nvSpPr>
+          <p:cNvPr id="68" name="모서리가 둥근 직사각형 16">
+            <a:extLst>
+              <a:ext uri="{FF2B5EF4-FFF2-40B4-BE49-F238E27FC236}">
+                <a16:creationId xmlns:a16="http://schemas.microsoft.com/office/drawing/2014/main" id="{789B316C-E0A3-450F-B333-870AAA5BF766}"/>
+              </a:ext>
+            </a:extLst>
+          </p:cNvPr>
+          <p:cNvSpPr/>
+          <p:nvPr/>
+        </p:nvSpPr>
+        <p:spPr>
+          <a:xfrm>
+            <a:off x="1763688" y="2254513"/>
+            <a:ext cx="648072" cy="290684"/>
+          </a:xfrm>
+          <a:prstGeom prst="roundRect">
+            <a:avLst>
+              <a:gd name="adj" fmla="val 3400"/>
+            </a:avLst>
+          </a:prstGeom>
+          <a:solidFill>
+            <a:schemeClr val="tx2">
+              <a:lumMod val="40000"/>
+              <a:lumOff val="60000"/>
+            </a:schemeClr>
+          </a:solidFill>
+        </p:spPr>
+        <p:style>
+          <a:lnRef idx="2">
+            <a:schemeClr val="dk1"/>
+          </a:lnRef>
+          <a:fillRef idx="1">
+            <a:schemeClr val="lt1"/>
+          </a:fillRef>
+          <a:effectRef idx="0">
+            <a:schemeClr val="dk1"/>
+          </a:effectRef>
+          <a:fontRef idx="minor">
+            <a:schemeClr val="dk1"/>
+          </a:fontRef>
+        </p:style>
+        <p:txBody>
+          <a:bodyPr rtlCol="0" anchor="t"/>
+          <a:lstStyle/>
+          <a:p>
+            <a:pPr algn="ctr"/>
+            <a:r>
+              <a:rPr lang="en-US" altLang="ko-KR" sz="1400"/>
+              <a:t>qr2</a:t>
+            </a:r>
+            <a:endParaRPr lang="ko-KR" altLang="en-US" sz="1400" dirty="0"/>
+          </a:p>
+        </p:txBody>
+      </p:sp>
+      <p:cxnSp>
+        <p:nvCxnSpPr>
+          <p:cNvPr id="69" name="직선 연결선 68">
+            <a:extLst>
+              <a:ext uri="{FF2B5EF4-FFF2-40B4-BE49-F238E27FC236}">
+                <a16:creationId xmlns:a16="http://schemas.microsoft.com/office/drawing/2014/main" id="{1E845AB7-C1BA-49BF-9190-4FE4CA1116E1}"/>
+              </a:ext>
+            </a:extLst>
+          </p:cNvPr>
+          <p:cNvCxnSpPr>
+            <a:cxnSpLocks/>
+            <a:stCxn id="68" idx="3"/>
+            <a:endCxn id="41" idx="0"/>
+          </p:cNvCxnSpPr>
+          <p:nvPr/>
+        </p:nvCxnSpPr>
+        <p:spPr>
+          <a:xfrm>
+            <a:off x="2411760" y="2399855"/>
+            <a:ext cx="684077" cy="336651"/>
+          </a:xfrm>
+          <a:prstGeom prst="line">
+            <a:avLst/>
+          </a:prstGeom>
+          <a:ln w="28575">
+            <a:solidFill>
+              <a:schemeClr val="tx1"/>
+            </a:solidFill>
+          </a:ln>
+        </p:spPr>
+        <p:style>
+          <a:lnRef idx="1">
+            <a:schemeClr val="accent1"/>
+          </a:lnRef>
+          <a:fillRef idx="0">
+            <a:schemeClr val="accent1"/>
+          </a:fillRef>
+          <a:effectRef idx="0">
+            <a:schemeClr val="accent1"/>
+          </a:effectRef>
+          <a:fontRef idx="minor">
+            <a:schemeClr val="tx1"/>
+          </a:fontRef>
+        </p:style>
+      </p:cxnSp>
+      <p:cxnSp>
+        <p:nvCxnSpPr>
+          <p:cNvPr id="72" name="직선 연결선 71">
+            <a:extLst>
+              <a:ext uri="{FF2B5EF4-FFF2-40B4-BE49-F238E27FC236}">
+                <a16:creationId xmlns:a16="http://schemas.microsoft.com/office/drawing/2014/main" id="{898F9043-E50A-4DEB-AB2B-7AB04A46BE89}"/>
+              </a:ext>
+            </a:extLst>
+          </p:cNvPr>
+          <p:cNvCxnSpPr>
+            <a:cxnSpLocks/>
+            <a:stCxn id="67" idx="3"/>
+            <a:endCxn id="52" idx="0"/>
+          </p:cNvCxnSpPr>
+          <p:nvPr/>
+        </p:nvCxnSpPr>
+        <p:spPr>
+          <a:xfrm>
+            <a:off x="2411760" y="1636972"/>
+            <a:ext cx="2957203" cy="1094095"/>
+          </a:xfrm>
+          <a:prstGeom prst="line">
+            <a:avLst/>
+          </a:prstGeom>
+          <a:ln w="28575">
+            <a:solidFill>
+              <a:schemeClr val="tx1"/>
+            </a:solidFill>
+          </a:ln>
+        </p:spPr>
+        <p:style>
+          <a:lnRef idx="1">
+            <a:schemeClr val="accent1"/>
+          </a:lnRef>
+          <a:fillRef idx="0">
+            <a:schemeClr val="accent1"/>
+          </a:fillRef>
+          <a:effectRef idx="0">
+            <a:schemeClr val="accent1"/>
+          </a:effectRef>
+          <a:fontRef idx="minor">
+            <a:schemeClr val="tx1"/>
+          </a:fontRef>
+        </p:style>
+      </p:cxnSp>
+      <p:cxnSp>
+        <p:nvCxnSpPr>
+          <p:cNvPr id="94" name="직선 연결선 93">
+            <a:extLst>
+              <a:ext uri="{FF2B5EF4-FFF2-40B4-BE49-F238E27FC236}">
+                <a16:creationId xmlns:a16="http://schemas.microsoft.com/office/drawing/2014/main" id="{37743E4A-1DF0-45B6-BD32-47D6E81E4B03}"/>
+              </a:ext>
+            </a:extLst>
+          </p:cNvPr>
+          <p:cNvCxnSpPr>
+            <a:cxnSpLocks/>
+            <a:stCxn id="61" idx="4"/>
+            <a:endCxn id="62" idx="0"/>
+          </p:cNvCxnSpPr>
+          <p:nvPr/>
+        </p:nvCxnSpPr>
+        <p:spPr>
+          <a:xfrm flipH="1">
+            <a:off x="1007604" y="2067694"/>
+            <a:ext cx="66836" cy="184175"/>
+          </a:xfrm>
+          <a:prstGeom prst="line">
+            <a:avLst/>
+          </a:prstGeom>
+          <a:ln w="28575">
+            <a:solidFill>
+              <a:schemeClr val="tx1"/>
+            </a:solidFill>
+            <a:headEnd type="none" w="med" len="med"/>
+            <a:tailEnd type="none" w="med" len="med"/>
+          </a:ln>
+        </p:spPr>
+        <p:style>
+          <a:lnRef idx="1">
+            <a:schemeClr val="accent1"/>
+          </a:lnRef>
+          <a:fillRef idx="0">
+            <a:schemeClr val="accent1"/>
+          </a:fillRef>
+          <a:effectRef idx="0">
+            <a:schemeClr val="accent1"/>
+          </a:effectRef>
+          <a:fontRef idx="minor">
+            <a:schemeClr val="tx1"/>
+          </a:fontRef>
+        </p:style>
+      </p:cxnSp>
+      <p:sp>
+        <p:nvSpPr>
+          <p:cNvPr id="103" name="사각형: 둥근 모서리 102">
+            <a:extLst>
+              <a:ext uri="{FF2B5EF4-FFF2-40B4-BE49-F238E27FC236}">
+                <a16:creationId xmlns:a16="http://schemas.microsoft.com/office/drawing/2014/main" id="{A08452B1-38E3-43DB-B9CD-441AE66B40FE}"/>
+              </a:ext>
+            </a:extLst>
+          </p:cNvPr>
+          <p:cNvSpPr/>
+          <p:nvPr/>
+        </p:nvSpPr>
+        <p:spPr>
+          <a:xfrm>
+            <a:off x="3509881" y="1063187"/>
+            <a:ext cx="1620182" cy="1471629"/>
+          </a:xfrm>
+          <a:prstGeom prst="roundRect">
+            <a:avLst>
+              <a:gd name="adj" fmla="val 7073"/>
+            </a:avLst>
+          </a:prstGeom>
+          <a:ln>
+            <a:prstDash val="dash"/>
+          </a:ln>
+        </p:spPr>
+        <p:style>
+          <a:lnRef idx="2">
+            <a:schemeClr val="dk1"/>
+          </a:lnRef>
+          <a:fillRef idx="1">
+            <a:schemeClr val="lt1"/>
+          </a:fillRef>
+          <a:effectRef idx="0">
+            <a:schemeClr val="dk1"/>
+          </a:effectRef>
+          <a:fontRef idx="minor">
+            <a:schemeClr val="dk1"/>
+          </a:fontRef>
+        </p:style>
+        <p:txBody>
+          <a:bodyPr rtlCol="0" anchor="t"/>
+          <a:lstStyle/>
+          <a:p>
+            <a:pPr algn="ctr"/>
+            <a:r>
+              <a:rPr lang="en-US" altLang="ko-KR" sz="1400"/>
+              <a:t>DHCP A </a:t>
+            </a:r>
+          </a:p>
+          <a:p>
+            <a:pPr algn="ctr"/>
+            <a:r>
+              <a:rPr lang="en-US" altLang="ko-KR" sz="1400"/>
+              <a:t>Net Namespace</a:t>
+            </a:r>
+            <a:endParaRPr lang="ko-KR" altLang="en-US" sz="1400"/>
+          </a:p>
+        </p:txBody>
+      </p:sp>
+      <p:sp>
+        <p:nvSpPr>
+          <p:cNvPr id="104" name="사각형: 둥근 모서리 103">
+            <a:extLst>
+              <a:ext uri="{FF2B5EF4-FFF2-40B4-BE49-F238E27FC236}">
+                <a16:creationId xmlns:a16="http://schemas.microsoft.com/office/drawing/2014/main" id="{101B1539-0D28-4181-AB58-5B38BF87BF2F}"/>
+              </a:ext>
+            </a:extLst>
+          </p:cNvPr>
+          <p:cNvSpPr/>
+          <p:nvPr/>
+        </p:nvSpPr>
+        <p:spPr>
+          <a:xfrm>
+            <a:off x="5783007" y="1063187"/>
+            <a:ext cx="1620182" cy="1471629"/>
+          </a:xfrm>
+          <a:prstGeom prst="roundRect">
+            <a:avLst>
+              <a:gd name="adj" fmla="val 7073"/>
+            </a:avLst>
+          </a:prstGeom>
+          <a:ln>
+            <a:prstDash val="dash"/>
+          </a:ln>
+        </p:spPr>
+        <p:style>
+          <a:lnRef idx="2">
+            <a:schemeClr val="dk1"/>
+          </a:lnRef>
+          <a:fillRef idx="1">
+            <a:schemeClr val="lt1"/>
+          </a:fillRef>
+          <a:effectRef idx="0">
+            <a:schemeClr val="dk1"/>
+          </a:effectRef>
+          <a:fontRef idx="minor">
+            <a:schemeClr val="dk1"/>
+          </a:fontRef>
+        </p:style>
+        <p:txBody>
+          <a:bodyPr rtlCol="0" anchor="t"/>
+          <a:lstStyle/>
+          <a:p>
+            <a:pPr algn="ctr"/>
+            <a:r>
+              <a:rPr lang="en-US" altLang="ko-KR" sz="1400"/>
+              <a:t>DHCP B </a:t>
+            </a:r>
+          </a:p>
+          <a:p>
+            <a:pPr algn="ctr"/>
+            <a:r>
+              <a:rPr lang="en-US" altLang="ko-KR" sz="1400"/>
+              <a:t>Net Namespace</a:t>
+            </a:r>
+            <a:endParaRPr lang="ko-KR" altLang="en-US" sz="1400"/>
+          </a:p>
+        </p:txBody>
+      </p:sp>
+      <p:sp>
+        <p:nvSpPr>
+          <p:cNvPr id="110" name="모서리가 둥근 직사각형 16">
+            <a:extLst>
+              <a:ext uri="{FF2B5EF4-FFF2-40B4-BE49-F238E27FC236}">
+                <a16:creationId xmlns:a16="http://schemas.microsoft.com/office/drawing/2014/main" id="{8B11636E-1588-42CE-8F64-C612FA3BA3F8}"/>
+              </a:ext>
+            </a:extLst>
+          </p:cNvPr>
+          <p:cNvSpPr/>
+          <p:nvPr/>
+        </p:nvSpPr>
+        <p:spPr>
+          <a:xfrm>
+            <a:off x="3995936" y="2137524"/>
+            <a:ext cx="648072" cy="290684"/>
+          </a:xfrm>
+          <a:prstGeom prst="roundRect">
+            <a:avLst>
+              <a:gd name="adj" fmla="val 3400"/>
+            </a:avLst>
+          </a:prstGeom>
+          <a:solidFill>
+            <a:schemeClr val="tx2">
+              <a:lumMod val="40000"/>
+              <a:lumOff val="60000"/>
+            </a:schemeClr>
+          </a:solidFill>
+        </p:spPr>
+        <p:style>
+          <a:lnRef idx="2">
+            <a:schemeClr val="dk1"/>
+          </a:lnRef>
+          <a:fillRef idx="1">
+            <a:schemeClr val="lt1"/>
+          </a:fillRef>
+          <a:effectRef idx="0">
+            <a:schemeClr val="dk1"/>
+          </a:effectRef>
+          <a:fontRef idx="minor">
+            <a:schemeClr val="dk1"/>
+          </a:fontRef>
+        </p:style>
+        <p:txBody>
+          <a:bodyPr rtlCol="0" anchor="t"/>
+          <a:lstStyle/>
+          <a:p>
+            <a:pPr algn="ctr"/>
+            <a:r>
+              <a:rPr lang="en-US" altLang="ko-KR" sz="1400"/>
+              <a:t>ns1</a:t>
+            </a:r>
+            <a:endParaRPr lang="ko-KR" altLang="en-US" sz="1400" dirty="0"/>
+          </a:p>
+        </p:txBody>
+      </p:sp>
+      <p:cxnSp>
+        <p:nvCxnSpPr>
+          <p:cNvPr id="111" name="직선 연결선 110">
+            <a:extLst>
+              <a:ext uri="{FF2B5EF4-FFF2-40B4-BE49-F238E27FC236}">
+                <a16:creationId xmlns:a16="http://schemas.microsoft.com/office/drawing/2014/main" id="{B16CAD1D-77F5-441A-8CA5-76FD570DB159}"/>
+              </a:ext>
+            </a:extLst>
+          </p:cNvPr>
+          <p:cNvCxnSpPr>
+            <a:cxnSpLocks/>
+            <a:stCxn id="110" idx="2"/>
+            <a:endCxn id="45" idx="0"/>
+          </p:cNvCxnSpPr>
+          <p:nvPr/>
+        </p:nvCxnSpPr>
+        <p:spPr>
+          <a:xfrm>
+            <a:off x="4319972" y="2428208"/>
+            <a:ext cx="0" cy="308298"/>
+          </a:xfrm>
+          <a:prstGeom prst="line">
+            <a:avLst/>
+          </a:prstGeom>
+          <a:ln w="28575">
+            <a:solidFill>
+              <a:schemeClr val="tx1"/>
+            </a:solidFill>
+          </a:ln>
+        </p:spPr>
+        <p:style>
+          <a:lnRef idx="1">
+            <a:schemeClr val="accent1"/>
+          </a:lnRef>
+          <a:fillRef idx="0">
+            <a:schemeClr val="accent1"/>
+          </a:fillRef>
+          <a:effectRef idx="0">
+            <a:schemeClr val="accent1"/>
+          </a:effectRef>
+          <a:fontRef idx="minor">
+            <a:schemeClr val="tx1"/>
+          </a:fontRef>
+        </p:style>
+      </p:cxnSp>
+      <p:sp>
+        <p:nvSpPr>
+          <p:cNvPr id="116" name="모서리가 둥근 직사각형 16">
+            <a:extLst>
+              <a:ext uri="{FF2B5EF4-FFF2-40B4-BE49-F238E27FC236}">
+                <a16:creationId xmlns:a16="http://schemas.microsoft.com/office/drawing/2014/main" id="{0E961805-3A75-4C1B-9626-643A8102B744}"/>
+              </a:ext>
+            </a:extLst>
+          </p:cNvPr>
+          <p:cNvSpPr/>
+          <p:nvPr/>
+        </p:nvSpPr>
+        <p:spPr>
+          <a:xfrm>
+            <a:off x="6269062" y="2137524"/>
+            <a:ext cx="648072" cy="290684"/>
+          </a:xfrm>
+          <a:prstGeom prst="roundRect">
+            <a:avLst>
+              <a:gd name="adj" fmla="val 3400"/>
+            </a:avLst>
+          </a:prstGeom>
+          <a:solidFill>
+            <a:schemeClr val="tx2">
+              <a:lumMod val="40000"/>
+              <a:lumOff val="60000"/>
+            </a:schemeClr>
+          </a:solidFill>
+        </p:spPr>
+        <p:style>
+          <a:lnRef idx="2">
+            <a:schemeClr val="dk1"/>
+          </a:lnRef>
+          <a:fillRef idx="1">
+            <a:schemeClr val="lt1"/>
+          </a:fillRef>
+          <a:effectRef idx="0">
+            <a:schemeClr val="dk1"/>
+          </a:effectRef>
+          <a:fontRef idx="minor">
+            <a:schemeClr val="dk1"/>
+          </a:fontRef>
+        </p:style>
+        <p:txBody>
+          <a:bodyPr rtlCol="0" anchor="t"/>
+          <a:lstStyle/>
+          <a:p>
+            <a:pPr algn="ctr"/>
+            <a:r>
+              <a:rPr lang="en-US" altLang="ko-KR" sz="1400"/>
+              <a:t>ns2</a:t>
+            </a:r>
+            <a:endParaRPr lang="ko-KR" altLang="en-US" sz="1400" dirty="0"/>
+          </a:p>
+        </p:txBody>
+      </p:sp>
+      <p:cxnSp>
+        <p:nvCxnSpPr>
+          <p:cNvPr id="117" name="직선 연결선 116">
+            <a:extLst>
+              <a:ext uri="{FF2B5EF4-FFF2-40B4-BE49-F238E27FC236}">
+                <a16:creationId xmlns:a16="http://schemas.microsoft.com/office/drawing/2014/main" id="{E176BCE7-0420-47CF-A1FA-9CE3F8B1BE35}"/>
+              </a:ext>
+            </a:extLst>
+          </p:cNvPr>
+          <p:cNvCxnSpPr>
+            <a:cxnSpLocks/>
+            <a:stCxn id="116" idx="2"/>
+            <a:endCxn id="53" idx="0"/>
+          </p:cNvCxnSpPr>
+          <p:nvPr/>
+        </p:nvCxnSpPr>
+        <p:spPr>
+          <a:xfrm>
+            <a:off x="6593098" y="2428208"/>
+            <a:ext cx="0" cy="308298"/>
+          </a:xfrm>
+          <a:prstGeom prst="line">
+            <a:avLst/>
+          </a:prstGeom>
+          <a:ln w="28575">
+            <a:solidFill>
+              <a:schemeClr val="tx1"/>
+            </a:solidFill>
+          </a:ln>
+        </p:spPr>
+        <p:style>
+          <a:lnRef idx="1">
+            <a:schemeClr val="accent1"/>
+          </a:lnRef>
+          <a:fillRef idx="0">
+            <a:schemeClr val="accent1"/>
+          </a:fillRef>
+          <a:effectRef idx="0">
+            <a:schemeClr val="accent1"/>
+          </a:effectRef>
+          <a:fontRef idx="minor">
+            <a:schemeClr val="tx1"/>
+          </a:fontRef>
+        </p:style>
+      </p:cxnSp>
+      <p:sp>
+        <p:nvSpPr>
+          <p:cNvPr id="120" name="타원 119">
+            <a:extLst>
+              <a:ext uri="{FF2B5EF4-FFF2-40B4-BE49-F238E27FC236}">
+                <a16:creationId xmlns:a16="http://schemas.microsoft.com/office/drawing/2014/main" id="{228255D0-F2FB-4349-9417-F28B4EB7A90C}"/>
+              </a:ext>
+            </a:extLst>
+          </p:cNvPr>
+          <p:cNvSpPr/>
+          <p:nvPr/>
+        </p:nvSpPr>
+        <p:spPr>
+          <a:xfrm>
+            <a:off x="3635896" y="1635646"/>
+            <a:ext cx="1368152" cy="290684"/>
+          </a:xfrm>
+          <a:prstGeom prst="ellipse">
+            <a:avLst/>
+          </a:prstGeom>
+        </p:spPr>
+        <p:style>
+          <a:lnRef idx="2">
+            <a:schemeClr val="dk1"/>
+          </a:lnRef>
+          <a:fillRef idx="1">
+            <a:schemeClr val="lt1"/>
+          </a:fillRef>
+          <a:effectRef idx="0">
+            <a:schemeClr val="dk1"/>
+          </a:effectRef>
+          <a:fontRef idx="minor">
+            <a:schemeClr val="dk1"/>
+          </a:fontRef>
+        </p:style>
+        <p:txBody>
+          <a:bodyPr rtlCol="0" anchor="ctr"/>
+          <a:lstStyle/>
+          <a:p>
+            <a:pPr algn="ctr"/>
+            <a:r>
+              <a:rPr lang="en-US" altLang="ko-KR" sz="1400"/>
+              <a:t>dnsmasq</a:t>
+            </a:r>
+            <a:endParaRPr lang="ko-KR" altLang="en-US" sz="1400"/>
+          </a:p>
+        </p:txBody>
+      </p:sp>
+      <p:sp>
+        <p:nvSpPr>
+          <p:cNvPr id="121" name="타원 120">
+            <a:extLst>
+              <a:ext uri="{FF2B5EF4-FFF2-40B4-BE49-F238E27FC236}">
+                <a16:creationId xmlns:a16="http://schemas.microsoft.com/office/drawing/2014/main" id="{342C2B3C-FCA7-406B-A592-5DEC403F5985}"/>
+              </a:ext>
+            </a:extLst>
+          </p:cNvPr>
+          <p:cNvSpPr/>
+          <p:nvPr/>
+        </p:nvSpPr>
+        <p:spPr>
+          <a:xfrm>
+            <a:off x="5909022" y="1635646"/>
+            <a:ext cx="1368152" cy="290684"/>
+          </a:xfrm>
+          <a:prstGeom prst="ellipse">
+            <a:avLst/>
+          </a:prstGeom>
+        </p:spPr>
+        <p:style>
+          <a:lnRef idx="2">
+            <a:schemeClr val="dk1"/>
+          </a:lnRef>
+          <a:fillRef idx="1">
+            <a:schemeClr val="lt1"/>
+          </a:fillRef>
+          <a:effectRef idx="0">
+            <a:schemeClr val="dk1"/>
+          </a:effectRef>
+          <a:fontRef idx="minor">
+            <a:schemeClr val="dk1"/>
+          </a:fontRef>
+        </p:style>
+        <p:txBody>
+          <a:bodyPr rtlCol="0" anchor="ctr"/>
+          <a:lstStyle/>
+          <a:p>
+            <a:pPr algn="ctr"/>
+            <a:r>
+              <a:rPr lang="en-US" altLang="ko-KR" sz="1400"/>
+              <a:t>dnsmasq</a:t>
+            </a:r>
+            <a:endParaRPr lang="ko-KR" altLang="en-US" sz="1400"/>
+          </a:p>
+        </p:txBody>
+      </p:sp>
+      <p:cxnSp>
+        <p:nvCxnSpPr>
+          <p:cNvPr id="122" name="직선 연결선 121">
+            <a:extLst>
+              <a:ext uri="{FF2B5EF4-FFF2-40B4-BE49-F238E27FC236}">
+                <a16:creationId xmlns:a16="http://schemas.microsoft.com/office/drawing/2014/main" id="{E2B8C93E-EE50-427D-8BC2-2A439841B224}"/>
+              </a:ext>
+            </a:extLst>
+          </p:cNvPr>
+          <p:cNvCxnSpPr>
+            <a:cxnSpLocks/>
+            <a:stCxn id="61" idx="4"/>
+            <a:endCxn id="68" idx="0"/>
+          </p:cNvCxnSpPr>
+          <p:nvPr/>
+        </p:nvCxnSpPr>
+        <p:spPr>
+          <a:xfrm>
+            <a:off x="1074440" y="2067694"/>
+            <a:ext cx="1013284" cy="186819"/>
+          </a:xfrm>
+          <a:prstGeom prst="line">
+            <a:avLst/>
+          </a:prstGeom>
+          <a:ln w="28575">
+            <a:solidFill>
+              <a:schemeClr val="tx1"/>
+            </a:solidFill>
+            <a:headEnd type="none" w="med" len="med"/>
+            <a:tailEnd type="none" w="med" len="med"/>
+          </a:ln>
+        </p:spPr>
+        <p:style>
+          <a:lnRef idx="1">
+            <a:schemeClr val="accent1"/>
+          </a:lnRef>
+          <a:fillRef idx="0">
+            <a:schemeClr val="accent1"/>
+          </a:fillRef>
+          <a:effectRef idx="0">
+            <a:schemeClr val="accent1"/>
+          </a:effectRef>
+          <a:fontRef idx="minor">
+            <a:schemeClr val="tx1"/>
+          </a:fontRef>
+        </p:style>
+      </p:cxnSp>
+      <p:cxnSp>
+        <p:nvCxnSpPr>
+          <p:cNvPr id="125" name="직선 연결선 124">
+            <a:extLst>
+              <a:ext uri="{FF2B5EF4-FFF2-40B4-BE49-F238E27FC236}">
+                <a16:creationId xmlns:a16="http://schemas.microsoft.com/office/drawing/2014/main" id="{79ECA6FC-1378-4E3E-B7C4-D7CB6844D942}"/>
+              </a:ext>
+            </a:extLst>
+          </p:cNvPr>
+          <p:cNvCxnSpPr>
+            <a:cxnSpLocks/>
+            <a:stCxn id="61" idx="0"/>
+            <a:endCxn id="67" idx="1"/>
+          </p:cNvCxnSpPr>
+          <p:nvPr/>
+        </p:nvCxnSpPr>
+        <p:spPr>
+          <a:xfrm flipV="1">
+            <a:off x="1074440" y="1636972"/>
+            <a:ext cx="689248" cy="140038"/>
+          </a:xfrm>
+          <a:prstGeom prst="line">
+            <a:avLst/>
+          </a:prstGeom>
+          <a:ln w="28575">
+            <a:solidFill>
+              <a:schemeClr val="tx1"/>
+            </a:solidFill>
+            <a:headEnd type="none" w="med" len="med"/>
+            <a:tailEnd type="none" w="med" len="med"/>
+          </a:ln>
+        </p:spPr>
+        <p:style>
+          <a:lnRef idx="1">
+            <a:schemeClr val="accent1"/>
+          </a:lnRef>
+          <a:fillRef idx="0">
+            <a:schemeClr val="accent1"/>
+          </a:fillRef>
+          <a:effectRef idx="0">
+            <a:schemeClr val="accent1"/>
+          </a:effectRef>
+          <a:fontRef idx="minor">
+            <a:schemeClr val="tx1"/>
+          </a:fontRef>
+        </p:style>
+      </p:cxnSp>
+      <p:cxnSp>
+        <p:nvCxnSpPr>
+          <p:cNvPr id="128" name="직선 연결선 127">
+            <a:extLst>
+              <a:ext uri="{FF2B5EF4-FFF2-40B4-BE49-F238E27FC236}">
+                <a16:creationId xmlns:a16="http://schemas.microsoft.com/office/drawing/2014/main" id="{20A671A6-7223-4385-BFC3-1D6E7C2F36D2}"/>
+              </a:ext>
+            </a:extLst>
+          </p:cNvPr>
+          <p:cNvCxnSpPr>
+            <a:cxnSpLocks/>
+            <a:stCxn id="110" idx="0"/>
+            <a:endCxn id="120" idx="4"/>
+          </p:cNvCxnSpPr>
+          <p:nvPr/>
+        </p:nvCxnSpPr>
+        <p:spPr>
+          <a:xfrm flipV="1">
+            <a:off x="4319972" y="1926330"/>
+            <a:ext cx="0" cy="211194"/>
+          </a:xfrm>
+          <a:prstGeom prst="line">
+            <a:avLst/>
+          </a:prstGeom>
+          <a:ln w="28575">
+            <a:solidFill>
+              <a:schemeClr val="tx1"/>
+            </a:solidFill>
+            <a:headEnd type="arrow" w="med" len="med"/>
+            <a:tailEnd type="none" w="med" len="med"/>
+          </a:ln>
+        </p:spPr>
+        <p:style>
+          <a:lnRef idx="1">
+            <a:schemeClr val="accent1"/>
+          </a:lnRef>
+          <a:fillRef idx="0">
+            <a:schemeClr val="accent1"/>
+          </a:fillRef>
+          <a:effectRef idx="0">
+            <a:schemeClr val="accent1"/>
+          </a:effectRef>
+          <a:fontRef idx="minor">
+            <a:schemeClr val="tx1"/>
+          </a:fontRef>
+        </p:style>
+      </p:cxnSp>
+      <p:cxnSp>
+        <p:nvCxnSpPr>
+          <p:cNvPr id="131" name="직선 연결선 130">
+            <a:extLst>
+              <a:ext uri="{FF2B5EF4-FFF2-40B4-BE49-F238E27FC236}">
+                <a16:creationId xmlns:a16="http://schemas.microsoft.com/office/drawing/2014/main" id="{9B8DC52F-8CF7-4FFE-9EC2-1C67EB44E279}"/>
+              </a:ext>
+            </a:extLst>
+          </p:cNvPr>
+          <p:cNvCxnSpPr>
+            <a:cxnSpLocks/>
+            <a:stCxn id="116" idx="0"/>
+            <a:endCxn id="121" idx="4"/>
+          </p:cNvCxnSpPr>
+          <p:nvPr/>
+        </p:nvCxnSpPr>
+        <p:spPr>
+          <a:xfrm flipV="1">
+            <a:off x="6593098" y="1926330"/>
+            <a:ext cx="0" cy="211194"/>
+          </a:xfrm>
+          <a:prstGeom prst="line">
+            <a:avLst/>
+          </a:prstGeom>
+          <a:ln w="28575">
+            <a:solidFill>
+              <a:schemeClr val="tx1"/>
+            </a:solidFill>
+            <a:headEnd type="arrow" w="med" len="med"/>
+            <a:tailEnd type="none" w="med" len="med"/>
+          </a:ln>
+        </p:spPr>
+        <p:style>
+          <a:lnRef idx="1">
+            <a:schemeClr val="accent1"/>
+          </a:lnRef>
+          <a:fillRef idx="0">
+            <a:schemeClr val="accent1"/>
+          </a:fillRef>
+          <a:effectRef idx="0">
+            <a:schemeClr val="accent1"/>
+          </a:effectRef>
+          <a:fontRef idx="minor">
+            <a:schemeClr val="tx1"/>
+          </a:fontRef>
+        </p:style>
+      </p:cxnSp>
+      <p:sp>
+        <p:nvSpPr>
+          <p:cNvPr id="60" name="모서리가 둥근 직사각형 21">
+            <a:extLst>
+              <a:ext uri="{FF2B5EF4-FFF2-40B4-BE49-F238E27FC236}">
+                <a16:creationId xmlns:a16="http://schemas.microsoft.com/office/drawing/2014/main" id="{92810D52-6E2C-48B6-95FA-87E7C9E4C479}"/>
+              </a:ext>
+            </a:extLst>
+          </p:cNvPr>
+          <p:cNvSpPr/>
+          <p:nvPr/>
+        </p:nvSpPr>
+        <p:spPr>
+          <a:xfrm>
+            <a:off x="1619672" y="4680210"/>
+            <a:ext cx="1224136" cy="290684"/>
+          </a:xfrm>
+          <a:prstGeom prst="roundRect">
+            <a:avLst>
+              <a:gd name="adj" fmla="val 3400"/>
+            </a:avLst>
+          </a:prstGeom>
+        </p:spPr>
+        <p:style>
+          <a:lnRef idx="2">
+            <a:schemeClr val="dk1"/>
+          </a:lnRef>
+          <a:fillRef idx="1">
+            <a:schemeClr val="lt1"/>
+          </a:fillRef>
+          <a:effectRef idx="0">
+            <a:schemeClr val="dk1"/>
+          </a:effectRef>
+          <a:fontRef idx="minor">
+            <a:schemeClr val="dk1"/>
+          </a:fontRef>
+        </p:style>
+        <p:txBody>
+          <a:bodyPr rtlCol="0" anchor="t"/>
+          <a:lstStyle/>
+          <a:p>
+            <a:pPr algn="ctr"/>
+            <a:r>
+              <a:rPr lang="en-US" altLang="ko-KR" sz="1400"/>
+              <a:t>eth0</a:t>
+            </a:r>
+            <a:endParaRPr lang="ko-KR" altLang="en-US" sz="1400" dirty="0"/>
+          </a:p>
+        </p:txBody>
+      </p:sp>
+      <p:sp>
+        <p:nvSpPr>
+          <p:cNvPr id="61" name="타원 60">
+            <a:extLst>
+              <a:ext uri="{FF2B5EF4-FFF2-40B4-BE49-F238E27FC236}">
+                <a16:creationId xmlns:a16="http://schemas.microsoft.com/office/drawing/2014/main" id="{01F1451F-88F0-4B44-B553-84789AF580CE}"/>
+              </a:ext>
+            </a:extLst>
+          </p:cNvPr>
+          <p:cNvSpPr/>
+          <p:nvPr/>
+        </p:nvSpPr>
+        <p:spPr>
+          <a:xfrm>
+            <a:off x="496050" y="1777010"/>
+            <a:ext cx="1156780" cy="290684"/>
+          </a:xfrm>
+          <a:prstGeom prst="ellipse">
+            <a:avLst/>
+          </a:prstGeom>
+        </p:spPr>
+        <p:style>
+          <a:lnRef idx="2">
+            <a:schemeClr val="dk1"/>
+          </a:lnRef>
+          <a:fillRef idx="1">
+            <a:schemeClr val="lt1"/>
+          </a:fillRef>
+          <a:effectRef idx="0">
+            <a:schemeClr val="dk1"/>
+          </a:effectRef>
+          <a:fontRef idx="minor">
+            <a:schemeClr val="dk1"/>
+          </a:fontRef>
+        </p:style>
+        <p:txBody>
+          <a:bodyPr rtlCol="0" anchor="ctr"/>
+          <a:lstStyle/>
+          <a:p>
+            <a:pPr algn="ctr"/>
+            <a:r>
+              <a:rPr lang="en-US" altLang="ko-KR" sz="1400"/>
+              <a:t>iptables</a:t>
+            </a:r>
+            <a:endParaRPr lang="ko-KR" altLang="en-US" sz="1400"/>
+          </a:p>
+        </p:txBody>
+      </p:sp>
+      <p:sp>
+        <p:nvSpPr>
+          <p:cNvPr id="56" name="모서리가 둥근 직사각형 15">
+            <a:extLst>
+              <a:ext uri="{FF2B5EF4-FFF2-40B4-BE49-F238E27FC236}">
+                <a16:creationId xmlns:a16="http://schemas.microsoft.com/office/drawing/2014/main" id="{C2883E9A-7CF4-425B-8CCD-B0391D390558}"/>
+              </a:ext>
+            </a:extLst>
+          </p:cNvPr>
+          <p:cNvSpPr/>
+          <p:nvPr/>
+        </p:nvSpPr>
+        <p:spPr>
+          <a:xfrm>
+            <a:off x="1157542" y="3198361"/>
+            <a:ext cx="5306122" cy="290685"/>
+          </a:xfrm>
+          <a:prstGeom prst="roundRect">
+            <a:avLst>
+              <a:gd name="adj" fmla="val 3400"/>
+            </a:avLst>
+          </a:prstGeom>
+          <a:solidFill>
+            <a:schemeClr val="accent6">
+              <a:lumMod val="40000"/>
+              <a:lumOff val="60000"/>
+            </a:schemeClr>
+          </a:solidFill>
+        </p:spPr>
+        <p:style>
+          <a:lnRef idx="2">
+            <a:schemeClr val="dk1"/>
+          </a:lnRef>
+          <a:fillRef idx="1">
+            <a:schemeClr val="lt1"/>
+          </a:fillRef>
+          <a:effectRef idx="0">
+            <a:schemeClr val="dk1"/>
+          </a:effectRef>
+          <a:fontRef idx="minor">
+            <a:schemeClr val="dk1"/>
+          </a:fontRef>
+        </p:style>
+        <p:txBody>
+          <a:bodyPr rtlCol="0" anchor="ctr"/>
+          <a:lstStyle/>
+          <a:p>
+            <a:pPr algn="ctr"/>
+            <a:r>
+              <a:rPr lang="en-US" altLang="ko-KR" sz="1400"/>
+              <a:t>br-int</a:t>
+            </a:r>
+            <a:endParaRPr lang="ko-KR" altLang="en-US" sz="1400" dirty="0"/>
+          </a:p>
+        </p:txBody>
+      </p:sp>
+      <p:sp>
+        <p:nvSpPr>
+          <p:cNvPr id="70" name="모서리가 둥근 직사각형 15">
+            <a:extLst>
+              <a:ext uri="{FF2B5EF4-FFF2-40B4-BE49-F238E27FC236}">
+                <a16:creationId xmlns:a16="http://schemas.microsoft.com/office/drawing/2014/main" id="{DAC68AC3-CD06-45EA-8D98-A306566A1EF9}"/>
+              </a:ext>
+            </a:extLst>
+          </p:cNvPr>
+          <p:cNvSpPr/>
+          <p:nvPr/>
+        </p:nvSpPr>
+        <p:spPr>
+          <a:xfrm>
+            <a:off x="3100518" y="4203819"/>
+            <a:ext cx="1440160" cy="290685"/>
+          </a:xfrm>
+          <a:prstGeom prst="roundRect">
+            <a:avLst>
+              <a:gd name="adj" fmla="val 3400"/>
+            </a:avLst>
+          </a:prstGeom>
+          <a:solidFill>
+            <a:schemeClr val="accent6">
+              <a:lumMod val="40000"/>
+              <a:lumOff val="60000"/>
+            </a:schemeClr>
+          </a:solidFill>
+        </p:spPr>
+        <p:style>
+          <a:lnRef idx="2">
+            <a:schemeClr val="dk1"/>
+          </a:lnRef>
+          <a:fillRef idx="1">
+            <a:schemeClr val="lt1"/>
+          </a:fillRef>
+          <a:effectRef idx="0">
+            <a:schemeClr val="dk1"/>
+          </a:effectRef>
+          <a:fontRef idx="minor">
+            <a:schemeClr val="dk1"/>
+          </a:fontRef>
+        </p:style>
+        <p:txBody>
+          <a:bodyPr rtlCol="0" anchor="ctr"/>
+          <a:lstStyle/>
+          <a:p>
+            <a:pPr algn="ctr"/>
+            <a:r>
+              <a:rPr lang="en-US" altLang="ko-KR" sz="1400"/>
+              <a:t>br-tun</a:t>
+            </a:r>
+            <a:endParaRPr lang="ko-KR" altLang="en-US" sz="1400" dirty="0"/>
+          </a:p>
+        </p:txBody>
+      </p:sp>
+      <p:sp>
+        <p:nvSpPr>
+          <p:cNvPr id="71" name="모서리가 둥근 직사각형 50">
+            <a:extLst>
+              <a:ext uri="{FF2B5EF4-FFF2-40B4-BE49-F238E27FC236}">
+                <a16:creationId xmlns:a16="http://schemas.microsoft.com/office/drawing/2014/main" id="{78C30CBE-9A42-4090-8289-3E6ED714E06F}"/>
+              </a:ext>
+            </a:extLst>
+          </p:cNvPr>
+          <p:cNvSpPr/>
+          <p:nvPr/>
+        </p:nvSpPr>
+        <p:spPr>
+          <a:xfrm>
+            <a:off x="3100518" y="3491360"/>
+            <a:ext cx="1440160" cy="290684"/>
+          </a:xfrm>
+          <a:prstGeom prst="roundRect">
+            <a:avLst>
+              <a:gd name="adj" fmla="val 3400"/>
+            </a:avLst>
+          </a:prstGeom>
+          <a:solidFill>
+            <a:schemeClr val="accent3">
+              <a:lumMod val="40000"/>
+              <a:lumOff val="60000"/>
+            </a:schemeClr>
+          </a:solidFill>
+        </p:spPr>
+        <p:style>
+          <a:lnRef idx="2">
+            <a:schemeClr val="dk1"/>
+          </a:lnRef>
+          <a:fillRef idx="1">
+            <a:schemeClr val="lt1"/>
+          </a:fillRef>
+          <a:effectRef idx="0">
+            <a:schemeClr val="dk1"/>
+          </a:effectRef>
+          <a:fontRef idx="minor">
+            <a:schemeClr val="dk1"/>
+          </a:fontRef>
+        </p:style>
+        <p:txBody>
+          <a:bodyPr rtlCol="0" anchor="t"/>
+          <a:lstStyle/>
+          <a:p>
+            <a:pPr algn="ctr"/>
+            <a:r>
+              <a:rPr lang="en-US" altLang="ko-KR" sz="1400"/>
+              <a:t>patch-tun</a:t>
+            </a:r>
+            <a:endParaRPr lang="ko-KR" altLang="en-US" sz="1400" dirty="0"/>
+          </a:p>
+        </p:txBody>
+      </p:sp>
+      <p:sp>
+        <p:nvSpPr>
+          <p:cNvPr id="73" name="모서리가 둥근 직사각형 50">
+            <a:extLst>
+              <a:ext uri="{FF2B5EF4-FFF2-40B4-BE49-F238E27FC236}">
+                <a16:creationId xmlns:a16="http://schemas.microsoft.com/office/drawing/2014/main" id="{3007BC87-A193-4149-8238-D26017F047DF}"/>
+              </a:ext>
+            </a:extLst>
+          </p:cNvPr>
+          <p:cNvSpPr/>
+          <p:nvPr/>
+        </p:nvSpPr>
+        <p:spPr>
+          <a:xfrm>
+            <a:off x="5023503" y="3491360"/>
+            <a:ext cx="1440160" cy="290684"/>
+          </a:xfrm>
+          <a:prstGeom prst="roundRect">
+            <a:avLst>
+              <a:gd name="adj" fmla="val 3400"/>
+            </a:avLst>
+          </a:prstGeom>
+          <a:solidFill>
+            <a:schemeClr val="accent3">
+              <a:lumMod val="40000"/>
+              <a:lumOff val="60000"/>
+            </a:schemeClr>
+          </a:solidFill>
+        </p:spPr>
+        <p:style>
+          <a:lnRef idx="2">
+            <a:schemeClr val="dk1"/>
+          </a:lnRef>
+          <a:fillRef idx="1">
+            <a:schemeClr val="lt1"/>
+          </a:fillRef>
+          <a:effectRef idx="0">
+            <a:schemeClr val="dk1"/>
+          </a:effectRef>
+          <a:fontRef idx="minor">
+            <a:schemeClr val="dk1"/>
+          </a:fontRef>
+        </p:style>
+        <p:txBody>
+          <a:bodyPr rtlCol="0" anchor="t"/>
+          <a:lstStyle/>
+          <a:p>
+            <a:pPr algn="ctr"/>
+            <a:r>
+              <a:rPr lang="en-US" altLang="ko-KR" sz="1400"/>
+              <a:t>int-br-vlan</a:t>
+            </a:r>
+            <a:endParaRPr lang="ko-KR" altLang="en-US" sz="1400" dirty="0"/>
+          </a:p>
+        </p:txBody>
+      </p:sp>
+      <p:sp>
+        <p:nvSpPr>
+          <p:cNvPr id="74" name="모서리가 둥근 직사각형 50">
+            <a:extLst>
+              <a:ext uri="{FF2B5EF4-FFF2-40B4-BE49-F238E27FC236}">
+                <a16:creationId xmlns:a16="http://schemas.microsoft.com/office/drawing/2014/main" id="{11CF2D53-103F-4EEE-BC58-6F9B64157519}"/>
+              </a:ext>
+            </a:extLst>
+          </p:cNvPr>
+          <p:cNvSpPr/>
+          <p:nvPr/>
+        </p:nvSpPr>
+        <p:spPr>
+          <a:xfrm>
+            <a:off x="3100518" y="3917113"/>
+            <a:ext cx="1440160" cy="290684"/>
+          </a:xfrm>
+          <a:prstGeom prst="roundRect">
+            <a:avLst>
+              <a:gd name="adj" fmla="val 3400"/>
+            </a:avLst>
+          </a:prstGeom>
+          <a:solidFill>
+            <a:schemeClr val="accent3">
+              <a:lumMod val="40000"/>
+              <a:lumOff val="60000"/>
+            </a:schemeClr>
+          </a:solidFill>
+        </p:spPr>
+        <p:style>
+          <a:lnRef idx="2">
+            <a:schemeClr val="dk1"/>
+          </a:lnRef>
+          <a:fillRef idx="1">
+            <a:schemeClr val="lt1"/>
+          </a:fillRef>
+          <a:effectRef idx="0">
+            <a:schemeClr val="dk1"/>
+          </a:effectRef>
+          <a:fontRef idx="minor">
+            <a:schemeClr val="dk1"/>
+          </a:fontRef>
+        </p:style>
+        <p:txBody>
+          <a:bodyPr rtlCol="0" anchor="t"/>
+          <a:lstStyle/>
+          <a:p>
+            <a:pPr algn="ctr"/>
+            <a:r>
+              <a:rPr lang="en-US" altLang="ko-KR" sz="1400"/>
+              <a:t>patch-int</a:t>
+            </a:r>
+            <a:endParaRPr lang="ko-KR" altLang="en-US" sz="1400" dirty="0"/>
+          </a:p>
+        </p:txBody>
+      </p:sp>
+      <p:sp>
+        <p:nvSpPr>
+          <p:cNvPr id="76" name="모서리가 둥근 직사각형 15">
+            <a:extLst>
+              <a:ext uri="{FF2B5EF4-FFF2-40B4-BE49-F238E27FC236}">
+                <a16:creationId xmlns:a16="http://schemas.microsoft.com/office/drawing/2014/main" id="{1971B7CB-03B9-4263-9AA6-8C4332E0043A}"/>
+              </a:ext>
+            </a:extLst>
+          </p:cNvPr>
+          <p:cNvSpPr/>
+          <p:nvPr/>
+        </p:nvSpPr>
+        <p:spPr>
+          <a:xfrm>
+            <a:off x="5023503" y="4203819"/>
+            <a:ext cx="1440160" cy="290685"/>
+          </a:xfrm>
+          <a:prstGeom prst="roundRect">
+            <a:avLst>
+              <a:gd name="adj" fmla="val 3400"/>
+            </a:avLst>
+          </a:prstGeom>
+          <a:solidFill>
+            <a:schemeClr val="accent6">
+              <a:lumMod val="40000"/>
+              <a:lumOff val="60000"/>
+            </a:schemeClr>
+          </a:solidFill>
+        </p:spPr>
+        <p:style>
+          <a:lnRef idx="2">
+            <a:schemeClr val="dk1"/>
+          </a:lnRef>
+          <a:fillRef idx="1">
+            <a:schemeClr val="lt1"/>
+          </a:fillRef>
+          <a:effectRef idx="0">
+            <a:schemeClr val="dk1"/>
+          </a:effectRef>
+          <a:fontRef idx="minor">
+            <a:schemeClr val="dk1"/>
+          </a:fontRef>
+        </p:style>
+        <p:txBody>
+          <a:bodyPr rtlCol="0" anchor="ctr"/>
+          <a:lstStyle/>
+          <a:p>
+            <a:pPr algn="ctr"/>
+            <a:r>
+              <a:rPr lang="en-US" altLang="ko-KR" sz="1400"/>
+              <a:t>br-vlan</a:t>
+            </a:r>
+            <a:endParaRPr lang="ko-KR" altLang="en-US" sz="1400" dirty="0"/>
+          </a:p>
+        </p:txBody>
+      </p:sp>
+      <p:sp>
+        <p:nvSpPr>
+          <p:cNvPr id="77" name="모서리가 둥근 직사각형 50">
+            <a:extLst>
+              <a:ext uri="{FF2B5EF4-FFF2-40B4-BE49-F238E27FC236}">
+                <a16:creationId xmlns:a16="http://schemas.microsoft.com/office/drawing/2014/main" id="{E6337982-72E9-4CE5-B106-4B5005C175FE}"/>
+              </a:ext>
+            </a:extLst>
+          </p:cNvPr>
+          <p:cNvSpPr/>
+          <p:nvPr/>
+        </p:nvSpPr>
+        <p:spPr>
+          <a:xfrm>
+            <a:off x="5023503" y="3917113"/>
+            <a:ext cx="1440160" cy="290684"/>
+          </a:xfrm>
+          <a:prstGeom prst="roundRect">
+            <a:avLst>
+              <a:gd name="adj" fmla="val 3400"/>
+            </a:avLst>
+          </a:prstGeom>
+          <a:solidFill>
+            <a:schemeClr val="accent3">
+              <a:lumMod val="40000"/>
+              <a:lumOff val="60000"/>
+            </a:schemeClr>
+          </a:solidFill>
+        </p:spPr>
+        <p:style>
+          <a:lnRef idx="2">
+            <a:schemeClr val="dk1"/>
+          </a:lnRef>
+          <a:fillRef idx="1">
+            <a:schemeClr val="lt1"/>
+          </a:fillRef>
+          <a:effectRef idx="0">
+            <a:schemeClr val="dk1"/>
+          </a:effectRef>
+          <a:fontRef idx="minor">
+            <a:schemeClr val="dk1"/>
+          </a:fontRef>
+        </p:style>
+        <p:txBody>
+          <a:bodyPr rtlCol="0" anchor="t"/>
+          <a:lstStyle/>
+          <a:p>
+            <a:pPr algn="ctr"/>
+            <a:r>
+              <a:rPr lang="en-US" altLang="ko-KR" sz="1400"/>
+              <a:t>phy-br-vlan</a:t>
+            </a:r>
+            <a:endParaRPr lang="ko-KR" altLang="en-US" sz="1400" dirty="0"/>
+          </a:p>
+        </p:txBody>
+      </p:sp>
+      <p:cxnSp>
+        <p:nvCxnSpPr>
+          <p:cNvPr id="79" name="직선 연결선 78">
+            <a:extLst>
+              <a:ext uri="{FF2B5EF4-FFF2-40B4-BE49-F238E27FC236}">
+                <a16:creationId xmlns:a16="http://schemas.microsoft.com/office/drawing/2014/main" id="{54567AAE-D59E-498F-8933-D03F9DDF45E1}"/>
+              </a:ext>
+            </a:extLst>
+          </p:cNvPr>
+          <p:cNvCxnSpPr>
+            <a:cxnSpLocks/>
+            <a:stCxn id="74" idx="0"/>
+            <a:endCxn id="71" idx="2"/>
+          </p:cNvCxnSpPr>
+          <p:nvPr/>
+        </p:nvCxnSpPr>
+        <p:spPr>
+          <a:xfrm flipV="1">
+            <a:off x="3820598" y="3782044"/>
+            <a:ext cx="0" cy="135069"/>
+          </a:xfrm>
+          <a:prstGeom prst="line">
+            <a:avLst/>
+          </a:prstGeom>
+          <a:ln w="28575">
+            <a:solidFill>
+              <a:schemeClr val="tx1"/>
+            </a:solidFill>
+          </a:ln>
+        </p:spPr>
+        <p:style>
+          <a:lnRef idx="1">
+            <a:schemeClr val="accent1"/>
+          </a:lnRef>
+          <a:fillRef idx="0">
+            <a:schemeClr val="accent1"/>
+          </a:fillRef>
+          <a:effectRef idx="0">
+            <a:schemeClr val="accent1"/>
+          </a:effectRef>
+          <a:fontRef idx="minor">
+            <a:schemeClr val="tx1"/>
+          </a:fontRef>
+        </p:style>
+      </p:cxnSp>
+      <p:cxnSp>
+        <p:nvCxnSpPr>
+          <p:cNvPr id="80" name="직선 연결선 79">
+            <a:extLst>
+              <a:ext uri="{FF2B5EF4-FFF2-40B4-BE49-F238E27FC236}">
+                <a16:creationId xmlns:a16="http://schemas.microsoft.com/office/drawing/2014/main" id="{F98A85BA-416F-42FF-91BE-D7C05163D682}"/>
+              </a:ext>
+            </a:extLst>
+          </p:cNvPr>
+          <p:cNvCxnSpPr>
+            <a:cxnSpLocks/>
+            <a:stCxn id="77" idx="0"/>
+            <a:endCxn id="73" idx="2"/>
+          </p:cNvCxnSpPr>
+          <p:nvPr/>
+        </p:nvCxnSpPr>
+        <p:spPr>
+          <a:xfrm flipV="1">
+            <a:off x="5743583" y="3782044"/>
+            <a:ext cx="0" cy="135069"/>
+          </a:xfrm>
+          <a:prstGeom prst="line">
+            <a:avLst/>
+          </a:prstGeom>
+          <a:ln w="28575">
+            <a:solidFill>
+              <a:schemeClr val="tx1"/>
+            </a:solidFill>
+          </a:ln>
+        </p:spPr>
+        <p:style>
+          <a:lnRef idx="1">
+            <a:schemeClr val="accent1"/>
+          </a:lnRef>
+          <a:fillRef idx="0">
+            <a:schemeClr val="accent1"/>
+          </a:fillRef>
+          <a:effectRef idx="0">
+            <a:schemeClr val="accent1"/>
+          </a:effectRef>
+          <a:fontRef idx="minor">
+            <a:schemeClr val="tx1"/>
+          </a:fontRef>
+        </p:style>
+      </p:cxnSp>
+      <p:cxnSp>
+        <p:nvCxnSpPr>
+          <p:cNvPr id="82" name="직선 연결선 81">
+            <a:extLst>
+              <a:ext uri="{FF2B5EF4-FFF2-40B4-BE49-F238E27FC236}">
+                <a16:creationId xmlns:a16="http://schemas.microsoft.com/office/drawing/2014/main" id="{89A1D0C2-2F1C-4AC3-BCD5-2A9AFAFFB213}"/>
+              </a:ext>
+            </a:extLst>
+          </p:cNvPr>
+          <p:cNvCxnSpPr>
+            <a:cxnSpLocks/>
+            <a:stCxn id="56" idx="0"/>
+            <a:endCxn id="41" idx="2"/>
+          </p:cNvCxnSpPr>
+          <p:nvPr/>
+        </p:nvCxnSpPr>
+        <p:spPr>
+          <a:xfrm flipH="1" flipV="1">
+            <a:off x="3095837" y="3027190"/>
+            <a:ext cx="714766" cy="171171"/>
+          </a:xfrm>
+          <a:prstGeom prst="line">
+            <a:avLst/>
+          </a:prstGeom>
+          <a:ln w="28575">
+            <a:solidFill>
+              <a:schemeClr val="tx1"/>
+            </a:solidFill>
+          </a:ln>
+        </p:spPr>
+        <p:style>
+          <a:lnRef idx="1">
+            <a:schemeClr val="accent1"/>
+          </a:lnRef>
+          <a:fillRef idx="0">
+            <a:schemeClr val="accent1"/>
+          </a:fillRef>
+          <a:effectRef idx="0">
+            <a:schemeClr val="accent1"/>
+          </a:effectRef>
+          <a:fontRef idx="minor">
+            <a:schemeClr val="tx1"/>
+          </a:fontRef>
+        </p:style>
+      </p:cxnSp>
+      <p:cxnSp>
+        <p:nvCxnSpPr>
+          <p:cNvPr id="83" name="직선 연결선 82">
+            <a:extLst>
+              <a:ext uri="{FF2B5EF4-FFF2-40B4-BE49-F238E27FC236}">
+                <a16:creationId xmlns:a16="http://schemas.microsoft.com/office/drawing/2014/main" id="{9A1F344C-826C-4336-AE2C-27D9F31DFC5A}"/>
+              </a:ext>
+            </a:extLst>
+          </p:cNvPr>
+          <p:cNvCxnSpPr>
+            <a:cxnSpLocks/>
+            <a:stCxn id="56" idx="0"/>
+            <a:endCxn id="45" idx="2"/>
+          </p:cNvCxnSpPr>
+          <p:nvPr/>
+        </p:nvCxnSpPr>
+        <p:spPr>
+          <a:xfrm flipV="1">
+            <a:off x="3810603" y="3027190"/>
+            <a:ext cx="509369" cy="171171"/>
+          </a:xfrm>
+          <a:prstGeom prst="line">
+            <a:avLst/>
+          </a:prstGeom>
+          <a:ln w="28575">
+            <a:solidFill>
+              <a:schemeClr val="tx1"/>
+            </a:solidFill>
+          </a:ln>
+        </p:spPr>
+        <p:style>
+          <a:lnRef idx="1">
+            <a:schemeClr val="accent1"/>
+          </a:lnRef>
+          <a:fillRef idx="0">
+            <a:schemeClr val="accent1"/>
+          </a:fillRef>
+          <a:effectRef idx="0">
+            <a:schemeClr val="accent1"/>
+          </a:effectRef>
+          <a:fontRef idx="minor">
+            <a:schemeClr val="tx1"/>
+          </a:fontRef>
+        </p:style>
+      </p:cxnSp>
+      <p:cxnSp>
+        <p:nvCxnSpPr>
+          <p:cNvPr id="84" name="직선 연결선 83">
+            <a:extLst>
+              <a:ext uri="{FF2B5EF4-FFF2-40B4-BE49-F238E27FC236}">
+                <a16:creationId xmlns:a16="http://schemas.microsoft.com/office/drawing/2014/main" id="{E9208E8E-1A27-49BA-9FFB-DF963D3D5CF2}"/>
+              </a:ext>
+            </a:extLst>
+          </p:cNvPr>
+          <p:cNvCxnSpPr>
+            <a:cxnSpLocks/>
+            <a:stCxn id="56" idx="0"/>
+            <a:endCxn id="52" idx="2"/>
+          </p:cNvCxnSpPr>
+          <p:nvPr/>
+        </p:nvCxnSpPr>
+        <p:spPr>
+          <a:xfrm flipV="1">
+            <a:off x="3810603" y="3021751"/>
+            <a:ext cx="1558360" cy="176610"/>
+          </a:xfrm>
+          <a:prstGeom prst="line">
+            <a:avLst/>
+          </a:prstGeom>
+          <a:ln w="28575">
+            <a:solidFill>
+              <a:schemeClr val="tx1"/>
+            </a:solidFill>
+          </a:ln>
+        </p:spPr>
+        <p:style>
+          <a:lnRef idx="1">
+            <a:schemeClr val="accent1"/>
+          </a:lnRef>
+          <a:fillRef idx="0">
+            <a:schemeClr val="accent1"/>
+          </a:fillRef>
+          <a:effectRef idx="0">
+            <a:schemeClr val="accent1"/>
+          </a:effectRef>
+          <a:fontRef idx="minor">
+            <a:schemeClr val="tx1"/>
+          </a:fontRef>
+        </p:style>
+      </p:cxnSp>
+      <p:cxnSp>
+        <p:nvCxnSpPr>
+          <p:cNvPr id="85" name="직선 연결선 84">
+            <a:extLst>
+              <a:ext uri="{FF2B5EF4-FFF2-40B4-BE49-F238E27FC236}">
+                <a16:creationId xmlns:a16="http://schemas.microsoft.com/office/drawing/2014/main" id="{F733EA1B-A6DB-4EE0-A988-52A51AB8FC21}"/>
+              </a:ext>
+            </a:extLst>
+          </p:cNvPr>
+          <p:cNvCxnSpPr>
+            <a:cxnSpLocks/>
+            <a:stCxn id="56" idx="0"/>
+            <a:endCxn id="53" idx="2"/>
+          </p:cNvCxnSpPr>
+          <p:nvPr/>
+        </p:nvCxnSpPr>
+        <p:spPr>
+          <a:xfrm flipV="1">
+            <a:off x="3810603" y="3027190"/>
+            <a:ext cx="2782495" cy="171171"/>
+          </a:xfrm>
+          <a:prstGeom prst="line">
+            <a:avLst/>
+          </a:prstGeom>
+          <a:ln w="28575">
+            <a:solidFill>
+              <a:schemeClr val="tx1"/>
+            </a:solidFill>
+          </a:ln>
+        </p:spPr>
+        <p:style>
+          <a:lnRef idx="1">
+            <a:schemeClr val="accent1"/>
+          </a:lnRef>
+          <a:fillRef idx="0">
+            <a:schemeClr val="accent1"/>
+          </a:fillRef>
+          <a:effectRef idx="0">
+            <a:schemeClr val="accent1"/>
+          </a:effectRef>
+          <a:fontRef idx="minor">
+            <a:schemeClr val="tx1"/>
+          </a:fontRef>
+        </p:style>
+      </p:cxnSp>
+      <p:sp>
+        <p:nvSpPr>
+          <p:cNvPr id="113" name="모서리가 둥근 직사각형 50">
+            <a:extLst>
+              <a:ext uri="{FF2B5EF4-FFF2-40B4-BE49-F238E27FC236}">
+                <a16:creationId xmlns:a16="http://schemas.microsoft.com/office/drawing/2014/main" id="{A227B8FE-6A9E-4807-9D5F-19C37C64B40E}"/>
+              </a:ext>
+            </a:extLst>
+          </p:cNvPr>
+          <p:cNvSpPr/>
+          <p:nvPr/>
+        </p:nvSpPr>
+        <p:spPr>
+          <a:xfrm>
+            <a:off x="7629679" y="3248470"/>
+            <a:ext cx="537624" cy="232141"/>
+          </a:xfrm>
+          <a:prstGeom prst="roundRect">
+            <a:avLst>
+              <a:gd name="adj" fmla="val 3400"/>
+            </a:avLst>
+          </a:prstGeom>
+          <a:solidFill>
+            <a:schemeClr val="accent3">
+              <a:lumMod val="40000"/>
+              <a:lumOff val="60000"/>
+            </a:schemeClr>
+          </a:solidFill>
+        </p:spPr>
+        <p:style>
+          <a:lnRef idx="2">
+            <a:schemeClr val="dk1"/>
+          </a:lnRef>
+          <a:fillRef idx="1">
+            <a:schemeClr val="lt1"/>
+          </a:fillRef>
+          <a:effectRef idx="0">
+            <a:schemeClr val="dk1"/>
+          </a:effectRef>
+          <a:fontRef idx="minor">
+            <a:schemeClr val="dk1"/>
+          </a:fontRef>
+        </p:style>
+        <p:txBody>
+          <a:bodyPr rtlCol="0" anchor="t"/>
+          <a:lstStyle/>
+          <a:p>
+            <a:pPr algn="ctr"/>
+            <a:endParaRPr lang="ko-KR" altLang="en-US" sz="1400" dirty="0"/>
+          </a:p>
+        </p:txBody>
+      </p:sp>
+      <p:sp>
+        <p:nvSpPr>
+          <p:cNvPr id="115" name="모서리가 둥근 직사각형 50">
+            <a:extLst>
+              <a:ext uri="{FF2B5EF4-FFF2-40B4-BE49-F238E27FC236}">
+                <a16:creationId xmlns:a16="http://schemas.microsoft.com/office/drawing/2014/main" id="{EC8979FE-2DCC-4E18-B1B4-E9F56FD451FF}"/>
+              </a:ext>
+            </a:extLst>
+          </p:cNvPr>
+          <p:cNvSpPr/>
+          <p:nvPr/>
+        </p:nvSpPr>
+        <p:spPr>
+          <a:xfrm>
+            <a:off x="7629679" y="2426563"/>
+            <a:ext cx="537624" cy="232141"/>
+          </a:xfrm>
+          <a:prstGeom prst="roundRect">
+            <a:avLst>
+              <a:gd name="adj" fmla="val 3400"/>
+            </a:avLst>
+          </a:prstGeom>
+          <a:solidFill>
+            <a:schemeClr val="tx2">
+              <a:lumMod val="40000"/>
+              <a:lumOff val="60000"/>
+            </a:schemeClr>
+          </a:solidFill>
+        </p:spPr>
+        <p:style>
+          <a:lnRef idx="2">
+            <a:schemeClr val="dk1"/>
+          </a:lnRef>
+          <a:fillRef idx="1">
+            <a:schemeClr val="lt1"/>
+          </a:fillRef>
+          <a:effectRef idx="0">
+            <a:schemeClr val="dk1"/>
+          </a:effectRef>
+          <a:fontRef idx="minor">
+            <a:schemeClr val="dk1"/>
+          </a:fontRef>
+        </p:style>
+        <p:txBody>
+          <a:bodyPr rtlCol="0" anchor="t"/>
+          <a:lstStyle/>
+          <a:p>
+            <a:pPr algn="ctr"/>
+            <a:endParaRPr lang="ko-KR" altLang="en-US" sz="1400" dirty="0"/>
+          </a:p>
+        </p:txBody>
+      </p:sp>
+      <p:sp>
+        <p:nvSpPr>
+          <p:cNvPr id="118" name="모서리가 둥근 직사각형 16">
+            <a:extLst>
+              <a:ext uri="{FF2B5EF4-FFF2-40B4-BE49-F238E27FC236}">
+                <a16:creationId xmlns:a16="http://schemas.microsoft.com/office/drawing/2014/main" id="{9C2EF554-9492-4606-B2E4-24D1F439EC60}"/>
+              </a:ext>
+            </a:extLst>
+          </p:cNvPr>
+          <p:cNvSpPr/>
+          <p:nvPr/>
+        </p:nvSpPr>
+        <p:spPr>
+          <a:xfrm>
+            <a:off x="8155564" y="2367328"/>
+            <a:ext cx="828092" cy="290684"/>
+          </a:xfrm>
+          <a:prstGeom prst="roundRect">
+            <a:avLst>
+              <a:gd name="adj" fmla="val 3400"/>
+            </a:avLst>
+          </a:prstGeom>
+          <a:noFill/>
+          <a:ln>
+            <a:noFill/>
+          </a:ln>
+        </p:spPr>
+        <p:style>
+          <a:lnRef idx="2">
+            <a:schemeClr val="dk1"/>
+          </a:lnRef>
+          <a:fillRef idx="1">
+            <a:schemeClr val="lt1"/>
+          </a:fillRef>
+          <a:effectRef idx="0">
+            <a:schemeClr val="dk1"/>
+          </a:effectRef>
+          <a:fontRef idx="minor">
+            <a:schemeClr val="dk1"/>
+          </a:fontRef>
+        </p:style>
+        <p:txBody>
+          <a:bodyPr rtlCol="0" anchor="t"/>
+          <a:lstStyle/>
+          <a:p>
+            <a:r>
+              <a:rPr lang="en-US" altLang="ko-KR" sz="1400"/>
+              <a:t>VETH</a:t>
+            </a:r>
+            <a:endParaRPr lang="ko-KR" altLang="en-US" sz="1400" dirty="0"/>
+          </a:p>
+        </p:txBody>
+      </p:sp>
+      <p:sp>
+        <p:nvSpPr>
+          <p:cNvPr id="123" name="모서리가 둥근 직사각형 16">
+            <a:extLst>
+              <a:ext uri="{FF2B5EF4-FFF2-40B4-BE49-F238E27FC236}">
+                <a16:creationId xmlns:a16="http://schemas.microsoft.com/office/drawing/2014/main" id="{532DCFA8-804C-4AA4-B399-101C4D52FF06}"/>
+              </a:ext>
+            </a:extLst>
+          </p:cNvPr>
+          <p:cNvSpPr/>
+          <p:nvPr/>
+        </p:nvSpPr>
+        <p:spPr>
+          <a:xfrm>
+            <a:off x="8155564" y="3198985"/>
+            <a:ext cx="1456996" cy="290684"/>
+          </a:xfrm>
+          <a:prstGeom prst="roundRect">
+            <a:avLst>
+              <a:gd name="adj" fmla="val 3400"/>
+            </a:avLst>
+          </a:prstGeom>
+          <a:noFill/>
+          <a:ln>
+            <a:noFill/>
+          </a:ln>
+        </p:spPr>
+        <p:style>
+          <a:lnRef idx="2">
+            <a:schemeClr val="dk1"/>
+          </a:lnRef>
+          <a:fillRef idx="1">
+            <a:schemeClr val="lt1"/>
+          </a:fillRef>
+          <a:effectRef idx="0">
+            <a:schemeClr val="dk1"/>
+          </a:effectRef>
+          <a:fontRef idx="minor">
+            <a:schemeClr val="dk1"/>
+          </a:fontRef>
+        </p:style>
+        <p:txBody>
+          <a:bodyPr rtlCol="0" anchor="t"/>
+          <a:lstStyle/>
+          <a:p>
+            <a:r>
+              <a:rPr lang="en-US" altLang="ko-KR" sz="1400"/>
+              <a:t>OVS </a:t>
+            </a:r>
+          </a:p>
+          <a:p>
+            <a:r>
+              <a:rPr lang="en-US" altLang="ko-KR" sz="1400"/>
+              <a:t>Patch Port</a:t>
+            </a:r>
+            <a:endParaRPr lang="ko-KR" altLang="en-US" sz="1400" dirty="0"/>
+          </a:p>
+        </p:txBody>
+      </p:sp>
+      <p:sp>
+        <p:nvSpPr>
+          <p:cNvPr id="124" name="모서리가 둥근 직사각형 50">
+            <a:extLst>
+              <a:ext uri="{FF2B5EF4-FFF2-40B4-BE49-F238E27FC236}">
+                <a16:creationId xmlns:a16="http://schemas.microsoft.com/office/drawing/2014/main" id="{4716ABA5-236A-4145-9A4C-CA445BC67692}"/>
+              </a:ext>
+            </a:extLst>
+          </p:cNvPr>
+          <p:cNvSpPr/>
+          <p:nvPr/>
+        </p:nvSpPr>
+        <p:spPr>
+          <a:xfrm>
+            <a:off x="7630124" y="2836016"/>
+            <a:ext cx="537624" cy="232141"/>
+          </a:xfrm>
+          <a:prstGeom prst="roundRect">
+            <a:avLst>
+              <a:gd name="adj" fmla="val 3400"/>
+            </a:avLst>
+          </a:prstGeom>
+          <a:solidFill>
+            <a:schemeClr val="accent6">
+              <a:lumMod val="40000"/>
+              <a:lumOff val="60000"/>
+            </a:schemeClr>
+          </a:solidFill>
+        </p:spPr>
+        <p:style>
+          <a:lnRef idx="2">
+            <a:schemeClr val="dk1"/>
+          </a:lnRef>
+          <a:fillRef idx="1">
+            <a:schemeClr val="lt1"/>
+          </a:fillRef>
+          <a:effectRef idx="0">
+            <a:schemeClr val="dk1"/>
+          </a:effectRef>
+          <a:fontRef idx="minor">
+            <a:schemeClr val="dk1"/>
+          </a:fontRef>
+        </p:style>
+        <p:txBody>
+          <a:bodyPr rtlCol="0" anchor="t"/>
+          <a:lstStyle/>
+          <a:p>
+            <a:pPr algn="ctr"/>
+            <a:endParaRPr lang="ko-KR" altLang="en-US" sz="1400" dirty="0"/>
+          </a:p>
+        </p:txBody>
+      </p:sp>
+      <p:sp>
+        <p:nvSpPr>
+          <p:cNvPr id="126" name="모서리가 둥근 직사각형 16">
+            <a:extLst>
+              <a:ext uri="{FF2B5EF4-FFF2-40B4-BE49-F238E27FC236}">
+                <a16:creationId xmlns:a16="http://schemas.microsoft.com/office/drawing/2014/main" id="{FEF37C2D-B30A-4756-852A-B91BA634742C}"/>
+              </a:ext>
+            </a:extLst>
+          </p:cNvPr>
+          <p:cNvSpPr/>
+          <p:nvPr/>
+        </p:nvSpPr>
+        <p:spPr>
+          <a:xfrm>
+            <a:off x="8155564" y="2776620"/>
+            <a:ext cx="828092" cy="290684"/>
+          </a:xfrm>
+          <a:prstGeom prst="roundRect">
+            <a:avLst>
+              <a:gd name="adj" fmla="val 3400"/>
+            </a:avLst>
+          </a:prstGeom>
+          <a:noFill/>
+          <a:ln>
+            <a:noFill/>
+          </a:ln>
+        </p:spPr>
+        <p:style>
+          <a:lnRef idx="2">
+            <a:schemeClr val="dk1"/>
+          </a:lnRef>
+          <a:fillRef idx="1">
+            <a:schemeClr val="lt1"/>
+          </a:fillRef>
+          <a:effectRef idx="0">
+            <a:schemeClr val="dk1"/>
+          </a:effectRef>
+          <a:fontRef idx="minor">
+            <a:schemeClr val="dk1"/>
+          </a:fontRef>
+        </p:style>
+        <p:txBody>
+          <a:bodyPr rtlCol="0" anchor="t"/>
+          <a:lstStyle/>
+          <a:p>
+            <a:r>
+              <a:rPr lang="en-US" altLang="ko-KR" sz="1400"/>
+              <a:t>OVS</a:t>
+            </a:r>
+            <a:endParaRPr lang="ko-KR" altLang="en-US" sz="1400" dirty="0"/>
+          </a:p>
+        </p:txBody>
+      </p:sp>
+      <p:sp>
+        <p:nvSpPr>
+          <p:cNvPr id="127" name="모서리가 둥근 직사각형 50">
+            <a:extLst>
+              <a:ext uri="{FF2B5EF4-FFF2-40B4-BE49-F238E27FC236}">
+                <a16:creationId xmlns:a16="http://schemas.microsoft.com/office/drawing/2014/main" id="{A1C3AF4D-B289-48EB-823F-0C6BED342FCA}"/>
+              </a:ext>
+            </a:extLst>
+          </p:cNvPr>
+          <p:cNvSpPr/>
+          <p:nvPr/>
+        </p:nvSpPr>
+        <p:spPr>
+          <a:xfrm>
+            <a:off x="7629679" y="2019728"/>
+            <a:ext cx="537624" cy="232141"/>
+          </a:xfrm>
+          <a:prstGeom prst="roundRect">
+            <a:avLst>
+              <a:gd name="adj" fmla="val 3400"/>
+            </a:avLst>
+          </a:prstGeom>
+          <a:solidFill>
+            <a:schemeClr val="accent5">
+              <a:lumMod val="40000"/>
+              <a:lumOff val="60000"/>
+            </a:schemeClr>
+          </a:solidFill>
+        </p:spPr>
+        <p:style>
+          <a:lnRef idx="2">
+            <a:schemeClr val="dk1"/>
+          </a:lnRef>
+          <a:fillRef idx="1">
+            <a:schemeClr val="lt1"/>
+          </a:fillRef>
+          <a:effectRef idx="0">
+            <a:schemeClr val="dk1"/>
+          </a:effectRef>
+          <a:fontRef idx="minor">
+            <a:schemeClr val="dk1"/>
+          </a:fontRef>
+        </p:style>
+        <p:txBody>
+          <a:bodyPr rtlCol="0" anchor="t"/>
+          <a:lstStyle/>
+          <a:p>
+            <a:pPr algn="ctr"/>
+            <a:endParaRPr lang="ko-KR" altLang="en-US" sz="1400" dirty="0"/>
+          </a:p>
+        </p:txBody>
+      </p:sp>
+      <p:sp>
+        <p:nvSpPr>
+          <p:cNvPr id="129" name="모서리가 둥근 직사각형 16">
+            <a:extLst>
+              <a:ext uri="{FF2B5EF4-FFF2-40B4-BE49-F238E27FC236}">
+                <a16:creationId xmlns:a16="http://schemas.microsoft.com/office/drawing/2014/main" id="{333B006D-7B40-4797-B910-86299657CB02}"/>
+              </a:ext>
+            </a:extLst>
+          </p:cNvPr>
+          <p:cNvSpPr/>
+          <p:nvPr/>
+        </p:nvSpPr>
+        <p:spPr>
+          <a:xfrm>
+            <a:off x="8155564" y="1960493"/>
+            <a:ext cx="828092" cy="290684"/>
+          </a:xfrm>
+          <a:prstGeom prst="roundRect">
+            <a:avLst>
+              <a:gd name="adj" fmla="val 3400"/>
+            </a:avLst>
+          </a:prstGeom>
+          <a:noFill/>
+          <a:ln>
+            <a:noFill/>
+          </a:ln>
+        </p:spPr>
+        <p:style>
+          <a:lnRef idx="2">
+            <a:schemeClr val="dk1"/>
+          </a:lnRef>
+          <a:fillRef idx="1">
+            <a:schemeClr val="lt1"/>
+          </a:fillRef>
+          <a:effectRef idx="0">
+            <a:schemeClr val="dk1"/>
+          </a:effectRef>
+          <a:fontRef idx="minor">
+            <a:schemeClr val="dk1"/>
+          </a:fontRef>
+        </p:style>
+        <p:txBody>
+          <a:bodyPr rtlCol="0" anchor="t"/>
+          <a:lstStyle/>
+          <a:p>
+            <a:r>
+              <a:rPr lang="en-US" altLang="ko-KR" sz="1400"/>
+              <a:t>TAP</a:t>
+            </a:r>
+            <a:endParaRPr lang="ko-KR" altLang="en-US" sz="1400" dirty="0"/>
+          </a:p>
+        </p:txBody>
+      </p:sp>
+      <p:sp>
+        <p:nvSpPr>
+          <p:cNvPr id="130" name="모서리가 둥근 직사각형 50">
+            <a:extLst>
+              <a:ext uri="{FF2B5EF4-FFF2-40B4-BE49-F238E27FC236}">
+                <a16:creationId xmlns:a16="http://schemas.microsoft.com/office/drawing/2014/main" id="{ADBF9CE3-6892-493C-A461-496B092AFDDF}"/>
+              </a:ext>
+            </a:extLst>
+          </p:cNvPr>
+          <p:cNvSpPr/>
+          <p:nvPr/>
+        </p:nvSpPr>
+        <p:spPr>
+          <a:xfrm>
+            <a:off x="1157312" y="3491360"/>
+            <a:ext cx="1440160" cy="290684"/>
+          </a:xfrm>
+          <a:prstGeom prst="roundRect">
+            <a:avLst>
+              <a:gd name="adj" fmla="val 3400"/>
+            </a:avLst>
+          </a:prstGeom>
+          <a:solidFill>
+            <a:schemeClr val="accent3">
+              <a:lumMod val="40000"/>
+              <a:lumOff val="60000"/>
+            </a:schemeClr>
+          </a:solidFill>
+        </p:spPr>
+        <p:style>
+          <a:lnRef idx="2">
+            <a:schemeClr val="dk1"/>
+          </a:lnRef>
+          <a:fillRef idx="1">
+            <a:schemeClr val="lt1"/>
+          </a:fillRef>
+          <a:effectRef idx="0">
+            <a:schemeClr val="dk1"/>
+          </a:effectRef>
+          <a:fontRef idx="minor">
+            <a:schemeClr val="dk1"/>
+          </a:fontRef>
+        </p:style>
+        <p:txBody>
+          <a:bodyPr rtlCol="0" anchor="t"/>
+          <a:lstStyle/>
+          <a:p>
+            <a:pPr algn="ctr"/>
+            <a:r>
+              <a:rPr lang="en-US" altLang="ko-KR" sz="1400"/>
+              <a:t>int-br-ex</a:t>
+            </a:r>
+            <a:endParaRPr lang="ko-KR" altLang="en-US" sz="1400" dirty="0"/>
+          </a:p>
+        </p:txBody>
+      </p:sp>
+      <p:cxnSp>
+        <p:nvCxnSpPr>
+          <p:cNvPr id="132" name="직선 연결선 131">
+            <a:extLst>
+              <a:ext uri="{FF2B5EF4-FFF2-40B4-BE49-F238E27FC236}">
+                <a16:creationId xmlns:a16="http://schemas.microsoft.com/office/drawing/2014/main" id="{F778ABDB-9971-406F-BE80-794AE78200ED}"/>
+              </a:ext>
+            </a:extLst>
+          </p:cNvPr>
+          <p:cNvCxnSpPr>
+            <a:cxnSpLocks/>
+            <a:stCxn id="70" idx="2"/>
+            <a:endCxn id="18" idx="0"/>
+          </p:cNvCxnSpPr>
+          <p:nvPr/>
+        </p:nvCxnSpPr>
+        <p:spPr>
+          <a:xfrm>
+            <a:off x="3820598" y="4494504"/>
+            <a:ext cx="980570" cy="177548"/>
+          </a:xfrm>
+          <a:prstGeom prst="line">
+            <a:avLst/>
+          </a:prstGeom>
+          <a:ln w="28575">
+            <a:solidFill>
+              <a:schemeClr val="tx1"/>
+            </a:solidFill>
+          </a:ln>
+        </p:spPr>
+        <p:style>
+          <a:lnRef idx="1">
+            <a:schemeClr val="accent1"/>
+          </a:lnRef>
+          <a:fillRef idx="0">
+            <a:schemeClr val="accent1"/>
+          </a:fillRef>
+          <a:effectRef idx="0">
+            <a:schemeClr val="accent1"/>
+          </a:effectRef>
+          <a:fontRef idx="minor">
+            <a:schemeClr val="tx1"/>
+          </a:fontRef>
+        </p:style>
+      </p:cxnSp>
+      <p:cxnSp>
+        <p:nvCxnSpPr>
+          <p:cNvPr id="133" name="직선 연결선 132">
+            <a:extLst>
+              <a:ext uri="{FF2B5EF4-FFF2-40B4-BE49-F238E27FC236}">
+                <a16:creationId xmlns:a16="http://schemas.microsoft.com/office/drawing/2014/main" id="{25C374BF-0D81-4473-9CFF-FBC2FBA1527A}"/>
+              </a:ext>
+            </a:extLst>
+          </p:cNvPr>
+          <p:cNvCxnSpPr>
+            <a:cxnSpLocks/>
+            <a:stCxn id="76" idx="2"/>
+            <a:endCxn id="18" idx="0"/>
+          </p:cNvCxnSpPr>
+          <p:nvPr/>
+        </p:nvCxnSpPr>
+        <p:spPr>
+          <a:xfrm flipH="1">
+            <a:off x="4801168" y="4494504"/>
+            <a:ext cx="942415" cy="177548"/>
+          </a:xfrm>
+          <a:prstGeom prst="line">
+            <a:avLst/>
+          </a:prstGeom>
+          <a:ln w="28575">
+            <a:solidFill>
+              <a:schemeClr val="tx1"/>
+            </a:solidFill>
+          </a:ln>
+        </p:spPr>
+        <p:style>
+          <a:lnRef idx="1">
+            <a:schemeClr val="accent1"/>
+          </a:lnRef>
+          <a:fillRef idx="0">
+            <a:schemeClr val="accent1"/>
+          </a:fillRef>
+          <a:effectRef idx="0">
+            <a:schemeClr val="accent1"/>
+          </a:effectRef>
+          <a:fontRef idx="minor">
+            <a:schemeClr val="tx1"/>
+          </a:fontRef>
+        </p:style>
+      </p:cxnSp>
+      <p:sp>
+        <p:nvSpPr>
+          <p:cNvPr id="135" name="모서리가 둥근 직사각형 15">
+            <a:extLst>
+              <a:ext uri="{FF2B5EF4-FFF2-40B4-BE49-F238E27FC236}">
+                <a16:creationId xmlns:a16="http://schemas.microsoft.com/office/drawing/2014/main" id="{153FC9F1-9E8A-4E04-971E-7CCB8CE8045A}"/>
+              </a:ext>
+            </a:extLst>
+          </p:cNvPr>
+          <p:cNvSpPr/>
+          <p:nvPr/>
+        </p:nvSpPr>
+        <p:spPr>
+          <a:xfrm>
+            <a:off x="1157312" y="4203819"/>
+            <a:ext cx="1440160" cy="290685"/>
+          </a:xfrm>
+          <a:prstGeom prst="roundRect">
+            <a:avLst>
+              <a:gd name="adj" fmla="val 3400"/>
+            </a:avLst>
+          </a:prstGeom>
+          <a:solidFill>
+            <a:schemeClr val="accent6">
+              <a:lumMod val="40000"/>
+              <a:lumOff val="60000"/>
+            </a:schemeClr>
+          </a:solidFill>
+        </p:spPr>
+        <p:style>
+          <a:lnRef idx="2">
+            <a:schemeClr val="dk1"/>
+          </a:lnRef>
+          <a:fillRef idx="1">
+            <a:schemeClr val="lt1"/>
+          </a:fillRef>
+          <a:effectRef idx="0">
+            <a:schemeClr val="dk1"/>
+          </a:effectRef>
+          <a:fontRef idx="minor">
+            <a:schemeClr val="dk1"/>
+          </a:fontRef>
+        </p:style>
+        <p:txBody>
+          <a:bodyPr rtlCol="0" anchor="ctr"/>
+          <a:lstStyle/>
+          <a:p>
+            <a:pPr algn="ctr"/>
+            <a:r>
+              <a:rPr lang="en-US" altLang="ko-KR" sz="1400"/>
+              <a:t>br-ex</a:t>
+            </a:r>
+            <a:endParaRPr lang="ko-KR" altLang="en-US" sz="1400" dirty="0"/>
+          </a:p>
+        </p:txBody>
+      </p:sp>
+      <p:sp>
+        <p:nvSpPr>
+          <p:cNvPr id="139" name="모서리가 둥근 직사각형 50">
+            <a:extLst>
+              <a:ext uri="{FF2B5EF4-FFF2-40B4-BE49-F238E27FC236}">
+                <a16:creationId xmlns:a16="http://schemas.microsoft.com/office/drawing/2014/main" id="{843EE63F-3E6B-40A3-8D87-79B3AE78E006}"/>
+              </a:ext>
+            </a:extLst>
+          </p:cNvPr>
+          <p:cNvSpPr/>
+          <p:nvPr/>
+        </p:nvSpPr>
+        <p:spPr>
+          <a:xfrm>
+            <a:off x="1157312" y="3917113"/>
+            <a:ext cx="1440160" cy="290684"/>
+          </a:xfrm>
+          <a:prstGeom prst="roundRect">
+            <a:avLst>
+              <a:gd name="adj" fmla="val 3400"/>
+            </a:avLst>
+          </a:prstGeom>
+          <a:solidFill>
+            <a:schemeClr val="accent3">
+              <a:lumMod val="40000"/>
+              <a:lumOff val="60000"/>
+            </a:schemeClr>
+          </a:solidFill>
+        </p:spPr>
+        <p:style>
+          <a:lnRef idx="2">
+            <a:schemeClr val="dk1"/>
+          </a:lnRef>
+          <a:fillRef idx="1">
+            <a:schemeClr val="lt1"/>
+          </a:fillRef>
+          <a:effectRef idx="0">
+            <a:schemeClr val="dk1"/>
+          </a:effectRef>
+          <a:fontRef idx="minor">
+            <a:schemeClr val="dk1"/>
+          </a:fontRef>
+        </p:style>
+        <p:txBody>
+          <a:bodyPr rtlCol="0" anchor="t"/>
+          <a:lstStyle/>
+          <a:p>
+            <a:pPr algn="ctr"/>
+            <a:r>
+              <a:rPr lang="en-US" altLang="ko-KR" sz="1400"/>
+              <a:t>phy-br-ex</a:t>
+            </a:r>
+            <a:endParaRPr lang="ko-KR" altLang="en-US" sz="1400"/>
+          </a:p>
+        </p:txBody>
+      </p:sp>
+      <p:cxnSp>
+        <p:nvCxnSpPr>
+          <p:cNvPr id="140" name="직선 연결선 139">
+            <a:extLst>
+              <a:ext uri="{FF2B5EF4-FFF2-40B4-BE49-F238E27FC236}">
+                <a16:creationId xmlns:a16="http://schemas.microsoft.com/office/drawing/2014/main" id="{AE0D9484-8E96-483D-8766-CEE493CBD1C6}"/>
+              </a:ext>
+            </a:extLst>
+          </p:cNvPr>
+          <p:cNvCxnSpPr>
+            <a:cxnSpLocks/>
+            <a:stCxn id="139" idx="0"/>
+            <a:endCxn id="130" idx="2"/>
+          </p:cNvCxnSpPr>
+          <p:nvPr/>
+        </p:nvCxnSpPr>
+        <p:spPr>
+          <a:xfrm flipV="1">
+            <a:off x="1877392" y="3782044"/>
+            <a:ext cx="0" cy="135069"/>
+          </a:xfrm>
+          <a:prstGeom prst="line">
+            <a:avLst/>
+          </a:prstGeom>
+          <a:ln w="28575">
+            <a:solidFill>
+              <a:schemeClr val="tx1"/>
+            </a:solidFill>
+          </a:ln>
+        </p:spPr>
+        <p:style>
+          <a:lnRef idx="1">
+            <a:schemeClr val="accent1"/>
+          </a:lnRef>
+          <a:fillRef idx="0">
+            <a:schemeClr val="accent1"/>
+          </a:fillRef>
+          <a:effectRef idx="0">
+            <a:schemeClr val="accent1"/>
+          </a:effectRef>
+          <a:fontRef idx="minor">
+            <a:schemeClr val="tx1"/>
+          </a:fontRef>
+        </p:style>
+      </p:cxnSp>
+      <p:cxnSp>
+        <p:nvCxnSpPr>
+          <p:cNvPr id="141" name="직선 연결선 140">
+            <a:extLst>
+              <a:ext uri="{FF2B5EF4-FFF2-40B4-BE49-F238E27FC236}">
+                <a16:creationId xmlns:a16="http://schemas.microsoft.com/office/drawing/2014/main" id="{A26015C1-788A-42D8-944A-3ED6160086CC}"/>
+              </a:ext>
+            </a:extLst>
+          </p:cNvPr>
+          <p:cNvCxnSpPr>
+            <a:cxnSpLocks/>
+            <a:stCxn id="60" idx="0"/>
+            <a:endCxn id="135" idx="2"/>
+          </p:cNvCxnSpPr>
+          <p:nvPr/>
+        </p:nvCxnSpPr>
+        <p:spPr>
+          <a:xfrm flipH="1" flipV="1">
+            <a:off x="1877392" y="4494504"/>
+            <a:ext cx="354348" cy="185706"/>
+          </a:xfrm>
+          <a:prstGeom prst="line">
+            <a:avLst/>
+          </a:prstGeom>
+          <a:ln w="28575">
+            <a:solidFill>
+              <a:schemeClr val="tx1"/>
+            </a:solidFill>
+          </a:ln>
+        </p:spPr>
+        <p:style>
+          <a:lnRef idx="1">
+            <a:schemeClr val="accent1"/>
+          </a:lnRef>
+          <a:fillRef idx="0">
+            <a:schemeClr val="accent1"/>
+          </a:fillRef>
+          <a:effectRef idx="0">
+            <a:schemeClr val="accent1"/>
+          </a:effectRef>
+          <a:fontRef idx="minor">
+            <a:schemeClr val="tx1"/>
+          </a:fontRef>
+        </p:style>
+      </p:cxnSp>
+    </p:spTree>
+    <p:extLst>
+      <p:ext uri="{BB962C8B-B14F-4D97-AF65-F5344CB8AC3E}">
+        <p14:creationId xmlns:p14="http://schemas.microsoft.com/office/powerpoint/2010/main" val="765101803"/>
+      </p:ext>
+    </p:extLst>
+  </p:cSld>
+  <p:clrMapOvr>
+    <a:masterClrMapping/>
+  </p:clrMapOvr>
+</p:sld>
+</file>
+
+<file path=ppt/slides/slide7.xml><?xml version="1.0" encoding="utf-8"?>
+<p:sld xmlns:a="http://schemas.openxmlformats.org/drawingml/2006/main" xmlns:r="http://schemas.openxmlformats.org/officeDocument/2006/relationships" xmlns:p="http://schemas.openxmlformats.org/presentationml/2006/main">
+  <p:cSld>
+    <p:spTree>
+      <p:nvGrpSpPr>
+        <p:cNvPr id="1" name=""/>
+        <p:cNvGrpSpPr/>
+        <p:nvPr/>
+      </p:nvGrpSpPr>
+      <p:grpSpPr>
+        <a:xfrm>
+          <a:off x="0" y="0"/>
+          <a:ext cx="0" cy="0"/>
+          <a:chOff x="0" y="0"/>
+          <a:chExt cx="0" cy="0"/>
+        </a:xfrm>
+      </p:grpSpPr>
+      <p:sp>
+        <p:nvSpPr>
           <p:cNvPr id="2" name="제목 1">
             <a:extLst>
               <a:ext uri="{FF2B5EF4-FFF2-40B4-BE49-F238E27FC236}">
@@ -10931,7 +17693,7 @@
 </p:sld>
 </file>
 
-<file path=ppt/slides/slide6.xml><?xml version="1.0" encoding="utf-8"?>
+<file path=ppt/slides/slide8.xml><?xml version="1.0" encoding="utf-8"?>
 <p:sld xmlns:a="http://schemas.openxmlformats.org/drawingml/2006/main" xmlns:r="http://schemas.openxmlformats.org/officeDocument/2006/relationships" xmlns:p="http://schemas.openxmlformats.org/presentationml/2006/main">
   <p:cSld>
     <p:spTree>

--- a/images/theory_analysis/OpenStack_Neutron/OpenStack_Network_Neutron.pptx
+++ b/images/theory_analysis/OpenStack_Neutron/OpenStack_Network_Neutron.pptx
@@ -220,7 +220,7 @@
           <a:p>
             <a:fld id="{6CD5550B-26C4-49A9-A5BA-636EF7BE6CE9}" type="datetimeFigureOut">
               <a:rPr lang="ko-KR" altLang="en-US" smtClean="0"/>
-              <a:t>2020-01-13</a:t>
+              <a:t>2020-01-14</a:t>
             </a:fld>
             <a:endParaRPr lang="ko-KR" altLang="en-US"/>
           </a:p>
@@ -834,7 +834,7 @@
           <a:p>
             <a:fld id="{FB30EDBD-1C2D-4C1E-B459-B60219FAB484}" type="datetimeFigureOut">
               <a:rPr lang="ko-KR" altLang="en-US" smtClean="0"/>
-              <a:t>2020-01-13</a:t>
+              <a:t>2020-01-14</a:t>
             </a:fld>
             <a:endParaRPr lang="ko-KR" altLang="en-US"/>
           </a:p>
@@ -997,7 +997,7 @@
           <a:p>
             <a:fld id="{FB30EDBD-1C2D-4C1E-B459-B60219FAB484}" type="datetimeFigureOut">
               <a:rPr lang="ko-KR" altLang="en-US" smtClean="0"/>
-              <a:t>2020-01-13</a:t>
+              <a:t>2020-01-14</a:t>
             </a:fld>
             <a:endParaRPr lang="ko-KR" altLang="en-US"/>
           </a:p>
@@ -1170,7 +1170,7 @@
           <a:p>
             <a:fld id="{FB30EDBD-1C2D-4C1E-B459-B60219FAB484}" type="datetimeFigureOut">
               <a:rPr lang="ko-KR" altLang="en-US" smtClean="0"/>
-              <a:t>2020-01-13</a:t>
+              <a:t>2020-01-14</a:t>
             </a:fld>
             <a:endParaRPr lang="ko-KR" altLang="en-US"/>
           </a:p>
@@ -1333,7 +1333,7 @@
           <a:p>
             <a:fld id="{FB30EDBD-1C2D-4C1E-B459-B60219FAB484}" type="datetimeFigureOut">
               <a:rPr lang="ko-KR" altLang="en-US" smtClean="0"/>
-              <a:t>2020-01-13</a:t>
+              <a:t>2020-01-14</a:t>
             </a:fld>
             <a:endParaRPr lang="ko-KR" altLang="en-US"/>
           </a:p>
@@ -1573,7 +1573,7 @@
           <a:p>
             <a:fld id="{FB30EDBD-1C2D-4C1E-B459-B60219FAB484}" type="datetimeFigureOut">
               <a:rPr lang="ko-KR" altLang="en-US" smtClean="0"/>
-              <a:t>2020-01-13</a:t>
+              <a:t>2020-01-14</a:t>
             </a:fld>
             <a:endParaRPr lang="ko-KR" altLang="en-US"/>
           </a:p>
@@ -1853,7 +1853,7 @@
           <a:p>
             <a:fld id="{FB30EDBD-1C2D-4C1E-B459-B60219FAB484}" type="datetimeFigureOut">
               <a:rPr lang="ko-KR" altLang="en-US" smtClean="0"/>
-              <a:t>2020-01-13</a:t>
+              <a:t>2020-01-14</a:t>
             </a:fld>
             <a:endParaRPr lang="ko-KR" altLang="en-US"/>
           </a:p>
@@ -2267,7 +2267,7 @@
           <a:p>
             <a:fld id="{FB30EDBD-1C2D-4C1E-B459-B60219FAB484}" type="datetimeFigureOut">
               <a:rPr lang="ko-KR" altLang="en-US" smtClean="0"/>
-              <a:t>2020-01-13</a:t>
+              <a:t>2020-01-14</a:t>
             </a:fld>
             <a:endParaRPr lang="ko-KR" altLang="en-US"/>
           </a:p>
@@ -2379,7 +2379,7 @@
           <a:p>
             <a:fld id="{FB30EDBD-1C2D-4C1E-B459-B60219FAB484}" type="datetimeFigureOut">
               <a:rPr lang="ko-KR" altLang="en-US" smtClean="0"/>
-              <a:t>2020-01-13</a:t>
+              <a:t>2020-01-14</a:t>
             </a:fld>
             <a:endParaRPr lang="ko-KR" altLang="en-US"/>
           </a:p>
@@ -2469,7 +2469,7 @@
           <a:p>
             <a:fld id="{FB30EDBD-1C2D-4C1E-B459-B60219FAB484}" type="datetimeFigureOut">
               <a:rPr lang="ko-KR" altLang="en-US" smtClean="0"/>
-              <a:t>2020-01-13</a:t>
+              <a:t>2020-01-14</a:t>
             </a:fld>
             <a:endParaRPr lang="ko-KR" altLang="en-US"/>
           </a:p>
@@ -2739,7 +2739,7 @@
           <a:p>
             <a:fld id="{FB30EDBD-1C2D-4C1E-B459-B60219FAB484}" type="datetimeFigureOut">
               <a:rPr lang="ko-KR" altLang="en-US" smtClean="0"/>
-              <a:t>2020-01-13</a:t>
+              <a:t>2020-01-14</a:t>
             </a:fld>
             <a:endParaRPr lang="ko-KR" altLang="en-US"/>
           </a:p>
@@ -2986,7 +2986,7 @@
           <a:p>
             <a:fld id="{FB30EDBD-1C2D-4C1E-B459-B60219FAB484}" type="datetimeFigureOut">
               <a:rPr lang="ko-KR" altLang="en-US" smtClean="0"/>
-              <a:t>2020-01-13</a:t>
+              <a:t>2020-01-14</a:t>
             </a:fld>
             <a:endParaRPr lang="ko-KR" altLang="en-US"/>
           </a:p>
@@ -3192,7 +3192,7 @@
           <a:p>
             <a:fld id="{FB30EDBD-1C2D-4C1E-B459-B60219FAB484}" type="datetimeFigureOut">
               <a:rPr lang="ko-KR" altLang="en-US" smtClean="0"/>
-              <a:t>2020-01-13</a:t>
+              <a:t>2020-01-14</a:t>
             </a:fld>
             <a:endParaRPr lang="ko-KR" altLang="en-US"/>
           </a:p>
@@ -8006,54 +8006,6 @@
       </p:sp>
       <p:sp>
         <p:nvSpPr>
-          <p:cNvPr id="50" name="타원 49">
-            <a:extLst>
-              <a:ext uri="{FF2B5EF4-FFF2-40B4-BE49-F238E27FC236}">
-                <a16:creationId xmlns:a16="http://schemas.microsoft.com/office/drawing/2014/main" id="{54B08D17-56D7-4815-9940-0DF7ABCF1A69}"/>
-              </a:ext>
-            </a:extLst>
-          </p:cNvPr>
-          <p:cNvSpPr/>
-          <p:nvPr/>
-        </p:nvSpPr>
-        <p:spPr>
-          <a:xfrm>
-            <a:off x="2035430" y="2898989"/>
-            <a:ext cx="1156780" cy="290684"/>
-          </a:xfrm>
-          <a:prstGeom prst="ellipse">
-            <a:avLst/>
-          </a:prstGeom>
-        </p:spPr>
-        <p:style>
-          <a:lnRef idx="2">
-            <a:schemeClr val="dk1"/>
-          </a:lnRef>
-          <a:fillRef idx="1">
-            <a:schemeClr val="lt1"/>
-          </a:fillRef>
-          <a:effectRef idx="0">
-            <a:schemeClr val="dk1"/>
-          </a:effectRef>
-          <a:fontRef idx="minor">
-            <a:schemeClr val="dk1"/>
-          </a:fontRef>
-        </p:style>
-        <p:txBody>
-          <a:bodyPr rtlCol="0" anchor="ctr"/>
-          <a:lstStyle/>
-          <a:p>
-            <a:pPr algn="ctr"/>
-            <a:r>
-              <a:rPr lang="en-US" altLang="ko-KR" sz="1400"/>
-              <a:t>iptables</a:t>
-            </a:r>
-            <a:endParaRPr lang="ko-KR" altLang="en-US" sz="1400"/>
-          </a:p>
-        </p:txBody>
-      </p:sp>
-      <p:sp>
-        <p:nvSpPr>
           <p:cNvPr id="62" name="모서리가 둥근 직사각형 15">
             <a:extLst>
               <a:ext uri="{FF2B5EF4-FFF2-40B4-BE49-F238E27FC236}">
@@ -8108,54 +8060,6 @@
           </a:p>
         </p:txBody>
       </p:sp>
-      <p:sp>
-        <p:nvSpPr>
-          <p:cNvPr id="63" name="타원 62">
-            <a:extLst>
-              <a:ext uri="{FF2B5EF4-FFF2-40B4-BE49-F238E27FC236}">
-                <a16:creationId xmlns:a16="http://schemas.microsoft.com/office/drawing/2014/main" id="{987226C9-347E-465D-9F87-E5B3D5056699}"/>
-              </a:ext>
-            </a:extLst>
-          </p:cNvPr>
-          <p:cNvSpPr/>
-          <p:nvPr/>
-        </p:nvSpPr>
-        <p:spPr>
-          <a:xfrm>
-            <a:off x="4912369" y="2898989"/>
-            <a:ext cx="1156780" cy="290684"/>
-          </a:xfrm>
-          <a:prstGeom prst="ellipse">
-            <a:avLst/>
-          </a:prstGeom>
-        </p:spPr>
-        <p:style>
-          <a:lnRef idx="2">
-            <a:schemeClr val="dk1"/>
-          </a:lnRef>
-          <a:fillRef idx="1">
-            <a:schemeClr val="lt1"/>
-          </a:fillRef>
-          <a:effectRef idx="0">
-            <a:schemeClr val="dk1"/>
-          </a:effectRef>
-          <a:fontRef idx="minor">
-            <a:schemeClr val="dk1"/>
-          </a:fontRef>
-        </p:style>
-        <p:txBody>
-          <a:bodyPr rtlCol="0" anchor="ctr"/>
-          <a:lstStyle/>
-          <a:p>
-            <a:pPr algn="ctr"/>
-            <a:r>
-              <a:rPr lang="en-US" altLang="ko-KR" sz="1400"/>
-              <a:t>iptables</a:t>
-            </a:r>
-            <a:endParaRPr lang="ko-KR" altLang="en-US" sz="1400"/>
-          </a:p>
-        </p:txBody>
-      </p:sp>
       <p:cxnSp>
         <p:nvCxnSpPr>
           <p:cNvPr id="69" name="직선 연결선 68">
@@ -8246,6 +8150,54 @@
           </a:fontRef>
         </p:style>
       </p:cxnSp>
+      <p:sp>
+        <p:nvSpPr>
+          <p:cNvPr id="50" name="타원 49">
+            <a:extLst>
+              <a:ext uri="{FF2B5EF4-FFF2-40B4-BE49-F238E27FC236}">
+                <a16:creationId xmlns:a16="http://schemas.microsoft.com/office/drawing/2014/main" id="{54B08D17-56D7-4815-9940-0DF7ABCF1A69}"/>
+              </a:ext>
+            </a:extLst>
+          </p:cNvPr>
+          <p:cNvSpPr/>
+          <p:nvPr/>
+        </p:nvSpPr>
+        <p:spPr>
+          <a:xfrm>
+            <a:off x="2035430" y="2898989"/>
+            <a:ext cx="4003704" cy="290684"/>
+          </a:xfrm>
+          <a:prstGeom prst="ellipse">
+            <a:avLst/>
+          </a:prstGeom>
+        </p:spPr>
+        <p:style>
+          <a:lnRef idx="2">
+            <a:schemeClr val="dk1"/>
+          </a:lnRef>
+          <a:fillRef idx="1">
+            <a:schemeClr val="lt1"/>
+          </a:fillRef>
+          <a:effectRef idx="0">
+            <a:schemeClr val="dk1"/>
+          </a:effectRef>
+          <a:fontRef idx="minor">
+            <a:schemeClr val="dk1"/>
+          </a:fontRef>
+        </p:style>
+        <p:txBody>
+          <a:bodyPr rtlCol="0" anchor="ctr"/>
+          <a:lstStyle/>
+          <a:p>
+            <a:pPr algn="ctr"/>
+            <a:r>
+              <a:rPr lang="en-US" altLang="ko-KR" sz="1400"/>
+              <a:t>iptables</a:t>
+            </a:r>
+            <a:endParaRPr lang="ko-KR" altLang="en-US" sz="1400"/>
+          </a:p>
+        </p:txBody>
+      </p:sp>
     </p:spTree>
     <p:extLst>
       <p:ext uri="{BB962C8B-B14F-4D97-AF65-F5344CB8AC3E}">
@@ -11028,8 +10980,8 @@
         </p:nvSpPr>
         <p:spPr>
           <a:xfrm>
-            <a:off x="1115616" y="214161"/>
-            <a:ext cx="5895565" cy="4803998"/>
+            <a:off x="1115616" y="214160"/>
+            <a:ext cx="5895565" cy="4805861"/>
           </a:xfrm>
           <a:prstGeom prst="roundRect">
             <a:avLst>
@@ -12162,506 +12114,230 @@
           </a:p>
         </p:txBody>
       </p:sp>
-      <p:grpSp>
-        <p:nvGrpSpPr>
-          <p:cNvPr id="5" name="그룹 4">
-            <a:extLst>
-              <a:ext uri="{FF2B5EF4-FFF2-40B4-BE49-F238E27FC236}">
-                <a16:creationId xmlns:a16="http://schemas.microsoft.com/office/drawing/2014/main" id="{ABD0A337-C858-4DA6-A24D-129EE2690471}"/>
-              </a:ext>
-            </a:extLst>
-          </p:cNvPr>
-          <p:cNvGrpSpPr/>
-          <p:nvPr/>
-        </p:nvGrpSpPr>
-        <p:grpSpPr>
+      <p:sp>
+        <p:nvSpPr>
+          <p:cNvPr id="61" name="모서리가 둥근 직사각형 15">
+            <a:extLst>
+              <a:ext uri="{FF2B5EF4-FFF2-40B4-BE49-F238E27FC236}">
+                <a16:creationId xmlns:a16="http://schemas.microsoft.com/office/drawing/2014/main" id="{29EEC0CE-B88C-4938-9A61-4E5F0F3775C0}"/>
+              </a:ext>
+            </a:extLst>
+          </p:cNvPr>
+          <p:cNvSpPr/>
+          <p:nvPr/>
+        </p:nvSpPr>
+        <p:spPr>
           <a:xfrm>
             <a:off x="1250542" y="1796089"/>
             <a:ext cx="1296143" cy="650725"/>
-            <a:chOff x="2001752" y="2857129"/>
-            <a:chExt cx="1224136" cy="578717"/>
-          </a:xfrm>
-        </p:grpSpPr>
-        <p:sp>
-          <p:nvSpPr>
-            <p:cNvPr id="61" name="모서리가 둥근 직사각형 15">
-              <a:extLst>
-                <a:ext uri="{FF2B5EF4-FFF2-40B4-BE49-F238E27FC236}">
-                  <a16:creationId xmlns:a16="http://schemas.microsoft.com/office/drawing/2014/main" id="{29EEC0CE-B88C-4938-9A61-4E5F0F3775C0}"/>
-                </a:ext>
-              </a:extLst>
-            </p:cNvPr>
-            <p:cNvSpPr/>
-            <p:nvPr/>
-          </p:nvSpPr>
-          <p:spPr>
-            <a:xfrm>
-              <a:off x="2001752" y="2857129"/>
-              <a:ext cx="1224136" cy="578717"/>
-            </a:xfrm>
-            <a:prstGeom prst="roundRect">
-              <a:avLst>
-                <a:gd name="adj" fmla="val 3400"/>
-              </a:avLst>
-            </a:prstGeom>
-            <a:solidFill>
-              <a:schemeClr val="accent2">
-                <a:lumMod val="40000"/>
-                <a:lumOff val="60000"/>
-              </a:schemeClr>
-            </a:solidFill>
-          </p:spPr>
-          <p:style>
-            <a:lnRef idx="2">
-              <a:schemeClr val="dk1"/>
-            </a:lnRef>
-            <a:fillRef idx="1">
-              <a:schemeClr val="lt1"/>
-            </a:fillRef>
-            <a:effectRef idx="0">
-              <a:schemeClr val="dk1"/>
-            </a:effectRef>
-            <a:fontRef idx="minor">
-              <a:schemeClr val="dk1"/>
-            </a:fontRef>
-          </p:style>
-          <p:txBody>
-            <a:bodyPr rtlCol="0" anchor="b"/>
-            <a:lstStyle/>
-            <a:p>
-              <a:pPr algn="ctr"/>
-              <a:r>
-                <a:rPr lang="en-US" altLang="ko-KR" sz="1400"/>
-                <a:t>qbr1</a:t>
-              </a:r>
-              <a:endParaRPr lang="ko-KR" altLang="en-US" sz="1400" dirty="0"/>
-            </a:p>
-          </p:txBody>
-        </p:sp>
-        <p:sp>
-          <p:nvSpPr>
-            <p:cNvPr id="62" name="타원 61">
-              <a:extLst>
-                <a:ext uri="{FF2B5EF4-FFF2-40B4-BE49-F238E27FC236}">
-                  <a16:creationId xmlns:a16="http://schemas.microsoft.com/office/drawing/2014/main" id="{3B354426-8A83-42BC-A7D6-F92A12C995BC}"/>
-                </a:ext>
-              </a:extLst>
-            </p:cNvPr>
-            <p:cNvSpPr/>
-            <p:nvPr/>
-          </p:nvSpPr>
-          <p:spPr>
-            <a:xfrm>
-              <a:off x="2035430" y="2898989"/>
-              <a:ext cx="1156780" cy="290684"/>
-            </a:xfrm>
-            <a:prstGeom prst="ellipse">
-              <a:avLst/>
-            </a:prstGeom>
-          </p:spPr>
-          <p:style>
-            <a:lnRef idx="2">
-              <a:schemeClr val="dk1"/>
-            </a:lnRef>
-            <a:fillRef idx="1">
-              <a:schemeClr val="lt1"/>
-            </a:fillRef>
-            <a:effectRef idx="0">
-              <a:schemeClr val="dk1"/>
-            </a:effectRef>
-            <a:fontRef idx="minor">
-              <a:schemeClr val="dk1"/>
-            </a:fontRef>
-          </p:style>
-          <p:txBody>
-            <a:bodyPr rtlCol="0" anchor="ctr"/>
-            <a:lstStyle/>
-            <a:p>
-              <a:pPr algn="ctr"/>
-              <a:r>
-                <a:rPr lang="en-US" altLang="ko-KR" sz="1400"/>
-                <a:t>iptables</a:t>
-              </a:r>
-              <a:endParaRPr lang="ko-KR" altLang="en-US" sz="1400"/>
-            </a:p>
-          </p:txBody>
-        </p:sp>
-      </p:grpSp>
-      <p:grpSp>
-        <p:nvGrpSpPr>
-          <p:cNvPr id="63" name="그룹 62">
-            <a:extLst>
-              <a:ext uri="{FF2B5EF4-FFF2-40B4-BE49-F238E27FC236}">
-                <a16:creationId xmlns:a16="http://schemas.microsoft.com/office/drawing/2014/main" id="{5D91F4FC-91F7-4BFB-ACB7-741E50EE3EBC}"/>
-              </a:ext>
-            </a:extLst>
-          </p:cNvPr>
-          <p:cNvGrpSpPr/>
-          <p:nvPr/>
-        </p:nvGrpSpPr>
-        <p:grpSpPr>
+          </a:xfrm>
+          <a:prstGeom prst="roundRect">
+            <a:avLst>
+              <a:gd name="adj" fmla="val 3400"/>
+            </a:avLst>
+          </a:prstGeom>
+          <a:solidFill>
+            <a:schemeClr val="accent2">
+              <a:lumMod val="40000"/>
+              <a:lumOff val="60000"/>
+            </a:schemeClr>
+          </a:solidFill>
+        </p:spPr>
+        <p:style>
+          <a:lnRef idx="2">
+            <a:schemeClr val="dk1"/>
+          </a:lnRef>
+          <a:fillRef idx="1">
+            <a:schemeClr val="lt1"/>
+          </a:fillRef>
+          <a:effectRef idx="0">
+            <a:schemeClr val="dk1"/>
+          </a:effectRef>
+          <a:fontRef idx="minor">
+            <a:schemeClr val="dk1"/>
+          </a:fontRef>
+        </p:style>
+        <p:txBody>
+          <a:bodyPr rtlCol="0" anchor="b"/>
+          <a:lstStyle/>
+          <a:p>
+            <a:pPr algn="ctr"/>
+            <a:r>
+              <a:rPr lang="en-US" altLang="ko-KR" sz="1400"/>
+              <a:t>qbr1</a:t>
+            </a:r>
+            <a:endParaRPr lang="ko-KR" altLang="en-US" sz="1400" dirty="0"/>
+          </a:p>
+        </p:txBody>
+      </p:sp>
+      <p:sp>
+        <p:nvSpPr>
+          <p:cNvPr id="64" name="모서리가 둥근 직사각형 15">
+            <a:extLst>
+              <a:ext uri="{FF2B5EF4-FFF2-40B4-BE49-F238E27FC236}">
+                <a16:creationId xmlns:a16="http://schemas.microsoft.com/office/drawing/2014/main" id="{977DF695-88D2-4993-B3AF-70E00DB21276}"/>
+              </a:ext>
+            </a:extLst>
+          </p:cNvPr>
+          <p:cNvSpPr/>
+          <p:nvPr/>
+        </p:nvSpPr>
+        <p:spPr>
           <a:xfrm>
             <a:off x="2690702" y="1796089"/>
             <a:ext cx="1296143" cy="650725"/>
-            <a:chOff x="2001752" y="2857129"/>
-            <a:chExt cx="1224136" cy="578717"/>
-          </a:xfrm>
-        </p:grpSpPr>
-        <p:sp>
-          <p:nvSpPr>
-            <p:cNvPr id="64" name="모서리가 둥근 직사각형 15">
-              <a:extLst>
-                <a:ext uri="{FF2B5EF4-FFF2-40B4-BE49-F238E27FC236}">
-                  <a16:creationId xmlns:a16="http://schemas.microsoft.com/office/drawing/2014/main" id="{977DF695-88D2-4993-B3AF-70E00DB21276}"/>
-                </a:ext>
-              </a:extLst>
-            </p:cNvPr>
-            <p:cNvSpPr/>
-            <p:nvPr/>
-          </p:nvSpPr>
-          <p:spPr>
-            <a:xfrm>
-              <a:off x="2001752" y="2857129"/>
-              <a:ext cx="1224136" cy="578717"/>
-            </a:xfrm>
-            <a:prstGeom prst="roundRect">
-              <a:avLst>
-                <a:gd name="adj" fmla="val 3400"/>
-              </a:avLst>
-            </a:prstGeom>
-            <a:solidFill>
-              <a:schemeClr val="accent2">
-                <a:lumMod val="40000"/>
-                <a:lumOff val="60000"/>
-              </a:schemeClr>
-            </a:solidFill>
-          </p:spPr>
-          <p:style>
-            <a:lnRef idx="2">
-              <a:schemeClr val="dk1"/>
-            </a:lnRef>
-            <a:fillRef idx="1">
-              <a:schemeClr val="lt1"/>
-            </a:fillRef>
-            <a:effectRef idx="0">
-              <a:schemeClr val="dk1"/>
-            </a:effectRef>
-            <a:fontRef idx="minor">
-              <a:schemeClr val="dk1"/>
-            </a:fontRef>
-          </p:style>
-          <p:txBody>
-            <a:bodyPr rtlCol="0" anchor="b"/>
-            <a:lstStyle/>
-            <a:p>
-              <a:pPr algn="ctr"/>
-              <a:r>
-                <a:rPr lang="en-US" altLang="ko-KR" sz="1400"/>
-                <a:t>qbr2</a:t>
-              </a:r>
-              <a:endParaRPr lang="ko-KR" altLang="en-US" sz="1400" dirty="0"/>
-            </a:p>
-          </p:txBody>
-        </p:sp>
-        <p:sp>
-          <p:nvSpPr>
-            <p:cNvPr id="65" name="타원 64">
-              <a:extLst>
-                <a:ext uri="{FF2B5EF4-FFF2-40B4-BE49-F238E27FC236}">
-                  <a16:creationId xmlns:a16="http://schemas.microsoft.com/office/drawing/2014/main" id="{D4256751-3ABB-4143-8E3F-0986532DE52E}"/>
-                </a:ext>
-              </a:extLst>
-            </p:cNvPr>
-            <p:cNvSpPr/>
-            <p:nvPr/>
-          </p:nvSpPr>
-          <p:spPr>
-            <a:xfrm>
-              <a:off x="2035430" y="2898989"/>
-              <a:ext cx="1156780" cy="290684"/>
-            </a:xfrm>
-            <a:prstGeom prst="ellipse">
-              <a:avLst/>
-            </a:prstGeom>
-          </p:spPr>
-          <p:style>
-            <a:lnRef idx="2">
-              <a:schemeClr val="dk1"/>
-            </a:lnRef>
-            <a:fillRef idx="1">
-              <a:schemeClr val="lt1"/>
-            </a:fillRef>
-            <a:effectRef idx="0">
-              <a:schemeClr val="dk1"/>
-            </a:effectRef>
-            <a:fontRef idx="minor">
-              <a:schemeClr val="dk1"/>
-            </a:fontRef>
-          </p:style>
-          <p:txBody>
-            <a:bodyPr rtlCol="0" anchor="ctr"/>
-            <a:lstStyle/>
-            <a:p>
-              <a:pPr algn="ctr"/>
-              <a:r>
-                <a:rPr lang="en-US" altLang="ko-KR" sz="1400"/>
-                <a:t>iptables</a:t>
-              </a:r>
-              <a:endParaRPr lang="ko-KR" altLang="en-US" sz="1400"/>
-            </a:p>
-          </p:txBody>
-        </p:sp>
-      </p:grpSp>
-      <p:grpSp>
-        <p:nvGrpSpPr>
-          <p:cNvPr id="66" name="그룹 65">
-            <a:extLst>
-              <a:ext uri="{FF2B5EF4-FFF2-40B4-BE49-F238E27FC236}">
-                <a16:creationId xmlns:a16="http://schemas.microsoft.com/office/drawing/2014/main" id="{9256A5B8-4707-4FFA-BEF0-DE676FA0BA68}"/>
-              </a:ext>
-            </a:extLst>
-          </p:cNvPr>
-          <p:cNvGrpSpPr/>
-          <p:nvPr/>
-        </p:nvGrpSpPr>
-        <p:grpSpPr>
+          </a:xfrm>
+          <a:prstGeom prst="roundRect">
+            <a:avLst>
+              <a:gd name="adj" fmla="val 3400"/>
+            </a:avLst>
+          </a:prstGeom>
+          <a:solidFill>
+            <a:schemeClr val="accent2">
+              <a:lumMod val="40000"/>
+              <a:lumOff val="60000"/>
+            </a:schemeClr>
+          </a:solidFill>
+        </p:spPr>
+        <p:style>
+          <a:lnRef idx="2">
+            <a:schemeClr val="dk1"/>
+          </a:lnRef>
+          <a:fillRef idx="1">
+            <a:schemeClr val="lt1"/>
+          </a:fillRef>
+          <a:effectRef idx="0">
+            <a:schemeClr val="dk1"/>
+          </a:effectRef>
+          <a:fontRef idx="minor">
+            <a:schemeClr val="dk1"/>
+          </a:fontRef>
+        </p:style>
+        <p:txBody>
+          <a:bodyPr rtlCol="0" anchor="b"/>
+          <a:lstStyle/>
+          <a:p>
+            <a:pPr algn="ctr"/>
+            <a:r>
+              <a:rPr lang="en-US" altLang="ko-KR" sz="1400"/>
+              <a:t>qbr2</a:t>
+            </a:r>
+            <a:endParaRPr lang="ko-KR" altLang="en-US" sz="1400" dirty="0"/>
+          </a:p>
+        </p:txBody>
+      </p:sp>
+      <p:sp>
+        <p:nvSpPr>
+          <p:cNvPr id="67" name="모서리가 둥근 직사각형 15">
+            <a:extLst>
+              <a:ext uri="{FF2B5EF4-FFF2-40B4-BE49-F238E27FC236}">
+                <a16:creationId xmlns:a16="http://schemas.microsoft.com/office/drawing/2014/main" id="{2D29E843-4E2D-40A6-8DE6-B4DEDDA33E9C}"/>
+              </a:ext>
+            </a:extLst>
+          </p:cNvPr>
+          <p:cNvSpPr/>
+          <p:nvPr/>
+        </p:nvSpPr>
+        <p:spPr>
           <a:xfrm>
             <a:off x="4130861" y="1799112"/>
             <a:ext cx="1296143" cy="650725"/>
-            <a:chOff x="2001752" y="2857129"/>
-            <a:chExt cx="1224136" cy="578717"/>
-          </a:xfrm>
-        </p:grpSpPr>
-        <p:sp>
-          <p:nvSpPr>
-            <p:cNvPr id="67" name="모서리가 둥근 직사각형 15">
-              <a:extLst>
-                <a:ext uri="{FF2B5EF4-FFF2-40B4-BE49-F238E27FC236}">
-                  <a16:creationId xmlns:a16="http://schemas.microsoft.com/office/drawing/2014/main" id="{2D29E843-4E2D-40A6-8DE6-B4DEDDA33E9C}"/>
-                </a:ext>
-              </a:extLst>
-            </p:cNvPr>
-            <p:cNvSpPr/>
-            <p:nvPr/>
-          </p:nvSpPr>
-          <p:spPr>
-            <a:xfrm>
-              <a:off x="2001752" y="2857129"/>
-              <a:ext cx="1224136" cy="578717"/>
-            </a:xfrm>
-            <a:prstGeom prst="roundRect">
-              <a:avLst>
-                <a:gd name="adj" fmla="val 3400"/>
-              </a:avLst>
-            </a:prstGeom>
-            <a:solidFill>
-              <a:schemeClr val="accent2">
-                <a:lumMod val="40000"/>
-                <a:lumOff val="60000"/>
-              </a:schemeClr>
-            </a:solidFill>
-          </p:spPr>
-          <p:style>
-            <a:lnRef idx="2">
-              <a:schemeClr val="dk1"/>
-            </a:lnRef>
-            <a:fillRef idx="1">
-              <a:schemeClr val="lt1"/>
-            </a:fillRef>
-            <a:effectRef idx="0">
-              <a:schemeClr val="dk1"/>
-            </a:effectRef>
-            <a:fontRef idx="minor">
-              <a:schemeClr val="dk1"/>
-            </a:fontRef>
-          </p:style>
-          <p:txBody>
-            <a:bodyPr rtlCol="0" anchor="b"/>
-            <a:lstStyle/>
-            <a:p>
-              <a:pPr algn="ctr"/>
-              <a:r>
-                <a:rPr lang="en-US" altLang="ko-KR" sz="1400"/>
-                <a:t>qbr3</a:t>
-              </a:r>
-              <a:endParaRPr lang="ko-KR" altLang="en-US" sz="1400" dirty="0"/>
-            </a:p>
-          </p:txBody>
-        </p:sp>
-        <p:sp>
-          <p:nvSpPr>
-            <p:cNvPr id="68" name="타원 67">
-              <a:extLst>
-                <a:ext uri="{FF2B5EF4-FFF2-40B4-BE49-F238E27FC236}">
-                  <a16:creationId xmlns:a16="http://schemas.microsoft.com/office/drawing/2014/main" id="{3A8CC273-AB83-4B34-ABC2-417815494201}"/>
-                </a:ext>
-              </a:extLst>
-            </p:cNvPr>
-            <p:cNvSpPr/>
-            <p:nvPr/>
-          </p:nvSpPr>
-          <p:spPr>
-            <a:xfrm>
-              <a:off x="2035430" y="2898989"/>
-              <a:ext cx="1156780" cy="290684"/>
-            </a:xfrm>
-            <a:prstGeom prst="ellipse">
-              <a:avLst/>
-            </a:prstGeom>
-          </p:spPr>
-          <p:style>
-            <a:lnRef idx="2">
-              <a:schemeClr val="dk1"/>
-            </a:lnRef>
-            <a:fillRef idx="1">
-              <a:schemeClr val="lt1"/>
-            </a:fillRef>
-            <a:effectRef idx="0">
-              <a:schemeClr val="dk1"/>
-            </a:effectRef>
-            <a:fontRef idx="minor">
-              <a:schemeClr val="dk1"/>
-            </a:fontRef>
-          </p:style>
-          <p:txBody>
-            <a:bodyPr rtlCol="0" anchor="ctr"/>
-            <a:lstStyle/>
-            <a:p>
-              <a:pPr algn="ctr"/>
-              <a:r>
-                <a:rPr lang="en-US" altLang="ko-KR" sz="1400"/>
-                <a:t>iptables</a:t>
-              </a:r>
-              <a:endParaRPr lang="ko-KR" altLang="en-US" sz="1400"/>
-            </a:p>
-          </p:txBody>
-        </p:sp>
-      </p:grpSp>
-      <p:grpSp>
-        <p:nvGrpSpPr>
-          <p:cNvPr id="69" name="그룹 68">
-            <a:extLst>
-              <a:ext uri="{FF2B5EF4-FFF2-40B4-BE49-F238E27FC236}">
-                <a16:creationId xmlns:a16="http://schemas.microsoft.com/office/drawing/2014/main" id="{F05F5555-3B20-43E8-B99B-B04ECB181E4D}"/>
-              </a:ext>
-            </a:extLst>
-          </p:cNvPr>
-          <p:cNvGrpSpPr/>
-          <p:nvPr/>
-        </p:nvGrpSpPr>
-        <p:grpSpPr>
+          </a:xfrm>
+          <a:prstGeom prst="roundRect">
+            <a:avLst>
+              <a:gd name="adj" fmla="val 3400"/>
+            </a:avLst>
+          </a:prstGeom>
+          <a:solidFill>
+            <a:schemeClr val="accent2">
+              <a:lumMod val="40000"/>
+              <a:lumOff val="60000"/>
+            </a:schemeClr>
+          </a:solidFill>
+        </p:spPr>
+        <p:style>
+          <a:lnRef idx="2">
+            <a:schemeClr val="dk1"/>
+          </a:lnRef>
+          <a:fillRef idx="1">
+            <a:schemeClr val="lt1"/>
+          </a:fillRef>
+          <a:effectRef idx="0">
+            <a:schemeClr val="dk1"/>
+          </a:effectRef>
+          <a:fontRef idx="minor">
+            <a:schemeClr val="dk1"/>
+          </a:fontRef>
+        </p:style>
+        <p:txBody>
+          <a:bodyPr rtlCol="0" anchor="b"/>
+          <a:lstStyle/>
+          <a:p>
+            <a:pPr algn="ctr"/>
+            <a:r>
+              <a:rPr lang="en-US" altLang="ko-KR" sz="1400"/>
+              <a:t>qbr3</a:t>
+            </a:r>
+            <a:endParaRPr lang="ko-KR" altLang="en-US" sz="1400" dirty="0"/>
+          </a:p>
+        </p:txBody>
+      </p:sp>
+      <p:sp>
+        <p:nvSpPr>
+          <p:cNvPr id="70" name="모서리가 둥근 직사각형 15">
+            <a:extLst>
+              <a:ext uri="{FF2B5EF4-FFF2-40B4-BE49-F238E27FC236}">
+                <a16:creationId xmlns:a16="http://schemas.microsoft.com/office/drawing/2014/main" id="{873A60D9-505D-4BD3-A05A-6554B401DD62}"/>
+              </a:ext>
+            </a:extLst>
+          </p:cNvPr>
+          <p:cNvSpPr/>
+          <p:nvPr/>
+        </p:nvSpPr>
+        <p:spPr>
           <a:xfrm>
             <a:off x="5571022" y="1796089"/>
             <a:ext cx="1296143" cy="650725"/>
-            <a:chOff x="2001752" y="2857129"/>
-            <a:chExt cx="1224136" cy="578717"/>
-          </a:xfrm>
-        </p:grpSpPr>
-        <p:sp>
-          <p:nvSpPr>
-            <p:cNvPr id="70" name="모서리가 둥근 직사각형 15">
-              <a:extLst>
-                <a:ext uri="{FF2B5EF4-FFF2-40B4-BE49-F238E27FC236}">
-                  <a16:creationId xmlns:a16="http://schemas.microsoft.com/office/drawing/2014/main" id="{873A60D9-505D-4BD3-A05A-6554B401DD62}"/>
-                </a:ext>
-              </a:extLst>
-            </p:cNvPr>
-            <p:cNvSpPr/>
-            <p:nvPr/>
-          </p:nvSpPr>
-          <p:spPr>
-            <a:xfrm>
-              <a:off x="2001752" y="2857129"/>
-              <a:ext cx="1224136" cy="578717"/>
-            </a:xfrm>
-            <a:prstGeom prst="roundRect">
-              <a:avLst>
-                <a:gd name="adj" fmla="val 3400"/>
-              </a:avLst>
-            </a:prstGeom>
-            <a:solidFill>
-              <a:schemeClr val="accent2">
-                <a:lumMod val="40000"/>
-                <a:lumOff val="60000"/>
-              </a:schemeClr>
-            </a:solidFill>
-          </p:spPr>
-          <p:style>
-            <a:lnRef idx="2">
-              <a:schemeClr val="dk1"/>
-            </a:lnRef>
-            <a:fillRef idx="1">
-              <a:schemeClr val="lt1"/>
-            </a:fillRef>
-            <a:effectRef idx="0">
-              <a:schemeClr val="dk1"/>
-            </a:effectRef>
-            <a:fontRef idx="minor">
-              <a:schemeClr val="dk1"/>
-            </a:fontRef>
-          </p:style>
-          <p:txBody>
-            <a:bodyPr rtlCol="0" anchor="b"/>
-            <a:lstStyle/>
-            <a:p>
-              <a:pPr algn="ctr"/>
-              <a:r>
-                <a:rPr lang="en-US" altLang="ko-KR" sz="1400"/>
-                <a:t>qbr4</a:t>
-              </a:r>
-              <a:endParaRPr lang="ko-KR" altLang="en-US" sz="1400" dirty="0"/>
-            </a:p>
-          </p:txBody>
-        </p:sp>
-        <p:sp>
-          <p:nvSpPr>
-            <p:cNvPr id="71" name="타원 70">
-              <a:extLst>
-                <a:ext uri="{FF2B5EF4-FFF2-40B4-BE49-F238E27FC236}">
-                  <a16:creationId xmlns:a16="http://schemas.microsoft.com/office/drawing/2014/main" id="{DC8F46BC-231D-4CB7-B16F-ED2A86DB3FF6}"/>
-                </a:ext>
-              </a:extLst>
-            </p:cNvPr>
-            <p:cNvSpPr/>
-            <p:nvPr/>
-          </p:nvSpPr>
-          <p:spPr>
-            <a:xfrm>
-              <a:off x="2035430" y="2898989"/>
-              <a:ext cx="1156780" cy="290684"/>
-            </a:xfrm>
-            <a:prstGeom prst="ellipse">
-              <a:avLst/>
-            </a:prstGeom>
-          </p:spPr>
-          <p:style>
-            <a:lnRef idx="2">
-              <a:schemeClr val="dk1"/>
-            </a:lnRef>
-            <a:fillRef idx="1">
-              <a:schemeClr val="lt1"/>
-            </a:fillRef>
-            <a:effectRef idx="0">
-              <a:schemeClr val="dk1"/>
-            </a:effectRef>
-            <a:fontRef idx="minor">
-              <a:schemeClr val="dk1"/>
-            </a:fontRef>
-          </p:style>
-          <p:txBody>
-            <a:bodyPr rtlCol="0" anchor="ctr"/>
-            <a:lstStyle/>
-            <a:p>
-              <a:pPr algn="ctr"/>
-              <a:r>
-                <a:rPr lang="en-US" altLang="ko-KR" sz="1400"/>
-                <a:t>iptables</a:t>
-              </a:r>
-              <a:endParaRPr lang="ko-KR" altLang="en-US" sz="1400"/>
-            </a:p>
-          </p:txBody>
-        </p:sp>
-      </p:grpSp>
+          </a:xfrm>
+          <a:prstGeom prst="roundRect">
+            <a:avLst>
+              <a:gd name="adj" fmla="val 3400"/>
+            </a:avLst>
+          </a:prstGeom>
+          <a:solidFill>
+            <a:schemeClr val="accent2">
+              <a:lumMod val="40000"/>
+              <a:lumOff val="60000"/>
+            </a:schemeClr>
+          </a:solidFill>
+        </p:spPr>
+        <p:style>
+          <a:lnRef idx="2">
+            <a:schemeClr val="dk1"/>
+          </a:lnRef>
+          <a:fillRef idx="1">
+            <a:schemeClr val="lt1"/>
+          </a:fillRef>
+          <a:effectRef idx="0">
+            <a:schemeClr val="dk1"/>
+          </a:effectRef>
+          <a:fontRef idx="minor">
+            <a:schemeClr val="dk1"/>
+          </a:fontRef>
+        </p:style>
+        <p:txBody>
+          <a:bodyPr rtlCol="0" anchor="b"/>
+          <a:lstStyle/>
+          <a:p>
+            <a:pPr algn="ctr"/>
+            <a:r>
+              <a:rPr lang="en-US" altLang="ko-KR" sz="1400"/>
+              <a:t>qbr4</a:t>
+            </a:r>
+            <a:endParaRPr lang="ko-KR" altLang="en-US" sz="1400" dirty="0"/>
+          </a:p>
+        </p:txBody>
+      </p:sp>
       <p:cxnSp>
         <p:nvCxnSpPr>
           <p:cNvPr id="72" name="직선 연결선 71">
@@ -14557,6 +14233,54 @@
           </a:fontRef>
         </p:style>
       </p:cxnSp>
+      <p:sp>
+        <p:nvSpPr>
+          <p:cNvPr id="77" name="타원 76">
+            <a:extLst>
+              <a:ext uri="{FF2B5EF4-FFF2-40B4-BE49-F238E27FC236}">
+                <a16:creationId xmlns:a16="http://schemas.microsoft.com/office/drawing/2014/main" id="{82F30CE4-9AE0-47F3-A1DA-971EC48D3A9F}"/>
+              </a:ext>
+            </a:extLst>
+          </p:cNvPr>
+          <p:cNvSpPr/>
+          <p:nvPr/>
+        </p:nvSpPr>
+        <p:spPr>
+          <a:xfrm>
+            <a:off x="1286199" y="1845252"/>
+            <a:ext cx="5518046" cy="326853"/>
+          </a:xfrm>
+          <a:prstGeom prst="ellipse">
+            <a:avLst/>
+          </a:prstGeom>
+        </p:spPr>
+        <p:style>
+          <a:lnRef idx="2">
+            <a:schemeClr val="dk1"/>
+          </a:lnRef>
+          <a:fillRef idx="1">
+            <a:schemeClr val="lt1"/>
+          </a:fillRef>
+          <a:effectRef idx="0">
+            <a:schemeClr val="dk1"/>
+          </a:effectRef>
+          <a:fontRef idx="minor">
+            <a:schemeClr val="dk1"/>
+          </a:fontRef>
+        </p:style>
+        <p:txBody>
+          <a:bodyPr rtlCol="0" anchor="ctr"/>
+          <a:lstStyle/>
+          <a:p>
+            <a:pPr algn="ctr"/>
+            <a:r>
+              <a:rPr lang="en-US" altLang="ko-KR" sz="1400"/>
+              <a:t>iptables</a:t>
+            </a:r>
+            <a:endParaRPr lang="ko-KR" altLang="en-US" sz="1400"/>
+          </a:p>
+        </p:txBody>
+      </p:sp>
     </p:spTree>
     <p:extLst>
       <p:ext uri="{BB962C8B-B14F-4D97-AF65-F5344CB8AC3E}">

--- a/images/theory_analysis/OpenStack_Neutron/OpenStack_Network_Neutron.pptx
+++ b/images/theory_analysis/OpenStack_Neutron/OpenStack_Network_Neutron.pptx
@@ -13787,7 +13787,7 @@
         </p:nvSpPr>
         <p:spPr>
           <a:xfrm>
-            <a:off x="2546685" y="3675513"/>
+            <a:off x="2546685" y="3668689"/>
             <a:ext cx="1440160" cy="290684"/>
           </a:xfrm>
           <a:prstGeom prst="roundRect">
@@ -13843,7 +13843,7 @@
         </p:nvSpPr>
         <p:spPr>
           <a:xfrm>
-            <a:off x="4130862" y="3675513"/>
+            <a:off x="4130862" y="3668689"/>
             <a:ext cx="1440160" cy="290684"/>
           </a:xfrm>
           <a:prstGeom prst="roundRect">
@@ -14071,8 +14071,8 @@
         </p:nvCxnSpPr>
         <p:spPr>
           <a:xfrm flipV="1">
-            <a:off x="2641945" y="3966197"/>
-            <a:ext cx="624820" cy="135069"/>
+            <a:off x="2641945" y="3959373"/>
+            <a:ext cx="624820" cy="141893"/>
           </a:xfrm>
           <a:prstGeom prst="line">
             <a:avLst/>
@@ -14116,8 +14116,8 @@
         </p:nvCxnSpPr>
         <p:spPr>
           <a:xfrm flipH="1" flipV="1">
-            <a:off x="4850942" y="3966197"/>
-            <a:ext cx="624821" cy="135069"/>
+            <a:off x="4850942" y="3959373"/>
+            <a:ext cx="624821" cy="141893"/>
           </a:xfrm>
           <a:prstGeom prst="line">
             <a:avLst/>
@@ -16014,7 +16014,7 @@
         </p:nvSpPr>
         <p:spPr>
           <a:xfrm>
-            <a:off x="3100518" y="3491360"/>
+            <a:off x="3100518" y="3484536"/>
             <a:ext cx="1440160" cy="290684"/>
           </a:xfrm>
           <a:prstGeom prst="roundRect">
@@ -16070,7 +16070,7 @@
         </p:nvSpPr>
         <p:spPr>
           <a:xfrm>
-            <a:off x="5023503" y="3491360"/>
+            <a:off x="5023503" y="3484536"/>
             <a:ext cx="1440160" cy="290684"/>
           </a:xfrm>
           <a:prstGeom prst="roundRect">
@@ -16298,8 +16298,8 @@
         </p:nvCxnSpPr>
         <p:spPr>
           <a:xfrm flipV="1">
-            <a:off x="3820598" y="3782044"/>
-            <a:ext cx="0" cy="135069"/>
+            <a:off x="3820598" y="3775220"/>
+            <a:ext cx="0" cy="141893"/>
           </a:xfrm>
           <a:prstGeom prst="line">
             <a:avLst/>
@@ -16343,8 +16343,8 @@
         </p:nvCxnSpPr>
         <p:spPr>
           <a:xfrm flipV="1">
-            <a:off x="5743583" y="3782044"/>
-            <a:ext cx="0" cy="135069"/>
+            <a:off x="5743583" y="3775220"/>
+            <a:ext cx="0" cy="141893"/>
           </a:xfrm>
           <a:prstGeom prst="line">
             <a:avLst/>
@@ -16990,7 +16990,7 @@
         </p:nvSpPr>
         <p:spPr>
           <a:xfrm>
-            <a:off x="1157312" y="3491360"/>
+            <a:off x="1157312" y="3484536"/>
             <a:ext cx="1440160" cy="290684"/>
           </a:xfrm>
           <a:prstGeom prst="roundRect">
@@ -17252,8 +17252,8 @@
         </p:nvCxnSpPr>
         <p:spPr>
           <a:xfrm flipV="1">
-            <a:off x="1877392" y="3782044"/>
-            <a:ext cx="0" cy="135069"/>
+            <a:off x="1877392" y="3775220"/>
+            <a:ext cx="0" cy="141893"/>
           </a:xfrm>
           <a:prstGeom prst="line">
             <a:avLst/>

--- a/images/theory_analysis/OpenStack_Neutron/OpenStack_Network_Neutron.pptx
+++ b/images/theory_analysis/OpenStack_Neutron/OpenStack_Network_Neutron.pptx
@@ -13731,8 +13731,8 @@
         </p:nvSpPr>
         <p:spPr>
           <a:xfrm>
-            <a:off x="1921865" y="4387972"/>
-            <a:ext cx="1440160" cy="290685"/>
+            <a:off x="1738182" y="4387972"/>
+            <a:ext cx="1807526" cy="290685"/>
           </a:xfrm>
           <a:prstGeom prst="roundRect">
             <a:avLst>
@@ -13767,7 +13767,7 @@
             <a:pPr algn="ctr"/>
             <a:r>
               <a:rPr lang="en-US" altLang="ko-KR" sz="1400"/>
-              <a:t>br-tun</a:t>
+              <a:t>br-tun (VXLAN, GRE)</a:t>
             </a:r>
             <a:endParaRPr lang="ko-KR" altLang="en-US" sz="1400" dirty="0"/>
           </a:p>
@@ -13899,8 +13899,8 @@
         </p:nvSpPr>
         <p:spPr>
           <a:xfrm>
-            <a:off x="1921865" y="4101266"/>
-            <a:ext cx="1440160" cy="290684"/>
+            <a:off x="1738182" y="4101266"/>
+            <a:ext cx="1807526" cy="290684"/>
           </a:xfrm>
           <a:prstGeom prst="roundRect">
             <a:avLst>
@@ -13955,8 +13955,8 @@
         </p:nvSpPr>
         <p:spPr>
           <a:xfrm>
-            <a:off x="4755683" y="4387972"/>
-            <a:ext cx="1440160" cy="290685"/>
+            <a:off x="4572000" y="4387972"/>
+            <a:ext cx="1807526" cy="290685"/>
           </a:xfrm>
           <a:prstGeom prst="roundRect">
             <a:avLst>
@@ -14011,8 +14011,8 @@
         </p:nvSpPr>
         <p:spPr>
           <a:xfrm>
-            <a:off x="4755683" y="4101266"/>
-            <a:ext cx="1440160" cy="290684"/>
+            <a:off x="4572000" y="4101266"/>
+            <a:ext cx="1807526" cy="290684"/>
           </a:xfrm>
           <a:prstGeom prst="roundRect">
             <a:avLst>
@@ -15958,8 +15958,8 @@
         </p:nvSpPr>
         <p:spPr>
           <a:xfrm>
-            <a:off x="3100518" y="4203819"/>
-            <a:ext cx="1440160" cy="290685"/>
+            <a:off x="2855192" y="4203819"/>
+            <a:ext cx="1930812" cy="290685"/>
           </a:xfrm>
           <a:prstGeom prst="roundRect">
             <a:avLst>
@@ -15994,7 +15994,7 @@
             <a:pPr algn="ctr"/>
             <a:r>
               <a:rPr lang="en-US" altLang="ko-KR" sz="1400"/>
-              <a:t>br-tun</a:t>
+              <a:t>br-tun (VXLAN, GRE)</a:t>
             </a:r>
             <a:endParaRPr lang="ko-KR" altLang="en-US" sz="1400" dirty="0"/>
           </a:p>
@@ -16126,8 +16126,8 @@
         </p:nvSpPr>
         <p:spPr>
           <a:xfrm>
-            <a:off x="3100518" y="3917113"/>
-            <a:ext cx="1440160" cy="290684"/>
+            <a:off x="2855192" y="3917113"/>
+            <a:ext cx="1930812" cy="290684"/>
           </a:xfrm>
           <a:prstGeom prst="roundRect">
             <a:avLst>
